--- a/Notebooks/Nederlands/02 - Objecten datastructuren en operatoren/13 - Opdrachten.pptx
+++ b/Notebooks/Nederlands/02 - Objecten datastructuren en operatoren/13 - Opdrachten.pptx
@@ -165,6 +165,60 @@
     <p:sldId id="413" r:id="rId164"/>
     <p:sldId id="414" r:id="rId165"/>
     <p:sldId id="415" r:id="rId166"/>
+    <p:sldId id="416" r:id="rId167"/>
+    <p:sldId id="417" r:id="rId168"/>
+    <p:sldId id="418" r:id="rId169"/>
+    <p:sldId id="419" r:id="rId170"/>
+    <p:sldId id="420" r:id="rId171"/>
+    <p:sldId id="421" r:id="rId172"/>
+    <p:sldId id="422" r:id="rId173"/>
+    <p:sldId id="423" r:id="rId174"/>
+    <p:sldId id="424" r:id="rId175"/>
+    <p:sldId id="425" r:id="rId176"/>
+    <p:sldId id="426" r:id="rId177"/>
+    <p:sldId id="427" r:id="rId178"/>
+    <p:sldId id="428" r:id="rId179"/>
+    <p:sldId id="429" r:id="rId180"/>
+    <p:sldId id="430" r:id="rId181"/>
+    <p:sldId id="431" r:id="rId182"/>
+    <p:sldId id="432" r:id="rId183"/>
+    <p:sldId id="433" r:id="rId184"/>
+    <p:sldId id="434" r:id="rId185"/>
+    <p:sldId id="435" r:id="rId186"/>
+    <p:sldId id="436" r:id="rId187"/>
+    <p:sldId id="437" r:id="rId188"/>
+    <p:sldId id="438" r:id="rId189"/>
+    <p:sldId id="439" r:id="rId190"/>
+    <p:sldId id="440" r:id="rId191"/>
+    <p:sldId id="441" r:id="rId192"/>
+    <p:sldId id="442" r:id="rId193"/>
+    <p:sldId id="443" r:id="rId194"/>
+    <p:sldId id="444" r:id="rId195"/>
+    <p:sldId id="445" r:id="rId196"/>
+    <p:sldId id="446" r:id="rId197"/>
+    <p:sldId id="447" r:id="rId198"/>
+    <p:sldId id="448" r:id="rId199"/>
+    <p:sldId id="449" r:id="rId200"/>
+    <p:sldId id="450" r:id="rId201"/>
+    <p:sldId id="451" r:id="rId202"/>
+    <p:sldId id="452" r:id="rId203"/>
+    <p:sldId id="453" r:id="rId204"/>
+    <p:sldId id="454" r:id="rId205"/>
+    <p:sldId id="455" r:id="rId206"/>
+    <p:sldId id="456" r:id="rId207"/>
+    <p:sldId id="457" r:id="rId208"/>
+    <p:sldId id="458" r:id="rId209"/>
+    <p:sldId id="459" r:id="rId210"/>
+    <p:sldId id="460" r:id="rId211"/>
+    <p:sldId id="461" r:id="rId212"/>
+    <p:sldId id="462" r:id="rId213"/>
+    <p:sldId id="463" r:id="rId214"/>
+    <p:sldId id="464" r:id="rId215"/>
+    <p:sldId id="465" r:id="rId216"/>
+    <p:sldId id="466" r:id="rId217"/>
+    <p:sldId id="467" r:id="rId218"/>
+    <p:sldId id="468" r:id="rId219"/>
+    <p:sldId id="469" r:id="rId220"/>
   </p:sldIdLst>
   <p:sldSz cx="9144000" cy="6858000" type="screen4x3"/>
   <p:notesSz cx="6858000" cy="9144000"/>
@@ -8125,6 +8179,564 @@
 </p:sld>
 </file>
 
+<file path=ppt/slides/slide161.xml><?xml version="1.0" encoding="utf-8"?>
+<p:sld xmlns:a="http://schemas.openxmlformats.org/drawingml/2006/main" xmlns:p="http://schemas.openxmlformats.org/presentationml/2006/main" xmlns:r="http://schemas.openxmlformats.org/officeDocument/2006/relationships">
+  <p:cSld>
+    <p:spTree>
+      <p:nvGrpSpPr>
+        <p:cNvPr id="1" name=""/>
+        <p:cNvGrpSpPr/>
+        <p:nvPr/>
+      </p:nvGrpSpPr>
+      <p:grpSpPr/>
+      <p:pic>
+        <p:nvPicPr>
+          <p:cNvPr id="2" name="Picture 1" descr="image.png"/>
+          <p:cNvPicPr>
+            <a:picLocks noChangeAspect="1"/>
+          </p:cNvPicPr>
+          <p:nvPr/>
+        </p:nvPicPr>
+        <p:blipFill>
+          <a:blip r:embed="rId2"/>
+          <a:stretch>
+            <a:fillRect/>
+          </a:stretch>
+        </p:blipFill>
+        <p:spPr>
+          <a:xfrm>
+            <a:off x="914400" y="914400"/>
+            <a:ext cx="5105400" cy="1346200"/>
+          </a:xfrm>
+          <a:prstGeom prst="rect">
+            <a:avLst/>
+          </a:prstGeom>
+        </p:spPr>
+      </p:pic>
+    </p:spTree>
+  </p:cSld>
+  <p:clrMapOvr>
+    <a:masterClrMapping/>
+  </p:clrMapOvr>
+</p:sld>
+</file>
+
+<file path=ppt/slides/slide162.xml><?xml version="1.0" encoding="utf-8"?>
+<p:sld xmlns:a="http://schemas.openxmlformats.org/drawingml/2006/main" xmlns:p="http://schemas.openxmlformats.org/presentationml/2006/main" xmlns:r="http://schemas.openxmlformats.org/officeDocument/2006/relationships">
+  <p:cSld>
+    <p:spTree>
+      <p:nvGrpSpPr>
+        <p:cNvPr id="1" name=""/>
+        <p:cNvGrpSpPr/>
+        <p:nvPr/>
+      </p:nvGrpSpPr>
+      <p:grpSpPr/>
+      <p:sp>
+        <p:nvSpPr>
+          <p:cNvPr id="2" name="TextBox 1"/>
+          <p:cNvSpPr txBox="1"/>
+          <p:nvPr/>
+        </p:nvSpPr>
+        <p:spPr>
+          <a:xfrm>
+            <a:off x="914400" y="914400"/>
+            <a:ext cx="914400" cy="914400"/>
+          </a:xfrm>
+          <a:prstGeom prst="rect">
+            <a:avLst/>
+          </a:prstGeom>
+          <a:noFill/>
+        </p:spPr>
+        <p:txBody>
+          <a:bodyPr wrap="none">
+            <a:spAutoFit/>
+          </a:bodyPr>
+          <a:lstStyle/>
+          <a:p>
+            <a:r>
+              <a:t>Info:</a:t>
+            </a:r>
+          </a:p>
+          <a:p>
+            <a:pPr>
+              <a:defRPr sz="1200"/>
+            </a:pPr>
+            <a:r>
+              <a:t>&lt;center&gt;</a:t>
+            </a:r>
+            <a:br/>
+            <a:r>
+              <a:t>    &lt;img src='https://intecbrussel.be/img/logo3.png' width='400px' height='auto'/&gt;</a:t>
+            </a:r>
+            <a:br/>
+            <a:r>
+              <a:t>    &lt;br/&gt;</a:t>
+            </a:r>
+            <a:br/>
+            <a:r>
+              <a:t>    &lt;em&gt;Python les-materialen&lt;/em&gt;</a:t>
+            </a:r>
+            <a:br/>
+            <a:r>
+              <a:t>&lt;/center&gt;</a:t>
+            </a:r>
+            <a:br/>
+          </a:p>
+        </p:txBody>
+      </p:sp>
+    </p:spTree>
+  </p:cSld>
+  <p:clrMapOvr>
+    <a:masterClrMapping/>
+  </p:clrMapOvr>
+</p:sld>
+</file>
+
+<file path=ppt/slides/slide163.xml><?xml version="1.0" encoding="utf-8"?>
+<p:sld xmlns:a="http://schemas.openxmlformats.org/drawingml/2006/main" xmlns:p="http://schemas.openxmlformats.org/presentationml/2006/main" xmlns:r="http://schemas.openxmlformats.org/officeDocument/2006/relationships">
+  <p:cSld>
+    <p:spTree>
+      <p:nvGrpSpPr>
+        <p:cNvPr id="1" name=""/>
+        <p:cNvGrpSpPr/>
+        <p:nvPr/>
+      </p:nvGrpSpPr>
+      <p:grpSpPr/>
+      <p:sp>
+        <p:nvSpPr>
+          <p:cNvPr id="2" name="TextBox 1"/>
+          <p:cNvSpPr txBox="1"/>
+          <p:nvPr/>
+        </p:nvSpPr>
+        <p:spPr>
+          <a:xfrm>
+            <a:off x="914400" y="914400"/>
+            <a:ext cx="914400" cy="914400"/>
+          </a:xfrm>
+          <a:prstGeom prst="rect">
+            <a:avLst/>
+          </a:prstGeom>
+          <a:noFill/>
+        </p:spPr>
+        <p:txBody>
+          <a:bodyPr wrap="none">
+            <a:spAutoFit/>
+          </a:bodyPr>
+          <a:lstStyle/>
+          <a:p>
+            <a:r>
+              <a:t>Info:</a:t>
+            </a:r>
+          </a:p>
+          <a:p>
+            <a:pPr>
+              <a:defRPr sz="1200"/>
+            </a:pPr>
+            <a:r>
+              <a:t># Opdrachten Hoofdstuk 00</a:t>
+            </a:r>
+            <a:br/>
+            <a:br/>
+            <a:r>
+              <a:t>## Test je eigen kennis.</a:t>
+            </a:r>
+            <a:br/>
+            <a:br/>
+            <a:r>
+              <a:t>** Beantwoord de volgende vragen **</a:t>
+            </a:r>
+            <a:br/>
+          </a:p>
+        </p:txBody>
+      </p:sp>
+    </p:spTree>
+  </p:cSld>
+  <p:clrMapOvr>
+    <a:masterClrMapping/>
+  </p:clrMapOvr>
+</p:sld>
+</file>
+
+<file path=ppt/slides/slide164.xml><?xml version="1.0" encoding="utf-8"?>
+<p:sld xmlns:a="http://schemas.openxmlformats.org/drawingml/2006/main" xmlns:p="http://schemas.openxmlformats.org/presentationml/2006/main" xmlns:r="http://schemas.openxmlformats.org/officeDocument/2006/relationships">
+  <p:cSld>
+    <p:spTree>
+      <p:nvGrpSpPr>
+        <p:cNvPr id="1" name=""/>
+        <p:cNvGrpSpPr/>
+        <p:nvPr/>
+      </p:nvGrpSpPr>
+      <p:grpSpPr/>
+      <p:sp>
+        <p:nvSpPr>
+          <p:cNvPr id="2" name="TextBox 1"/>
+          <p:cNvSpPr txBox="1"/>
+          <p:nvPr/>
+        </p:nvSpPr>
+        <p:spPr>
+          <a:xfrm>
+            <a:off x="914400" y="914400"/>
+            <a:ext cx="914400" cy="914400"/>
+          </a:xfrm>
+          <a:prstGeom prst="rect">
+            <a:avLst/>
+          </a:prstGeom>
+          <a:noFill/>
+        </p:spPr>
+        <p:txBody>
+          <a:bodyPr wrap="none">
+            <a:spAutoFit/>
+          </a:bodyPr>
+          <a:lstStyle/>
+          <a:p>
+            <a:r>
+              <a:t>Info:</a:t>
+            </a:r>
+          </a:p>
+          <a:p>
+            <a:pPr>
+              <a:defRPr sz="1200"/>
+            </a:pPr>
+            <a:r>
+              <a:t>Schrijf (of zeg het gewoon hardop tegen jezelf) een korte beschrijving van alle volgende objecttypen en gegevensstructuren waarover we hebben geleerd. U kunt de onderstaande cel bewerken door erop te dubbelklikken. Dit is echt alleen om te testen of je het verschil hiertussen weet, dus voel je vrij om er gewoon over na te denken, aangezien je antwoorden zelfbeoordeeld zijn.</a:t>
+            </a:r>
+            <a:br/>
+          </a:p>
+        </p:txBody>
+      </p:sp>
+    </p:spTree>
+  </p:cSld>
+  <p:clrMapOvr>
+    <a:masterClrMapping/>
+  </p:clrMapOvr>
+</p:sld>
+</file>
+
+<file path=ppt/slides/slide165.xml><?xml version="1.0" encoding="utf-8"?>
+<p:sld xmlns:a="http://schemas.openxmlformats.org/drawingml/2006/main" xmlns:p="http://schemas.openxmlformats.org/presentationml/2006/main" xmlns:r="http://schemas.openxmlformats.org/officeDocument/2006/relationships">
+  <p:cSld>
+    <p:spTree>
+      <p:nvGrpSpPr>
+        <p:cNvPr id="1" name=""/>
+        <p:cNvGrpSpPr/>
+        <p:nvPr/>
+      </p:nvGrpSpPr>
+      <p:grpSpPr/>
+      <p:sp>
+        <p:nvSpPr>
+          <p:cNvPr id="2" name="TextBox 1"/>
+          <p:cNvSpPr txBox="1"/>
+          <p:nvPr/>
+        </p:nvSpPr>
+        <p:spPr>
+          <a:xfrm>
+            <a:off x="914400" y="914400"/>
+            <a:ext cx="914400" cy="914400"/>
+          </a:xfrm>
+          <a:prstGeom prst="rect">
+            <a:avLst/>
+          </a:prstGeom>
+          <a:noFill/>
+        </p:spPr>
+        <p:txBody>
+          <a:bodyPr wrap="none">
+            <a:spAutoFit/>
+          </a:bodyPr>
+          <a:lstStyle/>
+          <a:p>
+            <a:r>
+              <a:t>Info:</a:t>
+            </a:r>
+          </a:p>
+          <a:p>
+            <a:pPr>
+              <a:defRPr sz="1200"/>
+            </a:pPr>
+            <a:r>
+              <a:t>Dubbelklik HIER om deze markdown-cel te bewerken en antwoorden te schrijven.</a:t>
+            </a:r>
+            <a:br/>
+            <a:br/>
+            <a:r>
+              <a:t>Getallen:</a:t>
+            </a:r>
+            <a:br/>
+            <a:br/>
+            <a:r>
+              <a:t>Strings:</a:t>
+            </a:r>
+            <a:br/>
+            <a:br/>
+            <a:r>
+              <a:t>Lists:</a:t>
+            </a:r>
+            <a:br/>
+            <a:br/>
+            <a:r>
+              <a:t>Tuples:</a:t>
+            </a:r>
+            <a:br/>
+            <a:br/>
+            <a:r>
+              <a:t>Dictionaries:</a:t>
+            </a:r>
+            <a:br/>
+            <a:br/>
+          </a:p>
+        </p:txBody>
+      </p:sp>
+    </p:spTree>
+  </p:cSld>
+  <p:clrMapOvr>
+    <a:masterClrMapping/>
+  </p:clrMapOvr>
+</p:sld>
+</file>
+
+<file path=ppt/slides/slide166.xml><?xml version="1.0" encoding="utf-8"?>
+<p:sld xmlns:a="http://schemas.openxmlformats.org/drawingml/2006/main" xmlns:p="http://schemas.openxmlformats.org/presentationml/2006/main" xmlns:r="http://schemas.openxmlformats.org/officeDocument/2006/relationships">
+  <p:cSld>
+    <p:spTree>
+      <p:nvGrpSpPr>
+        <p:cNvPr id="1" name=""/>
+        <p:cNvGrpSpPr/>
+        <p:nvPr/>
+      </p:nvGrpSpPr>
+      <p:grpSpPr/>
+      <p:sp>
+        <p:nvSpPr>
+          <p:cNvPr id="2" name="TextBox 1"/>
+          <p:cNvSpPr txBox="1"/>
+          <p:nvPr/>
+        </p:nvSpPr>
+        <p:spPr>
+          <a:xfrm>
+            <a:off x="914400" y="914400"/>
+            <a:ext cx="914400" cy="914400"/>
+          </a:xfrm>
+          <a:prstGeom prst="rect">
+            <a:avLst/>
+          </a:prstGeom>
+          <a:noFill/>
+        </p:spPr>
+        <p:txBody>
+          <a:bodyPr wrap="none">
+            <a:spAutoFit/>
+          </a:bodyPr>
+          <a:lstStyle/>
+          <a:p>
+            <a:r>
+              <a:t>Info:</a:t>
+            </a:r>
+          </a:p>
+          <a:p>
+            <a:pPr>
+              <a:defRPr sz="1200"/>
+            </a:pPr>
+            <a:r>
+              <a:t>## Getallen</a:t>
+            </a:r>
+            <a:br/>
+            <a:br/>
+            <a:r>
+              <a:t>Schrijf een vergelijking die vermenigvuldiging, deling, een exponent, optelling en aftrekking (multiplication, division, an exponent, addition, and subtraction) gebruikt die gelijk is aan 100,25.</a:t>
+            </a:r>
+            <a:br/>
+            <a:r>
+              <a:t>Hint: dit is alleen om je geheugen/kennis van de rekenkundige basiscommando's te testen, werk achteruit vanaf 100.25</a:t>
+            </a:r>
+            <a:br/>
+          </a:p>
+        </p:txBody>
+      </p:sp>
+    </p:spTree>
+  </p:cSld>
+  <p:clrMapOvr>
+    <a:masterClrMapping/>
+  </p:clrMapOvr>
+</p:sld>
+</file>
+
+<file path=ppt/slides/slide167.xml><?xml version="1.0" encoding="utf-8"?>
+<p:sld xmlns:a="http://schemas.openxmlformats.org/drawingml/2006/main" xmlns:p="http://schemas.openxmlformats.org/presentationml/2006/main" xmlns:r="http://schemas.openxmlformats.org/officeDocument/2006/relationships">
+  <p:cSld>
+    <p:spTree>
+      <p:nvGrpSpPr>
+        <p:cNvPr id="1" name=""/>
+        <p:cNvGrpSpPr/>
+        <p:nvPr/>
+      </p:nvGrpSpPr>
+      <p:grpSpPr/>
+      <p:sp>
+        <p:nvSpPr>
+          <p:cNvPr id="2" name="TextBox 1"/>
+          <p:cNvSpPr txBox="1"/>
+          <p:nvPr/>
+        </p:nvSpPr>
+        <p:spPr>
+          <a:xfrm>
+            <a:off x="914400" y="914400"/>
+            <a:ext cx="914400" cy="914400"/>
+          </a:xfrm>
+          <a:prstGeom prst="rect">
+            <a:avLst/>
+          </a:prstGeom>
+          <a:noFill/>
+        </p:spPr>
+        <p:txBody>
+          <a:bodyPr wrap="none">
+            <a:spAutoFit/>
+          </a:bodyPr>
+          <a:lstStyle/>
+          <a:p>
+            <a:r>
+              <a:t>Python Code: </a:t>
+            </a:r>
+          </a:p>
+          <a:p>
+            <a:pPr>
+              <a:defRPr sz="1200"/>
+            </a:pPr>
+            <a:br/>
+          </a:p>
+        </p:txBody>
+      </p:sp>
+    </p:spTree>
+  </p:cSld>
+  <p:clrMapOvr>
+    <a:masterClrMapping/>
+  </p:clrMapOvr>
+</p:sld>
+</file>
+
+<file path=ppt/slides/slide168.xml><?xml version="1.0" encoding="utf-8"?>
+<p:sld xmlns:a="http://schemas.openxmlformats.org/drawingml/2006/main" xmlns:p="http://schemas.openxmlformats.org/presentationml/2006/main" xmlns:r="http://schemas.openxmlformats.org/officeDocument/2006/relationships">
+  <p:cSld>
+    <p:spTree>
+      <p:nvGrpSpPr>
+        <p:cNvPr id="1" name=""/>
+        <p:cNvGrpSpPr/>
+        <p:nvPr/>
+      </p:nvGrpSpPr>
+      <p:grpSpPr/>
+      <p:sp>
+        <p:nvSpPr>
+          <p:cNvPr id="2" name="TextBox 1"/>
+          <p:cNvSpPr txBox="1"/>
+          <p:nvPr/>
+        </p:nvSpPr>
+        <p:spPr>
+          <a:xfrm>
+            <a:off x="914400" y="914400"/>
+            <a:ext cx="914400" cy="914400"/>
+          </a:xfrm>
+          <a:prstGeom prst="rect">
+            <a:avLst/>
+          </a:prstGeom>
+          <a:noFill/>
+        </p:spPr>
+        <p:txBody>
+          <a:bodyPr wrap="none">
+            <a:spAutoFit/>
+          </a:bodyPr>
+          <a:lstStyle/>
+          <a:p>
+            <a:r>
+              <a:t>Info:</a:t>
+            </a:r>
+          </a:p>
+          <a:p>
+            <a:pPr>
+              <a:defRPr sz="1200"/>
+            </a:pPr>
+            <a:r>
+              <a:t>Beantwoord deze 3 vragen zonder code te typen. Typ vervolgens code om je antwoord te controleren.</a:t>
+            </a:r>
+            <a:br/>
+            <a:br/>
+            <a:r>
+              <a:t>    Wat retourneert het expressie zoals de volgende: 4 * (6 + 5)</a:t>
+            </a:r>
+            <a:br/>
+            <a:r>
+              <a:t>    </a:t>
+            </a:r>
+            <a:br/>
+            <a:r>
+              <a:t>    Wat retourneert het expressie zoals de volgende: 4 * 6 + 5 </a:t>
+            </a:r>
+            <a:br/>
+            <a:r>
+              <a:t>    </a:t>
+            </a:r>
+            <a:br/>
+            <a:r>
+              <a:t>    Wat retourneert het expressie zoals de volgende: 4 + 6 * 5 </a:t>
+            </a:r>
+            <a:br/>
+          </a:p>
+        </p:txBody>
+      </p:sp>
+    </p:spTree>
+  </p:cSld>
+  <p:clrMapOvr>
+    <a:masterClrMapping/>
+  </p:clrMapOvr>
+</p:sld>
+</file>
+
+<file path=ppt/slides/slide169.xml><?xml version="1.0" encoding="utf-8"?>
+<p:sld xmlns:a="http://schemas.openxmlformats.org/drawingml/2006/main" xmlns:p="http://schemas.openxmlformats.org/presentationml/2006/main" xmlns:r="http://schemas.openxmlformats.org/officeDocument/2006/relationships">
+  <p:cSld>
+    <p:spTree>
+      <p:nvGrpSpPr>
+        <p:cNvPr id="1" name=""/>
+        <p:cNvGrpSpPr/>
+        <p:nvPr/>
+      </p:nvGrpSpPr>
+      <p:grpSpPr/>
+      <p:sp>
+        <p:nvSpPr>
+          <p:cNvPr id="2" name="TextBox 1"/>
+          <p:cNvSpPr txBox="1"/>
+          <p:nvPr/>
+        </p:nvSpPr>
+        <p:spPr>
+          <a:xfrm>
+            <a:off x="914400" y="914400"/>
+            <a:ext cx="914400" cy="914400"/>
+          </a:xfrm>
+          <a:prstGeom prst="rect">
+            <a:avLst/>
+          </a:prstGeom>
+          <a:noFill/>
+        </p:spPr>
+        <p:txBody>
+          <a:bodyPr wrap="none">
+            <a:spAutoFit/>
+          </a:bodyPr>
+          <a:lstStyle/>
+          <a:p>
+            <a:r>
+              <a:t>Python Code: </a:t>
+            </a:r>
+          </a:p>
+          <a:p>
+            <a:pPr>
+              <a:defRPr sz="1200"/>
+            </a:pPr>
+            <a:br/>
+          </a:p>
+        </p:txBody>
+      </p:sp>
+    </p:spTree>
+  </p:cSld>
+  <p:clrMapOvr>
+    <a:masterClrMapping/>
+  </p:clrMapOvr>
+</p:sld>
+</file>
+
 <file path=ppt/slides/slide17.xml><?xml version="1.0" encoding="utf-8"?>
 <p:sld xmlns:a="http://schemas.openxmlformats.org/drawingml/2006/main" xmlns:p="http://schemas.openxmlformats.org/presentationml/2006/main" xmlns:r="http://schemas.openxmlformats.org/officeDocument/2006/relationships">
   <p:cSld>
@@ -8193,6 +8805,588 @@
 </p:sld>
 </file>
 
+<file path=ppt/slides/slide170.xml><?xml version="1.0" encoding="utf-8"?>
+<p:sld xmlns:a="http://schemas.openxmlformats.org/drawingml/2006/main" xmlns:p="http://schemas.openxmlformats.org/presentationml/2006/main" xmlns:r="http://schemas.openxmlformats.org/officeDocument/2006/relationships">
+  <p:cSld>
+    <p:spTree>
+      <p:nvGrpSpPr>
+        <p:cNvPr id="1" name=""/>
+        <p:cNvGrpSpPr/>
+        <p:nvPr/>
+      </p:nvGrpSpPr>
+      <p:grpSpPr/>
+      <p:sp>
+        <p:nvSpPr>
+          <p:cNvPr id="2" name="TextBox 1"/>
+          <p:cNvSpPr txBox="1"/>
+          <p:nvPr/>
+        </p:nvSpPr>
+        <p:spPr>
+          <a:xfrm>
+            <a:off x="914400" y="914400"/>
+            <a:ext cx="914400" cy="914400"/>
+          </a:xfrm>
+          <a:prstGeom prst="rect">
+            <a:avLst/>
+          </a:prstGeom>
+          <a:noFill/>
+        </p:spPr>
+        <p:txBody>
+          <a:bodyPr wrap="none">
+            <a:spAutoFit/>
+          </a:bodyPr>
+          <a:lstStyle/>
+          <a:p>
+            <a:r>
+              <a:t>Info:</a:t>
+            </a:r>
+          </a:p>
+          <a:p>
+            <a:pPr>
+              <a:defRPr sz="1200"/>
+            </a:pPr>
+            <a:r>
+              <a:t>Wat is het *type* van het resultaat van de uitdrukking (berekening) zoals de volgende: 3 + 1.5 + 4?&lt;br&gt;&lt;br&gt;</a:t>
+            </a:r>
+            <a:br/>
+          </a:p>
+        </p:txBody>
+      </p:sp>
+    </p:spTree>
+  </p:cSld>
+  <p:clrMapOvr>
+    <a:masterClrMapping/>
+  </p:clrMapOvr>
+</p:sld>
+</file>
+
+<file path=ppt/slides/slide171.xml><?xml version="1.0" encoding="utf-8"?>
+<p:sld xmlns:a="http://schemas.openxmlformats.org/drawingml/2006/main" xmlns:p="http://schemas.openxmlformats.org/presentationml/2006/main" xmlns:r="http://schemas.openxmlformats.org/officeDocument/2006/relationships">
+  <p:cSld>
+    <p:spTree>
+      <p:nvGrpSpPr>
+        <p:cNvPr id="1" name=""/>
+        <p:cNvGrpSpPr/>
+        <p:nvPr/>
+      </p:nvGrpSpPr>
+      <p:grpSpPr/>
+      <p:sp>
+        <p:nvSpPr>
+          <p:cNvPr id="2" name="TextBox 1"/>
+          <p:cNvSpPr txBox="1"/>
+          <p:nvPr/>
+        </p:nvSpPr>
+        <p:spPr>
+          <a:xfrm>
+            <a:off x="914400" y="914400"/>
+            <a:ext cx="914400" cy="914400"/>
+          </a:xfrm>
+          <a:prstGeom prst="rect">
+            <a:avLst/>
+          </a:prstGeom>
+          <a:noFill/>
+        </p:spPr>
+        <p:txBody>
+          <a:bodyPr wrap="none">
+            <a:spAutoFit/>
+          </a:bodyPr>
+          <a:lstStyle/>
+          <a:p>
+            <a:r>
+              <a:t>Info:</a:t>
+            </a:r>
+          </a:p>
+          <a:p>
+            <a:pPr>
+              <a:defRPr sz="1200"/>
+            </a:pPr>
+            <a:r>
+              <a:t>Wat zou je gebruiken om de vierkantswortel (square root) van een getal te vinden, evenals het vierkant (square)?</a:t>
+            </a:r>
+            <a:br/>
+          </a:p>
+        </p:txBody>
+      </p:sp>
+    </p:spTree>
+  </p:cSld>
+  <p:clrMapOvr>
+    <a:masterClrMapping/>
+  </p:clrMapOvr>
+</p:sld>
+</file>
+
+<file path=ppt/slides/slide172.xml><?xml version="1.0" encoding="utf-8"?>
+<p:sld xmlns:a="http://schemas.openxmlformats.org/drawingml/2006/main" xmlns:p="http://schemas.openxmlformats.org/presentationml/2006/main" xmlns:r="http://schemas.openxmlformats.org/officeDocument/2006/relationships">
+  <p:cSld>
+    <p:spTree>
+      <p:nvGrpSpPr>
+        <p:cNvPr id="1" name=""/>
+        <p:cNvGrpSpPr/>
+        <p:nvPr/>
+      </p:nvGrpSpPr>
+      <p:grpSpPr/>
+      <p:sp>
+        <p:nvSpPr>
+          <p:cNvPr id="2" name="TextBox 1"/>
+          <p:cNvSpPr txBox="1"/>
+          <p:nvPr/>
+        </p:nvSpPr>
+        <p:spPr>
+          <a:xfrm>
+            <a:off x="914400" y="914400"/>
+            <a:ext cx="914400" cy="914400"/>
+          </a:xfrm>
+          <a:prstGeom prst="rect">
+            <a:avLst/>
+          </a:prstGeom>
+          <a:noFill/>
+        </p:spPr>
+        <p:txBody>
+          <a:bodyPr wrap="none">
+            <a:spAutoFit/>
+          </a:bodyPr>
+          <a:lstStyle/>
+          <a:p>
+            <a:r>
+              <a:t>Python Code: </a:t>
+            </a:r>
+          </a:p>
+          <a:p>
+            <a:pPr>
+              <a:defRPr sz="1200"/>
+            </a:pPr>
+            <a:r>
+              <a:t>``` # Square root:</a:t>
+            </a:r>
+            <a:br/>
+            <a:r>
+              <a:t> ```</a:t>
+            </a:r>
+            <a:br/>
+          </a:p>
+        </p:txBody>
+      </p:sp>
+    </p:spTree>
+  </p:cSld>
+  <p:clrMapOvr>
+    <a:masterClrMapping/>
+  </p:clrMapOvr>
+</p:sld>
+</file>
+
+<file path=ppt/slides/slide173.xml><?xml version="1.0" encoding="utf-8"?>
+<p:sld xmlns:a="http://schemas.openxmlformats.org/drawingml/2006/main" xmlns:p="http://schemas.openxmlformats.org/presentationml/2006/main" xmlns:r="http://schemas.openxmlformats.org/officeDocument/2006/relationships">
+  <p:cSld>
+    <p:spTree>
+      <p:nvGrpSpPr>
+        <p:cNvPr id="1" name=""/>
+        <p:cNvGrpSpPr/>
+        <p:nvPr/>
+      </p:nvGrpSpPr>
+      <p:grpSpPr/>
+      <p:sp>
+        <p:nvSpPr>
+          <p:cNvPr id="2" name="TextBox 1"/>
+          <p:cNvSpPr txBox="1"/>
+          <p:nvPr/>
+        </p:nvSpPr>
+        <p:spPr>
+          <a:xfrm>
+            <a:off x="914400" y="914400"/>
+            <a:ext cx="914400" cy="914400"/>
+          </a:xfrm>
+          <a:prstGeom prst="rect">
+            <a:avLst/>
+          </a:prstGeom>
+          <a:noFill/>
+        </p:spPr>
+        <p:txBody>
+          <a:bodyPr wrap="none">
+            <a:spAutoFit/>
+          </a:bodyPr>
+          <a:lstStyle/>
+          <a:p>
+            <a:r>
+              <a:t>Python Code: </a:t>
+            </a:r>
+          </a:p>
+          <a:p>
+            <a:pPr>
+              <a:defRPr sz="1200"/>
+            </a:pPr>
+            <a:r>
+              <a:t>``` # Square:</a:t>
+            </a:r>
+            <a:br/>
+            <a:r>
+              <a:t> ```</a:t>
+            </a:r>
+            <a:br/>
+          </a:p>
+        </p:txBody>
+      </p:sp>
+    </p:spTree>
+  </p:cSld>
+  <p:clrMapOvr>
+    <a:masterClrMapping/>
+  </p:clrMapOvr>
+</p:sld>
+</file>
+
+<file path=ppt/slides/slide174.xml><?xml version="1.0" encoding="utf-8"?>
+<p:sld xmlns:a="http://schemas.openxmlformats.org/drawingml/2006/main" xmlns:p="http://schemas.openxmlformats.org/presentationml/2006/main" xmlns:r="http://schemas.openxmlformats.org/officeDocument/2006/relationships">
+  <p:cSld>
+    <p:spTree>
+      <p:nvGrpSpPr>
+        <p:cNvPr id="1" name=""/>
+        <p:cNvGrpSpPr/>
+        <p:nvPr/>
+      </p:nvGrpSpPr>
+      <p:grpSpPr/>
+      <p:sp>
+        <p:nvSpPr>
+          <p:cNvPr id="2" name="TextBox 1"/>
+          <p:cNvSpPr txBox="1"/>
+          <p:nvPr/>
+        </p:nvSpPr>
+        <p:spPr>
+          <a:xfrm>
+            <a:off x="914400" y="914400"/>
+            <a:ext cx="914400" cy="914400"/>
+          </a:xfrm>
+          <a:prstGeom prst="rect">
+            <a:avLst/>
+          </a:prstGeom>
+          <a:noFill/>
+        </p:spPr>
+        <p:txBody>
+          <a:bodyPr wrap="none">
+            <a:spAutoFit/>
+          </a:bodyPr>
+          <a:lstStyle/>
+          <a:p>
+            <a:r>
+              <a:t>Info:</a:t>
+            </a:r>
+          </a:p>
+          <a:p>
+            <a:pPr>
+              <a:defRPr sz="1200"/>
+            </a:pPr>
+            <a:r>
+              <a:t>## Strings</a:t>
+            </a:r>
+            <a:br/>
+          </a:p>
+        </p:txBody>
+      </p:sp>
+    </p:spTree>
+  </p:cSld>
+  <p:clrMapOvr>
+    <a:masterClrMapping/>
+  </p:clrMapOvr>
+</p:sld>
+</file>
+
+<file path=ppt/slides/slide175.xml><?xml version="1.0" encoding="utf-8"?>
+<p:sld xmlns:a="http://schemas.openxmlformats.org/drawingml/2006/main" xmlns:p="http://schemas.openxmlformats.org/presentationml/2006/main" xmlns:r="http://schemas.openxmlformats.org/officeDocument/2006/relationships">
+  <p:cSld>
+    <p:spTree>
+      <p:nvGrpSpPr>
+        <p:cNvPr id="1" name=""/>
+        <p:cNvGrpSpPr/>
+        <p:nvPr/>
+      </p:nvGrpSpPr>
+      <p:grpSpPr/>
+      <p:sp>
+        <p:nvSpPr>
+          <p:cNvPr id="2" name="TextBox 1"/>
+          <p:cNvSpPr txBox="1"/>
+          <p:nvPr/>
+        </p:nvSpPr>
+        <p:spPr>
+          <a:xfrm>
+            <a:off x="914400" y="914400"/>
+            <a:ext cx="914400" cy="914400"/>
+          </a:xfrm>
+          <a:prstGeom prst="rect">
+            <a:avLst/>
+          </a:prstGeom>
+          <a:noFill/>
+        </p:spPr>
+        <p:txBody>
+          <a:bodyPr wrap="none">
+            <a:spAutoFit/>
+          </a:bodyPr>
+          <a:lstStyle/>
+          <a:p>
+            <a:r>
+              <a:t>Info:</a:t>
+            </a:r>
+          </a:p>
+          <a:p>
+            <a:pPr>
+              <a:defRPr sz="1200"/>
+            </a:pPr>
+            <a:r>
+              <a:t>Geef, gezien de string 'hallo', een indexcommando dat 'e' teruggeeft. Voer uw code in de cel hieronder in:</a:t>
+            </a:r>
+            <a:br/>
+          </a:p>
+        </p:txBody>
+      </p:sp>
+    </p:spTree>
+  </p:cSld>
+  <p:clrMapOvr>
+    <a:masterClrMapping/>
+  </p:clrMapOvr>
+</p:sld>
+</file>
+
+<file path=ppt/slides/slide176.xml><?xml version="1.0" encoding="utf-8"?>
+<p:sld xmlns:a="http://schemas.openxmlformats.org/drawingml/2006/main" xmlns:p="http://schemas.openxmlformats.org/presentationml/2006/main" xmlns:r="http://schemas.openxmlformats.org/officeDocument/2006/relationships">
+  <p:cSld>
+    <p:spTree>
+      <p:nvGrpSpPr>
+        <p:cNvPr id="1" name=""/>
+        <p:cNvGrpSpPr/>
+        <p:nvPr/>
+      </p:nvGrpSpPr>
+      <p:grpSpPr/>
+      <p:sp>
+        <p:nvSpPr>
+          <p:cNvPr id="2" name="TextBox 1"/>
+          <p:cNvSpPr txBox="1"/>
+          <p:nvPr/>
+        </p:nvSpPr>
+        <p:spPr>
+          <a:xfrm>
+            <a:off x="914400" y="914400"/>
+            <a:ext cx="914400" cy="914400"/>
+          </a:xfrm>
+          <a:prstGeom prst="rect">
+            <a:avLst/>
+          </a:prstGeom>
+          <a:noFill/>
+        </p:spPr>
+        <p:txBody>
+          <a:bodyPr wrap="none">
+            <a:spAutoFit/>
+          </a:bodyPr>
+          <a:lstStyle/>
+          <a:p>
+            <a:r>
+              <a:t>Python Code: </a:t>
+            </a:r>
+          </a:p>
+          <a:p>
+            <a:pPr>
+              <a:defRPr sz="1200"/>
+            </a:pPr>
+            <a:r>
+              <a:t>``` s = 'hello'</a:t>
+            </a:r>
+            <a:br/>
+            <a:r>
+              <a:t> `````` # Print 'e' uit met indexering</a:t>
+            </a:r>
+            <a:br/>
+            <a:r>
+              <a:t> `````` </a:t>
+            </a:r>
+            <a:br/>
+            <a:r>
+              <a:t> ```</a:t>
+            </a:r>
+            <a:br/>
+          </a:p>
+        </p:txBody>
+      </p:sp>
+    </p:spTree>
+  </p:cSld>
+  <p:clrMapOvr>
+    <a:masterClrMapping/>
+  </p:clrMapOvr>
+</p:sld>
+</file>
+
+<file path=ppt/slides/slide177.xml><?xml version="1.0" encoding="utf-8"?>
+<p:sld xmlns:a="http://schemas.openxmlformats.org/drawingml/2006/main" xmlns:p="http://schemas.openxmlformats.org/presentationml/2006/main" xmlns:r="http://schemas.openxmlformats.org/officeDocument/2006/relationships">
+  <p:cSld>
+    <p:spTree>
+      <p:nvGrpSpPr>
+        <p:cNvPr id="1" name=""/>
+        <p:cNvGrpSpPr/>
+        <p:nvPr/>
+      </p:nvGrpSpPr>
+      <p:grpSpPr/>
+      <p:sp>
+        <p:nvSpPr>
+          <p:cNvPr id="2" name="TextBox 1"/>
+          <p:cNvSpPr txBox="1"/>
+          <p:nvPr/>
+        </p:nvSpPr>
+        <p:spPr>
+          <a:xfrm>
+            <a:off x="914400" y="914400"/>
+            <a:ext cx="914400" cy="914400"/>
+          </a:xfrm>
+          <a:prstGeom prst="rect">
+            <a:avLst/>
+          </a:prstGeom>
+          <a:noFill/>
+        </p:spPr>
+        <p:txBody>
+          <a:bodyPr wrap="none">
+            <a:spAutoFit/>
+          </a:bodyPr>
+          <a:lstStyle/>
+          <a:p>
+            <a:r>
+              <a:t>Info:</a:t>
+            </a:r>
+          </a:p>
+          <a:p>
+            <a:pPr>
+              <a:defRPr sz="1200"/>
+            </a:pPr>
+            <a:r>
+              <a:t>Keer (Reverse) de string 'hallo' om met behulp van het snijden (slicing):</a:t>
+            </a:r>
+            <a:br/>
+          </a:p>
+        </p:txBody>
+      </p:sp>
+    </p:spTree>
+  </p:cSld>
+  <p:clrMapOvr>
+    <a:masterClrMapping/>
+  </p:clrMapOvr>
+</p:sld>
+</file>
+
+<file path=ppt/slides/slide178.xml><?xml version="1.0" encoding="utf-8"?>
+<p:sld xmlns:a="http://schemas.openxmlformats.org/drawingml/2006/main" xmlns:p="http://schemas.openxmlformats.org/presentationml/2006/main" xmlns:r="http://schemas.openxmlformats.org/officeDocument/2006/relationships">
+  <p:cSld>
+    <p:spTree>
+      <p:nvGrpSpPr>
+        <p:cNvPr id="1" name=""/>
+        <p:cNvGrpSpPr/>
+        <p:nvPr/>
+      </p:nvGrpSpPr>
+      <p:grpSpPr/>
+      <p:sp>
+        <p:nvSpPr>
+          <p:cNvPr id="2" name="TextBox 1"/>
+          <p:cNvSpPr txBox="1"/>
+          <p:nvPr/>
+        </p:nvSpPr>
+        <p:spPr>
+          <a:xfrm>
+            <a:off x="914400" y="914400"/>
+            <a:ext cx="914400" cy="914400"/>
+          </a:xfrm>
+          <a:prstGeom prst="rect">
+            <a:avLst/>
+          </a:prstGeom>
+          <a:noFill/>
+        </p:spPr>
+        <p:txBody>
+          <a:bodyPr wrap="none">
+            <a:spAutoFit/>
+          </a:bodyPr>
+          <a:lstStyle/>
+          <a:p>
+            <a:r>
+              <a:t>Python Code: </a:t>
+            </a:r>
+          </a:p>
+          <a:p>
+            <a:pPr>
+              <a:defRPr sz="1200"/>
+            </a:pPr>
+            <a:r>
+              <a:t>``` s ='hello'</a:t>
+            </a:r>
+            <a:br/>
+            <a:r>
+              <a:t> `````` # Keer de string om met het snijden (slicing)</a:t>
+            </a:r>
+            <a:br/>
+            <a:r>
+              <a:t> `````` </a:t>
+            </a:r>
+            <a:br/>
+            <a:r>
+              <a:t> ```</a:t>
+            </a:r>
+            <a:br/>
+          </a:p>
+        </p:txBody>
+      </p:sp>
+    </p:spTree>
+  </p:cSld>
+  <p:clrMapOvr>
+    <a:masterClrMapping/>
+  </p:clrMapOvr>
+</p:sld>
+</file>
+
+<file path=ppt/slides/slide179.xml><?xml version="1.0" encoding="utf-8"?>
+<p:sld xmlns:a="http://schemas.openxmlformats.org/drawingml/2006/main" xmlns:p="http://schemas.openxmlformats.org/presentationml/2006/main" xmlns:r="http://schemas.openxmlformats.org/officeDocument/2006/relationships">
+  <p:cSld>
+    <p:spTree>
+      <p:nvGrpSpPr>
+        <p:cNvPr id="1" name=""/>
+        <p:cNvGrpSpPr/>
+        <p:nvPr/>
+      </p:nvGrpSpPr>
+      <p:grpSpPr/>
+      <p:sp>
+        <p:nvSpPr>
+          <p:cNvPr id="2" name="TextBox 1"/>
+          <p:cNvSpPr txBox="1"/>
+          <p:nvPr/>
+        </p:nvSpPr>
+        <p:spPr>
+          <a:xfrm>
+            <a:off x="914400" y="914400"/>
+            <a:ext cx="914400" cy="914400"/>
+          </a:xfrm>
+          <a:prstGeom prst="rect">
+            <a:avLst/>
+          </a:prstGeom>
+          <a:noFill/>
+        </p:spPr>
+        <p:txBody>
+          <a:bodyPr wrap="none">
+            <a:spAutoFit/>
+          </a:bodyPr>
+          <a:lstStyle/>
+          <a:p>
+            <a:r>
+              <a:t>Info:</a:t>
+            </a:r>
+          </a:p>
+          <a:p>
+            <a:pPr>
+              <a:defRPr sz="1200"/>
+            </a:pPr>
+            <a:r>
+              <a:t>Geef, gezien de String hallo, twee methoden om de letter 'o' te produceren met behulp van indexering.</a:t>
+            </a:r>
+            <a:br/>
+          </a:p>
+        </p:txBody>
+      </p:sp>
+    </p:spTree>
+  </p:cSld>
+  <p:clrMapOvr>
+    <a:masterClrMapping/>
+  </p:clrMapOvr>
+</p:sld>
+</file>
+
 <file path=ppt/slides/slide18.xml><?xml version="1.0" encoding="utf-8"?>
 <p:sld xmlns:a="http://schemas.openxmlformats.org/drawingml/2006/main" xmlns:p="http://schemas.openxmlformats.org/presentationml/2006/main" xmlns:r="http://schemas.openxmlformats.org/officeDocument/2006/relationships">
   <p:cSld>
@@ -8244,6 +9438,608 @@
             </a:r>
           </a:p>
           <a:p/>
+        </p:txBody>
+      </p:sp>
+    </p:spTree>
+  </p:cSld>
+  <p:clrMapOvr>
+    <a:masterClrMapping/>
+  </p:clrMapOvr>
+</p:sld>
+</file>
+
+<file path=ppt/slides/slide180.xml><?xml version="1.0" encoding="utf-8"?>
+<p:sld xmlns:a="http://schemas.openxmlformats.org/drawingml/2006/main" xmlns:p="http://schemas.openxmlformats.org/presentationml/2006/main" xmlns:r="http://schemas.openxmlformats.org/officeDocument/2006/relationships">
+  <p:cSld>
+    <p:spTree>
+      <p:nvGrpSpPr>
+        <p:cNvPr id="1" name=""/>
+        <p:cNvGrpSpPr/>
+        <p:nvPr/>
+      </p:nvGrpSpPr>
+      <p:grpSpPr/>
+      <p:sp>
+        <p:nvSpPr>
+          <p:cNvPr id="2" name="TextBox 1"/>
+          <p:cNvSpPr txBox="1"/>
+          <p:nvPr/>
+        </p:nvSpPr>
+        <p:spPr>
+          <a:xfrm>
+            <a:off x="914400" y="914400"/>
+            <a:ext cx="914400" cy="914400"/>
+          </a:xfrm>
+          <a:prstGeom prst="rect">
+            <a:avLst/>
+          </a:prstGeom>
+          <a:noFill/>
+        </p:spPr>
+        <p:txBody>
+          <a:bodyPr wrap="none">
+            <a:spAutoFit/>
+          </a:bodyPr>
+          <a:lstStyle/>
+          <a:p>
+            <a:r>
+              <a:t>Python Code: </a:t>
+            </a:r>
+          </a:p>
+          <a:p>
+            <a:pPr>
+              <a:defRPr sz="1200"/>
+            </a:pPr>
+            <a:r>
+              <a:t>``` s ='hello'</a:t>
+            </a:r>
+            <a:br/>
+            <a:r>
+              <a:t> `````` # Print de 'o' uit</a:t>
+            </a:r>
+            <a:br/>
+            <a:r>
+              <a:t> `````` </a:t>
+            </a:r>
+            <a:br/>
+            <a:r>
+              <a:t> `````` # Methode 1:</a:t>
+            </a:r>
+            <a:br/>
+            <a:r>
+              <a:t> `````` </a:t>
+            </a:r>
+            <a:br/>
+            <a:r>
+              <a:t> ```</a:t>
+            </a:r>
+            <a:br/>
+          </a:p>
+        </p:txBody>
+      </p:sp>
+    </p:spTree>
+  </p:cSld>
+  <p:clrMapOvr>
+    <a:masterClrMapping/>
+  </p:clrMapOvr>
+</p:sld>
+</file>
+
+<file path=ppt/slides/slide181.xml><?xml version="1.0" encoding="utf-8"?>
+<p:sld xmlns:a="http://schemas.openxmlformats.org/drawingml/2006/main" xmlns:p="http://schemas.openxmlformats.org/presentationml/2006/main" xmlns:r="http://schemas.openxmlformats.org/officeDocument/2006/relationships">
+  <p:cSld>
+    <p:spTree>
+      <p:nvGrpSpPr>
+        <p:cNvPr id="1" name=""/>
+        <p:cNvGrpSpPr/>
+        <p:nvPr/>
+      </p:nvGrpSpPr>
+      <p:grpSpPr/>
+      <p:sp>
+        <p:nvSpPr>
+          <p:cNvPr id="2" name="TextBox 1"/>
+          <p:cNvSpPr txBox="1"/>
+          <p:nvPr/>
+        </p:nvSpPr>
+        <p:spPr>
+          <a:xfrm>
+            <a:off x="914400" y="914400"/>
+            <a:ext cx="914400" cy="914400"/>
+          </a:xfrm>
+          <a:prstGeom prst="rect">
+            <a:avLst/>
+          </a:prstGeom>
+          <a:noFill/>
+        </p:spPr>
+        <p:txBody>
+          <a:bodyPr wrap="none">
+            <a:spAutoFit/>
+          </a:bodyPr>
+          <a:lstStyle/>
+          <a:p>
+            <a:r>
+              <a:t>Python Code: </a:t>
+            </a:r>
+          </a:p>
+          <a:p>
+            <a:pPr>
+              <a:defRPr sz="1200"/>
+            </a:pPr>
+            <a:r>
+              <a:t>``` # Methode 2:</a:t>
+            </a:r>
+            <a:br/>
+            <a:r>
+              <a:t> `````` </a:t>
+            </a:r>
+            <a:br/>
+            <a:r>
+              <a:t> ```</a:t>
+            </a:r>
+            <a:br/>
+          </a:p>
+        </p:txBody>
+      </p:sp>
+    </p:spTree>
+  </p:cSld>
+  <p:clrMapOvr>
+    <a:masterClrMapping/>
+  </p:clrMapOvr>
+</p:sld>
+</file>
+
+<file path=ppt/slides/slide182.xml><?xml version="1.0" encoding="utf-8"?>
+<p:sld xmlns:a="http://schemas.openxmlformats.org/drawingml/2006/main" xmlns:p="http://schemas.openxmlformats.org/presentationml/2006/main" xmlns:r="http://schemas.openxmlformats.org/officeDocument/2006/relationships">
+  <p:cSld>
+    <p:spTree>
+      <p:nvGrpSpPr>
+        <p:cNvPr id="1" name=""/>
+        <p:cNvGrpSpPr/>
+        <p:nvPr/>
+      </p:nvGrpSpPr>
+      <p:grpSpPr/>
+      <p:sp>
+        <p:nvSpPr>
+          <p:cNvPr id="2" name="TextBox 1"/>
+          <p:cNvSpPr txBox="1"/>
+          <p:nvPr/>
+        </p:nvSpPr>
+        <p:spPr>
+          <a:xfrm>
+            <a:off x="914400" y="914400"/>
+            <a:ext cx="914400" cy="914400"/>
+          </a:xfrm>
+          <a:prstGeom prst="rect">
+            <a:avLst/>
+          </a:prstGeom>
+          <a:noFill/>
+        </p:spPr>
+        <p:txBody>
+          <a:bodyPr wrap="none">
+            <a:spAutoFit/>
+          </a:bodyPr>
+          <a:lstStyle/>
+          <a:p>
+            <a:r>
+              <a:t>Info:</a:t>
+            </a:r>
+          </a:p>
+          <a:p>
+            <a:pPr>
+              <a:defRPr sz="1200"/>
+            </a:pPr>
+            <a:r>
+              <a:t>## Lists</a:t>
+            </a:r>
+            <a:br/>
+          </a:p>
+        </p:txBody>
+      </p:sp>
+    </p:spTree>
+  </p:cSld>
+  <p:clrMapOvr>
+    <a:masterClrMapping/>
+  </p:clrMapOvr>
+</p:sld>
+</file>
+
+<file path=ppt/slides/slide183.xml><?xml version="1.0" encoding="utf-8"?>
+<p:sld xmlns:a="http://schemas.openxmlformats.org/drawingml/2006/main" xmlns:p="http://schemas.openxmlformats.org/presentationml/2006/main" xmlns:r="http://schemas.openxmlformats.org/officeDocument/2006/relationships">
+  <p:cSld>
+    <p:spTree>
+      <p:nvGrpSpPr>
+        <p:cNvPr id="1" name=""/>
+        <p:cNvGrpSpPr/>
+        <p:nvPr/>
+      </p:nvGrpSpPr>
+      <p:grpSpPr/>
+      <p:sp>
+        <p:nvSpPr>
+          <p:cNvPr id="2" name="TextBox 1"/>
+          <p:cNvSpPr txBox="1"/>
+          <p:nvPr/>
+        </p:nvSpPr>
+        <p:spPr>
+          <a:xfrm>
+            <a:off x="914400" y="914400"/>
+            <a:ext cx="914400" cy="914400"/>
+          </a:xfrm>
+          <a:prstGeom prst="rect">
+            <a:avLst/>
+          </a:prstGeom>
+          <a:noFill/>
+        </p:spPr>
+        <p:txBody>
+          <a:bodyPr wrap="none">
+            <a:spAutoFit/>
+          </a:bodyPr>
+          <a:lstStyle/>
+          <a:p>
+            <a:r>
+              <a:t>Info:</a:t>
+            </a:r>
+          </a:p>
+          <a:p>
+            <a:pPr>
+              <a:defRPr sz="1200"/>
+            </a:pPr>
+            <a:r>
+              <a:t>Maak deze lijst [0,0,0] aan op twee verschillende manieren samen.</a:t>
+            </a:r>
+            <a:br/>
+          </a:p>
+        </p:txBody>
+      </p:sp>
+    </p:spTree>
+  </p:cSld>
+  <p:clrMapOvr>
+    <a:masterClrMapping/>
+  </p:clrMapOvr>
+</p:sld>
+</file>
+
+<file path=ppt/slides/slide184.xml><?xml version="1.0" encoding="utf-8"?>
+<p:sld xmlns:a="http://schemas.openxmlformats.org/drawingml/2006/main" xmlns:p="http://schemas.openxmlformats.org/presentationml/2006/main" xmlns:r="http://schemas.openxmlformats.org/officeDocument/2006/relationships">
+  <p:cSld>
+    <p:spTree>
+      <p:nvGrpSpPr>
+        <p:cNvPr id="1" name=""/>
+        <p:cNvGrpSpPr/>
+        <p:nvPr/>
+      </p:nvGrpSpPr>
+      <p:grpSpPr/>
+      <p:sp>
+        <p:nvSpPr>
+          <p:cNvPr id="2" name="TextBox 1"/>
+          <p:cNvSpPr txBox="1"/>
+          <p:nvPr/>
+        </p:nvSpPr>
+        <p:spPr>
+          <a:xfrm>
+            <a:off x="914400" y="914400"/>
+            <a:ext cx="914400" cy="914400"/>
+          </a:xfrm>
+          <a:prstGeom prst="rect">
+            <a:avLst/>
+          </a:prstGeom>
+          <a:noFill/>
+        </p:spPr>
+        <p:txBody>
+          <a:bodyPr wrap="none">
+            <a:spAutoFit/>
+          </a:bodyPr>
+          <a:lstStyle/>
+          <a:p>
+            <a:r>
+              <a:t>Python Code: </a:t>
+            </a:r>
+          </a:p>
+          <a:p>
+            <a:pPr>
+              <a:defRPr sz="1200"/>
+            </a:pPr>
+            <a:r>
+              <a:t>``` # Methode 1:</a:t>
+            </a:r>
+            <a:br/>
+            <a:r>
+              <a:t> ```</a:t>
+            </a:r>
+            <a:br/>
+          </a:p>
+        </p:txBody>
+      </p:sp>
+    </p:spTree>
+  </p:cSld>
+  <p:clrMapOvr>
+    <a:masterClrMapping/>
+  </p:clrMapOvr>
+</p:sld>
+</file>
+
+<file path=ppt/slides/slide185.xml><?xml version="1.0" encoding="utf-8"?>
+<p:sld xmlns:a="http://schemas.openxmlformats.org/drawingml/2006/main" xmlns:p="http://schemas.openxmlformats.org/presentationml/2006/main" xmlns:r="http://schemas.openxmlformats.org/officeDocument/2006/relationships">
+  <p:cSld>
+    <p:spTree>
+      <p:nvGrpSpPr>
+        <p:cNvPr id="1" name=""/>
+        <p:cNvGrpSpPr/>
+        <p:nvPr/>
+      </p:nvGrpSpPr>
+      <p:grpSpPr/>
+      <p:sp>
+        <p:nvSpPr>
+          <p:cNvPr id="2" name="TextBox 1"/>
+          <p:cNvSpPr txBox="1"/>
+          <p:nvPr/>
+        </p:nvSpPr>
+        <p:spPr>
+          <a:xfrm>
+            <a:off x="914400" y="914400"/>
+            <a:ext cx="914400" cy="914400"/>
+          </a:xfrm>
+          <a:prstGeom prst="rect">
+            <a:avLst/>
+          </a:prstGeom>
+          <a:noFill/>
+        </p:spPr>
+        <p:txBody>
+          <a:bodyPr wrap="none">
+            <a:spAutoFit/>
+          </a:bodyPr>
+          <a:lstStyle/>
+          <a:p>
+            <a:r>
+              <a:t>Python Code: </a:t>
+            </a:r>
+          </a:p>
+          <a:p>
+            <a:pPr>
+              <a:defRPr sz="1200"/>
+            </a:pPr>
+            <a:r>
+              <a:t>``` # Methode 2:</a:t>
+            </a:r>
+            <a:br/>
+            <a:r>
+              <a:t> ```</a:t>
+            </a:r>
+            <a:br/>
+          </a:p>
+        </p:txBody>
+      </p:sp>
+    </p:spTree>
+  </p:cSld>
+  <p:clrMapOvr>
+    <a:masterClrMapping/>
+  </p:clrMapOvr>
+</p:sld>
+</file>
+
+<file path=ppt/slides/slide186.xml><?xml version="1.0" encoding="utf-8"?>
+<p:sld xmlns:a="http://schemas.openxmlformats.org/drawingml/2006/main" xmlns:p="http://schemas.openxmlformats.org/presentationml/2006/main" xmlns:r="http://schemas.openxmlformats.org/officeDocument/2006/relationships">
+  <p:cSld>
+    <p:spTree>
+      <p:nvGrpSpPr>
+        <p:cNvPr id="1" name=""/>
+        <p:cNvGrpSpPr/>
+        <p:nvPr/>
+      </p:nvGrpSpPr>
+      <p:grpSpPr/>
+      <p:sp>
+        <p:nvSpPr>
+          <p:cNvPr id="2" name="TextBox 1"/>
+          <p:cNvSpPr txBox="1"/>
+          <p:nvPr/>
+        </p:nvSpPr>
+        <p:spPr>
+          <a:xfrm>
+            <a:off x="914400" y="914400"/>
+            <a:ext cx="914400" cy="914400"/>
+          </a:xfrm>
+          <a:prstGeom prst="rect">
+            <a:avLst/>
+          </a:prstGeom>
+          <a:noFill/>
+        </p:spPr>
+        <p:txBody>
+          <a:bodyPr wrap="none">
+            <a:spAutoFit/>
+          </a:bodyPr>
+          <a:lstStyle/>
+          <a:p>
+            <a:r>
+              <a:t>Info:</a:t>
+            </a:r>
+          </a:p>
+          <a:p>
+            <a:pPr>
+              <a:defRPr sz="1200"/>
+            </a:pPr>
+            <a:r>
+              <a:t>Wijs 'hallo' opnieuw toe in deze geneste lijst om in plaats daarvan 'goodbye' te zeggen:</a:t>
+            </a:r>
+            <a:br/>
+          </a:p>
+        </p:txBody>
+      </p:sp>
+    </p:spTree>
+  </p:cSld>
+  <p:clrMapOvr>
+    <a:masterClrMapping/>
+  </p:clrMapOvr>
+</p:sld>
+</file>
+
+<file path=ppt/slides/slide187.xml><?xml version="1.0" encoding="utf-8"?>
+<p:sld xmlns:a="http://schemas.openxmlformats.org/drawingml/2006/main" xmlns:p="http://schemas.openxmlformats.org/presentationml/2006/main" xmlns:r="http://schemas.openxmlformats.org/officeDocument/2006/relationships">
+  <p:cSld>
+    <p:spTree>
+      <p:nvGrpSpPr>
+        <p:cNvPr id="1" name=""/>
+        <p:cNvGrpSpPr/>
+        <p:nvPr/>
+      </p:nvGrpSpPr>
+      <p:grpSpPr/>
+      <p:sp>
+        <p:nvSpPr>
+          <p:cNvPr id="2" name="TextBox 1"/>
+          <p:cNvSpPr txBox="1"/>
+          <p:nvPr/>
+        </p:nvSpPr>
+        <p:spPr>
+          <a:xfrm>
+            <a:off x="914400" y="914400"/>
+            <a:ext cx="914400" cy="914400"/>
+          </a:xfrm>
+          <a:prstGeom prst="rect">
+            <a:avLst/>
+          </a:prstGeom>
+          <a:noFill/>
+        </p:spPr>
+        <p:txBody>
+          <a:bodyPr wrap="none">
+            <a:spAutoFit/>
+          </a:bodyPr>
+          <a:lstStyle/>
+          <a:p>
+            <a:r>
+              <a:t>Python Code: </a:t>
+            </a:r>
+          </a:p>
+          <a:p>
+            <a:pPr>
+              <a:defRPr sz="1200"/>
+            </a:pPr>
+            <a:r>
+              <a:t>``` list3 = [1,2,[3,4,'hello']]</a:t>
+            </a:r>
+            <a:br/>
+            <a:r>
+              <a:t> `````` </a:t>
+            </a:r>
+            <a:br/>
+            <a:r>
+              <a:t> ```</a:t>
+            </a:r>
+            <a:br/>
+          </a:p>
+        </p:txBody>
+      </p:sp>
+    </p:spTree>
+  </p:cSld>
+  <p:clrMapOvr>
+    <a:masterClrMapping/>
+  </p:clrMapOvr>
+</p:sld>
+</file>
+
+<file path=ppt/slides/slide188.xml><?xml version="1.0" encoding="utf-8"?>
+<p:sld xmlns:a="http://schemas.openxmlformats.org/drawingml/2006/main" xmlns:p="http://schemas.openxmlformats.org/presentationml/2006/main" xmlns:r="http://schemas.openxmlformats.org/officeDocument/2006/relationships">
+  <p:cSld>
+    <p:spTree>
+      <p:nvGrpSpPr>
+        <p:cNvPr id="1" name=""/>
+        <p:cNvGrpSpPr/>
+        <p:nvPr/>
+      </p:nvGrpSpPr>
+      <p:grpSpPr/>
+      <p:sp>
+        <p:nvSpPr>
+          <p:cNvPr id="2" name="TextBox 1"/>
+          <p:cNvSpPr txBox="1"/>
+          <p:nvPr/>
+        </p:nvSpPr>
+        <p:spPr>
+          <a:xfrm>
+            <a:off x="914400" y="914400"/>
+            <a:ext cx="914400" cy="914400"/>
+          </a:xfrm>
+          <a:prstGeom prst="rect">
+            <a:avLst/>
+          </a:prstGeom>
+          <a:noFill/>
+        </p:spPr>
+        <p:txBody>
+          <a:bodyPr wrap="none">
+            <a:spAutoFit/>
+          </a:bodyPr>
+          <a:lstStyle/>
+          <a:p>
+            <a:r>
+              <a:t>Info:</a:t>
+            </a:r>
+          </a:p>
+          <a:p>
+            <a:pPr>
+              <a:defRPr sz="1200"/>
+            </a:pPr>
+            <a:r>
+              <a:t>Sorteer de lijst hieronder:</a:t>
+            </a:r>
+            <a:br/>
+          </a:p>
+        </p:txBody>
+      </p:sp>
+    </p:spTree>
+  </p:cSld>
+  <p:clrMapOvr>
+    <a:masterClrMapping/>
+  </p:clrMapOvr>
+</p:sld>
+</file>
+
+<file path=ppt/slides/slide189.xml><?xml version="1.0" encoding="utf-8"?>
+<p:sld xmlns:a="http://schemas.openxmlformats.org/drawingml/2006/main" xmlns:p="http://schemas.openxmlformats.org/presentationml/2006/main" xmlns:r="http://schemas.openxmlformats.org/officeDocument/2006/relationships">
+  <p:cSld>
+    <p:spTree>
+      <p:nvGrpSpPr>
+        <p:cNvPr id="1" name=""/>
+        <p:cNvGrpSpPr/>
+        <p:nvPr/>
+      </p:nvGrpSpPr>
+      <p:grpSpPr/>
+      <p:sp>
+        <p:nvSpPr>
+          <p:cNvPr id="2" name="TextBox 1"/>
+          <p:cNvSpPr txBox="1"/>
+          <p:nvPr/>
+        </p:nvSpPr>
+        <p:spPr>
+          <a:xfrm>
+            <a:off x="914400" y="914400"/>
+            <a:ext cx="914400" cy="914400"/>
+          </a:xfrm>
+          <a:prstGeom prst="rect">
+            <a:avLst/>
+          </a:prstGeom>
+          <a:noFill/>
+        </p:spPr>
+        <p:txBody>
+          <a:bodyPr wrap="none">
+            <a:spAutoFit/>
+          </a:bodyPr>
+          <a:lstStyle/>
+          <a:p>
+            <a:r>
+              <a:t>Python Code: </a:t>
+            </a:r>
+          </a:p>
+          <a:p>
+            <a:pPr>
+              <a:defRPr sz="1200"/>
+            </a:pPr>
+            <a:r>
+              <a:t>``` list4 = [5,3,4,6,1]</a:t>
+            </a:r>
+            <a:br/>
+            <a:r>
+              <a:t> `````` </a:t>
+            </a:r>
+            <a:br/>
+            <a:r>
+              <a:t> ```</a:t>
+            </a:r>
+            <a:br/>
+          </a:p>
         </p:txBody>
       </p:sp>
     </p:spTree>
@@ -8328,6 +10124,592 @@
 </p:sld>
 </file>
 
+<file path=ppt/slides/slide190.xml><?xml version="1.0" encoding="utf-8"?>
+<p:sld xmlns:a="http://schemas.openxmlformats.org/drawingml/2006/main" xmlns:p="http://schemas.openxmlformats.org/presentationml/2006/main" xmlns:r="http://schemas.openxmlformats.org/officeDocument/2006/relationships">
+  <p:cSld>
+    <p:spTree>
+      <p:nvGrpSpPr>
+        <p:cNvPr id="1" name=""/>
+        <p:cNvGrpSpPr/>
+        <p:nvPr/>
+      </p:nvGrpSpPr>
+      <p:grpSpPr/>
+      <p:sp>
+        <p:nvSpPr>
+          <p:cNvPr id="2" name="TextBox 1"/>
+          <p:cNvSpPr txBox="1"/>
+          <p:nvPr/>
+        </p:nvSpPr>
+        <p:spPr>
+          <a:xfrm>
+            <a:off x="914400" y="914400"/>
+            <a:ext cx="914400" cy="914400"/>
+          </a:xfrm>
+          <a:prstGeom prst="rect">
+            <a:avLst/>
+          </a:prstGeom>
+          <a:noFill/>
+        </p:spPr>
+        <p:txBody>
+          <a:bodyPr wrap="none">
+            <a:spAutoFit/>
+          </a:bodyPr>
+          <a:lstStyle/>
+          <a:p>
+            <a:r>
+              <a:t>Info:</a:t>
+            </a:r>
+          </a:p>
+          <a:p>
+            <a:pPr>
+              <a:defRPr sz="1200"/>
+            </a:pPr>
+            <a:r>
+              <a:t>## Dictionaries</a:t>
+            </a:r>
+            <a:br/>
+          </a:p>
+        </p:txBody>
+      </p:sp>
+    </p:spTree>
+  </p:cSld>
+  <p:clrMapOvr>
+    <a:masterClrMapping/>
+  </p:clrMapOvr>
+</p:sld>
+</file>
+
+<file path=ppt/slides/slide191.xml><?xml version="1.0" encoding="utf-8"?>
+<p:sld xmlns:a="http://schemas.openxmlformats.org/drawingml/2006/main" xmlns:p="http://schemas.openxmlformats.org/presentationml/2006/main" xmlns:r="http://schemas.openxmlformats.org/officeDocument/2006/relationships">
+  <p:cSld>
+    <p:spTree>
+      <p:nvGrpSpPr>
+        <p:cNvPr id="1" name=""/>
+        <p:cNvGrpSpPr/>
+        <p:nvPr/>
+      </p:nvGrpSpPr>
+      <p:grpSpPr/>
+      <p:sp>
+        <p:nvSpPr>
+          <p:cNvPr id="2" name="TextBox 1"/>
+          <p:cNvSpPr txBox="1"/>
+          <p:nvPr/>
+        </p:nvSpPr>
+        <p:spPr>
+          <a:xfrm>
+            <a:off x="914400" y="914400"/>
+            <a:ext cx="914400" cy="914400"/>
+          </a:xfrm>
+          <a:prstGeom prst="rect">
+            <a:avLst/>
+          </a:prstGeom>
+          <a:noFill/>
+        </p:spPr>
+        <p:txBody>
+          <a:bodyPr wrap="none">
+            <a:spAutoFit/>
+          </a:bodyPr>
+          <a:lstStyle/>
+          <a:p>
+            <a:r>
+              <a:t>Info:</a:t>
+            </a:r>
+          </a:p>
+          <a:p>
+            <a:pPr>
+              <a:defRPr sz="1200"/>
+            </a:pPr>
+            <a:r>
+              <a:t>Gebruik keys (sleutels) en indexering om de 'hello' uit de volgende dictionaries/woordenboeken te halen:</a:t>
+            </a:r>
+            <a:br/>
+          </a:p>
+        </p:txBody>
+      </p:sp>
+    </p:spTree>
+  </p:cSld>
+  <p:clrMapOvr>
+    <a:masterClrMapping/>
+  </p:clrMapOvr>
+</p:sld>
+</file>
+
+<file path=ppt/slides/slide192.xml><?xml version="1.0" encoding="utf-8"?>
+<p:sld xmlns:a="http://schemas.openxmlformats.org/drawingml/2006/main" xmlns:p="http://schemas.openxmlformats.org/presentationml/2006/main" xmlns:r="http://schemas.openxmlformats.org/officeDocument/2006/relationships">
+  <p:cSld>
+    <p:spTree>
+      <p:nvGrpSpPr>
+        <p:cNvPr id="1" name=""/>
+        <p:cNvGrpSpPr/>
+        <p:nvPr/>
+      </p:nvGrpSpPr>
+      <p:grpSpPr/>
+      <p:sp>
+        <p:nvSpPr>
+          <p:cNvPr id="2" name="TextBox 1"/>
+          <p:cNvSpPr txBox="1"/>
+          <p:nvPr/>
+        </p:nvSpPr>
+        <p:spPr>
+          <a:xfrm>
+            <a:off x="914400" y="914400"/>
+            <a:ext cx="914400" cy="914400"/>
+          </a:xfrm>
+          <a:prstGeom prst="rect">
+            <a:avLst/>
+          </a:prstGeom>
+          <a:noFill/>
+        </p:spPr>
+        <p:txBody>
+          <a:bodyPr wrap="none">
+            <a:spAutoFit/>
+          </a:bodyPr>
+          <a:lstStyle/>
+          <a:p>
+            <a:r>
+              <a:t>Python Code: </a:t>
+            </a:r>
+          </a:p>
+          <a:p>
+            <a:pPr>
+              <a:defRPr sz="1200"/>
+            </a:pPr>
+            <a:r>
+              <a:t>``` d = {'simple_key':'hello'}</a:t>
+            </a:r>
+            <a:br/>
+            <a:r>
+              <a:t> `````` # Grijp 'hello'</a:t>
+            </a:r>
+            <a:br/>
+            <a:r>
+              <a:t> ```</a:t>
+            </a:r>
+            <a:br/>
+          </a:p>
+        </p:txBody>
+      </p:sp>
+    </p:spTree>
+  </p:cSld>
+  <p:clrMapOvr>
+    <a:masterClrMapping/>
+  </p:clrMapOvr>
+</p:sld>
+</file>
+
+<file path=ppt/slides/slide193.xml><?xml version="1.0" encoding="utf-8"?>
+<p:sld xmlns:a="http://schemas.openxmlformats.org/drawingml/2006/main" xmlns:p="http://schemas.openxmlformats.org/presentationml/2006/main" xmlns:r="http://schemas.openxmlformats.org/officeDocument/2006/relationships">
+  <p:cSld>
+    <p:spTree>
+      <p:nvGrpSpPr>
+        <p:cNvPr id="1" name=""/>
+        <p:cNvGrpSpPr/>
+        <p:nvPr/>
+      </p:nvGrpSpPr>
+      <p:grpSpPr/>
+      <p:sp>
+        <p:nvSpPr>
+          <p:cNvPr id="2" name="TextBox 1"/>
+          <p:cNvSpPr txBox="1"/>
+          <p:nvPr/>
+        </p:nvSpPr>
+        <p:spPr>
+          <a:xfrm>
+            <a:off x="914400" y="914400"/>
+            <a:ext cx="914400" cy="914400"/>
+          </a:xfrm>
+          <a:prstGeom prst="rect">
+            <a:avLst/>
+          </a:prstGeom>
+          <a:noFill/>
+        </p:spPr>
+        <p:txBody>
+          <a:bodyPr wrap="none">
+            <a:spAutoFit/>
+          </a:bodyPr>
+          <a:lstStyle/>
+          <a:p>
+            <a:r>
+              <a:t>Python Code: </a:t>
+            </a:r>
+          </a:p>
+          <a:p>
+            <a:pPr>
+              <a:defRPr sz="1200"/>
+            </a:pPr>
+            <a:r>
+              <a:t>``` d = {'k1':{'k2':'hello'}}</a:t>
+            </a:r>
+            <a:br/>
+            <a:r>
+              <a:t> `````` # Grijp 'hello'</a:t>
+            </a:r>
+            <a:br/>
+            <a:r>
+              <a:t> ```</a:t>
+            </a:r>
+            <a:br/>
+          </a:p>
+        </p:txBody>
+      </p:sp>
+    </p:spTree>
+  </p:cSld>
+  <p:clrMapOvr>
+    <a:masterClrMapping/>
+  </p:clrMapOvr>
+</p:sld>
+</file>
+
+<file path=ppt/slides/slide194.xml><?xml version="1.0" encoding="utf-8"?>
+<p:sld xmlns:a="http://schemas.openxmlformats.org/drawingml/2006/main" xmlns:p="http://schemas.openxmlformats.org/presentationml/2006/main" xmlns:r="http://schemas.openxmlformats.org/officeDocument/2006/relationships">
+  <p:cSld>
+    <p:spTree>
+      <p:nvGrpSpPr>
+        <p:cNvPr id="1" name=""/>
+        <p:cNvGrpSpPr/>
+        <p:nvPr/>
+      </p:nvGrpSpPr>
+      <p:grpSpPr/>
+      <p:sp>
+        <p:nvSpPr>
+          <p:cNvPr id="2" name="TextBox 1"/>
+          <p:cNvSpPr txBox="1"/>
+          <p:nvPr/>
+        </p:nvSpPr>
+        <p:spPr>
+          <a:xfrm>
+            <a:off x="914400" y="914400"/>
+            <a:ext cx="914400" cy="914400"/>
+          </a:xfrm>
+          <a:prstGeom prst="rect">
+            <a:avLst/>
+          </a:prstGeom>
+          <a:noFill/>
+        </p:spPr>
+        <p:txBody>
+          <a:bodyPr wrap="none">
+            <a:spAutoFit/>
+          </a:bodyPr>
+          <a:lstStyle/>
+          <a:p>
+            <a:r>
+              <a:t>Python Code: </a:t>
+            </a:r>
+          </a:p>
+          <a:p>
+            <a:pPr>
+              <a:defRPr sz="1200"/>
+            </a:pPr>
+            <a:r>
+              <a:t>``` # Laten we een beetje tricker worden</a:t>
+            </a:r>
+            <a:br/>
+            <a:r>
+              <a:t> `````` d = {'k1':[{'nest_key':['this is deep',['hello']]}]}</a:t>
+            </a:r>
+            <a:br/>
+            <a:r>
+              <a:t> `````` </a:t>
+            </a:r>
+            <a:br/>
+            <a:r>
+              <a:t> `````` # Grijp hello</a:t>
+            </a:r>
+            <a:br/>
+            <a:r>
+              <a:t> ```</a:t>
+            </a:r>
+            <a:br/>
+          </a:p>
+        </p:txBody>
+      </p:sp>
+    </p:spTree>
+  </p:cSld>
+  <p:clrMapOvr>
+    <a:masterClrMapping/>
+  </p:clrMapOvr>
+</p:sld>
+</file>
+
+<file path=ppt/slides/slide195.xml><?xml version="1.0" encoding="utf-8"?>
+<p:sld xmlns:a="http://schemas.openxmlformats.org/drawingml/2006/main" xmlns:p="http://schemas.openxmlformats.org/presentationml/2006/main" xmlns:r="http://schemas.openxmlformats.org/officeDocument/2006/relationships">
+  <p:cSld>
+    <p:spTree>
+      <p:nvGrpSpPr>
+        <p:cNvPr id="1" name=""/>
+        <p:cNvGrpSpPr/>
+        <p:nvPr/>
+      </p:nvGrpSpPr>
+      <p:grpSpPr/>
+      <p:sp>
+        <p:nvSpPr>
+          <p:cNvPr id="2" name="TextBox 1"/>
+          <p:cNvSpPr txBox="1"/>
+          <p:nvPr/>
+        </p:nvSpPr>
+        <p:spPr>
+          <a:xfrm>
+            <a:off x="914400" y="914400"/>
+            <a:ext cx="914400" cy="914400"/>
+          </a:xfrm>
+          <a:prstGeom prst="rect">
+            <a:avLst/>
+          </a:prstGeom>
+          <a:noFill/>
+        </p:spPr>
+        <p:txBody>
+          <a:bodyPr wrap="none">
+            <a:spAutoFit/>
+          </a:bodyPr>
+          <a:lstStyle/>
+          <a:p>
+            <a:r>
+              <a:t>Python Code: </a:t>
+            </a:r>
+          </a:p>
+          <a:p>
+            <a:pPr>
+              <a:defRPr sz="1200"/>
+            </a:pPr>
+            <a:r>
+              <a:t>``` # Dit zal moeilijk en vervelend zijn!</a:t>
+            </a:r>
+            <a:br/>
+            <a:r>
+              <a:t> `````` d = {'k1':[1,2,{'k2':['this is tricky',{'tough':[1,2,['hello']]}]}]} ```</a:t>
+            </a:r>
+            <a:br/>
+          </a:p>
+        </p:txBody>
+      </p:sp>
+    </p:spTree>
+  </p:cSld>
+  <p:clrMapOvr>
+    <a:masterClrMapping/>
+  </p:clrMapOvr>
+</p:sld>
+</file>
+
+<file path=ppt/slides/slide196.xml><?xml version="1.0" encoding="utf-8"?>
+<p:sld xmlns:a="http://schemas.openxmlformats.org/drawingml/2006/main" xmlns:p="http://schemas.openxmlformats.org/presentationml/2006/main" xmlns:r="http://schemas.openxmlformats.org/officeDocument/2006/relationships">
+  <p:cSld>
+    <p:spTree>
+      <p:nvGrpSpPr>
+        <p:cNvPr id="1" name=""/>
+        <p:cNvGrpSpPr/>
+        <p:nvPr/>
+      </p:nvGrpSpPr>
+      <p:grpSpPr/>
+      <p:sp>
+        <p:nvSpPr>
+          <p:cNvPr id="2" name="TextBox 1"/>
+          <p:cNvSpPr txBox="1"/>
+          <p:nvPr/>
+        </p:nvSpPr>
+        <p:spPr>
+          <a:xfrm>
+            <a:off x="914400" y="914400"/>
+            <a:ext cx="914400" cy="914400"/>
+          </a:xfrm>
+          <a:prstGeom prst="rect">
+            <a:avLst/>
+          </a:prstGeom>
+          <a:noFill/>
+        </p:spPr>
+        <p:txBody>
+          <a:bodyPr wrap="none">
+            <a:spAutoFit/>
+          </a:bodyPr>
+          <a:lstStyle/>
+          <a:p>
+            <a:r>
+              <a:t>Info:</a:t>
+            </a:r>
+          </a:p>
+          <a:p>
+            <a:pPr>
+              <a:defRPr sz="1200"/>
+            </a:pPr>
+            <a:r>
+              <a:t>Kan je een dictionary sorteren? Waarom wel of niet?&lt;br&gt;&lt;br&gt;</a:t>
+            </a:r>
+            <a:br/>
+          </a:p>
+        </p:txBody>
+      </p:sp>
+    </p:spTree>
+  </p:cSld>
+  <p:clrMapOvr>
+    <a:masterClrMapping/>
+  </p:clrMapOvr>
+</p:sld>
+</file>
+
+<file path=ppt/slides/slide197.xml><?xml version="1.0" encoding="utf-8"?>
+<p:sld xmlns:a="http://schemas.openxmlformats.org/drawingml/2006/main" xmlns:p="http://schemas.openxmlformats.org/presentationml/2006/main" xmlns:r="http://schemas.openxmlformats.org/officeDocument/2006/relationships">
+  <p:cSld>
+    <p:spTree>
+      <p:nvGrpSpPr>
+        <p:cNvPr id="1" name=""/>
+        <p:cNvGrpSpPr/>
+        <p:nvPr/>
+      </p:nvGrpSpPr>
+      <p:grpSpPr/>
+      <p:sp>
+        <p:nvSpPr>
+          <p:cNvPr id="2" name="TextBox 1"/>
+          <p:cNvSpPr txBox="1"/>
+          <p:nvPr/>
+        </p:nvSpPr>
+        <p:spPr>
+          <a:xfrm>
+            <a:off x="914400" y="914400"/>
+            <a:ext cx="914400" cy="914400"/>
+          </a:xfrm>
+          <a:prstGeom prst="rect">
+            <a:avLst/>
+          </a:prstGeom>
+          <a:noFill/>
+        </p:spPr>
+        <p:txBody>
+          <a:bodyPr wrap="none">
+            <a:spAutoFit/>
+          </a:bodyPr>
+          <a:lstStyle/>
+          <a:p>
+            <a:r>
+              <a:t>Info:</a:t>
+            </a:r>
+          </a:p>
+          <a:p>
+            <a:pPr>
+              <a:defRPr sz="1200"/>
+            </a:pPr>
+            <a:r>
+              <a:t>## Tuples</a:t>
+            </a:r>
+            <a:br/>
+          </a:p>
+        </p:txBody>
+      </p:sp>
+    </p:spTree>
+  </p:cSld>
+  <p:clrMapOvr>
+    <a:masterClrMapping/>
+  </p:clrMapOvr>
+</p:sld>
+</file>
+
+<file path=ppt/slides/slide198.xml><?xml version="1.0" encoding="utf-8"?>
+<p:sld xmlns:a="http://schemas.openxmlformats.org/drawingml/2006/main" xmlns:p="http://schemas.openxmlformats.org/presentationml/2006/main" xmlns:r="http://schemas.openxmlformats.org/officeDocument/2006/relationships">
+  <p:cSld>
+    <p:spTree>
+      <p:nvGrpSpPr>
+        <p:cNvPr id="1" name=""/>
+        <p:cNvGrpSpPr/>
+        <p:nvPr/>
+      </p:nvGrpSpPr>
+      <p:grpSpPr/>
+      <p:sp>
+        <p:nvSpPr>
+          <p:cNvPr id="2" name="TextBox 1"/>
+          <p:cNvSpPr txBox="1"/>
+          <p:nvPr/>
+        </p:nvSpPr>
+        <p:spPr>
+          <a:xfrm>
+            <a:off x="914400" y="914400"/>
+            <a:ext cx="914400" cy="914400"/>
+          </a:xfrm>
+          <a:prstGeom prst="rect">
+            <a:avLst/>
+          </a:prstGeom>
+          <a:noFill/>
+        </p:spPr>
+        <p:txBody>
+          <a:bodyPr wrap="none">
+            <a:spAutoFit/>
+          </a:bodyPr>
+          <a:lstStyle/>
+          <a:p>
+            <a:r>
+              <a:t>Info:</a:t>
+            </a:r>
+          </a:p>
+          <a:p>
+            <a:pPr>
+              <a:defRPr sz="1200"/>
+            </a:pPr>
+            <a:r>
+              <a:t>Wat is het belangrijkste verschil tussen tuples en lijsten?&lt;br&gt;&lt;br&gt;</a:t>
+            </a:r>
+            <a:br/>
+          </a:p>
+        </p:txBody>
+      </p:sp>
+    </p:spTree>
+  </p:cSld>
+  <p:clrMapOvr>
+    <a:masterClrMapping/>
+  </p:clrMapOvr>
+</p:sld>
+</file>
+
+<file path=ppt/slides/slide199.xml><?xml version="1.0" encoding="utf-8"?>
+<p:sld xmlns:a="http://schemas.openxmlformats.org/drawingml/2006/main" xmlns:p="http://schemas.openxmlformats.org/presentationml/2006/main" xmlns:r="http://schemas.openxmlformats.org/officeDocument/2006/relationships">
+  <p:cSld>
+    <p:spTree>
+      <p:nvGrpSpPr>
+        <p:cNvPr id="1" name=""/>
+        <p:cNvGrpSpPr/>
+        <p:nvPr/>
+      </p:nvGrpSpPr>
+      <p:grpSpPr/>
+      <p:sp>
+        <p:nvSpPr>
+          <p:cNvPr id="2" name="TextBox 1"/>
+          <p:cNvSpPr txBox="1"/>
+          <p:nvPr/>
+        </p:nvSpPr>
+        <p:spPr>
+          <a:xfrm>
+            <a:off x="914400" y="914400"/>
+            <a:ext cx="914400" cy="914400"/>
+          </a:xfrm>
+          <a:prstGeom prst="rect">
+            <a:avLst/>
+          </a:prstGeom>
+          <a:noFill/>
+        </p:spPr>
+        <p:txBody>
+          <a:bodyPr wrap="none">
+            <a:spAutoFit/>
+          </a:bodyPr>
+          <a:lstStyle/>
+          <a:p>
+            <a:r>
+              <a:t>Info:</a:t>
+            </a:r>
+          </a:p>
+          <a:p>
+            <a:pPr>
+              <a:defRPr sz="1200"/>
+            </a:pPr>
+            <a:r>
+              <a:t>Hoe maak je een tuple aan?&lt;br&gt;&lt;br&gt;</a:t>
+            </a:r>
+            <a:br/>
+          </a:p>
+        </p:txBody>
+      </p:sp>
+    </p:spTree>
+  </p:cSld>
+  <p:clrMapOvr>
+    <a:masterClrMapping/>
+  </p:clrMapOvr>
+</p:sld>
+</file>
+
 <file path=ppt/slides/slide2.xml><?xml version="1.0" encoding="utf-8"?>
 <p:sld xmlns:a="http://schemas.openxmlformats.org/drawingml/2006/main" xmlns:p="http://schemas.openxmlformats.org/presentationml/2006/main" xmlns:r="http://schemas.openxmlformats.org/officeDocument/2006/relationships">
   <p:cSld>
@@ -8464,6 +10846,721 @@
 </p:sld>
 </file>
 
+<file path=ppt/slides/slide200.xml><?xml version="1.0" encoding="utf-8"?>
+<p:sld xmlns:a="http://schemas.openxmlformats.org/drawingml/2006/main" xmlns:p="http://schemas.openxmlformats.org/presentationml/2006/main" xmlns:r="http://schemas.openxmlformats.org/officeDocument/2006/relationships">
+  <p:cSld>
+    <p:spTree>
+      <p:nvGrpSpPr>
+        <p:cNvPr id="1" name=""/>
+        <p:cNvGrpSpPr/>
+        <p:nvPr/>
+      </p:nvGrpSpPr>
+      <p:grpSpPr/>
+      <p:sp>
+        <p:nvSpPr>
+          <p:cNvPr id="2" name="TextBox 1"/>
+          <p:cNvSpPr txBox="1"/>
+          <p:nvPr/>
+        </p:nvSpPr>
+        <p:spPr>
+          <a:xfrm>
+            <a:off x="914400" y="914400"/>
+            <a:ext cx="914400" cy="914400"/>
+          </a:xfrm>
+          <a:prstGeom prst="rect">
+            <a:avLst/>
+          </a:prstGeom>
+          <a:noFill/>
+        </p:spPr>
+        <p:txBody>
+          <a:bodyPr wrap="none">
+            <a:spAutoFit/>
+          </a:bodyPr>
+          <a:lstStyle/>
+          <a:p>
+            <a:r>
+              <a:t>Info:</a:t>
+            </a:r>
+          </a:p>
+          <a:p>
+            <a:pPr>
+              <a:defRPr sz="1200"/>
+            </a:pPr>
+            <a:r>
+              <a:t>## Sets </a:t>
+            </a:r>
+            <a:br/>
+          </a:p>
+        </p:txBody>
+      </p:sp>
+    </p:spTree>
+  </p:cSld>
+  <p:clrMapOvr>
+    <a:masterClrMapping/>
+  </p:clrMapOvr>
+</p:sld>
+</file>
+
+<file path=ppt/slides/slide201.xml><?xml version="1.0" encoding="utf-8"?>
+<p:sld xmlns:a="http://schemas.openxmlformats.org/drawingml/2006/main" xmlns:p="http://schemas.openxmlformats.org/presentationml/2006/main" xmlns:r="http://schemas.openxmlformats.org/officeDocument/2006/relationships">
+  <p:cSld>
+    <p:spTree>
+      <p:nvGrpSpPr>
+        <p:cNvPr id="1" name=""/>
+        <p:cNvGrpSpPr/>
+        <p:nvPr/>
+      </p:nvGrpSpPr>
+      <p:grpSpPr/>
+      <p:sp>
+        <p:nvSpPr>
+          <p:cNvPr id="2" name="TextBox 1"/>
+          <p:cNvSpPr txBox="1"/>
+          <p:nvPr/>
+        </p:nvSpPr>
+        <p:spPr>
+          <a:xfrm>
+            <a:off x="914400" y="914400"/>
+            <a:ext cx="914400" cy="914400"/>
+          </a:xfrm>
+          <a:prstGeom prst="rect">
+            <a:avLst/>
+          </a:prstGeom>
+          <a:noFill/>
+        </p:spPr>
+        <p:txBody>
+          <a:bodyPr wrap="none">
+            <a:spAutoFit/>
+          </a:bodyPr>
+          <a:lstStyle/>
+          <a:p>
+            <a:r>
+              <a:t>Info:</a:t>
+            </a:r>
+          </a:p>
+          <a:p>
+            <a:pPr>
+              <a:defRPr sz="1200"/>
+            </a:pPr>
+            <a:r>
+              <a:t>Wat is er uniek aan een set?&lt;br&gt;&lt;br&gt;</a:t>
+            </a:r>
+            <a:br/>
+          </a:p>
+        </p:txBody>
+      </p:sp>
+    </p:spTree>
+  </p:cSld>
+  <p:clrMapOvr>
+    <a:masterClrMapping/>
+  </p:clrMapOvr>
+</p:sld>
+</file>
+
+<file path=ppt/slides/slide202.xml><?xml version="1.0" encoding="utf-8"?>
+<p:sld xmlns:a="http://schemas.openxmlformats.org/drawingml/2006/main" xmlns:p="http://schemas.openxmlformats.org/presentationml/2006/main" xmlns:r="http://schemas.openxmlformats.org/officeDocument/2006/relationships">
+  <p:cSld>
+    <p:spTree>
+      <p:nvGrpSpPr>
+        <p:cNvPr id="1" name=""/>
+        <p:cNvGrpSpPr/>
+        <p:nvPr/>
+      </p:nvGrpSpPr>
+      <p:grpSpPr/>
+      <p:sp>
+        <p:nvSpPr>
+          <p:cNvPr id="2" name="TextBox 1"/>
+          <p:cNvSpPr txBox="1"/>
+          <p:nvPr/>
+        </p:nvSpPr>
+        <p:spPr>
+          <a:xfrm>
+            <a:off x="914400" y="914400"/>
+            <a:ext cx="914400" cy="914400"/>
+          </a:xfrm>
+          <a:prstGeom prst="rect">
+            <a:avLst/>
+          </a:prstGeom>
+          <a:noFill/>
+        </p:spPr>
+        <p:txBody>
+          <a:bodyPr wrap="none">
+            <a:spAutoFit/>
+          </a:bodyPr>
+          <a:lstStyle/>
+          <a:p>
+            <a:r>
+              <a:t>Info:</a:t>
+            </a:r>
+          </a:p>
+          <a:p>
+            <a:pPr>
+              <a:defRPr sz="1200"/>
+            </a:pPr>
+            <a:r>
+              <a:t>Gebruik een set om de unieke waarden van de onderstaande lijst te vinden:</a:t>
+            </a:r>
+            <a:br/>
+          </a:p>
+        </p:txBody>
+      </p:sp>
+    </p:spTree>
+  </p:cSld>
+  <p:clrMapOvr>
+    <a:masterClrMapping/>
+  </p:clrMapOvr>
+</p:sld>
+</file>
+
+<file path=ppt/slides/slide203.xml><?xml version="1.0" encoding="utf-8"?>
+<p:sld xmlns:a="http://schemas.openxmlformats.org/drawingml/2006/main" xmlns:p="http://schemas.openxmlformats.org/presentationml/2006/main" xmlns:r="http://schemas.openxmlformats.org/officeDocument/2006/relationships">
+  <p:cSld>
+    <p:spTree>
+      <p:nvGrpSpPr>
+        <p:cNvPr id="1" name=""/>
+        <p:cNvGrpSpPr/>
+        <p:nvPr/>
+      </p:nvGrpSpPr>
+      <p:grpSpPr/>
+      <p:sp>
+        <p:nvSpPr>
+          <p:cNvPr id="2" name="TextBox 1"/>
+          <p:cNvSpPr txBox="1"/>
+          <p:nvPr/>
+        </p:nvSpPr>
+        <p:spPr>
+          <a:xfrm>
+            <a:off x="914400" y="914400"/>
+            <a:ext cx="914400" cy="914400"/>
+          </a:xfrm>
+          <a:prstGeom prst="rect">
+            <a:avLst/>
+          </a:prstGeom>
+          <a:noFill/>
+        </p:spPr>
+        <p:txBody>
+          <a:bodyPr wrap="none">
+            <a:spAutoFit/>
+          </a:bodyPr>
+          <a:lstStyle/>
+          <a:p>
+            <a:r>
+              <a:t>Python Code: </a:t>
+            </a:r>
+          </a:p>
+          <a:p>
+            <a:pPr>
+              <a:defRPr sz="1200"/>
+            </a:pPr>
+            <a:r>
+              <a:t>``` list5 = [1,2,2,33,4,4,11,22,3,3,2]</a:t>
+            </a:r>
+            <a:br/>
+            <a:r>
+              <a:t> `````` </a:t>
+            </a:r>
+            <a:br/>
+            <a:r>
+              <a:t> `````` </a:t>
+            </a:r>
+            <a:br/>
+            <a:r>
+              <a:t> ```</a:t>
+            </a:r>
+            <a:br/>
+          </a:p>
+        </p:txBody>
+      </p:sp>
+    </p:spTree>
+  </p:cSld>
+  <p:clrMapOvr>
+    <a:masterClrMapping/>
+  </p:clrMapOvr>
+</p:sld>
+</file>
+
+<file path=ppt/slides/slide204.xml><?xml version="1.0" encoding="utf-8"?>
+<p:sld xmlns:a="http://schemas.openxmlformats.org/drawingml/2006/main" xmlns:p="http://schemas.openxmlformats.org/presentationml/2006/main" xmlns:r="http://schemas.openxmlformats.org/officeDocument/2006/relationships">
+  <p:cSld>
+    <p:spTree>
+      <p:nvGrpSpPr>
+        <p:cNvPr id="1" name=""/>
+        <p:cNvGrpSpPr/>
+        <p:nvPr/>
+      </p:nvGrpSpPr>
+      <p:grpSpPr/>
+      <p:sp>
+        <p:nvSpPr>
+          <p:cNvPr id="2" name="TextBox 1"/>
+          <p:cNvSpPr txBox="1"/>
+          <p:nvPr/>
+        </p:nvSpPr>
+        <p:spPr>
+          <a:xfrm>
+            <a:off x="914400" y="914400"/>
+            <a:ext cx="914400" cy="914400"/>
+          </a:xfrm>
+          <a:prstGeom prst="rect">
+            <a:avLst/>
+          </a:prstGeom>
+          <a:noFill/>
+        </p:spPr>
+        <p:txBody>
+          <a:bodyPr wrap="none">
+            <a:spAutoFit/>
+          </a:bodyPr>
+          <a:lstStyle/>
+          <a:p>
+            <a:r>
+              <a:t>Info:</a:t>
+            </a:r>
+          </a:p>
+          <a:p>
+            <a:pPr>
+              <a:defRPr sz="1200"/>
+            </a:pPr>
+            <a:r>
+              <a:t>## Booleans</a:t>
+            </a:r>
+            <a:br/>
+          </a:p>
+        </p:txBody>
+      </p:sp>
+    </p:spTree>
+  </p:cSld>
+  <p:clrMapOvr>
+    <a:masterClrMapping/>
+  </p:clrMapOvr>
+</p:sld>
+</file>
+
+<file path=ppt/slides/slide205.xml><?xml version="1.0" encoding="utf-8"?>
+<p:sld xmlns:a="http://schemas.openxmlformats.org/drawingml/2006/main" xmlns:p="http://schemas.openxmlformats.org/presentationml/2006/main" xmlns:r="http://schemas.openxmlformats.org/officeDocument/2006/relationships">
+  <p:cSld>
+    <p:spTree>
+      <p:nvGrpSpPr>
+        <p:cNvPr id="1" name=""/>
+        <p:cNvGrpSpPr/>
+        <p:nvPr/>
+      </p:nvGrpSpPr>
+      <p:grpSpPr/>
+      <p:sp>
+        <p:nvSpPr>
+          <p:cNvPr id="2" name="TextBox 1"/>
+          <p:cNvSpPr txBox="1"/>
+          <p:nvPr/>
+        </p:nvSpPr>
+        <p:spPr>
+          <a:xfrm>
+            <a:off x="914400" y="914400"/>
+            <a:ext cx="914400" cy="914400"/>
+          </a:xfrm>
+          <a:prstGeom prst="rect">
+            <a:avLst/>
+          </a:prstGeom>
+          <a:noFill/>
+        </p:spPr>
+        <p:txBody>
+          <a:bodyPr wrap="none">
+            <a:spAutoFit/>
+          </a:bodyPr>
+          <a:lstStyle/>
+          <a:p>
+            <a:r>
+              <a:t>Info:</a:t>
+            </a:r>
+          </a:p>
+          <a:p>
+            <a:pPr>
+              <a:defRPr sz="1200"/>
+            </a:pPr>
+            <a:r>
+              <a:t>Voor de volgende quizvragen krijgen we een voorbeeld van vergelijkingsoperatoren. In de onderstaande tabel zijn a=3 en b=4.</a:t>
+            </a:r>
+            <a:br/>
+            <a:br/>
+            <a:r>
+              <a:t>&lt;table class="table table-bordered"&gt;</a:t>
+            </a:r>
+            <a:br/>
+            <a:r>
+              <a:t>&lt;tr&gt;</a:t>
+            </a:r>
+            <a:br/>
+            <a:r>
+              <a:t>&lt;th style="width:10%"&gt;Operator&lt;/th&gt;&lt;th style="width:45%"&gt;Beschrijving&lt;/th&gt;&lt;th&gt;Voorbeeld&lt;/th&gt;</a:t>
+            </a:r>
+            <a:br/>
+            <a:r>
+              <a:t>&lt;/tr&gt;</a:t>
+            </a:r>
+            <a:br/>
+            <a:r>
+              <a:t>&lt;tr&gt;</a:t>
+            </a:r>
+            <a:br/>
+            <a:r>
+              <a:t>&lt;td&gt;==&lt;/td&gt;</a:t>
+            </a:r>
+            <a:br/>
+            <a:r>
+              <a:t>&lt;td&gt;Als de waarden van twee operanden gelijk zijn, wordt de voorwaarde True.&lt;/td&gt;</a:t>
+            </a:r>
+            <a:br/>
+            <a:r>
+              <a:t>&lt;td&gt; (a == b) is not true.&lt;/td&gt;</a:t>
+            </a:r>
+            <a:br/>
+            <a:r>
+              <a:t>&lt;/tr&gt;</a:t>
+            </a:r>
+            <a:br/>
+            <a:r>
+              <a:t>&lt;tr&gt;</a:t>
+            </a:r>
+            <a:br/>
+            <a:r>
+              <a:t>&lt;td&gt;!=&lt;/td&gt;</a:t>
+            </a:r>
+            <a:br/>
+            <a:r>
+              <a:t>&lt;td&gt;Als de waarden van twee operanden niet gelijk zijn, wordt de voorwaarde 'True'.&lt;/td&gt;</a:t>
+            </a:r>
+            <a:br/>
+            <a:r>
+              <a:t>&lt;td&gt; (a != b) is true.&lt;/td&gt;</a:t>
+            </a:r>
+            <a:br/>
+            <a:r>
+              <a:t>&lt;/tr&gt;</a:t>
+            </a:r>
+            <a:br/>
+            <a:r>
+              <a:t>&lt;tr&gt;</a:t>
+            </a:r>
+            <a:br/>
+            <a:r>
+              <a:t>&lt;td&gt;&amp;gt;&lt;/td&gt;</a:t>
+            </a:r>
+            <a:br/>
+            <a:r>
+              <a:t>&lt;td&gt;Als de waarde van de linker operand groter is dan de waarde van de rechter operand, wordt de voorwaarde 'True'.&lt;/td&gt;</a:t>
+            </a:r>
+            <a:br/>
+            <a:r>
+              <a:t>&lt;td&gt; (a &amp;gt; b) is not true.&lt;/td&gt;</a:t>
+            </a:r>
+            <a:br/>
+            <a:r>
+              <a:t>&lt;/tr&gt;</a:t>
+            </a:r>
+            <a:br/>
+            <a:r>
+              <a:t>&lt;tr&gt;</a:t>
+            </a:r>
+            <a:br/>
+            <a:r>
+              <a:t>&lt;td&gt;&amp;lt;&lt;/td&gt;</a:t>
+            </a:r>
+            <a:br/>
+            <a:r>
+              <a:t>&lt;td&gt;Als de waarde van de linker operand kleiner is dan de waarde van de rechter operand, wordt de voorwaarde 'True'.&lt;/td&gt;</a:t>
+            </a:r>
+            <a:br/>
+            <a:r>
+              <a:t>&lt;td&gt; (a &amp;lt; b) is true.&lt;/td&gt;</a:t>
+            </a:r>
+            <a:br/>
+            <a:r>
+              <a:t>&lt;/tr&gt;</a:t>
+            </a:r>
+            <a:br/>
+            <a:r>
+              <a:t>&lt;tr&gt;</a:t>
+            </a:r>
+            <a:br/>
+            <a:r>
+              <a:t>&lt;td&gt;&amp;gt;=&lt;/td&gt;</a:t>
+            </a:r>
+            <a:br/>
+            <a:r>
+              <a:t>&lt;td&gt;Als de waarde van de linker operand groter is dan of gelijk is aan de waarde van de rechter operand, wordt de voorwaarde 'True'.&lt;/td&gt;</a:t>
+            </a:r>
+            <a:br/>
+            <a:r>
+              <a:t>&lt;td&gt; (a &amp;gt;= b) is not true. &lt;/td&gt;</a:t>
+            </a:r>
+            <a:br/>
+            <a:r>
+              <a:t>&lt;/tr&gt;</a:t>
+            </a:r>
+            <a:br/>
+            <a:r>
+              <a:t>&lt;tr&gt;</a:t>
+            </a:r>
+            <a:br/>
+            <a:r>
+              <a:t>&lt;td&gt;&amp;lt;=&lt;/td&gt;</a:t>
+            </a:r>
+            <a:br/>
+            <a:r>
+              <a:t>&lt;td&gt;Als de waarde van de linker operand kleiner is dan of gelijk is aan de waarde van de rechter operand, wordt de voorwaarde 'True'.&lt;/td&gt;</a:t>
+            </a:r>
+            <a:br/>
+            <a:r>
+              <a:t>&lt;td&gt; (a &amp;lt;= b) is true. &lt;/td&gt;</a:t>
+            </a:r>
+            <a:br/>
+            <a:r>
+              <a:t>&lt;/tr&gt;</a:t>
+            </a:r>
+            <a:br/>
+            <a:r>
+              <a:t>&lt;/table&gt;</a:t>
+            </a:r>
+            <a:br/>
+          </a:p>
+        </p:txBody>
+      </p:sp>
+    </p:spTree>
+  </p:cSld>
+  <p:clrMapOvr>
+    <a:masterClrMapping/>
+  </p:clrMapOvr>
+</p:sld>
+</file>
+
+<file path=ppt/slides/slide206.xml><?xml version="1.0" encoding="utf-8"?>
+<p:sld xmlns:a="http://schemas.openxmlformats.org/drawingml/2006/main" xmlns:p="http://schemas.openxmlformats.org/presentationml/2006/main" xmlns:r="http://schemas.openxmlformats.org/officeDocument/2006/relationships">
+  <p:cSld>
+    <p:spTree>
+      <p:nvGrpSpPr>
+        <p:cNvPr id="1" name=""/>
+        <p:cNvGrpSpPr/>
+        <p:nvPr/>
+      </p:nvGrpSpPr>
+      <p:grpSpPr/>
+      <p:sp>
+        <p:nvSpPr>
+          <p:cNvPr id="2" name="TextBox 1"/>
+          <p:cNvSpPr txBox="1"/>
+          <p:nvPr/>
+        </p:nvSpPr>
+        <p:spPr>
+          <a:xfrm>
+            <a:off x="914400" y="914400"/>
+            <a:ext cx="914400" cy="914400"/>
+          </a:xfrm>
+          <a:prstGeom prst="rect">
+            <a:avLst/>
+          </a:prstGeom>
+          <a:noFill/>
+        </p:spPr>
+        <p:txBody>
+          <a:bodyPr wrap="none">
+            <a:spAutoFit/>
+          </a:bodyPr>
+          <a:lstStyle/>
+          <a:p>
+            <a:r>
+              <a:t>Info:</a:t>
+            </a:r>
+          </a:p>
+          <a:p>
+            <a:pPr>
+              <a:defRPr sz="1200"/>
+            </a:pPr>
+            <a:r>
+              <a:t>Wat zal de resulterende Boolean zijn van de volgende stukjes code (antwoord eerst en controleer door het in te typen!)</a:t>
+            </a:r>
+            <a:br/>
+          </a:p>
+        </p:txBody>
+      </p:sp>
+    </p:spTree>
+  </p:cSld>
+  <p:clrMapOvr>
+    <a:masterClrMapping/>
+  </p:clrMapOvr>
+</p:sld>
+</file>
+
+<file path=ppt/slides/slide207.xml><?xml version="1.0" encoding="utf-8"?>
+<p:sld xmlns:a="http://schemas.openxmlformats.org/drawingml/2006/main" xmlns:p="http://schemas.openxmlformats.org/presentationml/2006/main" xmlns:r="http://schemas.openxmlformats.org/officeDocument/2006/relationships">
+  <p:cSld>
+    <p:spTree>
+      <p:nvGrpSpPr>
+        <p:cNvPr id="1" name=""/>
+        <p:cNvGrpSpPr/>
+        <p:nvPr/>
+      </p:nvGrpSpPr>
+      <p:grpSpPr/>
+      <p:sp>
+        <p:nvSpPr>
+          <p:cNvPr id="2" name="TextBox 1"/>
+          <p:cNvSpPr txBox="1"/>
+          <p:nvPr/>
+        </p:nvSpPr>
+        <p:spPr>
+          <a:xfrm>
+            <a:off x="914400" y="914400"/>
+            <a:ext cx="914400" cy="914400"/>
+          </a:xfrm>
+          <a:prstGeom prst="rect">
+            <a:avLst/>
+          </a:prstGeom>
+          <a:noFill/>
+        </p:spPr>
+        <p:txBody>
+          <a:bodyPr wrap="none">
+            <a:spAutoFit/>
+          </a:bodyPr>
+          <a:lstStyle/>
+          <a:p>
+            <a:r>
+              <a:t>Python Code: </a:t>
+            </a:r>
+          </a:p>
+          <a:p>
+            <a:pPr>
+              <a:defRPr sz="1200"/>
+            </a:pPr>
+            <a:r>
+              <a:t>``` # Beantwoord voordat u de cel uitvoert</a:t>
+            </a:r>
+            <a:br/>
+            <a:r>
+              <a:t> `````` 2 &gt; 3 ```</a:t>
+            </a:r>
+            <a:br/>
+          </a:p>
+        </p:txBody>
+      </p:sp>
+    </p:spTree>
+  </p:cSld>
+  <p:clrMapOvr>
+    <a:masterClrMapping/>
+  </p:clrMapOvr>
+</p:sld>
+</file>
+
+<file path=ppt/slides/slide208.xml><?xml version="1.0" encoding="utf-8"?>
+<p:sld xmlns:a="http://schemas.openxmlformats.org/drawingml/2006/main" xmlns:p="http://schemas.openxmlformats.org/presentationml/2006/main" xmlns:r="http://schemas.openxmlformats.org/officeDocument/2006/relationships">
+  <p:cSld>
+    <p:spTree>
+      <p:nvGrpSpPr>
+        <p:cNvPr id="1" name=""/>
+        <p:cNvGrpSpPr/>
+        <p:nvPr/>
+      </p:nvGrpSpPr>
+      <p:grpSpPr/>
+      <p:sp>
+        <p:nvSpPr>
+          <p:cNvPr id="2" name="TextBox 1"/>
+          <p:cNvSpPr txBox="1"/>
+          <p:nvPr/>
+        </p:nvSpPr>
+        <p:spPr>
+          <a:xfrm>
+            <a:off x="914400" y="914400"/>
+            <a:ext cx="914400" cy="914400"/>
+          </a:xfrm>
+          <a:prstGeom prst="rect">
+            <a:avLst/>
+          </a:prstGeom>
+          <a:noFill/>
+        </p:spPr>
+        <p:txBody>
+          <a:bodyPr wrap="none">
+            <a:spAutoFit/>
+          </a:bodyPr>
+          <a:lstStyle/>
+          <a:p>
+            <a:r>
+              <a:t>Python Code: </a:t>
+            </a:r>
+          </a:p>
+          <a:p>
+            <a:pPr>
+              <a:defRPr sz="1200"/>
+            </a:pPr>
+            <a:r>
+              <a:t>``` # Beantwoord voordat u de cel uitvoert</a:t>
+            </a:r>
+            <a:br/>
+            <a:r>
+              <a:t> `````` 3 &lt;= 2 ```</a:t>
+            </a:r>
+            <a:br/>
+          </a:p>
+        </p:txBody>
+      </p:sp>
+    </p:spTree>
+  </p:cSld>
+  <p:clrMapOvr>
+    <a:masterClrMapping/>
+  </p:clrMapOvr>
+</p:sld>
+</file>
+
+<file path=ppt/slides/slide209.xml><?xml version="1.0" encoding="utf-8"?>
+<p:sld xmlns:a="http://schemas.openxmlformats.org/drawingml/2006/main" xmlns:p="http://schemas.openxmlformats.org/presentationml/2006/main" xmlns:r="http://schemas.openxmlformats.org/officeDocument/2006/relationships">
+  <p:cSld>
+    <p:spTree>
+      <p:nvGrpSpPr>
+        <p:cNvPr id="1" name=""/>
+        <p:cNvGrpSpPr/>
+        <p:nvPr/>
+      </p:nvGrpSpPr>
+      <p:grpSpPr/>
+      <p:sp>
+        <p:nvSpPr>
+          <p:cNvPr id="2" name="TextBox 1"/>
+          <p:cNvSpPr txBox="1"/>
+          <p:nvPr/>
+        </p:nvSpPr>
+        <p:spPr>
+          <a:xfrm>
+            <a:off x="914400" y="914400"/>
+            <a:ext cx="914400" cy="914400"/>
+          </a:xfrm>
+          <a:prstGeom prst="rect">
+            <a:avLst/>
+          </a:prstGeom>
+          <a:noFill/>
+        </p:spPr>
+        <p:txBody>
+          <a:bodyPr wrap="none">
+            <a:spAutoFit/>
+          </a:bodyPr>
+          <a:lstStyle/>
+          <a:p>
+            <a:r>
+              <a:t>Python Code: </a:t>
+            </a:r>
+          </a:p>
+          <a:p>
+            <a:pPr>
+              <a:defRPr sz="1200"/>
+            </a:pPr>
+            <a:r>
+              <a:t>``` # Beantwoord voordat u de cel uitvoert</a:t>
+            </a:r>
+            <a:br/>
+            <a:r>
+              <a:t> `````` 3 == 2.0 ```</a:t>
+            </a:r>
+            <a:br/>
+          </a:p>
+        </p:txBody>
+      </p:sp>
+    </p:spTree>
+  </p:cSld>
+  <p:clrMapOvr>
+    <a:masterClrMapping/>
+  </p:clrMapOvr>
+</p:sld>
+</file>
+
 <file path=ppt/slides/slide21.xml><?xml version="1.0" encoding="utf-8"?>
 <p:sld xmlns:a="http://schemas.openxmlformats.org/drawingml/2006/main" xmlns:p="http://schemas.openxmlformats.org/presentationml/2006/main" xmlns:r="http://schemas.openxmlformats.org/officeDocument/2006/relationships">
   <p:cSld>
@@ -8515,6 +11612,309 @@
             </a:r>
           </a:p>
           <a:p/>
+        </p:txBody>
+      </p:sp>
+    </p:spTree>
+  </p:cSld>
+  <p:clrMapOvr>
+    <a:masterClrMapping/>
+  </p:clrMapOvr>
+</p:sld>
+</file>
+
+<file path=ppt/slides/slide210.xml><?xml version="1.0" encoding="utf-8"?>
+<p:sld xmlns:a="http://schemas.openxmlformats.org/drawingml/2006/main" xmlns:p="http://schemas.openxmlformats.org/presentationml/2006/main" xmlns:r="http://schemas.openxmlformats.org/officeDocument/2006/relationships">
+  <p:cSld>
+    <p:spTree>
+      <p:nvGrpSpPr>
+        <p:cNvPr id="1" name=""/>
+        <p:cNvGrpSpPr/>
+        <p:nvPr/>
+      </p:nvGrpSpPr>
+      <p:grpSpPr/>
+      <p:sp>
+        <p:nvSpPr>
+          <p:cNvPr id="2" name="TextBox 1"/>
+          <p:cNvSpPr txBox="1"/>
+          <p:nvPr/>
+        </p:nvSpPr>
+        <p:spPr>
+          <a:xfrm>
+            <a:off x="914400" y="914400"/>
+            <a:ext cx="914400" cy="914400"/>
+          </a:xfrm>
+          <a:prstGeom prst="rect">
+            <a:avLst/>
+          </a:prstGeom>
+          <a:noFill/>
+        </p:spPr>
+        <p:txBody>
+          <a:bodyPr wrap="none">
+            <a:spAutoFit/>
+          </a:bodyPr>
+          <a:lstStyle/>
+          <a:p>
+            <a:r>
+              <a:t>Python Code: </a:t>
+            </a:r>
+          </a:p>
+          <a:p>
+            <a:pPr>
+              <a:defRPr sz="1200"/>
+            </a:pPr>
+            <a:r>
+              <a:t>``` # Beantwoord voordat u de cel uitvoert</a:t>
+            </a:r>
+            <a:br/>
+            <a:r>
+              <a:t> `````` 3.0 == 3 ```</a:t>
+            </a:r>
+            <a:br/>
+          </a:p>
+        </p:txBody>
+      </p:sp>
+    </p:spTree>
+  </p:cSld>
+  <p:clrMapOvr>
+    <a:masterClrMapping/>
+  </p:clrMapOvr>
+</p:sld>
+</file>
+
+<file path=ppt/slides/slide211.xml><?xml version="1.0" encoding="utf-8"?>
+<p:sld xmlns:a="http://schemas.openxmlformats.org/drawingml/2006/main" xmlns:p="http://schemas.openxmlformats.org/presentationml/2006/main" xmlns:r="http://schemas.openxmlformats.org/officeDocument/2006/relationships">
+  <p:cSld>
+    <p:spTree>
+      <p:nvGrpSpPr>
+        <p:cNvPr id="1" name=""/>
+        <p:cNvGrpSpPr/>
+        <p:nvPr/>
+      </p:nvGrpSpPr>
+      <p:grpSpPr/>
+      <p:sp>
+        <p:nvSpPr>
+          <p:cNvPr id="2" name="TextBox 1"/>
+          <p:cNvSpPr txBox="1"/>
+          <p:nvPr/>
+        </p:nvSpPr>
+        <p:spPr>
+          <a:xfrm>
+            <a:off x="914400" y="914400"/>
+            <a:ext cx="914400" cy="914400"/>
+          </a:xfrm>
+          <a:prstGeom prst="rect">
+            <a:avLst/>
+          </a:prstGeom>
+          <a:noFill/>
+        </p:spPr>
+        <p:txBody>
+          <a:bodyPr wrap="none">
+            <a:spAutoFit/>
+          </a:bodyPr>
+          <a:lstStyle/>
+          <a:p>
+            <a:r>
+              <a:t>Python Code: </a:t>
+            </a:r>
+          </a:p>
+          <a:p>
+            <a:pPr>
+              <a:defRPr sz="1200"/>
+            </a:pPr>
+            <a:r>
+              <a:t>``` # Beantwoord voordat u de cel uitvoert</a:t>
+            </a:r>
+            <a:br/>
+            <a:r>
+              <a:t> `````` 4**0.5 != 2 ```</a:t>
+            </a:r>
+            <a:br/>
+          </a:p>
+        </p:txBody>
+      </p:sp>
+    </p:spTree>
+  </p:cSld>
+  <p:clrMapOvr>
+    <a:masterClrMapping/>
+  </p:clrMapOvr>
+</p:sld>
+</file>
+
+<file path=ppt/slides/slide212.xml><?xml version="1.0" encoding="utf-8"?>
+<p:sld xmlns:a="http://schemas.openxmlformats.org/drawingml/2006/main" xmlns:p="http://schemas.openxmlformats.org/presentationml/2006/main" xmlns:r="http://schemas.openxmlformats.org/officeDocument/2006/relationships">
+  <p:cSld>
+    <p:spTree>
+      <p:nvGrpSpPr>
+        <p:cNvPr id="1" name=""/>
+        <p:cNvGrpSpPr/>
+        <p:nvPr/>
+      </p:nvGrpSpPr>
+      <p:grpSpPr/>
+      <p:sp>
+        <p:nvSpPr>
+          <p:cNvPr id="2" name="TextBox 1"/>
+          <p:cNvSpPr txBox="1"/>
+          <p:nvPr/>
+        </p:nvSpPr>
+        <p:spPr>
+          <a:xfrm>
+            <a:off x="914400" y="914400"/>
+            <a:ext cx="914400" cy="914400"/>
+          </a:xfrm>
+          <a:prstGeom prst="rect">
+            <a:avLst/>
+          </a:prstGeom>
+          <a:noFill/>
+        </p:spPr>
+        <p:txBody>
+          <a:bodyPr wrap="none">
+            <a:spAutoFit/>
+          </a:bodyPr>
+          <a:lstStyle/>
+          <a:p>
+            <a:r>
+              <a:t>Info:</a:t>
+            </a:r>
+          </a:p>
+          <a:p>
+            <a:pPr>
+              <a:defRPr sz="1200"/>
+            </a:pPr>
+            <a:r>
+              <a:t>Laatste vraag: Wat is de booleaanse uitvoer van het onderstaande cel-blok?</a:t>
+            </a:r>
+            <a:br/>
+          </a:p>
+        </p:txBody>
+      </p:sp>
+    </p:spTree>
+  </p:cSld>
+  <p:clrMapOvr>
+    <a:masterClrMapping/>
+  </p:clrMapOvr>
+</p:sld>
+</file>
+
+<file path=ppt/slides/slide213.xml><?xml version="1.0" encoding="utf-8"?>
+<p:sld xmlns:a="http://schemas.openxmlformats.org/drawingml/2006/main" xmlns:p="http://schemas.openxmlformats.org/presentationml/2006/main" xmlns:r="http://schemas.openxmlformats.org/officeDocument/2006/relationships">
+  <p:cSld>
+    <p:spTree>
+      <p:nvGrpSpPr>
+        <p:cNvPr id="1" name=""/>
+        <p:cNvGrpSpPr/>
+        <p:nvPr/>
+      </p:nvGrpSpPr>
+      <p:grpSpPr/>
+      <p:sp>
+        <p:nvSpPr>
+          <p:cNvPr id="2" name="TextBox 1"/>
+          <p:cNvSpPr txBox="1"/>
+          <p:nvPr/>
+        </p:nvSpPr>
+        <p:spPr>
+          <a:xfrm>
+            <a:off x="914400" y="914400"/>
+            <a:ext cx="914400" cy="914400"/>
+          </a:xfrm>
+          <a:prstGeom prst="rect">
+            <a:avLst/>
+          </a:prstGeom>
+          <a:noFill/>
+        </p:spPr>
+        <p:txBody>
+          <a:bodyPr wrap="none">
+            <a:spAutoFit/>
+          </a:bodyPr>
+          <a:lstStyle/>
+          <a:p>
+            <a:r>
+              <a:t>Python Code: </a:t>
+            </a:r>
+          </a:p>
+          <a:p>
+            <a:pPr>
+              <a:defRPr sz="1200"/>
+            </a:pPr>
+            <a:r>
+              <a:t>``` # twee geneste lijsten</a:t>
+            </a:r>
+            <a:br/>
+            <a:r>
+              <a:t> `````` l_one = [1,2,[3,4]]</a:t>
+            </a:r>
+            <a:br/>
+            <a:r>
+              <a:t> `````` l_two = [1,2,{'k1':4}]</a:t>
+            </a:r>
+            <a:br/>
+            <a:r>
+              <a:t> `````` </a:t>
+            </a:r>
+            <a:br/>
+            <a:r>
+              <a:t> `````` # True of False?</a:t>
+            </a:r>
+            <a:br/>
+            <a:r>
+              <a:t> `````` l_one[2][0] &gt;= l_two[2]['k1'] ```</a:t>
+            </a:r>
+            <a:br/>
+          </a:p>
+        </p:txBody>
+      </p:sp>
+    </p:spTree>
+  </p:cSld>
+  <p:clrMapOvr>
+    <a:masterClrMapping/>
+  </p:clrMapOvr>
+</p:sld>
+</file>
+
+<file path=ppt/slides/slide214.xml><?xml version="1.0" encoding="utf-8"?>
+<p:sld xmlns:a="http://schemas.openxmlformats.org/drawingml/2006/main" xmlns:p="http://schemas.openxmlformats.org/presentationml/2006/main" xmlns:r="http://schemas.openxmlformats.org/officeDocument/2006/relationships">
+  <p:cSld>
+    <p:spTree>
+      <p:nvGrpSpPr>
+        <p:cNvPr id="1" name=""/>
+        <p:cNvGrpSpPr/>
+        <p:nvPr/>
+      </p:nvGrpSpPr>
+      <p:grpSpPr/>
+      <p:sp>
+        <p:nvSpPr>
+          <p:cNvPr id="2" name="TextBox 1"/>
+          <p:cNvSpPr txBox="1"/>
+          <p:nvPr/>
+        </p:nvSpPr>
+        <p:spPr>
+          <a:xfrm>
+            <a:off x="914400" y="914400"/>
+            <a:ext cx="914400" cy="914400"/>
+          </a:xfrm>
+          <a:prstGeom prst="rect">
+            <a:avLst/>
+          </a:prstGeom>
+          <a:noFill/>
+        </p:spPr>
+        <p:txBody>
+          <a:bodyPr wrap="none">
+            <a:spAutoFit/>
+          </a:bodyPr>
+          <a:lstStyle/>
+          <a:p>
+            <a:r>
+              <a:t>Info:</a:t>
+            </a:r>
+          </a:p>
+          <a:p>
+            <a:pPr>
+              <a:defRPr sz="1200"/>
+            </a:pPr>
+            <a:r>
+              <a:t>## Goed gedaan bij je eerste opdracht!</a:t>
+            </a:r>
+            <a:br/>
+          </a:p>
         </p:txBody>
       </p:sp>
     </p:spTree>

--- a/Notebooks/Nederlands/02 - Objecten datastructuren en operatoren/13 - Opdrachten.pptx
+++ b/Notebooks/Nederlands/02 - Objecten datastructuren en operatoren/13 - Opdrachten.pptx
@@ -219,6 +219,114 @@
     <p:sldId id="467" r:id="rId218"/>
     <p:sldId id="468" r:id="rId219"/>
     <p:sldId id="469" r:id="rId220"/>
+    <p:sldId id="470" r:id="rId221"/>
+    <p:sldId id="471" r:id="rId222"/>
+    <p:sldId id="472" r:id="rId223"/>
+    <p:sldId id="473" r:id="rId224"/>
+    <p:sldId id="474" r:id="rId225"/>
+    <p:sldId id="475" r:id="rId226"/>
+    <p:sldId id="476" r:id="rId227"/>
+    <p:sldId id="477" r:id="rId228"/>
+    <p:sldId id="478" r:id="rId229"/>
+    <p:sldId id="479" r:id="rId230"/>
+    <p:sldId id="480" r:id="rId231"/>
+    <p:sldId id="481" r:id="rId232"/>
+    <p:sldId id="482" r:id="rId233"/>
+    <p:sldId id="483" r:id="rId234"/>
+    <p:sldId id="484" r:id="rId235"/>
+    <p:sldId id="485" r:id="rId236"/>
+    <p:sldId id="486" r:id="rId237"/>
+    <p:sldId id="487" r:id="rId238"/>
+    <p:sldId id="488" r:id="rId239"/>
+    <p:sldId id="489" r:id="rId240"/>
+    <p:sldId id="490" r:id="rId241"/>
+    <p:sldId id="491" r:id="rId242"/>
+    <p:sldId id="492" r:id="rId243"/>
+    <p:sldId id="493" r:id="rId244"/>
+    <p:sldId id="494" r:id="rId245"/>
+    <p:sldId id="495" r:id="rId246"/>
+    <p:sldId id="496" r:id="rId247"/>
+    <p:sldId id="497" r:id="rId248"/>
+    <p:sldId id="498" r:id="rId249"/>
+    <p:sldId id="499" r:id="rId250"/>
+    <p:sldId id="500" r:id="rId251"/>
+    <p:sldId id="501" r:id="rId252"/>
+    <p:sldId id="502" r:id="rId253"/>
+    <p:sldId id="503" r:id="rId254"/>
+    <p:sldId id="504" r:id="rId255"/>
+    <p:sldId id="505" r:id="rId256"/>
+    <p:sldId id="506" r:id="rId257"/>
+    <p:sldId id="507" r:id="rId258"/>
+    <p:sldId id="508" r:id="rId259"/>
+    <p:sldId id="509" r:id="rId260"/>
+    <p:sldId id="510" r:id="rId261"/>
+    <p:sldId id="511" r:id="rId262"/>
+    <p:sldId id="512" r:id="rId263"/>
+    <p:sldId id="513" r:id="rId264"/>
+    <p:sldId id="514" r:id="rId265"/>
+    <p:sldId id="515" r:id="rId266"/>
+    <p:sldId id="516" r:id="rId267"/>
+    <p:sldId id="517" r:id="rId268"/>
+    <p:sldId id="518" r:id="rId269"/>
+    <p:sldId id="519" r:id="rId270"/>
+    <p:sldId id="520" r:id="rId271"/>
+    <p:sldId id="521" r:id="rId272"/>
+    <p:sldId id="522" r:id="rId273"/>
+    <p:sldId id="523" r:id="rId274"/>
+    <p:sldId id="524" r:id="rId275"/>
+    <p:sldId id="525" r:id="rId276"/>
+    <p:sldId id="526" r:id="rId277"/>
+    <p:sldId id="527" r:id="rId278"/>
+    <p:sldId id="528" r:id="rId279"/>
+    <p:sldId id="529" r:id="rId280"/>
+    <p:sldId id="530" r:id="rId281"/>
+    <p:sldId id="531" r:id="rId282"/>
+    <p:sldId id="532" r:id="rId283"/>
+    <p:sldId id="533" r:id="rId284"/>
+    <p:sldId id="534" r:id="rId285"/>
+    <p:sldId id="535" r:id="rId286"/>
+    <p:sldId id="536" r:id="rId287"/>
+    <p:sldId id="537" r:id="rId288"/>
+    <p:sldId id="538" r:id="rId289"/>
+    <p:sldId id="539" r:id="rId290"/>
+    <p:sldId id="540" r:id="rId291"/>
+    <p:sldId id="541" r:id="rId292"/>
+    <p:sldId id="542" r:id="rId293"/>
+    <p:sldId id="543" r:id="rId294"/>
+    <p:sldId id="544" r:id="rId295"/>
+    <p:sldId id="545" r:id="rId296"/>
+    <p:sldId id="546" r:id="rId297"/>
+    <p:sldId id="547" r:id="rId298"/>
+    <p:sldId id="548" r:id="rId299"/>
+    <p:sldId id="549" r:id="rId300"/>
+    <p:sldId id="550" r:id="rId301"/>
+    <p:sldId id="551" r:id="rId302"/>
+    <p:sldId id="552" r:id="rId303"/>
+    <p:sldId id="553" r:id="rId304"/>
+    <p:sldId id="554" r:id="rId305"/>
+    <p:sldId id="555" r:id="rId306"/>
+    <p:sldId id="556" r:id="rId307"/>
+    <p:sldId id="557" r:id="rId308"/>
+    <p:sldId id="558" r:id="rId309"/>
+    <p:sldId id="559" r:id="rId310"/>
+    <p:sldId id="560" r:id="rId311"/>
+    <p:sldId id="561" r:id="rId312"/>
+    <p:sldId id="562" r:id="rId313"/>
+    <p:sldId id="563" r:id="rId314"/>
+    <p:sldId id="564" r:id="rId315"/>
+    <p:sldId id="565" r:id="rId316"/>
+    <p:sldId id="566" r:id="rId317"/>
+    <p:sldId id="567" r:id="rId318"/>
+    <p:sldId id="568" r:id="rId319"/>
+    <p:sldId id="569" r:id="rId320"/>
+    <p:sldId id="570" r:id="rId321"/>
+    <p:sldId id="571" r:id="rId322"/>
+    <p:sldId id="572" r:id="rId323"/>
+    <p:sldId id="573" r:id="rId324"/>
+    <p:sldId id="574" r:id="rId325"/>
+    <p:sldId id="575" r:id="rId326"/>
+    <p:sldId id="576" r:id="rId327"/>
+    <p:sldId id="577" r:id="rId328"/>
   </p:sldIdLst>
   <p:sldSz cx="9144000" cy="6858000" type="screen4x3"/>
   <p:notesSz cx="6858000" cy="9144000"/>
@@ -11925,6 +12033,296 @@
 </p:sld>
 </file>
 
+<file path=ppt/slides/slide215.xml><?xml version="1.0" encoding="utf-8"?>
+<p:sld xmlns:a="http://schemas.openxmlformats.org/drawingml/2006/main" xmlns:p="http://schemas.openxmlformats.org/presentationml/2006/main" xmlns:r="http://schemas.openxmlformats.org/officeDocument/2006/relationships">
+  <p:cSld>
+    <p:spTree>
+      <p:nvGrpSpPr>
+        <p:cNvPr id="1" name=""/>
+        <p:cNvGrpSpPr/>
+        <p:nvPr/>
+      </p:nvGrpSpPr>
+      <p:grpSpPr/>
+    </p:spTree>
+  </p:cSld>
+  <p:clrMapOvr>
+    <a:masterClrMapping/>
+  </p:clrMapOvr>
+</p:sld>
+</file>
+
+<file path=ppt/slides/slide216.xml><?xml version="1.0" encoding="utf-8"?>
+<p:sld xmlns:a="http://schemas.openxmlformats.org/drawingml/2006/main" xmlns:p="http://schemas.openxmlformats.org/presentationml/2006/main" xmlns:r="http://schemas.openxmlformats.org/officeDocument/2006/relationships">
+  <p:cSld>
+    <p:spTree>
+      <p:nvGrpSpPr>
+        <p:cNvPr id="1" name=""/>
+        <p:cNvGrpSpPr/>
+        <p:nvPr/>
+      </p:nvGrpSpPr>
+      <p:grpSpPr/>
+      <p:sp>
+        <p:nvSpPr>
+          <p:cNvPr id="2" name="TextBox 1"/>
+          <p:cNvSpPr txBox="1"/>
+          <p:nvPr/>
+        </p:nvSpPr>
+        <p:spPr>
+          <a:xfrm>
+            <a:off x="914400" y="914400"/>
+            <a:ext cx="914400" cy="914400"/>
+          </a:xfrm>
+          <a:prstGeom prst="rect">
+            <a:avLst/>
+          </a:prstGeom>
+          <a:noFill/>
+        </p:spPr>
+        <p:txBody>
+          <a:bodyPr wrap="none">
+            <a:spAutoFit/>
+          </a:bodyPr>
+          <a:lstStyle/>
+          <a:p>
+            <a:r>
+              <a:t>Info:</a:t>
+            </a:r>
+          </a:p>
+          <a:p>
+            <a:pPr>
+              <a:defRPr sz="1200"/>
+            </a:pPr>
+            <a:r>
+              <a:t>&lt;center&gt;</a:t>
+            </a:r>
+            <a:br/>
+            <a:r>
+              <a:t>    &lt;img src='https://intecbrussel.be/img/logo3.png' width='400px' height='auto'/&gt;</a:t>
+            </a:r>
+            <a:br/>
+            <a:r>
+              <a:t>    &lt;br/&gt;</a:t>
+            </a:r>
+            <a:br/>
+            <a:r>
+              <a:t>    &lt;em&gt;Python les-materialen&lt;/em&gt;</a:t>
+            </a:r>
+            <a:br/>
+            <a:r>
+              <a:t>&lt;/center&gt;</a:t>
+            </a:r>
+            <a:br/>
+          </a:p>
+        </p:txBody>
+      </p:sp>
+    </p:spTree>
+  </p:cSld>
+  <p:clrMapOvr>
+    <a:masterClrMapping/>
+  </p:clrMapOvr>
+</p:sld>
+</file>
+
+<file path=ppt/slides/slide217.xml><?xml version="1.0" encoding="utf-8"?>
+<p:sld xmlns:a="http://schemas.openxmlformats.org/drawingml/2006/main" xmlns:p="http://schemas.openxmlformats.org/presentationml/2006/main" xmlns:r="http://schemas.openxmlformats.org/officeDocument/2006/relationships">
+  <p:cSld>
+    <p:spTree>
+      <p:nvGrpSpPr>
+        <p:cNvPr id="1" name=""/>
+        <p:cNvGrpSpPr/>
+        <p:nvPr/>
+      </p:nvGrpSpPr>
+      <p:grpSpPr/>
+      <p:sp>
+        <p:nvSpPr>
+          <p:cNvPr id="2" name="TextBox 1"/>
+          <p:cNvSpPr txBox="1"/>
+          <p:nvPr/>
+        </p:nvSpPr>
+        <p:spPr>
+          <a:xfrm>
+            <a:off x="914400" y="914400"/>
+            <a:ext cx="914400" cy="914400"/>
+          </a:xfrm>
+          <a:prstGeom prst="rect">
+            <a:avLst/>
+          </a:prstGeom>
+          <a:noFill/>
+        </p:spPr>
+        <p:txBody>
+          <a:bodyPr wrap="none">
+            <a:spAutoFit/>
+          </a:bodyPr>
+          <a:lstStyle/>
+          <a:p>
+            <a:r>
+              <a:t>Info:</a:t>
+            </a:r>
+          </a:p>
+          <a:p>
+            <a:pPr>
+              <a:defRPr sz="1200"/>
+            </a:pPr>
+            <a:r>
+              <a:t># Opdrachten Hoofdstuk 00</a:t>
+            </a:r>
+            <a:br/>
+            <a:br/>
+            <a:r>
+              <a:t>## Test je eigen kennis.</a:t>
+            </a:r>
+            <a:br/>
+            <a:br/>
+            <a:r>
+              <a:t>** Beantwoord de volgende vragen **</a:t>
+            </a:r>
+            <a:br/>
+          </a:p>
+        </p:txBody>
+      </p:sp>
+    </p:spTree>
+  </p:cSld>
+  <p:clrMapOvr>
+    <a:masterClrMapping/>
+  </p:clrMapOvr>
+</p:sld>
+</file>
+
+<file path=ppt/slides/slide218.xml><?xml version="1.0" encoding="utf-8"?>
+<p:sld xmlns:a="http://schemas.openxmlformats.org/drawingml/2006/main" xmlns:p="http://schemas.openxmlformats.org/presentationml/2006/main" xmlns:r="http://schemas.openxmlformats.org/officeDocument/2006/relationships">
+  <p:cSld>
+    <p:spTree>
+      <p:nvGrpSpPr>
+        <p:cNvPr id="1" name=""/>
+        <p:cNvGrpSpPr/>
+        <p:nvPr/>
+      </p:nvGrpSpPr>
+      <p:grpSpPr/>
+      <p:sp>
+        <p:nvSpPr>
+          <p:cNvPr id="2" name="TextBox 1"/>
+          <p:cNvSpPr txBox="1"/>
+          <p:nvPr/>
+        </p:nvSpPr>
+        <p:spPr>
+          <a:xfrm>
+            <a:off x="914400" y="914400"/>
+            <a:ext cx="914400" cy="914400"/>
+          </a:xfrm>
+          <a:prstGeom prst="rect">
+            <a:avLst/>
+          </a:prstGeom>
+          <a:noFill/>
+        </p:spPr>
+        <p:txBody>
+          <a:bodyPr wrap="none">
+            <a:spAutoFit/>
+          </a:bodyPr>
+          <a:lstStyle/>
+          <a:p>
+            <a:r>
+              <a:t>Info:</a:t>
+            </a:r>
+          </a:p>
+          <a:p>
+            <a:pPr>
+              <a:defRPr sz="1200"/>
+            </a:pPr>
+            <a:r>
+              <a:t>Schrijf (of zeg het gewoon hardop tegen jezelf) een korte beschrijving van alle volgende objecttypen en gegevensstructuren waarover we hebben geleerd. U kunt de onderstaande cel bewerken door erop te dubbelklikken. Dit is echt alleen om te testen of je het verschil hiertussen weet, dus voel je vrij om er gewoon over na te denken, aangezien je antwoorden zelfbeoordeeld zijn.</a:t>
+            </a:r>
+            <a:br/>
+          </a:p>
+        </p:txBody>
+      </p:sp>
+    </p:spTree>
+  </p:cSld>
+  <p:clrMapOvr>
+    <a:masterClrMapping/>
+  </p:clrMapOvr>
+</p:sld>
+</file>
+
+<file path=ppt/slides/slide219.xml><?xml version="1.0" encoding="utf-8"?>
+<p:sld xmlns:a="http://schemas.openxmlformats.org/drawingml/2006/main" xmlns:p="http://schemas.openxmlformats.org/presentationml/2006/main" xmlns:r="http://schemas.openxmlformats.org/officeDocument/2006/relationships">
+  <p:cSld>
+    <p:spTree>
+      <p:nvGrpSpPr>
+        <p:cNvPr id="1" name=""/>
+        <p:cNvGrpSpPr/>
+        <p:nvPr/>
+      </p:nvGrpSpPr>
+      <p:grpSpPr/>
+      <p:sp>
+        <p:nvSpPr>
+          <p:cNvPr id="2" name="TextBox 1"/>
+          <p:cNvSpPr txBox="1"/>
+          <p:nvPr/>
+        </p:nvSpPr>
+        <p:spPr>
+          <a:xfrm>
+            <a:off x="914400" y="914400"/>
+            <a:ext cx="914400" cy="914400"/>
+          </a:xfrm>
+          <a:prstGeom prst="rect">
+            <a:avLst/>
+          </a:prstGeom>
+          <a:noFill/>
+        </p:spPr>
+        <p:txBody>
+          <a:bodyPr wrap="none">
+            <a:spAutoFit/>
+          </a:bodyPr>
+          <a:lstStyle/>
+          <a:p>
+            <a:r>
+              <a:t>Info:</a:t>
+            </a:r>
+          </a:p>
+          <a:p>
+            <a:pPr>
+              <a:defRPr sz="1200"/>
+            </a:pPr>
+            <a:r>
+              <a:t>Dubbelklik HIER om deze markdown-cel te bewerken en antwoorden te schrijven.</a:t>
+            </a:r>
+            <a:br/>
+            <a:br/>
+            <a:r>
+              <a:t>Getallen:</a:t>
+            </a:r>
+            <a:br/>
+            <a:br/>
+            <a:r>
+              <a:t>Strings:</a:t>
+            </a:r>
+            <a:br/>
+            <a:br/>
+            <a:r>
+              <a:t>Lists:</a:t>
+            </a:r>
+            <a:br/>
+            <a:br/>
+            <a:r>
+              <a:t>Tuples:</a:t>
+            </a:r>
+            <a:br/>
+            <a:br/>
+            <a:r>
+              <a:t>Dictionaries:</a:t>
+            </a:r>
+            <a:br/>
+            <a:br/>
+          </a:p>
+        </p:txBody>
+      </p:sp>
+    </p:spTree>
+  </p:cSld>
+  <p:clrMapOvr>
+    <a:masterClrMapping/>
+  </p:clrMapOvr>
+</p:sld>
+</file>
+
 <file path=ppt/slides/slide22.xml><?xml version="1.0" encoding="utf-8"?>
 <p:sld xmlns:a="http://schemas.openxmlformats.org/drawingml/2006/main" xmlns:p="http://schemas.openxmlformats.org/presentationml/2006/main" xmlns:r="http://schemas.openxmlformats.org/officeDocument/2006/relationships">
   <p:cSld>
@@ -11976,6 +12374,591 @@
             </a:r>
           </a:p>
           <a:p/>
+        </p:txBody>
+      </p:sp>
+    </p:spTree>
+  </p:cSld>
+  <p:clrMapOvr>
+    <a:masterClrMapping/>
+  </p:clrMapOvr>
+</p:sld>
+</file>
+
+<file path=ppt/slides/slide220.xml><?xml version="1.0" encoding="utf-8"?>
+<p:sld xmlns:a="http://schemas.openxmlformats.org/drawingml/2006/main" xmlns:p="http://schemas.openxmlformats.org/presentationml/2006/main" xmlns:r="http://schemas.openxmlformats.org/officeDocument/2006/relationships">
+  <p:cSld>
+    <p:spTree>
+      <p:nvGrpSpPr>
+        <p:cNvPr id="1" name=""/>
+        <p:cNvGrpSpPr/>
+        <p:nvPr/>
+      </p:nvGrpSpPr>
+      <p:grpSpPr/>
+      <p:sp>
+        <p:nvSpPr>
+          <p:cNvPr id="2" name="TextBox 1"/>
+          <p:cNvSpPr txBox="1"/>
+          <p:nvPr/>
+        </p:nvSpPr>
+        <p:spPr>
+          <a:xfrm>
+            <a:off x="914400" y="914400"/>
+            <a:ext cx="914400" cy="914400"/>
+          </a:xfrm>
+          <a:prstGeom prst="rect">
+            <a:avLst/>
+          </a:prstGeom>
+          <a:noFill/>
+        </p:spPr>
+        <p:txBody>
+          <a:bodyPr wrap="none">
+            <a:spAutoFit/>
+          </a:bodyPr>
+          <a:lstStyle/>
+          <a:p>
+            <a:r>
+              <a:t>Info:</a:t>
+            </a:r>
+          </a:p>
+          <a:p>
+            <a:pPr>
+              <a:defRPr sz="1200"/>
+            </a:pPr>
+            <a:r>
+              <a:t>## Getallen</a:t>
+            </a:r>
+            <a:br/>
+            <a:br/>
+            <a:r>
+              <a:t>Schrijf een vergelijking die vermenigvuldiging, deling, een exponent, optelling en aftrekking (multiplication, division, an exponent, addition, and subtraction) gebruikt die gelijk is aan 100,25.</a:t>
+            </a:r>
+            <a:br/>
+            <a:r>
+              <a:t>Hint: dit is alleen om je geheugen/kennis van de rekenkundige basiscommando's te testen, werk achteruit vanaf 100.25</a:t>
+            </a:r>
+            <a:br/>
+          </a:p>
+        </p:txBody>
+      </p:sp>
+    </p:spTree>
+  </p:cSld>
+  <p:clrMapOvr>
+    <a:masterClrMapping/>
+  </p:clrMapOvr>
+</p:sld>
+</file>
+
+<file path=ppt/slides/slide221.xml><?xml version="1.0" encoding="utf-8"?>
+<p:sld xmlns:a="http://schemas.openxmlformats.org/drawingml/2006/main" xmlns:p="http://schemas.openxmlformats.org/presentationml/2006/main" xmlns:r="http://schemas.openxmlformats.org/officeDocument/2006/relationships">
+  <p:cSld>
+    <p:spTree>
+      <p:nvGrpSpPr>
+        <p:cNvPr id="1" name=""/>
+        <p:cNvGrpSpPr/>
+        <p:nvPr/>
+      </p:nvGrpSpPr>
+      <p:grpSpPr/>
+      <p:sp>
+        <p:nvSpPr>
+          <p:cNvPr id="2" name="TextBox 1"/>
+          <p:cNvSpPr txBox="1"/>
+          <p:nvPr/>
+        </p:nvSpPr>
+        <p:spPr>
+          <a:xfrm>
+            <a:off x="914400" y="914400"/>
+            <a:ext cx="914400" cy="914400"/>
+          </a:xfrm>
+          <a:prstGeom prst="rect">
+            <a:avLst/>
+          </a:prstGeom>
+          <a:noFill/>
+        </p:spPr>
+        <p:txBody>
+          <a:bodyPr wrap="none">
+            <a:spAutoFit/>
+          </a:bodyPr>
+          <a:lstStyle/>
+          <a:p>
+            <a:r>
+              <a:t>Python Code: </a:t>
+            </a:r>
+          </a:p>
+          <a:p>
+            <a:pPr>
+              <a:defRPr sz="1200"/>
+            </a:pPr>
+            <a:r>
+              <a:t>``` # voeg je code hier toe .. ```</a:t>
+            </a:r>
+            <a:br/>
+          </a:p>
+        </p:txBody>
+      </p:sp>
+    </p:spTree>
+  </p:cSld>
+  <p:clrMapOvr>
+    <a:masterClrMapping/>
+  </p:clrMapOvr>
+</p:sld>
+</file>
+
+<file path=ppt/slides/slide222.xml><?xml version="1.0" encoding="utf-8"?>
+<p:sld xmlns:a="http://schemas.openxmlformats.org/drawingml/2006/main" xmlns:p="http://schemas.openxmlformats.org/presentationml/2006/main" xmlns:r="http://schemas.openxmlformats.org/officeDocument/2006/relationships">
+  <p:cSld>
+    <p:spTree>
+      <p:nvGrpSpPr>
+        <p:cNvPr id="1" name=""/>
+        <p:cNvGrpSpPr/>
+        <p:nvPr/>
+      </p:nvGrpSpPr>
+      <p:grpSpPr/>
+      <p:sp>
+        <p:nvSpPr>
+          <p:cNvPr id="2" name="TextBox 1"/>
+          <p:cNvSpPr txBox="1"/>
+          <p:nvPr/>
+        </p:nvSpPr>
+        <p:spPr>
+          <a:xfrm>
+            <a:off x="914400" y="914400"/>
+            <a:ext cx="914400" cy="914400"/>
+          </a:xfrm>
+          <a:prstGeom prst="rect">
+            <a:avLst/>
+          </a:prstGeom>
+          <a:noFill/>
+        </p:spPr>
+        <p:txBody>
+          <a:bodyPr wrap="none">
+            <a:spAutoFit/>
+          </a:bodyPr>
+          <a:lstStyle/>
+          <a:p>
+            <a:r>
+              <a:t>Info:</a:t>
+            </a:r>
+          </a:p>
+          <a:p>
+            <a:pPr>
+              <a:defRPr sz="1200"/>
+            </a:pPr>
+            <a:r>
+              <a:t>Beantwoord deze 3 vragen zonder code te typen. Typ vervolgens code om je antwoord te controleren.</a:t>
+            </a:r>
+            <a:br/>
+            <a:br/>
+            <a:r>
+              <a:t>    Wat retourneert het expressie zoals de volgende: 4 * (6 + 5)</a:t>
+            </a:r>
+            <a:br/>
+            <a:r>
+              <a:t>    </a:t>
+            </a:r>
+            <a:br/>
+            <a:r>
+              <a:t>    Wat retourneert het expressie zoals de volgende: 4 * 6 + 5 </a:t>
+            </a:r>
+            <a:br/>
+            <a:r>
+              <a:t>    </a:t>
+            </a:r>
+            <a:br/>
+            <a:r>
+              <a:t>    Wat retourneert het expressie zoals de volgende: 4 + 6 * 5 </a:t>
+            </a:r>
+            <a:br/>
+          </a:p>
+        </p:txBody>
+      </p:sp>
+    </p:spTree>
+  </p:cSld>
+  <p:clrMapOvr>
+    <a:masterClrMapping/>
+  </p:clrMapOvr>
+</p:sld>
+</file>
+
+<file path=ppt/slides/slide223.xml><?xml version="1.0" encoding="utf-8"?>
+<p:sld xmlns:a="http://schemas.openxmlformats.org/drawingml/2006/main" xmlns:p="http://schemas.openxmlformats.org/presentationml/2006/main" xmlns:r="http://schemas.openxmlformats.org/officeDocument/2006/relationships">
+  <p:cSld>
+    <p:spTree>
+      <p:nvGrpSpPr>
+        <p:cNvPr id="1" name=""/>
+        <p:cNvGrpSpPr/>
+        <p:nvPr/>
+      </p:nvGrpSpPr>
+      <p:grpSpPr/>
+      <p:sp>
+        <p:nvSpPr>
+          <p:cNvPr id="2" name="TextBox 1"/>
+          <p:cNvSpPr txBox="1"/>
+          <p:nvPr/>
+        </p:nvSpPr>
+        <p:spPr>
+          <a:xfrm>
+            <a:off x="914400" y="914400"/>
+            <a:ext cx="914400" cy="914400"/>
+          </a:xfrm>
+          <a:prstGeom prst="rect">
+            <a:avLst/>
+          </a:prstGeom>
+          <a:noFill/>
+        </p:spPr>
+        <p:txBody>
+          <a:bodyPr wrap="none">
+            <a:spAutoFit/>
+          </a:bodyPr>
+          <a:lstStyle/>
+          <a:p>
+            <a:r>
+              <a:t>Python Code: </a:t>
+            </a:r>
+          </a:p>
+          <a:p>
+            <a:pPr>
+              <a:defRPr sz="1200"/>
+            </a:pPr>
+            <a:br/>
+          </a:p>
+        </p:txBody>
+      </p:sp>
+    </p:spTree>
+  </p:cSld>
+  <p:clrMapOvr>
+    <a:masterClrMapping/>
+  </p:clrMapOvr>
+</p:sld>
+</file>
+
+<file path=ppt/slides/slide224.xml><?xml version="1.0" encoding="utf-8"?>
+<p:sld xmlns:a="http://schemas.openxmlformats.org/drawingml/2006/main" xmlns:p="http://schemas.openxmlformats.org/presentationml/2006/main" xmlns:r="http://schemas.openxmlformats.org/officeDocument/2006/relationships">
+  <p:cSld>
+    <p:spTree>
+      <p:nvGrpSpPr>
+        <p:cNvPr id="1" name=""/>
+        <p:cNvGrpSpPr/>
+        <p:nvPr/>
+      </p:nvGrpSpPr>
+      <p:grpSpPr/>
+      <p:sp>
+        <p:nvSpPr>
+          <p:cNvPr id="2" name="TextBox 1"/>
+          <p:cNvSpPr txBox="1"/>
+          <p:nvPr/>
+        </p:nvSpPr>
+        <p:spPr>
+          <a:xfrm>
+            <a:off x="914400" y="914400"/>
+            <a:ext cx="914400" cy="914400"/>
+          </a:xfrm>
+          <a:prstGeom prst="rect">
+            <a:avLst/>
+          </a:prstGeom>
+          <a:noFill/>
+        </p:spPr>
+        <p:txBody>
+          <a:bodyPr wrap="none">
+            <a:spAutoFit/>
+          </a:bodyPr>
+          <a:lstStyle/>
+          <a:p>
+            <a:r>
+              <a:t>Info:</a:t>
+            </a:r>
+          </a:p>
+          <a:p>
+            <a:pPr>
+              <a:defRPr sz="1200"/>
+            </a:pPr>
+            <a:r>
+              <a:t>Wat is het *type* van het resultaat van de uitdrukking (berekening) zoals de volgende: 3 + 1.5 + 4?&lt;br&gt;&lt;br&gt;</a:t>
+            </a:r>
+            <a:br/>
+          </a:p>
+        </p:txBody>
+      </p:sp>
+    </p:spTree>
+  </p:cSld>
+  <p:clrMapOvr>
+    <a:masterClrMapping/>
+  </p:clrMapOvr>
+</p:sld>
+</file>
+
+<file path=ppt/slides/slide225.xml><?xml version="1.0" encoding="utf-8"?>
+<p:sld xmlns:a="http://schemas.openxmlformats.org/drawingml/2006/main" xmlns:p="http://schemas.openxmlformats.org/presentationml/2006/main" xmlns:r="http://schemas.openxmlformats.org/officeDocument/2006/relationships">
+  <p:cSld>
+    <p:spTree>
+      <p:nvGrpSpPr>
+        <p:cNvPr id="1" name=""/>
+        <p:cNvGrpSpPr/>
+        <p:nvPr/>
+      </p:nvGrpSpPr>
+      <p:grpSpPr/>
+      <p:sp>
+        <p:nvSpPr>
+          <p:cNvPr id="2" name="TextBox 1"/>
+          <p:cNvSpPr txBox="1"/>
+          <p:nvPr/>
+        </p:nvSpPr>
+        <p:spPr>
+          <a:xfrm>
+            <a:off x="914400" y="914400"/>
+            <a:ext cx="914400" cy="914400"/>
+          </a:xfrm>
+          <a:prstGeom prst="rect">
+            <a:avLst/>
+          </a:prstGeom>
+          <a:noFill/>
+        </p:spPr>
+        <p:txBody>
+          <a:bodyPr wrap="none">
+            <a:spAutoFit/>
+          </a:bodyPr>
+          <a:lstStyle/>
+          <a:p>
+            <a:r>
+              <a:t>Info:</a:t>
+            </a:r>
+          </a:p>
+          <a:p>
+            <a:pPr>
+              <a:defRPr sz="1200"/>
+            </a:pPr>
+            <a:r>
+              <a:t>Wat zou je gebruiken om de vierkantswortel (square root) van een getal te vinden, evenals het vierkant (square)?</a:t>
+            </a:r>
+            <a:br/>
+          </a:p>
+        </p:txBody>
+      </p:sp>
+    </p:spTree>
+  </p:cSld>
+  <p:clrMapOvr>
+    <a:masterClrMapping/>
+  </p:clrMapOvr>
+</p:sld>
+</file>
+
+<file path=ppt/slides/slide226.xml><?xml version="1.0" encoding="utf-8"?>
+<p:sld xmlns:a="http://schemas.openxmlformats.org/drawingml/2006/main" xmlns:p="http://schemas.openxmlformats.org/presentationml/2006/main" xmlns:r="http://schemas.openxmlformats.org/officeDocument/2006/relationships">
+  <p:cSld>
+    <p:spTree>
+      <p:nvGrpSpPr>
+        <p:cNvPr id="1" name=""/>
+        <p:cNvGrpSpPr/>
+        <p:nvPr/>
+      </p:nvGrpSpPr>
+      <p:grpSpPr/>
+      <p:sp>
+        <p:nvSpPr>
+          <p:cNvPr id="2" name="TextBox 1"/>
+          <p:cNvSpPr txBox="1"/>
+          <p:nvPr/>
+        </p:nvSpPr>
+        <p:spPr>
+          <a:xfrm>
+            <a:off x="914400" y="914400"/>
+            <a:ext cx="914400" cy="914400"/>
+          </a:xfrm>
+          <a:prstGeom prst="rect">
+            <a:avLst/>
+          </a:prstGeom>
+          <a:noFill/>
+        </p:spPr>
+        <p:txBody>
+          <a:bodyPr wrap="none">
+            <a:spAutoFit/>
+          </a:bodyPr>
+          <a:lstStyle/>
+          <a:p>
+            <a:r>
+              <a:t>Python Code: </a:t>
+            </a:r>
+          </a:p>
+          <a:p>
+            <a:pPr>
+              <a:defRPr sz="1200"/>
+            </a:pPr>
+            <a:r>
+              <a:t>``` # Square root:</a:t>
+            </a:r>
+            <a:br/>
+            <a:r>
+              <a:t> ```</a:t>
+            </a:r>
+            <a:br/>
+          </a:p>
+        </p:txBody>
+      </p:sp>
+    </p:spTree>
+  </p:cSld>
+  <p:clrMapOvr>
+    <a:masterClrMapping/>
+  </p:clrMapOvr>
+</p:sld>
+</file>
+
+<file path=ppt/slides/slide227.xml><?xml version="1.0" encoding="utf-8"?>
+<p:sld xmlns:a="http://schemas.openxmlformats.org/drawingml/2006/main" xmlns:p="http://schemas.openxmlformats.org/presentationml/2006/main" xmlns:r="http://schemas.openxmlformats.org/officeDocument/2006/relationships">
+  <p:cSld>
+    <p:spTree>
+      <p:nvGrpSpPr>
+        <p:cNvPr id="1" name=""/>
+        <p:cNvGrpSpPr/>
+        <p:nvPr/>
+      </p:nvGrpSpPr>
+      <p:grpSpPr/>
+      <p:sp>
+        <p:nvSpPr>
+          <p:cNvPr id="2" name="TextBox 1"/>
+          <p:cNvSpPr txBox="1"/>
+          <p:nvPr/>
+        </p:nvSpPr>
+        <p:spPr>
+          <a:xfrm>
+            <a:off x="914400" y="914400"/>
+            <a:ext cx="914400" cy="914400"/>
+          </a:xfrm>
+          <a:prstGeom prst="rect">
+            <a:avLst/>
+          </a:prstGeom>
+          <a:noFill/>
+        </p:spPr>
+        <p:txBody>
+          <a:bodyPr wrap="none">
+            <a:spAutoFit/>
+          </a:bodyPr>
+          <a:lstStyle/>
+          <a:p>
+            <a:r>
+              <a:t>Python Code: </a:t>
+            </a:r>
+          </a:p>
+          <a:p>
+            <a:pPr>
+              <a:defRPr sz="1200"/>
+            </a:pPr>
+            <a:r>
+              <a:t>``` # Square:</a:t>
+            </a:r>
+            <a:br/>
+            <a:r>
+              <a:t> ```</a:t>
+            </a:r>
+            <a:br/>
+          </a:p>
+        </p:txBody>
+      </p:sp>
+    </p:spTree>
+  </p:cSld>
+  <p:clrMapOvr>
+    <a:masterClrMapping/>
+  </p:clrMapOvr>
+</p:sld>
+</file>
+
+<file path=ppt/slides/slide228.xml><?xml version="1.0" encoding="utf-8"?>
+<p:sld xmlns:a="http://schemas.openxmlformats.org/drawingml/2006/main" xmlns:p="http://schemas.openxmlformats.org/presentationml/2006/main" xmlns:r="http://schemas.openxmlformats.org/officeDocument/2006/relationships">
+  <p:cSld>
+    <p:spTree>
+      <p:nvGrpSpPr>
+        <p:cNvPr id="1" name=""/>
+        <p:cNvGrpSpPr/>
+        <p:nvPr/>
+      </p:nvGrpSpPr>
+      <p:grpSpPr/>
+      <p:sp>
+        <p:nvSpPr>
+          <p:cNvPr id="2" name="TextBox 1"/>
+          <p:cNvSpPr txBox="1"/>
+          <p:nvPr/>
+        </p:nvSpPr>
+        <p:spPr>
+          <a:xfrm>
+            <a:off x="914400" y="914400"/>
+            <a:ext cx="914400" cy="914400"/>
+          </a:xfrm>
+          <a:prstGeom prst="rect">
+            <a:avLst/>
+          </a:prstGeom>
+          <a:noFill/>
+        </p:spPr>
+        <p:txBody>
+          <a:bodyPr wrap="none">
+            <a:spAutoFit/>
+          </a:bodyPr>
+          <a:lstStyle/>
+          <a:p>
+            <a:r>
+              <a:t>Info:</a:t>
+            </a:r>
+          </a:p>
+          <a:p>
+            <a:pPr>
+              <a:defRPr sz="1200"/>
+            </a:pPr>
+            <a:r>
+              <a:t>## Strings</a:t>
+            </a:r>
+            <a:br/>
+          </a:p>
+        </p:txBody>
+      </p:sp>
+    </p:spTree>
+  </p:cSld>
+  <p:clrMapOvr>
+    <a:masterClrMapping/>
+  </p:clrMapOvr>
+</p:sld>
+</file>
+
+<file path=ppt/slides/slide229.xml><?xml version="1.0" encoding="utf-8"?>
+<p:sld xmlns:a="http://schemas.openxmlformats.org/drawingml/2006/main" xmlns:p="http://schemas.openxmlformats.org/presentationml/2006/main" xmlns:r="http://schemas.openxmlformats.org/officeDocument/2006/relationships">
+  <p:cSld>
+    <p:spTree>
+      <p:nvGrpSpPr>
+        <p:cNvPr id="1" name=""/>
+        <p:cNvGrpSpPr/>
+        <p:nvPr/>
+      </p:nvGrpSpPr>
+      <p:grpSpPr/>
+      <p:sp>
+        <p:nvSpPr>
+          <p:cNvPr id="2" name="TextBox 1"/>
+          <p:cNvSpPr txBox="1"/>
+          <p:nvPr/>
+        </p:nvSpPr>
+        <p:spPr>
+          <a:xfrm>
+            <a:off x="914400" y="914400"/>
+            <a:ext cx="914400" cy="914400"/>
+          </a:xfrm>
+          <a:prstGeom prst="rect">
+            <a:avLst/>
+          </a:prstGeom>
+          <a:noFill/>
+        </p:spPr>
+        <p:txBody>
+          <a:bodyPr wrap="none">
+            <a:spAutoFit/>
+          </a:bodyPr>
+          <a:lstStyle/>
+          <a:p>
+            <a:r>
+              <a:t>Info:</a:t>
+            </a:r>
+          </a:p>
+          <a:p>
+            <a:pPr>
+              <a:defRPr sz="1200"/>
+            </a:pPr>
+            <a:r>
+              <a:t>Geef, gezien de string 'hallo', een indexcommando dat 'e' teruggeeft. Voer uw code in de cel hieronder in:</a:t>
+            </a:r>
+            <a:br/>
+          </a:p>
         </p:txBody>
       </p:sp>
     </p:spTree>
@@ -12048,6 +13031,616 @@
 </p:sld>
 </file>
 
+<file path=ppt/slides/slide230.xml><?xml version="1.0" encoding="utf-8"?>
+<p:sld xmlns:a="http://schemas.openxmlformats.org/drawingml/2006/main" xmlns:p="http://schemas.openxmlformats.org/presentationml/2006/main" xmlns:r="http://schemas.openxmlformats.org/officeDocument/2006/relationships">
+  <p:cSld>
+    <p:spTree>
+      <p:nvGrpSpPr>
+        <p:cNvPr id="1" name=""/>
+        <p:cNvGrpSpPr/>
+        <p:nvPr/>
+      </p:nvGrpSpPr>
+      <p:grpSpPr/>
+      <p:sp>
+        <p:nvSpPr>
+          <p:cNvPr id="2" name="TextBox 1"/>
+          <p:cNvSpPr txBox="1"/>
+          <p:nvPr/>
+        </p:nvSpPr>
+        <p:spPr>
+          <a:xfrm>
+            <a:off x="914400" y="914400"/>
+            <a:ext cx="914400" cy="914400"/>
+          </a:xfrm>
+          <a:prstGeom prst="rect">
+            <a:avLst/>
+          </a:prstGeom>
+          <a:noFill/>
+        </p:spPr>
+        <p:txBody>
+          <a:bodyPr wrap="none">
+            <a:spAutoFit/>
+          </a:bodyPr>
+          <a:lstStyle/>
+          <a:p>
+            <a:r>
+              <a:t>Python Code: </a:t>
+            </a:r>
+          </a:p>
+          <a:p>
+            <a:pPr>
+              <a:defRPr sz="1200"/>
+            </a:pPr>
+            <a:r>
+              <a:t>``` s = 'hello'</a:t>
+            </a:r>
+            <a:br/>
+            <a:r>
+              <a:t> `````` # Print 'e' uit met indexering</a:t>
+            </a:r>
+            <a:br/>
+            <a:r>
+              <a:t> `````` </a:t>
+            </a:r>
+            <a:br/>
+            <a:r>
+              <a:t> ```</a:t>
+            </a:r>
+            <a:br/>
+          </a:p>
+        </p:txBody>
+      </p:sp>
+    </p:spTree>
+  </p:cSld>
+  <p:clrMapOvr>
+    <a:masterClrMapping/>
+  </p:clrMapOvr>
+</p:sld>
+</file>
+
+<file path=ppt/slides/slide231.xml><?xml version="1.0" encoding="utf-8"?>
+<p:sld xmlns:a="http://schemas.openxmlformats.org/drawingml/2006/main" xmlns:p="http://schemas.openxmlformats.org/presentationml/2006/main" xmlns:r="http://schemas.openxmlformats.org/officeDocument/2006/relationships">
+  <p:cSld>
+    <p:spTree>
+      <p:nvGrpSpPr>
+        <p:cNvPr id="1" name=""/>
+        <p:cNvGrpSpPr/>
+        <p:nvPr/>
+      </p:nvGrpSpPr>
+      <p:grpSpPr/>
+      <p:sp>
+        <p:nvSpPr>
+          <p:cNvPr id="2" name="TextBox 1"/>
+          <p:cNvSpPr txBox="1"/>
+          <p:nvPr/>
+        </p:nvSpPr>
+        <p:spPr>
+          <a:xfrm>
+            <a:off x="914400" y="914400"/>
+            <a:ext cx="914400" cy="914400"/>
+          </a:xfrm>
+          <a:prstGeom prst="rect">
+            <a:avLst/>
+          </a:prstGeom>
+          <a:noFill/>
+        </p:spPr>
+        <p:txBody>
+          <a:bodyPr wrap="none">
+            <a:spAutoFit/>
+          </a:bodyPr>
+          <a:lstStyle/>
+          <a:p>
+            <a:r>
+              <a:t>Info:</a:t>
+            </a:r>
+          </a:p>
+          <a:p>
+            <a:pPr>
+              <a:defRPr sz="1200"/>
+            </a:pPr>
+            <a:r>
+              <a:t>Keer (Reverse) de string 'hallo' om met behulp van het snijden (slicing):</a:t>
+            </a:r>
+            <a:br/>
+          </a:p>
+        </p:txBody>
+      </p:sp>
+    </p:spTree>
+  </p:cSld>
+  <p:clrMapOvr>
+    <a:masterClrMapping/>
+  </p:clrMapOvr>
+</p:sld>
+</file>
+
+<file path=ppt/slides/slide232.xml><?xml version="1.0" encoding="utf-8"?>
+<p:sld xmlns:a="http://schemas.openxmlformats.org/drawingml/2006/main" xmlns:p="http://schemas.openxmlformats.org/presentationml/2006/main" xmlns:r="http://schemas.openxmlformats.org/officeDocument/2006/relationships">
+  <p:cSld>
+    <p:spTree>
+      <p:nvGrpSpPr>
+        <p:cNvPr id="1" name=""/>
+        <p:cNvGrpSpPr/>
+        <p:nvPr/>
+      </p:nvGrpSpPr>
+      <p:grpSpPr/>
+      <p:sp>
+        <p:nvSpPr>
+          <p:cNvPr id="2" name="TextBox 1"/>
+          <p:cNvSpPr txBox="1"/>
+          <p:nvPr/>
+        </p:nvSpPr>
+        <p:spPr>
+          <a:xfrm>
+            <a:off x="914400" y="914400"/>
+            <a:ext cx="914400" cy="914400"/>
+          </a:xfrm>
+          <a:prstGeom prst="rect">
+            <a:avLst/>
+          </a:prstGeom>
+          <a:noFill/>
+        </p:spPr>
+        <p:txBody>
+          <a:bodyPr wrap="none">
+            <a:spAutoFit/>
+          </a:bodyPr>
+          <a:lstStyle/>
+          <a:p>
+            <a:r>
+              <a:t>Python Code: </a:t>
+            </a:r>
+          </a:p>
+          <a:p>
+            <a:pPr>
+              <a:defRPr sz="1200"/>
+            </a:pPr>
+            <a:r>
+              <a:t>``` s ='hello'</a:t>
+            </a:r>
+            <a:br/>
+            <a:r>
+              <a:t> `````` # Keer de string om met het snijden (slicing)</a:t>
+            </a:r>
+            <a:br/>
+            <a:r>
+              <a:t> `````` </a:t>
+            </a:r>
+            <a:br/>
+            <a:r>
+              <a:t> ```</a:t>
+            </a:r>
+            <a:br/>
+          </a:p>
+        </p:txBody>
+      </p:sp>
+    </p:spTree>
+  </p:cSld>
+  <p:clrMapOvr>
+    <a:masterClrMapping/>
+  </p:clrMapOvr>
+</p:sld>
+</file>
+
+<file path=ppt/slides/slide233.xml><?xml version="1.0" encoding="utf-8"?>
+<p:sld xmlns:a="http://schemas.openxmlformats.org/drawingml/2006/main" xmlns:p="http://schemas.openxmlformats.org/presentationml/2006/main" xmlns:r="http://schemas.openxmlformats.org/officeDocument/2006/relationships">
+  <p:cSld>
+    <p:spTree>
+      <p:nvGrpSpPr>
+        <p:cNvPr id="1" name=""/>
+        <p:cNvGrpSpPr/>
+        <p:nvPr/>
+      </p:nvGrpSpPr>
+      <p:grpSpPr/>
+      <p:sp>
+        <p:nvSpPr>
+          <p:cNvPr id="2" name="TextBox 1"/>
+          <p:cNvSpPr txBox="1"/>
+          <p:nvPr/>
+        </p:nvSpPr>
+        <p:spPr>
+          <a:xfrm>
+            <a:off x="914400" y="914400"/>
+            <a:ext cx="914400" cy="914400"/>
+          </a:xfrm>
+          <a:prstGeom prst="rect">
+            <a:avLst/>
+          </a:prstGeom>
+          <a:noFill/>
+        </p:spPr>
+        <p:txBody>
+          <a:bodyPr wrap="none">
+            <a:spAutoFit/>
+          </a:bodyPr>
+          <a:lstStyle/>
+          <a:p>
+            <a:r>
+              <a:t>Info:</a:t>
+            </a:r>
+          </a:p>
+          <a:p>
+            <a:pPr>
+              <a:defRPr sz="1200"/>
+            </a:pPr>
+            <a:r>
+              <a:t>Geef, gezien de String hallo, twee methoden om de letter 'o' te produceren met behulp van indexering.</a:t>
+            </a:r>
+            <a:br/>
+          </a:p>
+        </p:txBody>
+      </p:sp>
+    </p:spTree>
+  </p:cSld>
+  <p:clrMapOvr>
+    <a:masterClrMapping/>
+  </p:clrMapOvr>
+</p:sld>
+</file>
+
+<file path=ppt/slides/slide234.xml><?xml version="1.0" encoding="utf-8"?>
+<p:sld xmlns:a="http://schemas.openxmlformats.org/drawingml/2006/main" xmlns:p="http://schemas.openxmlformats.org/presentationml/2006/main" xmlns:r="http://schemas.openxmlformats.org/officeDocument/2006/relationships">
+  <p:cSld>
+    <p:spTree>
+      <p:nvGrpSpPr>
+        <p:cNvPr id="1" name=""/>
+        <p:cNvGrpSpPr/>
+        <p:nvPr/>
+      </p:nvGrpSpPr>
+      <p:grpSpPr/>
+      <p:sp>
+        <p:nvSpPr>
+          <p:cNvPr id="2" name="TextBox 1"/>
+          <p:cNvSpPr txBox="1"/>
+          <p:nvPr/>
+        </p:nvSpPr>
+        <p:spPr>
+          <a:xfrm>
+            <a:off x="914400" y="914400"/>
+            <a:ext cx="914400" cy="914400"/>
+          </a:xfrm>
+          <a:prstGeom prst="rect">
+            <a:avLst/>
+          </a:prstGeom>
+          <a:noFill/>
+        </p:spPr>
+        <p:txBody>
+          <a:bodyPr wrap="none">
+            <a:spAutoFit/>
+          </a:bodyPr>
+          <a:lstStyle/>
+          <a:p>
+            <a:r>
+              <a:t>Python Code: </a:t>
+            </a:r>
+          </a:p>
+          <a:p>
+            <a:pPr>
+              <a:defRPr sz="1200"/>
+            </a:pPr>
+            <a:r>
+              <a:t>``` s ='hello'</a:t>
+            </a:r>
+            <a:br/>
+            <a:r>
+              <a:t> `````` # Print de 'o' uit</a:t>
+            </a:r>
+            <a:br/>
+            <a:r>
+              <a:t> `````` </a:t>
+            </a:r>
+            <a:br/>
+            <a:r>
+              <a:t> `````` # Methode 1:</a:t>
+            </a:r>
+            <a:br/>
+            <a:r>
+              <a:t> `````` </a:t>
+            </a:r>
+            <a:br/>
+            <a:r>
+              <a:t> ```</a:t>
+            </a:r>
+            <a:br/>
+          </a:p>
+        </p:txBody>
+      </p:sp>
+    </p:spTree>
+  </p:cSld>
+  <p:clrMapOvr>
+    <a:masterClrMapping/>
+  </p:clrMapOvr>
+</p:sld>
+</file>
+
+<file path=ppt/slides/slide235.xml><?xml version="1.0" encoding="utf-8"?>
+<p:sld xmlns:a="http://schemas.openxmlformats.org/drawingml/2006/main" xmlns:p="http://schemas.openxmlformats.org/presentationml/2006/main" xmlns:r="http://schemas.openxmlformats.org/officeDocument/2006/relationships">
+  <p:cSld>
+    <p:spTree>
+      <p:nvGrpSpPr>
+        <p:cNvPr id="1" name=""/>
+        <p:cNvGrpSpPr/>
+        <p:nvPr/>
+      </p:nvGrpSpPr>
+      <p:grpSpPr/>
+      <p:sp>
+        <p:nvSpPr>
+          <p:cNvPr id="2" name="TextBox 1"/>
+          <p:cNvSpPr txBox="1"/>
+          <p:nvPr/>
+        </p:nvSpPr>
+        <p:spPr>
+          <a:xfrm>
+            <a:off x="914400" y="914400"/>
+            <a:ext cx="914400" cy="914400"/>
+          </a:xfrm>
+          <a:prstGeom prst="rect">
+            <a:avLst/>
+          </a:prstGeom>
+          <a:noFill/>
+        </p:spPr>
+        <p:txBody>
+          <a:bodyPr wrap="none">
+            <a:spAutoFit/>
+          </a:bodyPr>
+          <a:lstStyle/>
+          <a:p>
+            <a:r>
+              <a:t>Python Code: </a:t>
+            </a:r>
+          </a:p>
+          <a:p>
+            <a:pPr>
+              <a:defRPr sz="1200"/>
+            </a:pPr>
+            <a:r>
+              <a:t>``` # Methode 2:</a:t>
+            </a:r>
+            <a:br/>
+            <a:r>
+              <a:t> `````` </a:t>
+            </a:r>
+            <a:br/>
+            <a:r>
+              <a:t> ```</a:t>
+            </a:r>
+            <a:br/>
+          </a:p>
+        </p:txBody>
+      </p:sp>
+    </p:spTree>
+  </p:cSld>
+  <p:clrMapOvr>
+    <a:masterClrMapping/>
+  </p:clrMapOvr>
+</p:sld>
+</file>
+
+<file path=ppt/slides/slide236.xml><?xml version="1.0" encoding="utf-8"?>
+<p:sld xmlns:a="http://schemas.openxmlformats.org/drawingml/2006/main" xmlns:p="http://schemas.openxmlformats.org/presentationml/2006/main" xmlns:r="http://schemas.openxmlformats.org/officeDocument/2006/relationships">
+  <p:cSld>
+    <p:spTree>
+      <p:nvGrpSpPr>
+        <p:cNvPr id="1" name=""/>
+        <p:cNvGrpSpPr/>
+        <p:nvPr/>
+      </p:nvGrpSpPr>
+      <p:grpSpPr/>
+      <p:sp>
+        <p:nvSpPr>
+          <p:cNvPr id="2" name="TextBox 1"/>
+          <p:cNvSpPr txBox="1"/>
+          <p:nvPr/>
+        </p:nvSpPr>
+        <p:spPr>
+          <a:xfrm>
+            <a:off x="914400" y="914400"/>
+            <a:ext cx="914400" cy="914400"/>
+          </a:xfrm>
+          <a:prstGeom prst="rect">
+            <a:avLst/>
+          </a:prstGeom>
+          <a:noFill/>
+        </p:spPr>
+        <p:txBody>
+          <a:bodyPr wrap="none">
+            <a:spAutoFit/>
+          </a:bodyPr>
+          <a:lstStyle/>
+          <a:p>
+            <a:r>
+              <a:t>Info:</a:t>
+            </a:r>
+          </a:p>
+          <a:p>
+            <a:pPr>
+              <a:defRPr sz="1200"/>
+            </a:pPr>
+            <a:r>
+              <a:t>## Lists</a:t>
+            </a:r>
+            <a:br/>
+          </a:p>
+        </p:txBody>
+      </p:sp>
+    </p:spTree>
+  </p:cSld>
+  <p:clrMapOvr>
+    <a:masterClrMapping/>
+  </p:clrMapOvr>
+</p:sld>
+</file>
+
+<file path=ppt/slides/slide237.xml><?xml version="1.0" encoding="utf-8"?>
+<p:sld xmlns:a="http://schemas.openxmlformats.org/drawingml/2006/main" xmlns:p="http://schemas.openxmlformats.org/presentationml/2006/main" xmlns:r="http://schemas.openxmlformats.org/officeDocument/2006/relationships">
+  <p:cSld>
+    <p:spTree>
+      <p:nvGrpSpPr>
+        <p:cNvPr id="1" name=""/>
+        <p:cNvGrpSpPr/>
+        <p:nvPr/>
+      </p:nvGrpSpPr>
+      <p:grpSpPr/>
+      <p:sp>
+        <p:nvSpPr>
+          <p:cNvPr id="2" name="TextBox 1"/>
+          <p:cNvSpPr txBox="1"/>
+          <p:nvPr/>
+        </p:nvSpPr>
+        <p:spPr>
+          <a:xfrm>
+            <a:off x="914400" y="914400"/>
+            <a:ext cx="914400" cy="914400"/>
+          </a:xfrm>
+          <a:prstGeom prst="rect">
+            <a:avLst/>
+          </a:prstGeom>
+          <a:noFill/>
+        </p:spPr>
+        <p:txBody>
+          <a:bodyPr wrap="none">
+            <a:spAutoFit/>
+          </a:bodyPr>
+          <a:lstStyle/>
+          <a:p>
+            <a:r>
+              <a:t>Info:</a:t>
+            </a:r>
+          </a:p>
+          <a:p>
+            <a:pPr>
+              <a:defRPr sz="1200"/>
+            </a:pPr>
+            <a:r>
+              <a:t>Maak deze lijst [0,0,0] aan op twee verschillende manieren samen.</a:t>
+            </a:r>
+            <a:br/>
+          </a:p>
+        </p:txBody>
+      </p:sp>
+    </p:spTree>
+  </p:cSld>
+  <p:clrMapOvr>
+    <a:masterClrMapping/>
+  </p:clrMapOvr>
+</p:sld>
+</file>
+
+<file path=ppt/slides/slide238.xml><?xml version="1.0" encoding="utf-8"?>
+<p:sld xmlns:a="http://schemas.openxmlformats.org/drawingml/2006/main" xmlns:p="http://schemas.openxmlformats.org/presentationml/2006/main" xmlns:r="http://schemas.openxmlformats.org/officeDocument/2006/relationships">
+  <p:cSld>
+    <p:spTree>
+      <p:nvGrpSpPr>
+        <p:cNvPr id="1" name=""/>
+        <p:cNvGrpSpPr/>
+        <p:nvPr/>
+      </p:nvGrpSpPr>
+      <p:grpSpPr/>
+      <p:sp>
+        <p:nvSpPr>
+          <p:cNvPr id="2" name="TextBox 1"/>
+          <p:cNvSpPr txBox="1"/>
+          <p:nvPr/>
+        </p:nvSpPr>
+        <p:spPr>
+          <a:xfrm>
+            <a:off x="914400" y="914400"/>
+            <a:ext cx="914400" cy="914400"/>
+          </a:xfrm>
+          <a:prstGeom prst="rect">
+            <a:avLst/>
+          </a:prstGeom>
+          <a:noFill/>
+        </p:spPr>
+        <p:txBody>
+          <a:bodyPr wrap="none">
+            <a:spAutoFit/>
+          </a:bodyPr>
+          <a:lstStyle/>
+          <a:p>
+            <a:r>
+              <a:t>Python Code: </a:t>
+            </a:r>
+          </a:p>
+          <a:p>
+            <a:pPr>
+              <a:defRPr sz="1200"/>
+            </a:pPr>
+            <a:r>
+              <a:t>``` # Methode 1:</a:t>
+            </a:r>
+            <a:br/>
+            <a:r>
+              <a:t> ```</a:t>
+            </a:r>
+            <a:br/>
+          </a:p>
+        </p:txBody>
+      </p:sp>
+    </p:spTree>
+  </p:cSld>
+  <p:clrMapOvr>
+    <a:masterClrMapping/>
+  </p:clrMapOvr>
+</p:sld>
+</file>
+
+<file path=ppt/slides/slide239.xml><?xml version="1.0" encoding="utf-8"?>
+<p:sld xmlns:a="http://schemas.openxmlformats.org/drawingml/2006/main" xmlns:p="http://schemas.openxmlformats.org/presentationml/2006/main" xmlns:r="http://schemas.openxmlformats.org/officeDocument/2006/relationships">
+  <p:cSld>
+    <p:spTree>
+      <p:nvGrpSpPr>
+        <p:cNvPr id="1" name=""/>
+        <p:cNvGrpSpPr/>
+        <p:nvPr/>
+      </p:nvGrpSpPr>
+      <p:grpSpPr/>
+      <p:sp>
+        <p:nvSpPr>
+          <p:cNvPr id="2" name="TextBox 1"/>
+          <p:cNvSpPr txBox="1"/>
+          <p:nvPr/>
+        </p:nvSpPr>
+        <p:spPr>
+          <a:xfrm>
+            <a:off x="914400" y="914400"/>
+            <a:ext cx="914400" cy="914400"/>
+          </a:xfrm>
+          <a:prstGeom prst="rect">
+            <a:avLst/>
+          </a:prstGeom>
+          <a:noFill/>
+        </p:spPr>
+        <p:txBody>
+          <a:bodyPr wrap="none">
+            <a:spAutoFit/>
+          </a:bodyPr>
+          <a:lstStyle/>
+          <a:p>
+            <a:r>
+              <a:t>Python Code: </a:t>
+            </a:r>
+          </a:p>
+          <a:p>
+            <a:pPr>
+              <a:defRPr sz="1200"/>
+            </a:pPr>
+            <a:r>
+              <a:t>``` # Methode 2:</a:t>
+            </a:r>
+            <a:br/>
+            <a:r>
+              <a:t> ```</a:t>
+            </a:r>
+            <a:br/>
+          </a:p>
+        </p:txBody>
+      </p:sp>
+    </p:spTree>
+  </p:cSld>
+  <p:clrMapOvr>
+    <a:masterClrMapping/>
+  </p:clrMapOvr>
+</p:sld>
+</file>
+
 <file path=ppt/slides/slide24.xml><?xml version="1.0" encoding="utf-8"?>
 <p:sld xmlns:a="http://schemas.openxmlformats.org/drawingml/2006/main" xmlns:p="http://schemas.openxmlformats.org/presentationml/2006/main" xmlns:r="http://schemas.openxmlformats.org/officeDocument/2006/relationships">
   <p:cSld>
@@ -12110,6 +13703,608 @@
 </p:sld>
 </file>
 
+<file path=ppt/slides/slide240.xml><?xml version="1.0" encoding="utf-8"?>
+<p:sld xmlns:a="http://schemas.openxmlformats.org/drawingml/2006/main" xmlns:p="http://schemas.openxmlformats.org/presentationml/2006/main" xmlns:r="http://schemas.openxmlformats.org/officeDocument/2006/relationships">
+  <p:cSld>
+    <p:spTree>
+      <p:nvGrpSpPr>
+        <p:cNvPr id="1" name=""/>
+        <p:cNvGrpSpPr/>
+        <p:nvPr/>
+      </p:nvGrpSpPr>
+      <p:grpSpPr/>
+      <p:sp>
+        <p:nvSpPr>
+          <p:cNvPr id="2" name="TextBox 1"/>
+          <p:cNvSpPr txBox="1"/>
+          <p:nvPr/>
+        </p:nvSpPr>
+        <p:spPr>
+          <a:xfrm>
+            <a:off x="914400" y="914400"/>
+            <a:ext cx="914400" cy="914400"/>
+          </a:xfrm>
+          <a:prstGeom prst="rect">
+            <a:avLst/>
+          </a:prstGeom>
+          <a:noFill/>
+        </p:spPr>
+        <p:txBody>
+          <a:bodyPr wrap="none">
+            <a:spAutoFit/>
+          </a:bodyPr>
+          <a:lstStyle/>
+          <a:p>
+            <a:r>
+              <a:t>Info:</a:t>
+            </a:r>
+          </a:p>
+          <a:p>
+            <a:pPr>
+              <a:defRPr sz="1200"/>
+            </a:pPr>
+            <a:r>
+              <a:t>Wijs 'hallo' opnieuw toe in deze geneste lijst om in plaats daarvan 'goodbye' te zeggen:</a:t>
+            </a:r>
+            <a:br/>
+          </a:p>
+        </p:txBody>
+      </p:sp>
+    </p:spTree>
+  </p:cSld>
+  <p:clrMapOvr>
+    <a:masterClrMapping/>
+  </p:clrMapOvr>
+</p:sld>
+</file>
+
+<file path=ppt/slides/slide241.xml><?xml version="1.0" encoding="utf-8"?>
+<p:sld xmlns:a="http://schemas.openxmlformats.org/drawingml/2006/main" xmlns:p="http://schemas.openxmlformats.org/presentationml/2006/main" xmlns:r="http://schemas.openxmlformats.org/officeDocument/2006/relationships">
+  <p:cSld>
+    <p:spTree>
+      <p:nvGrpSpPr>
+        <p:cNvPr id="1" name=""/>
+        <p:cNvGrpSpPr/>
+        <p:nvPr/>
+      </p:nvGrpSpPr>
+      <p:grpSpPr/>
+      <p:sp>
+        <p:nvSpPr>
+          <p:cNvPr id="2" name="TextBox 1"/>
+          <p:cNvSpPr txBox="1"/>
+          <p:nvPr/>
+        </p:nvSpPr>
+        <p:spPr>
+          <a:xfrm>
+            <a:off x="914400" y="914400"/>
+            <a:ext cx="914400" cy="914400"/>
+          </a:xfrm>
+          <a:prstGeom prst="rect">
+            <a:avLst/>
+          </a:prstGeom>
+          <a:noFill/>
+        </p:spPr>
+        <p:txBody>
+          <a:bodyPr wrap="none">
+            <a:spAutoFit/>
+          </a:bodyPr>
+          <a:lstStyle/>
+          <a:p>
+            <a:r>
+              <a:t>Python Code: </a:t>
+            </a:r>
+          </a:p>
+          <a:p>
+            <a:pPr>
+              <a:defRPr sz="1200"/>
+            </a:pPr>
+            <a:r>
+              <a:t>``` list3 = [1,2,[3,4,'hello']]</a:t>
+            </a:r>
+            <a:br/>
+            <a:r>
+              <a:t> `````` </a:t>
+            </a:r>
+            <a:br/>
+            <a:r>
+              <a:t> ```</a:t>
+            </a:r>
+            <a:br/>
+          </a:p>
+        </p:txBody>
+      </p:sp>
+    </p:spTree>
+  </p:cSld>
+  <p:clrMapOvr>
+    <a:masterClrMapping/>
+  </p:clrMapOvr>
+</p:sld>
+</file>
+
+<file path=ppt/slides/slide242.xml><?xml version="1.0" encoding="utf-8"?>
+<p:sld xmlns:a="http://schemas.openxmlformats.org/drawingml/2006/main" xmlns:p="http://schemas.openxmlformats.org/presentationml/2006/main" xmlns:r="http://schemas.openxmlformats.org/officeDocument/2006/relationships">
+  <p:cSld>
+    <p:spTree>
+      <p:nvGrpSpPr>
+        <p:cNvPr id="1" name=""/>
+        <p:cNvGrpSpPr/>
+        <p:nvPr/>
+      </p:nvGrpSpPr>
+      <p:grpSpPr/>
+      <p:sp>
+        <p:nvSpPr>
+          <p:cNvPr id="2" name="TextBox 1"/>
+          <p:cNvSpPr txBox="1"/>
+          <p:nvPr/>
+        </p:nvSpPr>
+        <p:spPr>
+          <a:xfrm>
+            <a:off x="914400" y="914400"/>
+            <a:ext cx="914400" cy="914400"/>
+          </a:xfrm>
+          <a:prstGeom prst="rect">
+            <a:avLst/>
+          </a:prstGeom>
+          <a:noFill/>
+        </p:spPr>
+        <p:txBody>
+          <a:bodyPr wrap="none">
+            <a:spAutoFit/>
+          </a:bodyPr>
+          <a:lstStyle/>
+          <a:p>
+            <a:r>
+              <a:t>Info:</a:t>
+            </a:r>
+          </a:p>
+          <a:p>
+            <a:pPr>
+              <a:defRPr sz="1200"/>
+            </a:pPr>
+            <a:r>
+              <a:t>Sorteer de lijst hieronder:</a:t>
+            </a:r>
+            <a:br/>
+          </a:p>
+        </p:txBody>
+      </p:sp>
+    </p:spTree>
+  </p:cSld>
+  <p:clrMapOvr>
+    <a:masterClrMapping/>
+  </p:clrMapOvr>
+</p:sld>
+</file>
+
+<file path=ppt/slides/slide243.xml><?xml version="1.0" encoding="utf-8"?>
+<p:sld xmlns:a="http://schemas.openxmlformats.org/drawingml/2006/main" xmlns:p="http://schemas.openxmlformats.org/presentationml/2006/main" xmlns:r="http://schemas.openxmlformats.org/officeDocument/2006/relationships">
+  <p:cSld>
+    <p:spTree>
+      <p:nvGrpSpPr>
+        <p:cNvPr id="1" name=""/>
+        <p:cNvGrpSpPr/>
+        <p:nvPr/>
+      </p:nvGrpSpPr>
+      <p:grpSpPr/>
+      <p:sp>
+        <p:nvSpPr>
+          <p:cNvPr id="2" name="TextBox 1"/>
+          <p:cNvSpPr txBox="1"/>
+          <p:nvPr/>
+        </p:nvSpPr>
+        <p:spPr>
+          <a:xfrm>
+            <a:off x="914400" y="914400"/>
+            <a:ext cx="914400" cy="914400"/>
+          </a:xfrm>
+          <a:prstGeom prst="rect">
+            <a:avLst/>
+          </a:prstGeom>
+          <a:noFill/>
+        </p:spPr>
+        <p:txBody>
+          <a:bodyPr wrap="none">
+            <a:spAutoFit/>
+          </a:bodyPr>
+          <a:lstStyle/>
+          <a:p>
+            <a:r>
+              <a:t>Python Code: </a:t>
+            </a:r>
+          </a:p>
+          <a:p>
+            <a:pPr>
+              <a:defRPr sz="1200"/>
+            </a:pPr>
+            <a:r>
+              <a:t>``` list4 = [5,3,4,6,1]</a:t>
+            </a:r>
+            <a:br/>
+            <a:r>
+              <a:t> `````` </a:t>
+            </a:r>
+            <a:br/>
+            <a:r>
+              <a:t> ```</a:t>
+            </a:r>
+            <a:br/>
+          </a:p>
+        </p:txBody>
+      </p:sp>
+    </p:spTree>
+  </p:cSld>
+  <p:clrMapOvr>
+    <a:masterClrMapping/>
+  </p:clrMapOvr>
+</p:sld>
+</file>
+
+<file path=ppt/slides/slide244.xml><?xml version="1.0" encoding="utf-8"?>
+<p:sld xmlns:a="http://schemas.openxmlformats.org/drawingml/2006/main" xmlns:p="http://schemas.openxmlformats.org/presentationml/2006/main" xmlns:r="http://schemas.openxmlformats.org/officeDocument/2006/relationships">
+  <p:cSld>
+    <p:spTree>
+      <p:nvGrpSpPr>
+        <p:cNvPr id="1" name=""/>
+        <p:cNvGrpSpPr/>
+        <p:nvPr/>
+      </p:nvGrpSpPr>
+      <p:grpSpPr/>
+      <p:sp>
+        <p:nvSpPr>
+          <p:cNvPr id="2" name="TextBox 1"/>
+          <p:cNvSpPr txBox="1"/>
+          <p:nvPr/>
+        </p:nvSpPr>
+        <p:spPr>
+          <a:xfrm>
+            <a:off x="914400" y="914400"/>
+            <a:ext cx="914400" cy="914400"/>
+          </a:xfrm>
+          <a:prstGeom prst="rect">
+            <a:avLst/>
+          </a:prstGeom>
+          <a:noFill/>
+        </p:spPr>
+        <p:txBody>
+          <a:bodyPr wrap="none">
+            <a:spAutoFit/>
+          </a:bodyPr>
+          <a:lstStyle/>
+          <a:p>
+            <a:r>
+              <a:t>Info:</a:t>
+            </a:r>
+          </a:p>
+          <a:p>
+            <a:pPr>
+              <a:defRPr sz="1200"/>
+            </a:pPr>
+            <a:r>
+              <a:t>## Dictionaries</a:t>
+            </a:r>
+            <a:br/>
+          </a:p>
+        </p:txBody>
+      </p:sp>
+    </p:spTree>
+  </p:cSld>
+  <p:clrMapOvr>
+    <a:masterClrMapping/>
+  </p:clrMapOvr>
+</p:sld>
+</file>
+
+<file path=ppt/slides/slide245.xml><?xml version="1.0" encoding="utf-8"?>
+<p:sld xmlns:a="http://schemas.openxmlformats.org/drawingml/2006/main" xmlns:p="http://schemas.openxmlformats.org/presentationml/2006/main" xmlns:r="http://schemas.openxmlformats.org/officeDocument/2006/relationships">
+  <p:cSld>
+    <p:spTree>
+      <p:nvGrpSpPr>
+        <p:cNvPr id="1" name=""/>
+        <p:cNvGrpSpPr/>
+        <p:nvPr/>
+      </p:nvGrpSpPr>
+      <p:grpSpPr/>
+      <p:sp>
+        <p:nvSpPr>
+          <p:cNvPr id="2" name="TextBox 1"/>
+          <p:cNvSpPr txBox="1"/>
+          <p:nvPr/>
+        </p:nvSpPr>
+        <p:spPr>
+          <a:xfrm>
+            <a:off x="914400" y="914400"/>
+            <a:ext cx="914400" cy="914400"/>
+          </a:xfrm>
+          <a:prstGeom prst="rect">
+            <a:avLst/>
+          </a:prstGeom>
+          <a:noFill/>
+        </p:spPr>
+        <p:txBody>
+          <a:bodyPr wrap="none">
+            <a:spAutoFit/>
+          </a:bodyPr>
+          <a:lstStyle/>
+          <a:p>
+            <a:r>
+              <a:t>Info:</a:t>
+            </a:r>
+          </a:p>
+          <a:p>
+            <a:pPr>
+              <a:defRPr sz="1200"/>
+            </a:pPr>
+            <a:r>
+              <a:t>Gebruik keys (sleutels) en indexering om de 'hello' uit de volgende dictionaries/woordenboeken te halen:</a:t>
+            </a:r>
+            <a:br/>
+          </a:p>
+        </p:txBody>
+      </p:sp>
+    </p:spTree>
+  </p:cSld>
+  <p:clrMapOvr>
+    <a:masterClrMapping/>
+  </p:clrMapOvr>
+</p:sld>
+</file>
+
+<file path=ppt/slides/slide246.xml><?xml version="1.0" encoding="utf-8"?>
+<p:sld xmlns:a="http://schemas.openxmlformats.org/drawingml/2006/main" xmlns:p="http://schemas.openxmlformats.org/presentationml/2006/main" xmlns:r="http://schemas.openxmlformats.org/officeDocument/2006/relationships">
+  <p:cSld>
+    <p:spTree>
+      <p:nvGrpSpPr>
+        <p:cNvPr id="1" name=""/>
+        <p:cNvGrpSpPr/>
+        <p:nvPr/>
+      </p:nvGrpSpPr>
+      <p:grpSpPr/>
+      <p:sp>
+        <p:nvSpPr>
+          <p:cNvPr id="2" name="TextBox 1"/>
+          <p:cNvSpPr txBox="1"/>
+          <p:nvPr/>
+        </p:nvSpPr>
+        <p:spPr>
+          <a:xfrm>
+            <a:off x="914400" y="914400"/>
+            <a:ext cx="914400" cy="914400"/>
+          </a:xfrm>
+          <a:prstGeom prst="rect">
+            <a:avLst/>
+          </a:prstGeom>
+          <a:noFill/>
+        </p:spPr>
+        <p:txBody>
+          <a:bodyPr wrap="none">
+            <a:spAutoFit/>
+          </a:bodyPr>
+          <a:lstStyle/>
+          <a:p>
+            <a:r>
+              <a:t>Python Code: </a:t>
+            </a:r>
+          </a:p>
+          <a:p>
+            <a:pPr>
+              <a:defRPr sz="1200"/>
+            </a:pPr>
+            <a:r>
+              <a:t>``` d = {'simple_key':'hello'}</a:t>
+            </a:r>
+            <a:br/>
+            <a:r>
+              <a:t> `````` # Grijp 'hello'</a:t>
+            </a:r>
+            <a:br/>
+            <a:r>
+              <a:t> ```</a:t>
+            </a:r>
+            <a:br/>
+          </a:p>
+        </p:txBody>
+      </p:sp>
+    </p:spTree>
+  </p:cSld>
+  <p:clrMapOvr>
+    <a:masterClrMapping/>
+  </p:clrMapOvr>
+</p:sld>
+</file>
+
+<file path=ppt/slides/slide247.xml><?xml version="1.0" encoding="utf-8"?>
+<p:sld xmlns:a="http://schemas.openxmlformats.org/drawingml/2006/main" xmlns:p="http://schemas.openxmlformats.org/presentationml/2006/main" xmlns:r="http://schemas.openxmlformats.org/officeDocument/2006/relationships">
+  <p:cSld>
+    <p:spTree>
+      <p:nvGrpSpPr>
+        <p:cNvPr id="1" name=""/>
+        <p:cNvGrpSpPr/>
+        <p:nvPr/>
+      </p:nvGrpSpPr>
+      <p:grpSpPr/>
+      <p:sp>
+        <p:nvSpPr>
+          <p:cNvPr id="2" name="TextBox 1"/>
+          <p:cNvSpPr txBox="1"/>
+          <p:nvPr/>
+        </p:nvSpPr>
+        <p:spPr>
+          <a:xfrm>
+            <a:off x="914400" y="914400"/>
+            <a:ext cx="914400" cy="914400"/>
+          </a:xfrm>
+          <a:prstGeom prst="rect">
+            <a:avLst/>
+          </a:prstGeom>
+          <a:noFill/>
+        </p:spPr>
+        <p:txBody>
+          <a:bodyPr wrap="none">
+            <a:spAutoFit/>
+          </a:bodyPr>
+          <a:lstStyle/>
+          <a:p>
+            <a:r>
+              <a:t>Python Code: </a:t>
+            </a:r>
+          </a:p>
+          <a:p>
+            <a:pPr>
+              <a:defRPr sz="1200"/>
+            </a:pPr>
+            <a:r>
+              <a:t>``` d = {'k1':{'k2':'hello'}}</a:t>
+            </a:r>
+            <a:br/>
+            <a:r>
+              <a:t> `````` # Grijp 'hello'</a:t>
+            </a:r>
+            <a:br/>
+            <a:r>
+              <a:t> ```</a:t>
+            </a:r>
+            <a:br/>
+          </a:p>
+        </p:txBody>
+      </p:sp>
+    </p:spTree>
+  </p:cSld>
+  <p:clrMapOvr>
+    <a:masterClrMapping/>
+  </p:clrMapOvr>
+</p:sld>
+</file>
+
+<file path=ppt/slides/slide248.xml><?xml version="1.0" encoding="utf-8"?>
+<p:sld xmlns:a="http://schemas.openxmlformats.org/drawingml/2006/main" xmlns:p="http://schemas.openxmlformats.org/presentationml/2006/main" xmlns:r="http://schemas.openxmlformats.org/officeDocument/2006/relationships">
+  <p:cSld>
+    <p:spTree>
+      <p:nvGrpSpPr>
+        <p:cNvPr id="1" name=""/>
+        <p:cNvGrpSpPr/>
+        <p:nvPr/>
+      </p:nvGrpSpPr>
+      <p:grpSpPr/>
+      <p:sp>
+        <p:nvSpPr>
+          <p:cNvPr id="2" name="TextBox 1"/>
+          <p:cNvSpPr txBox="1"/>
+          <p:nvPr/>
+        </p:nvSpPr>
+        <p:spPr>
+          <a:xfrm>
+            <a:off x="914400" y="914400"/>
+            <a:ext cx="914400" cy="914400"/>
+          </a:xfrm>
+          <a:prstGeom prst="rect">
+            <a:avLst/>
+          </a:prstGeom>
+          <a:noFill/>
+        </p:spPr>
+        <p:txBody>
+          <a:bodyPr wrap="none">
+            <a:spAutoFit/>
+          </a:bodyPr>
+          <a:lstStyle/>
+          <a:p>
+            <a:r>
+              <a:t>Python Code: </a:t>
+            </a:r>
+          </a:p>
+          <a:p>
+            <a:pPr>
+              <a:defRPr sz="1200"/>
+            </a:pPr>
+            <a:r>
+              <a:t>``` # Laten we een beetje tricker worden</a:t>
+            </a:r>
+            <a:br/>
+            <a:r>
+              <a:t> `````` d = {'k1':[{'nest_key':['this is deep',['hello']]}]}</a:t>
+            </a:r>
+            <a:br/>
+            <a:r>
+              <a:t> `````` </a:t>
+            </a:r>
+            <a:br/>
+            <a:r>
+              <a:t> `````` # Grijp hello</a:t>
+            </a:r>
+            <a:br/>
+            <a:r>
+              <a:t> ```</a:t>
+            </a:r>
+            <a:br/>
+          </a:p>
+        </p:txBody>
+      </p:sp>
+    </p:spTree>
+  </p:cSld>
+  <p:clrMapOvr>
+    <a:masterClrMapping/>
+  </p:clrMapOvr>
+</p:sld>
+</file>
+
+<file path=ppt/slides/slide249.xml><?xml version="1.0" encoding="utf-8"?>
+<p:sld xmlns:a="http://schemas.openxmlformats.org/drawingml/2006/main" xmlns:p="http://schemas.openxmlformats.org/presentationml/2006/main" xmlns:r="http://schemas.openxmlformats.org/officeDocument/2006/relationships">
+  <p:cSld>
+    <p:spTree>
+      <p:nvGrpSpPr>
+        <p:cNvPr id="1" name=""/>
+        <p:cNvGrpSpPr/>
+        <p:nvPr/>
+      </p:nvGrpSpPr>
+      <p:grpSpPr/>
+      <p:sp>
+        <p:nvSpPr>
+          <p:cNvPr id="2" name="TextBox 1"/>
+          <p:cNvSpPr txBox="1"/>
+          <p:nvPr/>
+        </p:nvSpPr>
+        <p:spPr>
+          <a:xfrm>
+            <a:off x="914400" y="914400"/>
+            <a:ext cx="914400" cy="914400"/>
+          </a:xfrm>
+          <a:prstGeom prst="rect">
+            <a:avLst/>
+          </a:prstGeom>
+          <a:noFill/>
+        </p:spPr>
+        <p:txBody>
+          <a:bodyPr wrap="none">
+            <a:spAutoFit/>
+          </a:bodyPr>
+          <a:lstStyle/>
+          <a:p>
+            <a:r>
+              <a:t>Python Code: </a:t>
+            </a:r>
+          </a:p>
+          <a:p>
+            <a:pPr>
+              <a:defRPr sz="1200"/>
+            </a:pPr>
+            <a:r>
+              <a:t>``` # Dit zal moeilijk en vervelend zijn!</a:t>
+            </a:r>
+            <a:br/>
+            <a:r>
+              <a:t> `````` d = {'k1':[1,2,{'k2':['this is tricky',{'tough':[1,2,['hello']]}]}]} ```</a:t>
+            </a:r>
+            <a:br/>
+          </a:p>
+        </p:txBody>
+      </p:sp>
+    </p:spTree>
+  </p:cSld>
+  <p:clrMapOvr>
+    <a:masterClrMapping/>
+  </p:clrMapOvr>
+</p:sld>
+</file>
+
 <file path=ppt/slides/slide25.xml><?xml version="1.0" encoding="utf-8"?>
 <p:sld xmlns:a="http://schemas.openxmlformats.org/drawingml/2006/main" xmlns:p="http://schemas.openxmlformats.org/presentationml/2006/main" xmlns:r="http://schemas.openxmlformats.org/officeDocument/2006/relationships">
   <p:cSld>
@@ -12161,6 +14356,709 @@
             </a:r>
           </a:p>
           <a:p/>
+        </p:txBody>
+      </p:sp>
+    </p:spTree>
+  </p:cSld>
+  <p:clrMapOvr>
+    <a:masterClrMapping/>
+  </p:clrMapOvr>
+</p:sld>
+</file>
+
+<file path=ppt/slides/slide250.xml><?xml version="1.0" encoding="utf-8"?>
+<p:sld xmlns:a="http://schemas.openxmlformats.org/drawingml/2006/main" xmlns:p="http://schemas.openxmlformats.org/presentationml/2006/main" xmlns:r="http://schemas.openxmlformats.org/officeDocument/2006/relationships">
+  <p:cSld>
+    <p:spTree>
+      <p:nvGrpSpPr>
+        <p:cNvPr id="1" name=""/>
+        <p:cNvGrpSpPr/>
+        <p:nvPr/>
+      </p:nvGrpSpPr>
+      <p:grpSpPr/>
+      <p:sp>
+        <p:nvSpPr>
+          <p:cNvPr id="2" name="TextBox 1"/>
+          <p:cNvSpPr txBox="1"/>
+          <p:nvPr/>
+        </p:nvSpPr>
+        <p:spPr>
+          <a:xfrm>
+            <a:off x="914400" y="914400"/>
+            <a:ext cx="914400" cy="914400"/>
+          </a:xfrm>
+          <a:prstGeom prst="rect">
+            <a:avLst/>
+          </a:prstGeom>
+          <a:noFill/>
+        </p:spPr>
+        <p:txBody>
+          <a:bodyPr wrap="none">
+            <a:spAutoFit/>
+          </a:bodyPr>
+          <a:lstStyle/>
+          <a:p>
+            <a:r>
+              <a:t>Info:</a:t>
+            </a:r>
+          </a:p>
+          <a:p>
+            <a:pPr>
+              <a:defRPr sz="1200"/>
+            </a:pPr>
+            <a:r>
+              <a:t>Kan je een dictionary sorteren? Waarom wel of niet?&lt;br&gt;&lt;br&gt;</a:t>
+            </a:r>
+            <a:br/>
+          </a:p>
+        </p:txBody>
+      </p:sp>
+    </p:spTree>
+  </p:cSld>
+  <p:clrMapOvr>
+    <a:masterClrMapping/>
+  </p:clrMapOvr>
+</p:sld>
+</file>
+
+<file path=ppt/slides/slide251.xml><?xml version="1.0" encoding="utf-8"?>
+<p:sld xmlns:a="http://schemas.openxmlformats.org/drawingml/2006/main" xmlns:p="http://schemas.openxmlformats.org/presentationml/2006/main" xmlns:r="http://schemas.openxmlformats.org/officeDocument/2006/relationships">
+  <p:cSld>
+    <p:spTree>
+      <p:nvGrpSpPr>
+        <p:cNvPr id="1" name=""/>
+        <p:cNvGrpSpPr/>
+        <p:nvPr/>
+      </p:nvGrpSpPr>
+      <p:grpSpPr/>
+      <p:sp>
+        <p:nvSpPr>
+          <p:cNvPr id="2" name="TextBox 1"/>
+          <p:cNvSpPr txBox="1"/>
+          <p:nvPr/>
+        </p:nvSpPr>
+        <p:spPr>
+          <a:xfrm>
+            <a:off x="914400" y="914400"/>
+            <a:ext cx="914400" cy="914400"/>
+          </a:xfrm>
+          <a:prstGeom prst="rect">
+            <a:avLst/>
+          </a:prstGeom>
+          <a:noFill/>
+        </p:spPr>
+        <p:txBody>
+          <a:bodyPr wrap="none">
+            <a:spAutoFit/>
+          </a:bodyPr>
+          <a:lstStyle/>
+          <a:p>
+            <a:r>
+              <a:t>Info:</a:t>
+            </a:r>
+          </a:p>
+          <a:p>
+            <a:pPr>
+              <a:defRPr sz="1200"/>
+            </a:pPr>
+            <a:r>
+              <a:t>## Tuples</a:t>
+            </a:r>
+            <a:br/>
+          </a:p>
+        </p:txBody>
+      </p:sp>
+    </p:spTree>
+  </p:cSld>
+  <p:clrMapOvr>
+    <a:masterClrMapping/>
+  </p:clrMapOvr>
+</p:sld>
+</file>
+
+<file path=ppt/slides/slide252.xml><?xml version="1.0" encoding="utf-8"?>
+<p:sld xmlns:a="http://schemas.openxmlformats.org/drawingml/2006/main" xmlns:p="http://schemas.openxmlformats.org/presentationml/2006/main" xmlns:r="http://schemas.openxmlformats.org/officeDocument/2006/relationships">
+  <p:cSld>
+    <p:spTree>
+      <p:nvGrpSpPr>
+        <p:cNvPr id="1" name=""/>
+        <p:cNvGrpSpPr/>
+        <p:nvPr/>
+      </p:nvGrpSpPr>
+      <p:grpSpPr/>
+      <p:sp>
+        <p:nvSpPr>
+          <p:cNvPr id="2" name="TextBox 1"/>
+          <p:cNvSpPr txBox="1"/>
+          <p:nvPr/>
+        </p:nvSpPr>
+        <p:spPr>
+          <a:xfrm>
+            <a:off x="914400" y="914400"/>
+            <a:ext cx="914400" cy="914400"/>
+          </a:xfrm>
+          <a:prstGeom prst="rect">
+            <a:avLst/>
+          </a:prstGeom>
+          <a:noFill/>
+        </p:spPr>
+        <p:txBody>
+          <a:bodyPr wrap="none">
+            <a:spAutoFit/>
+          </a:bodyPr>
+          <a:lstStyle/>
+          <a:p>
+            <a:r>
+              <a:t>Info:</a:t>
+            </a:r>
+          </a:p>
+          <a:p>
+            <a:pPr>
+              <a:defRPr sz="1200"/>
+            </a:pPr>
+            <a:r>
+              <a:t>Wat is het belangrijkste verschil tussen tuples en lijsten?&lt;br&gt;&lt;br&gt;</a:t>
+            </a:r>
+            <a:br/>
+          </a:p>
+        </p:txBody>
+      </p:sp>
+    </p:spTree>
+  </p:cSld>
+  <p:clrMapOvr>
+    <a:masterClrMapping/>
+  </p:clrMapOvr>
+</p:sld>
+</file>
+
+<file path=ppt/slides/slide253.xml><?xml version="1.0" encoding="utf-8"?>
+<p:sld xmlns:a="http://schemas.openxmlformats.org/drawingml/2006/main" xmlns:p="http://schemas.openxmlformats.org/presentationml/2006/main" xmlns:r="http://schemas.openxmlformats.org/officeDocument/2006/relationships">
+  <p:cSld>
+    <p:spTree>
+      <p:nvGrpSpPr>
+        <p:cNvPr id="1" name=""/>
+        <p:cNvGrpSpPr/>
+        <p:nvPr/>
+      </p:nvGrpSpPr>
+      <p:grpSpPr/>
+      <p:sp>
+        <p:nvSpPr>
+          <p:cNvPr id="2" name="TextBox 1"/>
+          <p:cNvSpPr txBox="1"/>
+          <p:nvPr/>
+        </p:nvSpPr>
+        <p:spPr>
+          <a:xfrm>
+            <a:off x="914400" y="914400"/>
+            <a:ext cx="914400" cy="914400"/>
+          </a:xfrm>
+          <a:prstGeom prst="rect">
+            <a:avLst/>
+          </a:prstGeom>
+          <a:noFill/>
+        </p:spPr>
+        <p:txBody>
+          <a:bodyPr wrap="none">
+            <a:spAutoFit/>
+          </a:bodyPr>
+          <a:lstStyle/>
+          <a:p>
+            <a:r>
+              <a:t>Info:</a:t>
+            </a:r>
+          </a:p>
+          <a:p>
+            <a:pPr>
+              <a:defRPr sz="1200"/>
+            </a:pPr>
+            <a:r>
+              <a:t>Hoe maak je een tuple aan?&lt;br&gt;&lt;br&gt;</a:t>
+            </a:r>
+            <a:br/>
+          </a:p>
+        </p:txBody>
+      </p:sp>
+    </p:spTree>
+  </p:cSld>
+  <p:clrMapOvr>
+    <a:masterClrMapping/>
+  </p:clrMapOvr>
+</p:sld>
+</file>
+
+<file path=ppt/slides/slide254.xml><?xml version="1.0" encoding="utf-8"?>
+<p:sld xmlns:a="http://schemas.openxmlformats.org/drawingml/2006/main" xmlns:p="http://schemas.openxmlformats.org/presentationml/2006/main" xmlns:r="http://schemas.openxmlformats.org/officeDocument/2006/relationships">
+  <p:cSld>
+    <p:spTree>
+      <p:nvGrpSpPr>
+        <p:cNvPr id="1" name=""/>
+        <p:cNvGrpSpPr/>
+        <p:nvPr/>
+      </p:nvGrpSpPr>
+      <p:grpSpPr/>
+      <p:sp>
+        <p:nvSpPr>
+          <p:cNvPr id="2" name="TextBox 1"/>
+          <p:cNvSpPr txBox="1"/>
+          <p:nvPr/>
+        </p:nvSpPr>
+        <p:spPr>
+          <a:xfrm>
+            <a:off x="914400" y="914400"/>
+            <a:ext cx="914400" cy="914400"/>
+          </a:xfrm>
+          <a:prstGeom prst="rect">
+            <a:avLst/>
+          </a:prstGeom>
+          <a:noFill/>
+        </p:spPr>
+        <p:txBody>
+          <a:bodyPr wrap="none">
+            <a:spAutoFit/>
+          </a:bodyPr>
+          <a:lstStyle/>
+          <a:p>
+            <a:r>
+              <a:t>Info:</a:t>
+            </a:r>
+          </a:p>
+          <a:p>
+            <a:pPr>
+              <a:defRPr sz="1200"/>
+            </a:pPr>
+            <a:r>
+              <a:t>## Sets </a:t>
+            </a:r>
+            <a:br/>
+          </a:p>
+        </p:txBody>
+      </p:sp>
+    </p:spTree>
+  </p:cSld>
+  <p:clrMapOvr>
+    <a:masterClrMapping/>
+  </p:clrMapOvr>
+</p:sld>
+</file>
+
+<file path=ppt/slides/slide255.xml><?xml version="1.0" encoding="utf-8"?>
+<p:sld xmlns:a="http://schemas.openxmlformats.org/drawingml/2006/main" xmlns:p="http://schemas.openxmlformats.org/presentationml/2006/main" xmlns:r="http://schemas.openxmlformats.org/officeDocument/2006/relationships">
+  <p:cSld>
+    <p:spTree>
+      <p:nvGrpSpPr>
+        <p:cNvPr id="1" name=""/>
+        <p:cNvGrpSpPr/>
+        <p:nvPr/>
+      </p:nvGrpSpPr>
+      <p:grpSpPr/>
+      <p:sp>
+        <p:nvSpPr>
+          <p:cNvPr id="2" name="TextBox 1"/>
+          <p:cNvSpPr txBox="1"/>
+          <p:nvPr/>
+        </p:nvSpPr>
+        <p:spPr>
+          <a:xfrm>
+            <a:off x="914400" y="914400"/>
+            <a:ext cx="914400" cy="914400"/>
+          </a:xfrm>
+          <a:prstGeom prst="rect">
+            <a:avLst/>
+          </a:prstGeom>
+          <a:noFill/>
+        </p:spPr>
+        <p:txBody>
+          <a:bodyPr wrap="none">
+            <a:spAutoFit/>
+          </a:bodyPr>
+          <a:lstStyle/>
+          <a:p>
+            <a:r>
+              <a:t>Info:</a:t>
+            </a:r>
+          </a:p>
+          <a:p>
+            <a:pPr>
+              <a:defRPr sz="1200"/>
+            </a:pPr>
+            <a:r>
+              <a:t>Wat is er uniek aan een set?&lt;br&gt;&lt;br&gt;</a:t>
+            </a:r>
+            <a:br/>
+          </a:p>
+        </p:txBody>
+      </p:sp>
+    </p:spTree>
+  </p:cSld>
+  <p:clrMapOvr>
+    <a:masterClrMapping/>
+  </p:clrMapOvr>
+</p:sld>
+</file>
+
+<file path=ppt/slides/slide256.xml><?xml version="1.0" encoding="utf-8"?>
+<p:sld xmlns:a="http://schemas.openxmlformats.org/drawingml/2006/main" xmlns:p="http://schemas.openxmlformats.org/presentationml/2006/main" xmlns:r="http://schemas.openxmlformats.org/officeDocument/2006/relationships">
+  <p:cSld>
+    <p:spTree>
+      <p:nvGrpSpPr>
+        <p:cNvPr id="1" name=""/>
+        <p:cNvGrpSpPr/>
+        <p:nvPr/>
+      </p:nvGrpSpPr>
+      <p:grpSpPr/>
+      <p:sp>
+        <p:nvSpPr>
+          <p:cNvPr id="2" name="TextBox 1"/>
+          <p:cNvSpPr txBox="1"/>
+          <p:nvPr/>
+        </p:nvSpPr>
+        <p:spPr>
+          <a:xfrm>
+            <a:off x="914400" y="914400"/>
+            <a:ext cx="914400" cy="914400"/>
+          </a:xfrm>
+          <a:prstGeom prst="rect">
+            <a:avLst/>
+          </a:prstGeom>
+          <a:noFill/>
+        </p:spPr>
+        <p:txBody>
+          <a:bodyPr wrap="none">
+            <a:spAutoFit/>
+          </a:bodyPr>
+          <a:lstStyle/>
+          <a:p>
+            <a:r>
+              <a:t>Info:</a:t>
+            </a:r>
+          </a:p>
+          <a:p>
+            <a:pPr>
+              <a:defRPr sz="1200"/>
+            </a:pPr>
+            <a:r>
+              <a:t>Gebruik een set om de unieke waarden van de onderstaande lijst te vinden:</a:t>
+            </a:r>
+            <a:br/>
+          </a:p>
+        </p:txBody>
+      </p:sp>
+    </p:spTree>
+  </p:cSld>
+  <p:clrMapOvr>
+    <a:masterClrMapping/>
+  </p:clrMapOvr>
+</p:sld>
+</file>
+
+<file path=ppt/slides/slide257.xml><?xml version="1.0" encoding="utf-8"?>
+<p:sld xmlns:a="http://schemas.openxmlformats.org/drawingml/2006/main" xmlns:p="http://schemas.openxmlformats.org/presentationml/2006/main" xmlns:r="http://schemas.openxmlformats.org/officeDocument/2006/relationships">
+  <p:cSld>
+    <p:spTree>
+      <p:nvGrpSpPr>
+        <p:cNvPr id="1" name=""/>
+        <p:cNvGrpSpPr/>
+        <p:nvPr/>
+      </p:nvGrpSpPr>
+      <p:grpSpPr/>
+      <p:sp>
+        <p:nvSpPr>
+          <p:cNvPr id="2" name="TextBox 1"/>
+          <p:cNvSpPr txBox="1"/>
+          <p:nvPr/>
+        </p:nvSpPr>
+        <p:spPr>
+          <a:xfrm>
+            <a:off x="914400" y="914400"/>
+            <a:ext cx="914400" cy="914400"/>
+          </a:xfrm>
+          <a:prstGeom prst="rect">
+            <a:avLst/>
+          </a:prstGeom>
+          <a:noFill/>
+        </p:spPr>
+        <p:txBody>
+          <a:bodyPr wrap="none">
+            <a:spAutoFit/>
+          </a:bodyPr>
+          <a:lstStyle/>
+          <a:p>
+            <a:r>
+              <a:t>Python Code: </a:t>
+            </a:r>
+          </a:p>
+          <a:p>
+            <a:pPr>
+              <a:defRPr sz="1200"/>
+            </a:pPr>
+            <a:r>
+              <a:t>``` list5 = [1,2,2,33,4,4,11,22,3,3,2]</a:t>
+            </a:r>
+            <a:br/>
+            <a:r>
+              <a:t> `````` </a:t>
+            </a:r>
+            <a:br/>
+            <a:r>
+              <a:t> `````` </a:t>
+            </a:r>
+            <a:br/>
+            <a:r>
+              <a:t> ```</a:t>
+            </a:r>
+            <a:br/>
+          </a:p>
+        </p:txBody>
+      </p:sp>
+    </p:spTree>
+  </p:cSld>
+  <p:clrMapOvr>
+    <a:masterClrMapping/>
+  </p:clrMapOvr>
+</p:sld>
+</file>
+
+<file path=ppt/slides/slide258.xml><?xml version="1.0" encoding="utf-8"?>
+<p:sld xmlns:a="http://schemas.openxmlformats.org/drawingml/2006/main" xmlns:p="http://schemas.openxmlformats.org/presentationml/2006/main" xmlns:r="http://schemas.openxmlformats.org/officeDocument/2006/relationships">
+  <p:cSld>
+    <p:spTree>
+      <p:nvGrpSpPr>
+        <p:cNvPr id="1" name=""/>
+        <p:cNvGrpSpPr/>
+        <p:nvPr/>
+      </p:nvGrpSpPr>
+      <p:grpSpPr/>
+      <p:sp>
+        <p:nvSpPr>
+          <p:cNvPr id="2" name="TextBox 1"/>
+          <p:cNvSpPr txBox="1"/>
+          <p:nvPr/>
+        </p:nvSpPr>
+        <p:spPr>
+          <a:xfrm>
+            <a:off x="914400" y="914400"/>
+            <a:ext cx="914400" cy="914400"/>
+          </a:xfrm>
+          <a:prstGeom prst="rect">
+            <a:avLst/>
+          </a:prstGeom>
+          <a:noFill/>
+        </p:spPr>
+        <p:txBody>
+          <a:bodyPr wrap="none">
+            <a:spAutoFit/>
+          </a:bodyPr>
+          <a:lstStyle/>
+          <a:p>
+            <a:r>
+              <a:t>Info:</a:t>
+            </a:r>
+          </a:p>
+          <a:p>
+            <a:pPr>
+              <a:defRPr sz="1200"/>
+            </a:pPr>
+            <a:r>
+              <a:t>## Booleans</a:t>
+            </a:r>
+            <a:br/>
+          </a:p>
+        </p:txBody>
+      </p:sp>
+    </p:spTree>
+  </p:cSld>
+  <p:clrMapOvr>
+    <a:masterClrMapping/>
+  </p:clrMapOvr>
+</p:sld>
+</file>
+
+<file path=ppt/slides/slide259.xml><?xml version="1.0" encoding="utf-8"?>
+<p:sld xmlns:a="http://schemas.openxmlformats.org/drawingml/2006/main" xmlns:p="http://schemas.openxmlformats.org/presentationml/2006/main" xmlns:r="http://schemas.openxmlformats.org/officeDocument/2006/relationships">
+  <p:cSld>
+    <p:spTree>
+      <p:nvGrpSpPr>
+        <p:cNvPr id="1" name=""/>
+        <p:cNvGrpSpPr/>
+        <p:nvPr/>
+      </p:nvGrpSpPr>
+      <p:grpSpPr/>
+      <p:sp>
+        <p:nvSpPr>
+          <p:cNvPr id="2" name="TextBox 1"/>
+          <p:cNvSpPr txBox="1"/>
+          <p:nvPr/>
+        </p:nvSpPr>
+        <p:spPr>
+          <a:xfrm>
+            <a:off x="914400" y="914400"/>
+            <a:ext cx="914400" cy="914400"/>
+          </a:xfrm>
+          <a:prstGeom prst="rect">
+            <a:avLst/>
+          </a:prstGeom>
+          <a:noFill/>
+        </p:spPr>
+        <p:txBody>
+          <a:bodyPr wrap="none">
+            <a:spAutoFit/>
+          </a:bodyPr>
+          <a:lstStyle/>
+          <a:p>
+            <a:r>
+              <a:t>Info:</a:t>
+            </a:r>
+          </a:p>
+          <a:p>
+            <a:pPr>
+              <a:defRPr sz="1200"/>
+            </a:pPr>
+            <a:r>
+              <a:t>Voor de volgende quizvragen krijgen we een voorbeeld van vergelijkingsoperatoren. In de onderstaande tabel zijn a=3 en b=4.</a:t>
+            </a:r>
+            <a:br/>
+            <a:br/>
+            <a:r>
+              <a:t>&lt;table class="table table-bordered"&gt;</a:t>
+            </a:r>
+            <a:br/>
+            <a:r>
+              <a:t>&lt;tr&gt;</a:t>
+            </a:r>
+            <a:br/>
+            <a:r>
+              <a:t>&lt;th style="width:10%"&gt;Operator&lt;/th&gt;&lt;th style="width:45%"&gt;Beschrijving&lt;/th&gt;&lt;th&gt;Voorbeeld&lt;/th&gt;</a:t>
+            </a:r>
+            <a:br/>
+            <a:r>
+              <a:t>&lt;/tr&gt;</a:t>
+            </a:r>
+            <a:br/>
+            <a:r>
+              <a:t>&lt;tr&gt;</a:t>
+            </a:r>
+            <a:br/>
+            <a:r>
+              <a:t>&lt;td&gt;==&lt;/td&gt;</a:t>
+            </a:r>
+            <a:br/>
+            <a:r>
+              <a:t>&lt;td&gt;Als de waarden van twee operanden gelijk zijn, wordt de voorwaarde True.&lt;/td&gt;</a:t>
+            </a:r>
+            <a:br/>
+            <a:r>
+              <a:t>&lt;td&gt; (a == b) is not true.&lt;/td&gt;</a:t>
+            </a:r>
+            <a:br/>
+            <a:r>
+              <a:t>&lt;/tr&gt;</a:t>
+            </a:r>
+            <a:br/>
+            <a:r>
+              <a:t>&lt;tr&gt;</a:t>
+            </a:r>
+            <a:br/>
+            <a:r>
+              <a:t>&lt;td&gt;!=&lt;/td&gt;</a:t>
+            </a:r>
+            <a:br/>
+            <a:r>
+              <a:t>&lt;td&gt;Als de waarden van twee operanden niet gelijk zijn, wordt de voorwaarde 'True'.&lt;/td&gt;</a:t>
+            </a:r>
+            <a:br/>
+            <a:r>
+              <a:t>&lt;td&gt; (a != b) is true.&lt;/td&gt;</a:t>
+            </a:r>
+            <a:br/>
+            <a:r>
+              <a:t>&lt;/tr&gt;</a:t>
+            </a:r>
+            <a:br/>
+            <a:r>
+              <a:t>&lt;tr&gt;</a:t>
+            </a:r>
+            <a:br/>
+            <a:r>
+              <a:t>&lt;td&gt;&amp;gt;&lt;/td&gt;</a:t>
+            </a:r>
+            <a:br/>
+            <a:r>
+              <a:t>&lt;td&gt;Als de waarde van de linker operand groter is dan de waarde van de rechter operand, wordt de voorwaarde 'True'.&lt;/td&gt;</a:t>
+            </a:r>
+            <a:br/>
+            <a:r>
+              <a:t>&lt;td&gt; (a &amp;gt; b) is not true.&lt;/td&gt;</a:t>
+            </a:r>
+            <a:br/>
+            <a:r>
+              <a:t>&lt;/tr&gt;</a:t>
+            </a:r>
+            <a:br/>
+            <a:r>
+              <a:t>&lt;tr&gt;</a:t>
+            </a:r>
+            <a:br/>
+            <a:r>
+              <a:t>&lt;td&gt;&amp;lt;&lt;/td&gt;</a:t>
+            </a:r>
+            <a:br/>
+            <a:r>
+              <a:t>&lt;td&gt;Als de waarde van de linker operand kleiner is dan de waarde van de rechter operand, wordt de voorwaarde 'True'.&lt;/td&gt;</a:t>
+            </a:r>
+            <a:br/>
+            <a:r>
+              <a:t>&lt;td&gt; (a &amp;lt; b) is true.&lt;/td&gt;</a:t>
+            </a:r>
+            <a:br/>
+            <a:r>
+              <a:t>&lt;/tr&gt;</a:t>
+            </a:r>
+            <a:br/>
+            <a:r>
+              <a:t>&lt;tr&gt;</a:t>
+            </a:r>
+            <a:br/>
+            <a:r>
+              <a:t>&lt;td&gt;&amp;gt;=&lt;/td&gt;</a:t>
+            </a:r>
+            <a:br/>
+            <a:r>
+              <a:t>&lt;td&gt;Als de waarde van de linker operand groter is dan of gelijk is aan de waarde van de rechter operand, wordt de voorwaarde 'True'.&lt;/td&gt;</a:t>
+            </a:r>
+            <a:br/>
+            <a:r>
+              <a:t>&lt;td&gt; (a &amp;gt;= b) is not true. &lt;/td&gt;</a:t>
+            </a:r>
+            <a:br/>
+            <a:r>
+              <a:t>&lt;/tr&gt;</a:t>
+            </a:r>
+            <a:br/>
+            <a:r>
+              <a:t>&lt;tr&gt;</a:t>
+            </a:r>
+            <a:br/>
+            <a:r>
+              <a:t>&lt;td&gt;&amp;lt;=&lt;/td&gt;</a:t>
+            </a:r>
+            <a:br/>
+            <a:r>
+              <a:t>&lt;td&gt;Als de waarde van de linker operand kleiner is dan of gelijk is aan de waarde van de rechter operand, wordt de voorwaarde 'True'.&lt;/td&gt;</a:t>
+            </a:r>
+            <a:br/>
+            <a:r>
+              <a:t>&lt;td&gt; (a &amp;lt;= b) is true. &lt;/td&gt;</a:t>
+            </a:r>
+            <a:br/>
+            <a:r>
+              <a:t>&lt;/tr&gt;</a:t>
+            </a:r>
+            <a:br/>
+            <a:r>
+              <a:t>&lt;/table&gt;</a:t>
+            </a:r>
+            <a:br/>
+          </a:p>
         </p:txBody>
       </p:sp>
     </p:spTree>
@@ -12234,6 +15132,559 @@
 </p:sld>
 </file>
 
+<file path=ppt/slides/slide260.xml><?xml version="1.0" encoding="utf-8"?>
+<p:sld xmlns:a="http://schemas.openxmlformats.org/drawingml/2006/main" xmlns:p="http://schemas.openxmlformats.org/presentationml/2006/main" xmlns:r="http://schemas.openxmlformats.org/officeDocument/2006/relationships">
+  <p:cSld>
+    <p:spTree>
+      <p:nvGrpSpPr>
+        <p:cNvPr id="1" name=""/>
+        <p:cNvGrpSpPr/>
+        <p:nvPr/>
+      </p:nvGrpSpPr>
+      <p:grpSpPr/>
+      <p:sp>
+        <p:nvSpPr>
+          <p:cNvPr id="2" name="TextBox 1"/>
+          <p:cNvSpPr txBox="1"/>
+          <p:nvPr/>
+        </p:nvSpPr>
+        <p:spPr>
+          <a:xfrm>
+            <a:off x="914400" y="914400"/>
+            <a:ext cx="914400" cy="914400"/>
+          </a:xfrm>
+          <a:prstGeom prst="rect">
+            <a:avLst/>
+          </a:prstGeom>
+          <a:noFill/>
+        </p:spPr>
+        <p:txBody>
+          <a:bodyPr wrap="none">
+            <a:spAutoFit/>
+          </a:bodyPr>
+          <a:lstStyle/>
+          <a:p>
+            <a:r>
+              <a:t>Info:</a:t>
+            </a:r>
+          </a:p>
+          <a:p>
+            <a:pPr>
+              <a:defRPr sz="1200"/>
+            </a:pPr>
+            <a:r>
+              <a:t>Wat zal de resulterende Boolean zijn van de volgende stukjes code (antwoord eerst en controleer door het in te typen!)</a:t>
+            </a:r>
+            <a:br/>
+          </a:p>
+        </p:txBody>
+      </p:sp>
+    </p:spTree>
+  </p:cSld>
+  <p:clrMapOvr>
+    <a:masterClrMapping/>
+  </p:clrMapOvr>
+</p:sld>
+</file>
+
+<file path=ppt/slides/slide261.xml><?xml version="1.0" encoding="utf-8"?>
+<p:sld xmlns:a="http://schemas.openxmlformats.org/drawingml/2006/main" xmlns:p="http://schemas.openxmlformats.org/presentationml/2006/main" xmlns:r="http://schemas.openxmlformats.org/officeDocument/2006/relationships">
+  <p:cSld>
+    <p:spTree>
+      <p:nvGrpSpPr>
+        <p:cNvPr id="1" name=""/>
+        <p:cNvGrpSpPr/>
+        <p:nvPr/>
+      </p:nvGrpSpPr>
+      <p:grpSpPr/>
+      <p:sp>
+        <p:nvSpPr>
+          <p:cNvPr id="2" name="TextBox 1"/>
+          <p:cNvSpPr txBox="1"/>
+          <p:nvPr/>
+        </p:nvSpPr>
+        <p:spPr>
+          <a:xfrm>
+            <a:off x="914400" y="914400"/>
+            <a:ext cx="914400" cy="914400"/>
+          </a:xfrm>
+          <a:prstGeom prst="rect">
+            <a:avLst/>
+          </a:prstGeom>
+          <a:noFill/>
+        </p:spPr>
+        <p:txBody>
+          <a:bodyPr wrap="none">
+            <a:spAutoFit/>
+          </a:bodyPr>
+          <a:lstStyle/>
+          <a:p>
+            <a:r>
+              <a:t>Python Code: </a:t>
+            </a:r>
+          </a:p>
+          <a:p>
+            <a:pPr>
+              <a:defRPr sz="1200"/>
+            </a:pPr>
+            <a:r>
+              <a:t>``` # Beantwoord voordat u de cel uitvoert</a:t>
+            </a:r>
+            <a:br/>
+            <a:r>
+              <a:t> `````` 2 &gt; 3 ```</a:t>
+            </a:r>
+            <a:br/>
+          </a:p>
+        </p:txBody>
+      </p:sp>
+    </p:spTree>
+  </p:cSld>
+  <p:clrMapOvr>
+    <a:masterClrMapping/>
+  </p:clrMapOvr>
+</p:sld>
+</file>
+
+<file path=ppt/slides/slide262.xml><?xml version="1.0" encoding="utf-8"?>
+<p:sld xmlns:a="http://schemas.openxmlformats.org/drawingml/2006/main" xmlns:p="http://schemas.openxmlformats.org/presentationml/2006/main" xmlns:r="http://schemas.openxmlformats.org/officeDocument/2006/relationships">
+  <p:cSld>
+    <p:spTree>
+      <p:nvGrpSpPr>
+        <p:cNvPr id="1" name=""/>
+        <p:cNvGrpSpPr/>
+        <p:nvPr/>
+      </p:nvGrpSpPr>
+      <p:grpSpPr/>
+      <p:sp>
+        <p:nvSpPr>
+          <p:cNvPr id="2" name="TextBox 1"/>
+          <p:cNvSpPr txBox="1"/>
+          <p:nvPr/>
+        </p:nvSpPr>
+        <p:spPr>
+          <a:xfrm>
+            <a:off x="914400" y="914400"/>
+            <a:ext cx="914400" cy="914400"/>
+          </a:xfrm>
+          <a:prstGeom prst="rect">
+            <a:avLst/>
+          </a:prstGeom>
+          <a:noFill/>
+        </p:spPr>
+        <p:txBody>
+          <a:bodyPr wrap="none">
+            <a:spAutoFit/>
+          </a:bodyPr>
+          <a:lstStyle/>
+          <a:p>
+            <a:r>
+              <a:t>Python Code: </a:t>
+            </a:r>
+          </a:p>
+          <a:p>
+            <a:pPr>
+              <a:defRPr sz="1200"/>
+            </a:pPr>
+            <a:r>
+              <a:t>``` # Beantwoord voordat u de cel uitvoert</a:t>
+            </a:r>
+            <a:br/>
+            <a:r>
+              <a:t> `````` 3 &lt;= 2 ```</a:t>
+            </a:r>
+            <a:br/>
+          </a:p>
+        </p:txBody>
+      </p:sp>
+    </p:spTree>
+  </p:cSld>
+  <p:clrMapOvr>
+    <a:masterClrMapping/>
+  </p:clrMapOvr>
+</p:sld>
+</file>
+
+<file path=ppt/slides/slide263.xml><?xml version="1.0" encoding="utf-8"?>
+<p:sld xmlns:a="http://schemas.openxmlformats.org/drawingml/2006/main" xmlns:p="http://schemas.openxmlformats.org/presentationml/2006/main" xmlns:r="http://schemas.openxmlformats.org/officeDocument/2006/relationships">
+  <p:cSld>
+    <p:spTree>
+      <p:nvGrpSpPr>
+        <p:cNvPr id="1" name=""/>
+        <p:cNvGrpSpPr/>
+        <p:nvPr/>
+      </p:nvGrpSpPr>
+      <p:grpSpPr/>
+      <p:sp>
+        <p:nvSpPr>
+          <p:cNvPr id="2" name="TextBox 1"/>
+          <p:cNvSpPr txBox="1"/>
+          <p:nvPr/>
+        </p:nvSpPr>
+        <p:spPr>
+          <a:xfrm>
+            <a:off x="914400" y="914400"/>
+            <a:ext cx="914400" cy="914400"/>
+          </a:xfrm>
+          <a:prstGeom prst="rect">
+            <a:avLst/>
+          </a:prstGeom>
+          <a:noFill/>
+        </p:spPr>
+        <p:txBody>
+          <a:bodyPr wrap="none">
+            <a:spAutoFit/>
+          </a:bodyPr>
+          <a:lstStyle/>
+          <a:p>
+            <a:r>
+              <a:t>Python Code: </a:t>
+            </a:r>
+          </a:p>
+          <a:p>
+            <a:pPr>
+              <a:defRPr sz="1200"/>
+            </a:pPr>
+            <a:r>
+              <a:t>``` # Beantwoord voordat u de cel uitvoert</a:t>
+            </a:r>
+            <a:br/>
+            <a:r>
+              <a:t> `````` 3 == 2.0 ```</a:t>
+            </a:r>
+            <a:br/>
+          </a:p>
+        </p:txBody>
+      </p:sp>
+    </p:spTree>
+  </p:cSld>
+  <p:clrMapOvr>
+    <a:masterClrMapping/>
+  </p:clrMapOvr>
+</p:sld>
+</file>
+
+<file path=ppt/slides/slide264.xml><?xml version="1.0" encoding="utf-8"?>
+<p:sld xmlns:a="http://schemas.openxmlformats.org/drawingml/2006/main" xmlns:p="http://schemas.openxmlformats.org/presentationml/2006/main" xmlns:r="http://schemas.openxmlformats.org/officeDocument/2006/relationships">
+  <p:cSld>
+    <p:spTree>
+      <p:nvGrpSpPr>
+        <p:cNvPr id="1" name=""/>
+        <p:cNvGrpSpPr/>
+        <p:nvPr/>
+      </p:nvGrpSpPr>
+      <p:grpSpPr/>
+      <p:sp>
+        <p:nvSpPr>
+          <p:cNvPr id="2" name="TextBox 1"/>
+          <p:cNvSpPr txBox="1"/>
+          <p:nvPr/>
+        </p:nvSpPr>
+        <p:spPr>
+          <a:xfrm>
+            <a:off x="914400" y="914400"/>
+            <a:ext cx="914400" cy="914400"/>
+          </a:xfrm>
+          <a:prstGeom prst="rect">
+            <a:avLst/>
+          </a:prstGeom>
+          <a:noFill/>
+        </p:spPr>
+        <p:txBody>
+          <a:bodyPr wrap="none">
+            <a:spAutoFit/>
+          </a:bodyPr>
+          <a:lstStyle/>
+          <a:p>
+            <a:r>
+              <a:t>Python Code: </a:t>
+            </a:r>
+          </a:p>
+          <a:p>
+            <a:pPr>
+              <a:defRPr sz="1200"/>
+            </a:pPr>
+            <a:r>
+              <a:t>``` # Beantwoord voordat u de cel uitvoert</a:t>
+            </a:r>
+            <a:br/>
+            <a:r>
+              <a:t> `````` 3.0 == 3 ```</a:t>
+            </a:r>
+            <a:br/>
+          </a:p>
+        </p:txBody>
+      </p:sp>
+    </p:spTree>
+  </p:cSld>
+  <p:clrMapOvr>
+    <a:masterClrMapping/>
+  </p:clrMapOvr>
+</p:sld>
+</file>
+
+<file path=ppt/slides/slide265.xml><?xml version="1.0" encoding="utf-8"?>
+<p:sld xmlns:a="http://schemas.openxmlformats.org/drawingml/2006/main" xmlns:p="http://schemas.openxmlformats.org/presentationml/2006/main" xmlns:r="http://schemas.openxmlformats.org/officeDocument/2006/relationships">
+  <p:cSld>
+    <p:spTree>
+      <p:nvGrpSpPr>
+        <p:cNvPr id="1" name=""/>
+        <p:cNvGrpSpPr/>
+        <p:nvPr/>
+      </p:nvGrpSpPr>
+      <p:grpSpPr/>
+      <p:sp>
+        <p:nvSpPr>
+          <p:cNvPr id="2" name="TextBox 1"/>
+          <p:cNvSpPr txBox="1"/>
+          <p:nvPr/>
+        </p:nvSpPr>
+        <p:spPr>
+          <a:xfrm>
+            <a:off x="914400" y="914400"/>
+            <a:ext cx="914400" cy="914400"/>
+          </a:xfrm>
+          <a:prstGeom prst="rect">
+            <a:avLst/>
+          </a:prstGeom>
+          <a:noFill/>
+        </p:spPr>
+        <p:txBody>
+          <a:bodyPr wrap="none">
+            <a:spAutoFit/>
+          </a:bodyPr>
+          <a:lstStyle/>
+          <a:p>
+            <a:r>
+              <a:t>Python Code: </a:t>
+            </a:r>
+          </a:p>
+          <a:p>
+            <a:pPr>
+              <a:defRPr sz="1200"/>
+            </a:pPr>
+            <a:r>
+              <a:t>``` # Beantwoord voordat u de cel uitvoert</a:t>
+            </a:r>
+            <a:br/>
+            <a:r>
+              <a:t> `````` 4**0.5 != 2 ```</a:t>
+            </a:r>
+            <a:br/>
+          </a:p>
+        </p:txBody>
+      </p:sp>
+    </p:spTree>
+  </p:cSld>
+  <p:clrMapOvr>
+    <a:masterClrMapping/>
+  </p:clrMapOvr>
+</p:sld>
+</file>
+
+<file path=ppt/slides/slide266.xml><?xml version="1.0" encoding="utf-8"?>
+<p:sld xmlns:a="http://schemas.openxmlformats.org/drawingml/2006/main" xmlns:p="http://schemas.openxmlformats.org/presentationml/2006/main" xmlns:r="http://schemas.openxmlformats.org/officeDocument/2006/relationships">
+  <p:cSld>
+    <p:spTree>
+      <p:nvGrpSpPr>
+        <p:cNvPr id="1" name=""/>
+        <p:cNvGrpSpPr/>
+        <p:nvPr/>
+      </p:nvGrpSpPr>
+      <p:grpSpPr/>
+      <p:sp>
+        <p:nvSpPr>
+          <p:cNvPr id="2" name="TextBox 1"/>
+          <p:cNvSpPr txBox="1"/>
+          <p:nvPr/>
+        </p:nvSpPr>
+        <p:spPr>
+          <a:xfrm>
+            <a:off x="914400" y="914400"/>
+            <a:ext cx="914400" cy="914400"/>
+          </a:xfrm>
+          <a:prstGeom prst="rect">
+            <a:avLst/>
+          </a:prstGeom>
+          <a:noFill/>
+        </p:spPr>
+        <p:txBody>
+          <a:bodyPr wrap="none">
+            <a:spAutoFit/>
+          </a:bodyPr>
+          <a:lstStyle/>
+          <a:p>
+            <a:r>
+              <a:t>Info:</a:t>
+            </a:r>
+          </a:p>
+          <a:p>
+            <a:pPr>
+              <a:defRPr sz="1200"/>
+            </a:pPr>
+            <a:r>
+              <a:t>Laatste vraag: Wat is de booleaanse uitvoer van het onderstaande cel-blok?</a:t>
+            </a:r>
+            <a:br/>
+          </a:p>
+        </p:txBody>
+      </p:sp>
+    </p:spTree>
+  </p:cSld>
+  <p:clrMapOvr>
+    <a:masterClrMapping/>
+  </p:clrMapOvr>
+</p:sld>
+</file>
+
+<file path=ppt/slides/slide267.xml><?xml version="1.0" encoding="utf-8"?>
+<p:sld xmlns:a="http://schemas.openxmlformats.org/drawingml/2006/main" xmlns:p="http://schemas.openxmlformats.org/presentationml/2006/main" xmlns:r="http://schemas.openxmlformats.org/officeDocument/2006/relationships">
+  <p:cSld>
+    <p:spTree>
+      <p:nvGrpSpPr>
+        <p:cNvPr id="1" name=""/>
+        <p:cNvGrpSpPr/>
+        <p:nvPr/>
+      </p:nvGrpSpPr>
+      <p:grpSpPr/>
+      <p:sp>
+        <p:nvSpPr>
+          <p:cNvPr id="2" name="TextBox 1"/>
+          <p:cNvSpPr txBox="1"/>
+          <p:nvPr/>
+        </p:nvSpPr>
+        <p:spPr>
+          <a:xfrm>
+            <a:off x="914400" y="914400"/>
+            <a:ext cx="914400" cy="914400"/>
+          </a:xfrm>
+          <a:prstGeom prst="rect">
+            <a:avLst/>
+          </a:prstGeom>
+          <a:noFill/>
+        </p:spPr>
+        <p:txBody>
+          <a:bodyPr wrap="none">
+            <a:spAutoFit/>
+          </a:bodyPr>
+          <a:lstStyle/>
+          <a:p>
+            <a:r>
+              <a:t>Python Code: </a:t>
+            </a:r>
+          </a:p>
+          <a:p>
+            <a:pPr>
+              <a:defRPr sz="1200"/>
+            </a:pPr>
+            <a:r>
+              <a:t>``` # twee geneste lijsten</a:t>
+            </a:r>
+            <a:br/>
+            <a:r>
+              <a:t> `````` l_one = [1,2,[3,4]]</a:t>
+            </a:r>
+            <a:br/>
+            <a:r>
+              <a:t> `````` l_two = [1,2,{'k1':4}]</a:t>
+            </a:r>
+            <a:br/>
+            <a:r>
+              <a:t> `````` </a:t>
+            </a:r>
+            <a:br/>
+            <a:r>
+              <a:t> `````` # True of False?</a:t>
+            </a:r>
+            <a:br/>
+            <a:r>
+              <a:t> `````` l_one[2][0] &gt;= l_two[2]['k1'] ```</a:t>
+            </a:r>
+            <a:br/>
+          </a:p>
+        </p:txBody>
+      </p:sp>
+    </p:spTree>
+  </p:cSld>
+  <p:clrMapOvr>
+    <a:masterClrMapping/>
+  </p:clrMapOvr>
+</p:sld>
+</file>
+
+<file path=ppt/slides/slide268.xml><?xml version="1.0" encoding="utf-8"?>
+<p:sld xmlns:a="http://schemas.openxmlformats.org/drawingml/2006/main" xmlns:p="http://schemas.openxmlformats.org/presentationml/2006/main" xmlns:r="http://schemas.openxmlformats.org/officeDocument/2006/relationships">
+  <p:cSld>
+    <p:spTree>
+      <p:nvGrpSpPr>
+        <p:cNvPr id="1" name=""/>
+        <p:cNvGrpSpPr/>
+        <p:nvPr/>
+      </p:nvGrpSpPr>
+      <p:grpSpPr/>
+      <p:sp>
+        <p:nvSpPr>
+          <p:cNvPr id="2" name="TextBox 1"/>
+          <p:cNvSpPr txBox="1"/>
+          <p:nvPr/>
+        </p:nvSpPr>
+        <p:spPr>
+          <a:xfrm>
+            <a:off x="914400" y="914400"/>
+            <a:ext cx="914400" cy="914400"/>
+          </a:xfrm>
+          <a:prstGeom prst="rect">
+            <a:avLst/>
+          </a:prstGeom>
+          <a:noFill/>
+        </p:spPr>
+        <p:txBody>
+          <a:bodyPr wrap="none">
+            <a:spAutoFit/>
+          </a:bodyPr>
+          <a:lstStyle/>
+          <a:p>
+            <a:r>
+              <a:t>Info:</a:t>
+            </a:r>
+          </a:p>
+          <a:p>
+            <a:pPr>
+              <a:defRPr sz="1200"/>
+            </a:pPr>
+            <a:r>
+              <a:t>## Goed gedaan bij je eerste opdracht!</a:t>
+            </a:r>
+            <a:br/>
+          </a:p>
+        </p:txBody>
+      </p:sp>
+    </p:spTree>
+  </p:cSld>
+  <p:clrMapOvr>
+    <a:masterClrMapping/>
+  </p:clrMapOvr>
+</p:sld>
+</file>
+
+<file path=ppt/slides/slide269.xml><?xml version="1.0" encoding="utf-8"?>
+<p:sld xmlns:a="http://schemas.openxmlformats.org/drawingml/2006/main" xmlns:p="http://schemas.openxmlformats.org/presentationml/2006/main" xmlns:r="http://schemas.openxmlformats.org/officeDocument/2006/relationships">
+  <p:cSld>
+    <p:spTree>
+      <p:nvGrpSpPr>
+        <p:cNvPr id="1" name=""/>
+        <p:cNvGrpSpPr/>
+        <p:nvPr/>
+      </p:nvGrpSpPr>
+      <p:grpSpPr/>
+    </p:spTree>
+  </p:cSld>
+  <p:clrMapOvr>
+    <a:masterClrMapping/>
+  </p:clrMapOvr>
+</p:sld>
+</file>
+
 <file path=ppt/slides/slide27.xml><?xml version="1.0" encoding="utf-8"?>
 <p:sld xmlns:a="http://schemas.openxmlformats.org/drawingml/2006/main" xmlns:p="http://schemas.openxmlformats.org/presentationml/2006/main" xmlns:r="http://schemas.openxmlformats.org/officeDocument/2006/relationships">
   <p:cSld>
@@ -12285,6 +15736,635 @@
             </a:r>
           </a:p>
           <a:p/>
+        </p:txBody>
+      </p:sp>
+    </p:spTree>
+  </p:cSld>
+  <p:clrMapOvr>
+    <a:masterClrMapping/>
+  </p:clrMapOvr>
+</p:sld>
+</file>
+
+<file path=ppt/slides/slide270.xml><?xml version="1.0" encoding="utf-8"?>
+<p:sld xmlns:a="http://schemas.openxmlformats.org/drawingml/2006/main" xmlns:p="http://schemas.openxmlformats.org/presentationml/2006/main" xmlns:r="http://schemas.openxmlformats.org/officeDocument/2006/relationships">
+  <p:cSld>
+    <p:spTree>
+      <p:nvGrpSpPr>
+        <p:cNvPr id="1" name=""/>
+        <p:cNvGrpSpPr/>
+        <p:nvPr/>
+      </p:nvGrpSpPr>
+      <p:grpSpPr/>
+      <p:sp>
+        <p:nvSpPr>
+          <p:cNvPr id="2" name="TextBox 1"/>
+          <p:cNvSpPr txBox="1"/>
+          <p:nvPr/>
+        </p:nvSpPr>
+        <p:spPr>
+          <a:xfrm>
+            <a:off x="914400" y="914400"/>
+            <a:ext cx="914400" cy="914400"/>
+          </a:xfrm>
+          <a:prstGeom prst="rect">
+            <a:avLst/>
+          </a:prstGeom>
+          <a:noFill/>
+        </p:spPr>
+        <p:txBody>
+          <a:bodyPr wrap="none">
+            <a:spAutoFit/>
+          </a:bodyPr>
+          <a:lstStyle/>
+          <a:p>
+            <a:r>
+              <a:t>Info:</a:t>
+            </a:r>
+          </a:p>
+          <a:p>
+            <a:pPr>
+              <a:defRPr sz="1200"/>
+            </a:pPr>
+            <a:r>
+              <a:t>&lt;center&gt;</a:t>
+            </a:r>
+            <a:br/>
+            <a:r>
+              <a:t>    &lt;img src='https://intecbrussel.be/img/logo3.png' width='400px' height='auto'/&gt;</a:t>
+            </a:r>
+            <a:br/>
+            <a:r>
+              <a:t>    &lt;br/&gt;</a:t>
+            </a:r>
+            <a:br/>
+            <a:r>
+              <a:t>    &lt;em&gt;Python les-materialen&lt;/em&gt;</a:t>
+            </a:r>
+            <a:br/>
+            <a:r>
+              <a:t>&lt;/center&gt;</a:t>
+            </a:r>
+            <a:br/>
+          </a:p>
+        </p:txBody>
+      </p:sp>
+    </p:spTree>
+  </p:cSld>
+  <p:clrMapOvr>
+    <a:masterClrMapping/>
+  </p:clrMapOvr>
+</p:sld>
+</file>
+
+<file path=ppt/slides/slide271.xml><?xml version="1.0" encoding="utf-8"?>
+<p:sld xmlns:a="http://schemas.openxmlformats.org/drawingml/2006/main" xmlns:p="http://schemas.openxmlformats.org/presentationml/2006/main" xmlns:r="http://schemas.openxmlformats.org/officeDocument/2006/relationships">
+  <p:cSld>
+    <p:spTree>
+      <p:nvGrpSpPr>
+        <p:cNvPr id="1" name=""/>
+        <p:cNvGrpSpPr/>
+        <p:nvPr/>
+      </p:nvGrpSpPr>
+      <p:grpSpPr/>
+      <p:sp>
+        <p:nvSpPr>
+          <p:cNvPr id="2" name="TextBox 1"/>
+          <p:cNvSpPr txBox="1"/>
+          <p:nvPr/>
+        </p:nvSpPr>
+        <p:spPr>
+          <a:xfrm>
+            <a:off x="914400" y="914400"/>
+            <a:ext cx="914400" cy="914400"/>
+          </a:xfrm>
+          <a:prstGeom prst="rect">
+            <a:avLst/>
+          </a:prstGeom>
+          <a:noFill/>
+        </p:spPr>
+        <p:txBody>
+          <a:bodyPr wrap="none">
+            <a:spAutoFit/>
+          </a:bodyPr>
+          <a:lstStyle/>
+          <a:p>
+            <a:r>
+              <a:t>Info:</a:t>
+            </a:r>
+          </a:p>
+          <a:p>
+            <a:pPr>
+              <a:defRPr sz="1200"/>
+            </a:pPr>
+            <a:r>
+              <a:t># Opdrachten Hoofdstuk 00</a:t>
+            </a:r>
+            <a:br/>
+            <a:br/>
+            <a:r>
+              <a:t>## Test je eigen kennis.</a:t>
+            </a:r>
+            <a:br/>
+            <a:br/>
+            <a:r>
+              <a:t>** Beantwoord de volgende vragen **</a:t>
+            </a:r>
+            <a:br/>
+          </a:p>
+        </p:txBody>
+      </p:sp>
+    </p:spTree>
+  </p:cSld>
+  <p:clrMapOvr>
+    <a:masterClrMapping/>
+  </p:clrMapOvr>
+</p:sld>
+</file>
+
+<file path=ppt/slides/slide272.xml><?xml version="1.0" encoding="utf-8"?>
+<p:sld xmlns:a="http://schemas.openxmlformats.org/drawingml/2006/main" xmlns:p="http://schemas.openxmlformats.org/presentationml/2006/main" xmlns:r="http://schemas.openxmlformats.org/officeDocument/2006/relationships">
+  <p:cSld>
+    <p:spTree>
+      <p:nvGrpSpPr>
+        <p:cNvPr id="1" name=""/>
+        <p:cNvGrpSpPr/>
+        <p:nvPr/>
+      </p:nvGrpSpPr>
+      <p:grpSpPr/>
+      <p:sp>
+        <p:nvSpPr>
+          <p:cNvPr id="2" name="TextBox 1"/>
+          <p:cNvSpPr txBox="1"/>
+          <p:nvPr/>
+        </p:nvSpPr>
+        <p:spPr>
+          <a:xfrm>
+            <a:off x="914400" y="914400"/>
+            <a:ext cx="914400" cy="914400"/>
+          </a:xfrm>
+          <a:prstGeom prst="rect">
+            <a:avLst/>
+          </a:prstGeom>
+          <a:noFill/>
+        </p:spPr>
+        <p:txBody>
+          <a:bodyPr wrap="none">
+            <a:spAutoFit/>
+          </a:bodyPr>
+          <a:lstStyle/>
+          <a:p>
+            <a:r>
+              <a:t>Info:</a:t>
+            </a:r>
+          </a:p>
+          <a:p>
+            <a:pPr>
+              <a:defRPr sz="1200"/>
+            </a:pPr>
+            <a:r>
+              <a:t>Schrijf (of zeg het gewoon hardop tegen jezelf) een korte beschrijving van alle volgende objecttypen en gegevensstructuren waarover we hebben geleerd. U kunt de onderstaande cel bewerken door erop te dubbelklikken. Dit is echt alleen om te testen of je het verschil hiertussen weet, dus voel je vrij om er gewoon over na te denken, aangezien je antwoorden zelfbeoordeeld zijn.</a:t>
+            </a:r>
+            <a:br/>
+          </a:p>
+        </p:txBody>
+      </p:sp>
+    </p:spTree>
+  </p:cSld>
+  <p:clrMapOvr>
+    <a:masterClrMapping/>
+  </p:clrMapOvr>
+</p:sld>
+</file>
+
+<file path=ppt/slides/slide273.xml><?xml version="1.0" encoding="utf-8"?>
+<p:sld xmlns:a="http://schemas.openxmlformats.org/drawingml/2006/main" xmlns:p="http://schemas.openxmlformats.org/presentationml/2006/main" xmlns:r="http://schemas.openxmlformats.org/officeDocument/2006/relationships">
+  <p:cSld>
+    <p:spTree>
+      <p:nvGrpSpPr>
+        <p:cNvPr id="1" name=""/>
+        <p:cNvGrpSpPr/>
+        <p:nvPr/>
+      </p:nvGrpSpPr>
+      <p:grpSpPr/>
+      <p:sp>
+        <p:nvSpPr>
+          <p:cNvPr id="2" name="TextBox 1"/>
+          <p:cNvSpPr txBox="1"/>
+          <p:nvPr/>
+        </p:nvSpPr>
+        <p:spPr>
+          <a:xfrm>
+            <a:off x="914400" y="914400"/>
+            <a:ext cx="914400" cy="914400"/>
+          </a:xfrm>
+          <a:prstGeom prst="rect">
+            <a:avLst/>
+          </a:prstGeom>
+          <a:noFill/>
+        </p:spPr>
+        <p:txBody>
+          <a:bodyPr wrap="none">
+            <a:spAutoFit/>
+          </a:bodyPr>
+          <a:lstStyle/>
+          <a:p>
+            <a:r>
+              <a:t>Info:</a:t>
+            </a:r>
+          </a:p>
+          <a:p>
+            <a:pPr>
+              <a:defRPr sz="1200"/>
+            </a:pPr>
+            <a:r>
+              <a:t>Dubbelklik HIER om deze markdown-cel te bewerken en antwoorden te schrijven.</a:t>
+            </a:r>
+            <a:br/>
+            <a:br/>
+            <a:r>
+              <a:t>Getallen:</a:t>
+            </a:r>
+            <a:br/>
+            <a:br/>
+            <a:r>
+              <a:t>Strings:</a:t>
+            </a:r>
+            <a:br/>
+            <a:br/>
+            <a:r>
+              <a:t>Lists:</a:t>
+            </a:r>
+            <a:br/>
+            <a:br/>
+            <a:r>
+              <a:t>Tuples:</a:t>
+            </a:r>
+            <a:br/>
+            <a:br/>
+            <a:r>
+              <a:t>Dictionaries:</a:t>
+            </a:r>
+            <a:br/>
+            <a:br/>
+          </a:p>
+        </p:txBody>
+      </p:sp>
+    </p:spTree>
+  </p:cSld>
+  <p:clrMapOvr>
+    <a:masterClrMapping/>
+  </p:clrMapOvr>
+</p:sld>
+</file>
+
+<file path=ppt/slides/slide274.xml><?xml version="1.0" encoding="utf-8"?>
+<p:sld xmlns:a="http://schemas.openxmlformats.org/drawingml/2006/main" xmlns:p="http://schemas.openxmlformats.org/presentationml/2006/main" xmlns:r="http://schemas.openxmlformats.org/officeDocument/2006/relationships">
+  <p:cSld>
+    <p:spTree>
+      <p:nvGrpSpPr>
+        <p:cNvPr id="1" name=""/>
+        <p:cNvGrpSpPr/>
+        <p:nvPr/>
+      </p:nvGrpSpPr>
+      <p:grpSpPr/>
+      <p:sp>
+        <p:nvSpPr>
+          <p:cNvPr id="2" name="TextBox 1"/>
+          <p:cNvSpPr txBox="1"/>
+          <p:nvPr/>
+        </p:nvSpPr>
+        <p:spPr>
+          <a:xfrm>
+            <a:off x="914400" y="914400"/>
+            <a:ext cx="914400" cy="914400"/>
+          </a:xfrm>
+          <a:prstGeom prst="rect">
+            <a:avLst/>
+          </a:prstGeom>
+          <a:noFill/>
+        </p:spPr>
+        <p:txBody>
+          <a:bodyPr wrap="none">
+            <a:spAutoFit/>
+          </a:bodyPr>
+          <a:lstStyle/>
+          <a:p>
+            <a:r>
+              <a:t>Info:</a:t>
+            </a:r>
+          </a:p>
+          <a:p>
+            <a:pPr>
+              <a:defRPr sz="1200"/>
+            </a:pPr>
+            <a:r>
+              <a:t>## Getallen</a:t>
+            </a:r>
+            <a:br/>
+            <a:br/>
+            <a:r>
+              <a:t>Schrijf een vergelijking die vermenigvuldiging, deling, een exponent, optelling en aftrekking (multiplication, division, an exponent, addition, and subtraction) gebruikt die gelijk is aan 100,25.</a:t>
+            </a:r>
+            <a:br/>
+            <a:r>
+              <a:t>Hint: dit is alleen om je geheugen/kennis van de rekenkundige basiscommando's te testen, werk achteruit vanaf 100.25</a:t>
+            </a:r>
+            <a:br/>
+          </a:p>
+        </p:txBody>
+      </p:sp>
+    </p:spTree>
+  </p:cSld>
+  <p:clrMapOvr>
+    <a:masterClrMapping/>
+  </p:clrMapOvr>
+</p:sld>
+</file>
+
+<file path=ppt/slides/slide275.xml><?xml version="1.0" encoding="utf-8"?>
+<p:sld xmlns:a="http://schemas.openxmlformats.org/drawingml/2006/main" xmlns:p="http://schemas.openxmlformats.org/presentationml/2006/main" xmlns:r="http://schemas.openxmlformats.org/officeDocument/2006/relationships">
+  <p:cSld>
+    <p:spTree>
+      <p:nvGrpSpPr>
+        <p:cNvPr id="1" name=""/>
+        <p:cNvGrpSpPr/>
+        <p:nvPr/>
+      </p:nvGrpSpPr>
+      <p:grpSpPr/>
+      <p:sp>
+        <p:nvSpPr>
+          <p:cNvPr id="2" name="TextBox 1"/>
+          <p:cNvSpPr txBox="1"/>
+          <p:nvPr/>
+        </p:nvSpPr>
+        <p:spPr>
+          <a:xfrm>
+            <a:off x="914400" y="914400"/>
+            <a:ext cx="914400" cy="914400"/>
+          </a:xfrm>
+          <a:prstGeom prst="rect">
+            <a:avLst/>
+          </a:prstGeom>
+          <a:noFill/>
+        </p:spPr>
+        <p:txBody>
+          <a:bodyPr wrap="none">
+            <a:spAutoFit/>
+          </a:bodyPr>
+          <a:lstStyle/>
+          <a:p>
+            <a:r>
+              <a:t>Python Code: </a:t>
+            </a:r>
+          </a:p>
+          <a:p>
+            <a:pPr>
+              <a:defRPr sz="1200"/>
+            </a:pPr>
+            <a:r>
+              <a:t>``` # voeg je code hier toe .. ```</a:t>
+            </a:r>
+            <a:br/>
+          </a:p>
+        </p:txBody>
+      </p:sp>
+    </p:spTree>
+  </p:cSld>
+  <p:clrMapOvr>
+    <a:masterClrMapping/>
+  </p:clrMapOvr>
+</p:sld>
+</file>
+
+<file path=ppt/slides/slide276.xml><?xml version="1.0" encoding="utf-8"?>
+<p:sld xmlns:a="http://schemas.openxmlformats.org/drawingml/2006/main" xmlns:p="http://schemas.openxmlformats.org/presentationml/2006/main" xmlns:r="http://schemas.openxmlformats.org/officeDocument/2006/relationships">
+  <p:cSld>
+    <p:spTree>
+      <p:nvGrpSpPr>
+        <p:cNvPr id="1" name=""/>
+        <p:cNvGrpSpPr/>
+        <p:nvPr/>
+      </p:nvGrpSpPr>
+      <p:grpSpPr/>
+      <p:sp>
+        <p:nvSpPr>
+          <p:cNvPr id="2" name="TextBox 1"/>
+          <p:cNvSpPr txBox="1"/>
+          <p:nvPr/>
+        </p:nvSpPr>
+        <p:spPr>
+          <a:xfrm>
+            <a:off x="914400" y="914400"/>
+            <a:ext cx="914400" cy="914400"/>
+          </a:xfrm>
+          <a:prstGeom prst="rect">
+            <a:avLst/>
+          </a:prstGeom>
+          <a:noFill/>
+        </p:spPr>
+        <p:txBody>
+          <a:bodyPr wrap="none">
+            <a:spAutoFit/>
+          </a:bodyPr>
+          <a:lstStyle/>
+          <a:p>
+            <a:r>
+              <a:t>Info:</a:t>
+            </a:r>
+          </a:p>
+          <a:p>
+            <a:pPr>
+              <a:defRPr sz="1200"/>
+            </a:pPr>
+            <a:r>
+              <a:t>Beantwoord deze 3 vragen zonder code te typen. Typ vervolgens code om je antwoord te controleren.</a:t>
+            </a:r>
+            <a:br/>
+            <a:br/>
+            <a:r>
+              <a:t>    Wat retourneert het expressie zoals de volgende: 4 * (6 + 5)</a:t>
+            </a:r>
+            <a:br/>
+            <a:r>
+              <a:t>    </a:t>
+            </a:r>
+            <a:br/>
+            <a:r>
+              <a:t>    Wat retourneert het expressie zoals de volgende: 4 * 6 + 5 </a:t>
+            </a:r>
+            <a:br/>
+            <a:r>
+              <a:t>    </a:t>
+            </a:r>
+            <a:br/>
+            <a:r>
+              <a:t>    Wat retourneert het expressie zoals de volgende: 4 + 6 * 5 </a:t>
+            </a:r>
+            <a:br/>
+          </a:p>
+        </p:txBody>
+      </p:sp>
+    </p:spTree>
+  </p:cSld>
+  <p:clrMapOvr>
+    <a:masterClrMapping/>
+  </p:clrMapOvr>
+</p:sld>
+</file>
+
+<file path=ppt/slides/slide277.xml><?xml version="1.0" encoding="utf-8"?>
+<p:sld xmlns:a="http://schemas.openxmlformats.org/drawingml/2006/main" xmlns:p="http://schemas.openxmlformats.org/presentationml/2006/main" xmlns:r="http://schemas.openxmlformats.org/officeDocument/2006/relationships">
+  <p:cSld>
+    <p:spTree>
+      <p:nvGrpSpPr>
+        <p:cNvPr id="1" name=""/>
+        <p:cNvGrpSpPr/>
+        <p:nvPr/>
+      </p:nvGrpSpPr>
+      <p:grpSpPr/>
+      <p:sp>
+        <p:nvSpPr>
+          <p:cNvPr id="2" name="TextBox 1"/>
+          <p:cNvSpPr txBox="1"/>
+          <p:nvPr/>
+        </p:nvSpPr>
+        <p:spPr>
+          <a:xfrm>
+            <a:off x="914400" y="914400"/>
+            <a:ext cx="914400" cy="914400"/>
+          </a:xfrm>
+          <a:prstGeom prst="rect">
+            <a:avLst/>
+          </a:prstGeom>
+          <a:noFill/>
+        </p:spPr>
+        <p:txBody>
+          <a:bodyPr wrap="none">
+            <a:spAutoFit/>
+          </a:bodyPr>
+          <a:lstStyle/>
+          <a:p>
+            <a:r>
+              <a:t>Python Code: </a:t>
+            </a:r>
+          </a:p>
+          <a:p>
+            <a:pPr>
+              <a:defRPr sz="1200"/>
+            </a:pPr>
+            <a:br/>
+          </a:p>
+        </p:txBody>
+      </p:sp>
+    </p:spTree>
+  </p:cSld>
+  <p:clrMapOvr>
+    <a:masterClrMapping/>
+  </p:clrMapOvr>
+</p:sld>
+</file>
+
+<file path=ppt/slides/slide278.xml><?xml version="1.0" encoding="utf-8"?>
+<p:sld xmlns:a="http://schemas.openxmlformats.org/drawingml/2006/main" xmlns:p="http://schemas.openxmlformats.org/presentationml/2006/main" xmlns:r="http://schemas.openxmlformats.org/officeDocument/2006/relationships">
+  <p:cSld>
+    <p:spTree>
+      <p:nvGrpSpPr>
+        <p:cNvPr id="1" name=""/>
+        <p:cNvGrpSpPr/>
+        <p:nvPr/>
+      </p:nvGrpSpPr>
+      <p:grpSpPr/>
+      <p:sp>
+        <p:nvSpPr>
+          <p:cNvPr id="2" name="TextBox 1"/>
+          <p:cNvSpPr txBox="1"/>
+          <p:nvPr/>
+        </p:nvSpPr>
+        <p:spPr>
+          <a:xfrm>
+            <a:off x="914400" y="914400"/>
+            <a:ext cx="914400" cy="914400"/>
+          </a:xfrm>
+          <a:prstGeom prst="rect">
+            <a:avLst/>
+          </a:prstGeom>
+          <a:noFill/>
+        </p:spPr>
+        <p:txBody>
+          <a:bodyPr wrap="none">
+            <a:spAutoFit/>
+          </a:bodyPr>
+          <a:lstStyle/>
+          <a:p>
+            <a:r>
+              <a:t>Info:</a:t>
+            </a:r>
+          </a:p>
+          <a:p>
+            <a:pPr>
+              <a:defRPr sz="1200"/>
+            </a:pPr>
+            <a:r>
+              <a:t>Wat is het *type* van het resultaat van de uitdrukking (berekening) zoals de volgende: 3 + 1.5 + 4?&lt;br&gt;&lt;br&gt;</a:t>
+            </a:r>
+            <a:br/>
+          </a:p>
+        </p:txBody>
+      </p:sp>
+    </p:spTree>
+  </p:cSld>
+  <p:clrMapOvr>
+    <a:masterClrMapping/>
+  </p:clrMapOvr>
+</p:sld>
+</file>
+
+<file path=ppt/slides/slide279.xml><?xml version="1.0" encoding="utf-8"?>
+<p:sld xmlns:a="http://schemas.openxmlformats.org/drawingml/2006/main" xmlns:p="http://schemas.openxmlformats.org/presentationml/2006/main" xmlns:r="http://schemas.openxmlformats.org/officeDocument/2006/relationships">
+  <p:cSld>
+    <p:spTree>
+      <p:nvGrpSpPr>
+        <p:cNvPr id="1" name=""/>
+        <p:cNvGrpSpPr/>
+        <p:nvPr/>
+      </p:nvGrpSpPr>
+      <p:grpSpPr/>
+      <p:sp>
+        <p:nvSpPr>
+          <p:cNvPr id="2" name="TextBox 1"/>
+          <p:cNvSpPr txBox="1"/>
+          <p:nvPr/>
+        </p:nvSpPr>
+        <p:spPr>
+          <a:xfrm>
+            <a:off x="914400" y="914400"/>
+            <a:ext cx="914400" cy="914400"/>
+          </a:xfrm>
+          <a:prstGeom prst="rect">
+            <a:avLst/>
+          </a:prstGeom>
+          <a:noFill/>
+        </p:spPr>
+        <p:txBody>
+          <a:bodyPr wrap="none">
+            <a:spAutoFit/>
+          </a:bodyPr>
+          <a:lstStyle/>
+          <a:p>
+            <a:r>
+              <a:t>Info:</a:t>
+            </a:r>
+          </a:p>
+          <a:p>
+            <a:pPr>
+              <a:defRPr sz="1200"/>
+            </a:pPr>
+            <a:r>
+              <a:t>Wat zou je gebruiken om de vierkantswortel (square root) van een getal te vinden, evenals het vierkant (square)?</a:t>
+            </a:r>
+            <a:br/>
+          </a:p>
         </p:txBody>
       </p:sp>
     </p:spTree>
@@ -12358,6 +16438,616 @@
 </p:sld>
 </file>
 
+<file path=ppt/slides/slide280.xml><?xml version="1.0" encoding="utf-8"?>
+<p:sld xmlns:a="http://schemas.openxmlformats.org/drawingml/2006/main" xmlns:p="http://schemas.openxmlformats.org/presentationml/2006/main" xmlns:r="http://schemas.openxmlformats.org/officeDocument/2006/relationships">
+  <p:cSld>
+    <p:spTree>
+      <p:nvGrpSpPr>
+        <p:cNvPr id="1" name=""/>
+        <p:cNvGrpSpPr/>
+        <p:nvPr/>
+      </p:nvGrpSpPr>
+      <p:grpSpPr/>
+      <p:sp>
+        <p:nvSpPr>
+          <p:cNvPr id="2" name="TextBox 1"/>
+          <p:cNvSpPr txBox="1"/>
+          <p:nvPr/>
+        </p:nvSpPr>
+        <p:spPr>
+          <a:xfrm>
+            <a:off x="914400" y="914400"/>
+            <a:ext cx="914400" cy="914400"/>
+          </a:xfrm>
+          <a:prstGeom prst="rect">
+            <a:avLst/>
+          </a:prstGeom>
+          <a:noFill/>
+        </p:spPr>
+        <p:txBody>
+          <a:bodyPr wrap="none">
+            <a:spAutoFit/>
+          </a:bodyPr>
+          <a:lstStyle/>
+          <a:p>
+            <a:r>
+              <a:t>Python Code: </a:t>
+            </a:r>
+          </a:p>
+          <a:p>
+            <a:pPr>
+              <a:defRPr sz="1200"/>
+            </a:pPr>
+            <a:r>
+              <a:t>``` # Square root:</a:t>
+            </a:r>
+            <a:br/>
+            <a:r>
+              <a:t> ```</a:t>
+            </a:r>
+            <a:br/>
+          </a:p>
+        </p:txBody>
+      </p:sp>
+    </p:spTree>
+  </p:cSld>
+  <p:clrMapOvr>
+    <a:masterClrMapping/>
+  </p:clrMapOvr>
+</p:sld>
+</file>
+
+<file path=ppt/slides/slide281.xml><?xml version="1.0" encoding="utf-8"?>
+<p:sld xmlns:a="http://schemas.openxmlformats.org/drawingml/2006/main" xmlns:p="http://schemas.openxmlformats.org/presentationml/2006/main" xmlns:r="http://schemas.openxmlformats.org/officeDocument/2006/relationships">
+  <p:cSld>
+    <p:spTree>
+      <p:nvGrpSpPr>
+        <p:cNvPr id="1" name=""/>
+        <p:cNvGrpSpPr/>
+        <p:nvPr/>
+      </p:nvGrpSpPr>
+      <p:grpSpPr/>
+      <p:sp>
+        <p:nvSpPr>
+          <p:cNvPr id="2" name="TextBox 1"/>
+          <p:cNvSpPr txBox="1"/>
+          <p:nvPr/>
+        </p:nvSpPr>
+        <p:spPr>
+          <a:xfrm>
+            <a:off x="914400" y="914400"/>
+            <a:ext cx="914400" cy="914400"/>
+          </a:xfrm>
+          <a:prstGeom prst="rect">
+            <a:avLst/>
+          </a:prstGeom>
+          <a:noFill/>
+        </p:spPr>
+        <p:txBody>
+          <a:bodyPr wrap="none">
+            <a:spAutoFit/>
+          </a:bodyPr>
+          <a:lstStyle/>
+          <a:p>
+            <a:r>
+              <a:t>Python Code: </a:t>
+            </a:r>
+          </a:p>
+          <a:p>
+            <a:pPr>
+              <a:defRPr sz="1200"/>
+            </a:pPr>
+            <a:r>
+              <a:t>``` # Square:</a:t>
+            </a:r>
+            <a:br/>
+            <a:r>
+              <a:t> ```</a:t>
+            </a:r>
+            <a:br/>
+          </a:p>
+        </p:txBody>
+      </p:sp>
+    </p:spTree>
+  </p:cSld>
+  <p:clrMapOvr>
+    <a:masterClrMapping/>
+  </p:clrMapOvr>
+</p:sld>
+</file>
+
+<file path=ppt/slides/slide282.xml><?xml version="1.0" encoding="utf-8"?>
+<p:sld xmlns:a="http://schemas.openxmlformats.org/drawingml/2006/main" xmlns:p="http://schemas.openxmlformats.org/presentationml/2006/main" xmlns:r="http://schemas.openxmlformats.org/officeDocument/2006/relationships">
+  <p:cSld>
+    <p:spTree>
+      <p:nvGrpSpPr>
+        <p:cNvPr id="1" name=""/>
+        <p:cNvGrpSpPr/>
+        <p:nvPr/>
+      </p:nvGrpSpPr>
+      <p:grpSpPr/>
+      <p:sp>
+        <p:nvSpPr>
+          <p:cNvPr id="2" name="TextBox 1"/>
+          <p:cNvSpPr txBox="1"/>
+          <p:nvPr/>
+        </p:nvSpPr>
+        <p:spPr>
+          <a:xfrm>
+            <a:off x="914400" y="914400"/>
+            <a:ext cx="914400" cy="914400"/>
+          </a:xfrm>
+          <a:prstGeom prst="rect">
+            <a:avLst/>
+          </a:prstGeom>
+          <a:noFill/>
+        </p:spPr>
+        <p:txBody>
+          <a:bodyPr wrap="none">
+            <a:spAutoFit/>
+          </a:bodyPr>
+          <a:lstStyle/>
+          <a:p>
+            <a:r>
+              <a:t>Info:</a:t>
+            </a:r>
+          </a:p>
+          <a:p>
+            <a:pPr>
+              <a:defRPr sz="1200"/>
+            </a:pPr>
+            <a:r>
+              <a:t>## Strings</a:t>
+            </a:r>
+            <a:br/>
+          </a:p>
+        </p:txBody>
+      </p:sp>
+    </p:spTree>
+  </p:cSld>
+  <p:clrMapOvr>
+    <a:masterClrMapping/>
+  </p:clrMapOvr>
+</p:sld>
+</file>
+
+<file path=ppt/slides/slide283.xml><?xml version="1.0" encoding="utf-8"?>
+<p:sld xmlns:a="http://schemas.openxmlformats.org/drawingml/2006/main" xmlns:p="http://schemas.openxmlformats.org/presentationml/2006/main" xmlns:r="http://schemas.openxmlformats.org/officeDocument/2006/relationships">
+  <p:cSld>
+    <p:spTree>
+      <p:nvGrpSpPr>
+        <p:cNvPr id="1" name=""/>
+        <p:cNvGrpSpPr/>
+        <p:nvPr/>
+      </p:nvGrpSpPr>
+      <p:grpSpPr/>
+      <p:sp>
+        <p:nvSpPr>
+          <p:cNvPr id="2" name="TextBox 1"/>
+          <p:cNvSpPr txBox="1"/>
+          <p:nvPr/>
+        </p:nvSpPr>
+        <p:spPr>
+          <a:xfrm>
+            <a:off x="914400" y="914400"/>
+            <a:ext cx="914400" cy="914400"/>
+          </a:xfrm>
+          <a:prstGeom prst="rect">
+            <a:avLst/>
+          </a:prstGeom>
+          <a:noFill/>
+        </p:spPr>
+        <p:txBody>
+          <a:bodyPr wrap="none">
+            <a:spAutoFit/>
+          </a:bodyPr>
+          <a:lstStyle/>
+          <a:p>
+            <a:r>
+              <a:t>Info:</a:t>
+            </a:r>
+          </a:p>
+          <a:p>
+            <a:pPr>
+              <a:defRPr sz="1200"/>
+            </a:pPr>
+            <a:r>
+              <a:t>Geef, gezien de string 'hallo', een indexcommando dat 'e' teruggeeft. Voer uw code in de cel hieronder in:</a:t>
+            </a:r>
+            <a:br/>
+          </a:p>
+        </p:txBody>
+      </p:sp>
+    </p:spTree>
+  </p:cSld>
+  <p:clrMapOvr>
+    <a:masterClrMapping/>
+  </p:clrMapOvr>
+</p:sld>
+</file>
+
+<file path=ppt/slides/slide284.xml><?xml version="1.0" encoding="utf-8"?>
+<p:sld xmlns:a="http://schemas.openxmlformats.org/drawingml/2006/main" xmlns:p="http://schemas.openxmlformats.org/presentationml/2006/main" xmlns:r="http://schemas.openxmlformats.org/officeDocument/2006/relationships">
+  <p:cSld>
+    <p:spTree>
+      <p:nvGrpSpPr>
+        <p:cNvPr id="1" name=""/>
+        <p:cNvGrpSpPr/>
+        <p:nvPr/>
+      </p:nvGrpSpPr>
+      <p:grpSpPr/>
+      <p:sp>
+        <p:nvSpPr>
+          <p:cNvPr id="2" name="TextBox 1"/>
+          <p:cNvSpPr txBox="1"/>
+          <p:nvPr/>
+        </p:nvSpPr>
+        <p:spPr>
+          <a:xfrm>
+            <a:off x="914400" y="914400"/>
+            <a:ext cx="914400" cy="914400"/>
+          </a:xfrm>
+          <a:prstGeom prst="rect">
+            <a:avLst/>
+          </a:prstGeom>
+          <a:noFill/>
+        </p:spPr>
+        <p:txBody>
+          <a:bodyPr wrap="none">
+            <a:spAutoFit/>
+          </a:bodyPr>
+          <a:lstStyle/>
+          <a:p>
+            <a:r>
+              <a:t>Python Code: </a:t>
+            </a:r>
+          </a:p>
+          <a:p>
+            <a:pPr>
+              <a:defRPr sz="1200"/>
+            </a:pPr>
+            <a:r>
+              <a:t>``` s = 'hello'</a:t>
+            </a:r>
+            <a:br/>
+            <a:r>
+              <a:t> `````` # Print 'e' uit met indexering</a:t>
+            </a:r>
+            <a:br/>
+            <a:r>
+              <a:t> `````` </a:t>
+            </a:r>
+            <a:br/>
+            <a:r>
+              <a:t> ```</a:t>
+            </a:r>
+            <a:br/>
+          </a:p>
+        </p:txBody>
+      </p:sp>
+    </p:spTree>
+  </p:cSld>
+  <p:clrMapOvr>
+    <a:masterClrMapping/>
+  </p:clrMapOvr>
+</p:sld>
+</file>
+
+<file path=ppt/slides/slide285.xml><?xml version="1.0" encoding="utf-8"?>
+<p:sld xmlns:a="http://schemas.openxmlformats.org/drawingml/2006/main" xmlns:p="http://schemas.openxmlformats.org/presentationml/2006/main" xmlns:r="http://schemas.openxmlformats.org/officeDocument/2006/relationships">
+  <p:cSld>
+    <p:spTree>
+      <p:nvGrpSpPr>
+        <p:cNvPr id="1" name=""/>
+        <p:cNvGrpSpPr/>
+        <p:nvPr/>
+      </p:nvGrpSpPr>
+      <p:grpSpPr/>
+      <p:sp>
+        <p:nvSpPr>
+          <p:cNvPr id="2" name="TextBox 1"/>
+          <p:cNvSpPr txBox="1"/>
+          <p:nvPr/>
+        </p:nvSpPr>
+        <p:spPr>
+          <a:xfrm>
+            <a:off x="914400" y="914400"/>
+            <a:ext cx="914400" cy="914400"/>
+          </a:xfrm>
+          <a:prstGeom prst="rect">
+            <a:avLst/>
+          </a:prstGeom>
+          <a:noFill/>
+        </p:spPr>
+        <p:txBody>
+          <a:bodyPr wrap="none">
+            <a:spAutoFit/>
+          </a:bodyPr>
+          <a:lstStyle/>
+          <a:p>
+            <a:r>
+              <a:t>Info:</a:t>
+            </a:r>
+          </a:p>
+          <a:p>
+            <a:pPr>
+              <a:defRPr sz="1200"/>
+            </a:pPr>
+            <a:r>
+              <a:t>Keer (Reverse) de string 'hallo' om met behulp van het snijden (slicing):</a:t>
+            </a:r>
+            <a:br/>
+          </a:p>
+        </p:txBody>
+      </p:sp>
+    </p:spTree>
+  </p:cSld>
+  <p:clrMapOvr>
+    <a:masterClrMapping/>
+  </p:clrMapOvr>
+</p:sld>
+</file>
+
+<file path=ppt/slides/slide286.xml><?xml version="1.0" encoding="utf-8"?>
+<p:sld xmlns:a="http://schemas.openxmlformats.org/drawingml/2006/main" xmlns:p="http://schemas.openxmlformats.org/presentationml/2006/main" xmlns:r="http://schemas.openxmlformats.org/officeDocument/2006/relationships">
+  <p:cSld>
+    <p:spTree>
+      <p:nvGrpSpPr>
+        <p:cNvPr id="1" name=""/>
+        <p:cNvGrpSpPr/>
+        <p:nvPr/>
+      </p:nvGrpSpPr>
+      <p:grpSpPr/>
+      <p:sp>
+        <p:nvSpPr>
+          <p:cNvPr id="2" name="TextBox 1"/>
+          <p:cNvSpPr txBox="1"/>
+          <p:nvPr/>
+        </p:nvSpPr>
+        <p:spPr>
+          <a:xfrm>
+            <a:off x="914400" y="914400"/>
+            <a:ext cx="914400" cy="914400"/>
+          </a:xfrm>
+          <a:prstGeom prst="rect">
+            <a:avLst/>
+          </a:prstGeom>
+          <a:noFill/>
+        </p:spPr>
+        <p:txBody>
+          <a:bodyPr wrap="none">
+            <a:spAutoFit/>
+          </a:bodyPr>
+          <a:lstStyle/>
+          <a:p>
+            <a:r>
+              <a:t>Python Code: </a:t>
+            </a:r>
+          </a:p>
+          <a:p>
+            <a:pPr>
+              <a:defRPr sz="1200"/>
+            </a:pPr>
+            <a:r>
+              <a:t>``` s ='hello'</a:t>
+            </a:r>
+            <a:br/>
+            <a:r>
+              <a:t> `````` # Keer de string om met het snijden (slicing)</a:t>
+            </a:r>
+            <a:br/>
+            <a:r>
+              <a:t> `````` </a:t>
+            </a:r>
+            <a:br/>
+            <a:r>
+              <a:t> ```</a:t>
+            </a:r>
+            <a:br/>
+          </a:p>
+        </p:txBody>
+      </p:sp>
+    </p:spTree>
+  </p:cSld>
+  <p:clrMapOvr>
+    <a:masterClrMapping/>
+  </p:clrMapOvr>
+</p:sld>
+</file>
+
+<file path=ppt/slides/slide287.xml><?xml version="1.0" encoding="utf-8"?>
+<p:sld xmlns:a="http://schemas.openxmlformats.org/drawingml/2006/main" xmlns:p="http://schemas.openxmlformats.org/presentationml/2006/main" xmlns:r="http://schemas.openxmlformats.org/officeDocument/2006/relationships">
+  <p:cSld>
+    <p:spTree>
+      <p:nvGrpSpPr>
+        <p:cNvPr id="1" name=""/>
+        <p:cNvGrpSpPr/>
+        <p:nvPr/>
+      </p:nvGrpSpPr>
+      <p:grpSpPr/>
+      <p:sp>
+        <p:nvSpPr>
+          <p:cNvPr id="2" name="TextBox 1"/>
+          <p:cNvSpPr txBox="1"/>
+          <p:nvPr/>
+        </p:nvSpPr>
+        <p:spPr>
+          <a:xfrm>
+            <a:off x="914400" y="914400"/>
+            <a:ext cx="914400" cy="914400"/>
+          </a:xfrm>
+          <a:prstGeom prst="rect">
+            <a:avLst/>
+          </a:prstGeom>
+          <a:noFill/>
+        </p:spPr>
+        <p:txBody>
+          <a:bodyPr wrap="none">
+            <a:spAutoFit/>
+          </a:bodyPr>
+          <a:lstStyle/>
+          <a:p>
+            <a:r>
+              <a:t>Info:</a:t>
+            </a:r>
+          </a:p>
+          <a:p>
+            <a:pPr>
+              <a:defRPr sz="1200"/>
+            </a:pPr>
+            <a:r>
+              <a:t>Geef, gezien de String hallo, twee methoden om de letter 'o' te produceren met behulp van indexering.</a:t>
+            </a:r>
+            <a:br/>
+          </a:p>
+        </p:txBody>
+      </p:sp>
+    </p:spTree>
+  </p:cSld>
+  <p:clrMapOvr>
+    <a:masterClrMapping/>
+  </p:clrMapOvr>
+</p:sld>
+</file>
+
+<file path=ppt/slides/slide288.xml><?xml version="1.0" encoding="utf-8"?>
+<p:sld xmlns:a="http://schemas.openxmlformats.org/drawingml/2006/main" xmlns:p="http://schemas.openxmlformats.org/presentationml/2006/main" xmlns:r="http://schemas.openxmlformats.org/officeDocument/2006/relationships">
+  <p:cSld>
+    <p:spTree>
+      <p:nvGrpSpPr>
+        <p:cNvPr id="1" name=""/>
+        <p:cNvGrpSpPr/>
+        <p:nvPr/>
+      </p:nvGrpSpPr>
+      <p:grpSpPr/>
+      <p:sp>
+        <p:nvSpPr>
+          <p:cNvPr id="2" name="TextBox 1"/>
+          <p:cNvSpPr txBox="1"/>
+          <p:nvPr/>
+        </p:nvSpPr>
+        <p:spPr>
+          <a:xfrm>
+            <a:off x="914400" y="914400"/>
+            <a:ext cx="914400" cy="914400"/>
+          </a:xfrm>
+          <a:prstGeom prst="rect">
+            <a:avLst/>
+          </a:prstGeom>
+          <a:noFill/>
+        </p:spPr>
+        <p:txBody>
+          <a:bodyPr wrap="none">
+            <a:spAutoFit/>
+          </a:bodyPr>
+          <a:lstStyle/>
+          <a:p>
+            <a:r>
+              <a:t>Python Code: </a:t>
+            </a:r>
+          </a:p>
+          <a:p>
+            <a:pPr>
+              <a:defRPr sz="1200"/>
+            </a:pPr>
+            <a:r>
+              <a:t>``` s ='hello'</a:t>
+            </a:r>
+            <a:br/>
+            <a:r>
+              <a:t> `````` # Print de 'o' uit</a:t>
+            </a:r>
+            <a:br/>
+            <a:r>
+              <a:t> `````` </a:t>
+            </a:r>
+            <a:br/>
+            <a:r>
+              <a:t> `````` # Methode 1:</a:t>
+            </a:r>
+            <a:br/>
+            <a:r>
+              <a:t> `````` </a:t>
+            </a:r>
+            <a:br/>
+            <a:r>
+              <a:t> ```</a:t>
+            </a:r>
+            <a:br/>
+          </a:p>
+        </p:txBody>
+      </p:sp>
+    </p:spTree>
+  </p:cSld>
+  <p:clrMapOvr>
+    <a:masterClrMapping/>
+  </p:clrMapOvr>
+</p:sld>
+</file>
+
+<file path=ppt/slides/slide289.xml><?xml version="1.0" encoding="utf-8"?>
+<p:sld xmlns:a="http://schemas.openxmlformats.org/drawingml/2006/main" xmlns:p="http://schemas.openxmlformats.org/presentationml/2006/main" xmlns:r="http://schemas.openxmlformats.org/officeDocument/2006/relationships">
+  <p:cSld>
+    <p:spTree>
+      <p:nvGrpSpPr>
+        <p:cNvPr id="1" name=""/>
+        <p:cNvGrpSpPr/>
+        <p:nvPr/>
+      </p:nvGrpSpPr>
+      <p:grpSpPr/>
+      <p:sp>
+        <p:nvSpPr>
+          <p:cNvPr id="2" name="TextBox 1"/>
+          <p:cNvSpPr txBox="1"/>
+          <p:nvPr/>
+        </p:nvSpPr>
+        <p:spPr>
+          <a:xfrm>
+            <a:off x="914400" y="914400"/>
+            <a:ext cx="914400" cy="914400"/>
+          </a:xfrm>
+          <a:prstGeom prst="rect">
+            <a:avLst/>
+          </a:prstGeom>
+          <a:noFill/>
+        </p:spPr>
+        <p:txBody>
+          <a:bodyPr wrap="none">
+            <a:spAutoFit/>
+          </a:bodyPr>
+          <a:lstStyle/>
+          <a:p>
+            <a:r>
+              <a:t>Python Code: </a:t>
+            </a:r>
+          </a:p>
+          <a:p>
+            <a:pPr>
+              <a:defRPr sz="1200"/>
+            </a:pPr>
+            <a:r>
+              <a:t>``` # Methode 2:</a:t>
+            </a:r>
+            <a:br/>
+            <a:r>
+              <a:t> `````` </a:t>
+            </a:r>
+            <a:br/>
+            <a:r>
+              <a:t> ```</a:t>
+            </a:r>
+            <a:br/>
+          </a:p>
+        </p:txBody>
+      </p:sp>
+    </p:spTree>
+  </p:cSld>
+  <p:clrMapOvr>
+    <a:masterClrMapping/>
+  </p:clrMapOvr>
+</p:sld>
+</file>
+
 <file path=ppt/slides/slide29.xml><?xml version="1.0" encoding="utf-8"?>
 <p:sld xmlns:a="http://schemas.openxmlformats.org/drawingml/2006/main" xmlns:p="http://schemas.openxmlformats.org/presentationml/2006/main" xmlns:r="http://schemas.openxmlformats.org/officeDocument/2006/relationships">
   <p:cSld>
@@ -12419,6 +17109,580 @@
 </p:sld>
 </file>
 
+<file path=ppt/slides/slide290.xml><?xml version="1.0" encoding="utf-8"?>
+<p:sld xmlns:a="http://schemas.openxmlformats.org/drawingml/2006/main" xmlns:p="http://schemas.openxmlformats.org/presentationml/2006/main" xmlns:r="http://schemas.openxmlformats.org/officeDocument/2006/relationships">
+  <p:cSld>
+    <p:spTree>
+      <p:nvGrpSpPr>
+        <p:cNvPr id="1" name=""/>
+        <p:cNvGrpSpPr/>
+        <p:nvPr/>
+      </p:nvGrpSpPr>
+      <p:grpSpPr/>
+      <p:sp>
+        <p:nvSpPr>
+          <p:cNvPr id="2" name="TextBox 1"/>
+          <p:cNvSpPr txBox="1"/>
+          <p:nvPr/>
+        </p:nvSpPr>
+        <p:spPr>
+          <a:xfrm>
+            <a:off x="914400" y="914400"/>
+            <a:ext cx="914400" cy="914400"/>
+          </a:xfrm>
+          <a:prstGeom prst="rect">
+            <a:avLst/>
+          </a:prstGeom>
+          <a:noFill/>
+        </p:spPr>
+        <p:txBody>
+          <a:bodyPr wrap="none">
+            <a:spAutoFit/>
+          </a:bodyPr>
+          <a:lstStyle/>
+          <a:p>
+            <a:r>
+              <a:t>Info:</a:t>
+            </a:r>
+          </a:p>
+          <a:p>
+            <a:pPr>
+              <a:defRPr sz="1200"/>
+            </a:pPr>
+            <a:r>
+              <a:t>## Lists</a:t>
+            </a:r>
+            <a:br/>
+          </a:p>
+        </p:txBody>
+      </p:sp>
+    </p:spTree>
+  </p:cSld>
+  <p:clrMapOvr>
+    <a:masterClrMapping/>
+  </p:clrMapOvr>
+</p:sld>
+</file>
+
+<file path=ppt/slides/slide291.xml><?xml version="1.0" encoding="utf-8"?>
+<p:sld xmlns:a="http://schemas.openxmlformats.org/drawingml/2006/main" xmlns:p="http://schemas.openxmlformats.org/presentationml/2006/main" xmlns:r="http://schemas.openxmlformats.org/officeDocument/2006/relationships">
+  <p:cSld>
+    <p:spTree>
+      <p:nvGrpSpPr>
+        <p:cNvPr id="1" name=""/>
+        <p:cNvGrpSpPr/>
+        <p:nvPr/>
+      </p:nvGrpSpPr>
+      <p:grpSpPr/>
+      <p:sp>
+        <p:nvSpPr>
+          <p:cNvPr id="2" name="TextBox 1"/>
+          <p:cNvSpPr txBox="1"/>
+          <p:nvPr/>
+        </p:nvSpPr>
+        <p:spPr>
+          <a:xfrm>
+            <a:off x="914400" y="914400"/>
+            <a:ext cx="914400" cy="914400"/>
+          </a:xfrm>
+          <a:prstGeom prst="rect">
+            <a:avLst/>
+          </a:prstGeom>
+          <a:noFill/>
+        </p:spPr>
+        <p:txBody>
+          <a:bodyPr wrap="none">
+            <a:spAutoFit/>
+          </a:bodyPr>
+          <a:lstStyle/>
+          <a:p>
+            <a:r>
+              <a:t>Info:</a:t>
+            </a:r>
+          </a:p>
+          <a:p>
+            <a:pPr>
+              <a:defRPr sz="1200"/>
+            </a:pPr>
+            <a:r>
+              <a:t>Maak deze lijst [0,0,0] aan op twee verschillende manieren samen.</a:t>
+            </a:r>
+            <a:br/>
+          </a:p>
+        </p:txBody>
+      </p:sp>
+    </p:spTree>
+  </p:cSld>
+  <p:clrMapOvr>
+    <a:masterClrMapping/>
+  </p:clrMapOvr>
+</p:sld>
+</file>
+
+<file path=ppt/slides/slide292.xml><?xml version="1.0" encoding="utf-8"?>
+<p:sld xmlns:a="http://schemas.openxmlformats.org/drawingml/2006/main" xmlns:p="http://schemas.openxmlformats.org/presentationml/2006/main" xmlns:r="http://schemas.openxmlformats.org/officeDocument/2006/relationships">
+  <p:cSld>
+    <p:spTree>
+      <p:nvGrpSpPr>
+        <p:cNvPr id="1" name=""/>
+        <p:cNvGrpSpPr/>
+        <p:nvPr/>
+      </p:nvGrpSpPr>
+      <p:grpSpPr/>
+      <p:sp>
+        <p:nvSpPr>
+          <p:cNvPr id="2" name="TextBox 1"/>
+          <p:cNvSpPr txBox="1"/>
+          <p:nvPr/>
+        </p:nvSpPr>
+        <p:spPr>
+          <a:xfrm>
+            <a:off x="914400" y="914400"/>
+            <a:ext cx="914400" cy="914400"/>
+          </a:xfrm>
+          <a:prstGeom prst="rect">
+            <a:avLst/>
+          </a:prstGeom>
+          <a:noFill/>
+        </p:spPr>
+        <p:txBody>
+          <a:bodyPr wrap="none">
+            <a:spAutoFit/>
+          </a:bodyPr>
+          <a:lstStyle/>
+          <a:p>
+            <a:r>
+              <a:t>Python Code: </a:t>
+            </a:r>
+          </a:p>
+          <a:p>
+            <a:pPr>
+              <a:defRPr sz="1200"/>
+            </a:pPr>
+            <a:r>
+              <a:t>``` # Methode 1:</a:t>
+            </a:r>
+            <a:br/>
+            <a:r>
+              <a:t> ```</a:t>
+            </a:r>
+            <a:br/>
+          </a:p>
+        </p:txBody>
+      </p:sp>
+    </p:spTree>
+  </p:cSld>
+  <p:clrMapOvr>
+    <a:masterClrMapping/>
+  </p:clrMapOvr>
+</p:sld>
+</file>
+
+<file path=ppt/slides/slide293.xml><?xml version="1.0" encoding="utf-8"?>
+<p:sld xmlns:a="http://schemas.openxmlformats.org/drawingml/2006/main" xmlns:p="http://schemas.openxmlformats.org/presentationml/2006/main" xmlns:r="http://schemas.openxmlformats.org/officeDocument/2006/relationships">
+  <p:cSld>
+    <p:spTree>
+      <p:nvGrpSpPr>
+        <p:cNvPr id="1" name=""/>
+        <p:cNvGrpSpPr/>
+        <p:nvPr/>
+      </p:nvGrpSpPr>
+      <p:grpSpPr/>
+      <p:sp>
+        <p:nvSpPr>
+          <p:cNvPr id="2" name="TextBox 1"/>
+          <p:cNvSpPr txBox="1"/>
+          <p:nvPr/>
+        </p:nvSpPr>
+        <p:spPr>
+          <a:xfrm>
+            <a:off x="914400" y="914400"/>
+            <a:ext cx="914400" cy="914400"/>
+          </a:xfrm>
+          <a:prstGeom prst="rect">
+            <a:avLst/>
+          </a:prstGeom>
+          <a:noFill/>
+        </p:spPr>
+        <p:txBody>
+          <a:bodyPr wrap="none">
+            <a:spAutoFit/>
+          </a:bodyPr>
+          <a:lstStyle/>
+          <a:p>
+            <a:r>
+              <a:t>Python Code: </a:t>
+            </a:r>
+          </a:p>
+          <a:p>
+            <a:pPr>
+              <a:defRPr sz="1200"/>
+            </a:pPr>
+            <a:r>
+              <a:t>``` # Methode 2:</a:t>
+            </a:r>
+            <a:br/>
+            <a:r>
+              <a:t> ```</a:t>
+            </a:r>
+            <a:br/>
+          </a:p>
+        </p:txBody>
+      </p:sp>
+    </p:spTree>
+  </p:cSld>
+  <p:clrMapOvr>
+    <a:masterClrMapping/>
+  </p:clrMapOvr>
+</p:sld>
+</file>
+
+<file path=ppt/slides/slide294.xml><?xml version="1.0" encoding="utf-8"?>
+<p:sld xmlns:a="http://schemas.openxmlformats.org/drawingml/2006/main" xmlns:p="http://schemas.openxmlformats.org/presentationml/2006/main" xmlns:r="http://schemas.openxmlformats.org/officeDocument/2006/relationships">
+  <p:cSld>
+    <p:spTree>
+      <p:nvGrpSpPr>
+        <p:cNvPr id="1" name=""/>
+        <p:cNvGrpSpPr/>
+        <p:nvPr/>
+      </p:nvGrpSpPr>
+      <p:grpSpPr/>
+      <p:sp>
+        <p:nvSpPr>
+          <p:cNvPr id="2" name="TextBox 1"/>
+          <p:cNvSpPr txBox="1"/>
+          <p:nvPr/>
+        </p:nvSpPr>
+        <p:spPr>
+          <a:xfrm>
+            <a:off x="914400" y="914400"/>
+            <a:ext cx="914400" cy="914400"/>
+          </a:xfrm>
+          <a:prstGeom prst="rect">
+            <a:avLst/>
+          </a:prstGeom>
+          <a:noFill/>
+        </p:spPr>
+        <p:txBody>
+          <a:bodyPr wrap="none">
+            <a:spAutoFit/>
+          </a:bodyPr>
+          <a:lstStyle/>
+          <a:p>
+            <a:r>
+              <a:t>Info:</a:t>
+            </a:r>
+          </a:p>
+          <a:p>
+            <a:pPr>
+              <a:defRPr sz="1200"/>
+            </a:pPr>
+            <a:r>
+              <a:t>Wijs 'hallo' opnieuw toe in deze geneste lijst om in plaats daarvan 'goodbye' te zeggen:</a:t>
+            </a:r>
+            <a:br/>
+          </a:p>
+        </p:txBody>
+      </p:sp>
+    </p:spTree>
+  </p:cSld>
+  <p:clrMapOvr>
+    <a:masterClrMapping/>
+  </p:clrMapOvr>
+</p:sld>
+</file>
+
+<file path=ppt/slides/slide295.xml><?xml version="1.0" encoding="utf-8"?>
+<p:sld xmlns:a="http://schemas.openxmlformats.org/drawingml/2006/main" xmlns:p="http://schemas.openxmlformats.org/presentationml/2006/main" xmlns:r="http://schemas.openxmlformats.org/officeDocument/2006/relationships">
+  <p:cSld>
+    <p:spTree>
+      <p:nvGrpSpPr>
+        <p:cNvPr id="1" name=""/>
+        <p:cNvGrpSpPr/>
+        <p:nvPr/>
+      </p:nvGrpSpPr>
+      <p:grpSpPr/>
+      <p:sp>
+        <p:nvSpPr>
+          <p:cNvPr id="2" name="TextBox 1"/>
+          <p:cNvSpPr txBox="1"/>
+          <p:nvPr/>
+        </p:nvSpPr>
+        <p:spPr>
+          <a:xfrm>
+            <a:off x="914400" y="914400"/>
+            <a:ext cx="914400" cy="914400"/>
+          </a:xfrm>
+          <a:prstGeom prst="rect">
+            <a:avLst/>
+          </a:prstGeom>
+          <a:noFill/>
+        </p:spPr>
+        <p:txBody>
+          <a:bodyPr wrap="none">
+            <a:spAutoFit/>
+          </a:bodyPr>
+          <a:lstStyle/>
+          <a:p>
+            <a:r>
+              <a:t>Python Code: </a:t>
+            </a:r>
+          </a:p>
+          <a:p>
+            <a:pPr>
+              <a:defRPr sz="1200"/>
+            </a:pPr>
+            <a:r>
+              <a:t>``` list3 = [1,2,[3,4,'hello']]</a:t>
+            </a:r>
+            <a:br/>
+            <a:r>
+              <a:t> `````` </a:t>
+            </a:r>
+            <a:br/>
+            <a:r>
+              <a:t> ```</a:t>
+            </a:r>
+            <a:br/>
+          </a:p>
+        </p:txBody>
+      </p:sp>
+    </p:spTree>
+  </p:cSld>
+  <p:clrMapOvr>
+    <a:masterClrMapping/>
+  </p:clrMapOvr>
+</p:sld>
+</file>
+
+<file path=ppt/slides/slide296.xml><?xml version="1.0" encoding="utf-8"?>
+<p:sld xmlns:a="http://schemas.openxmlformats.org/drawingml/2006/main" xmlns:p="http://schemas.openxmlformats.org/presentationml/2006/main" xmlns:r="http://schemas.openxmlformats.org/officeDocument/2006/relationships">
+  <p:cSld>
+    <p:spTree>
+      <p:nvGrpSpPr>
+        <p:cNvPr id="1" name=""/>
+        <p:cNvGrpSpPr/>
+        <p:nvPr/>
+      </p:nvGrpSpPr>
+      <p:grpSpPr/>
+      <p:sp>
+        <p:nvSpPr>
+          <p:cNvPr id="2" name="TextBox 1"/>
+          <p:cNvSpPr txBox="1"/>
+          <p:nvPr/>
+        </p:nvSpPr>
+        <p:spPr>
+          <a:xfrm>
+            <a:off x="914400" y="914400"/>
+            <a:ext cx="914400" cy="914400"/>
+          </a:xfrm>
+          <a:prstGeom prst="rect">
+            <a:avLst/>
+          </a:prstGeom>
+          <a:noFill/>
+        </p:spPr>
+        <p:txBody>
+          <a:bodyPr wrap="none">
+            <a:spAutoFit/>
+          </a:bodyPr>
+          <a:lstStyle/>
+          <a:p>
+            <a:r>
+              <a:t>Info:</a:t>
+            </a:r>
+          </a:p>
+          <a:p>
+            <a:pPr>
+              <a:defRPr sz="1200"/>
+            </a:pPr>
+            <a:r>
+              <a:t>Sorteer de lijst hieronder:</a:t>
+            </a:r>
+            <a:br/>
+          </a:p>
+        </p:txBody>
+      </p:sp>
+    </p:spTree>
+  </p:cSld>
+  <p:clrMapOvr>
+    <a:masterClrMapping/>
+  </p:clrMapOvr>
+</p:sld>
+</file>
+
+<file path=ppt/slides/slide297.xml><?xml version="1.0" encoding="utf-8"?>
+<p:sld xmlns:a="http://schemas.openxmlformats.org/drawingml/2006/main" xmlns:p="http://schemas.openxmlformats.org/presentationml/2006/main" xmlns:r="http://schemas.openxmlformats.org/officeDocument/2006/relationships">
+  <p:cSld>
+    <p:spTree>
+      <p:nvGrpSpPr>
+        <p:cNvPr id="1" name=""/>
+        <p:cNvGrpSpPr/>
+        <p:nvPr/>
+      </p:nvGrpSpPr>
+      <p:grpSpPr/>
+      <p:sp>
+        <p:nvSpPr>
+          <p:cNvPr id="2" name="TextBox 1"/>
+          <p:cNvSpPr txBox="1"/>
+          <p:nvPr/>
+        </p:nvSpPr>
+        <p:spPr>
+          <a:xfrm>
+            <a:off x="914400" y="914400"/>
+            <a:ext cx="914400" cy="914400"/>
+          </a:xfrm>
+          <a:prstGeom prst="rect">
+            <a:avLst/>
+          </a:prstGeom>
+          <a:noFill/>
+        </p:spPr>
+        <p:txBody>
+          <a:bodyPr wrap="none">
+            <a:spAutoFit/>
+          </a:bodyPr>
+          <a:lstStyle/>
+          <a:p>
+            <a:r>
+              <a:t>Python Code: </a:t>
+            </a:r>
+          </a:p>
+          <a:p>
+            <a:pPr>
+              <a:defRPr sz="1200"/>
+            </a:pPr>
+            <a:r>
+              <a:t>``` list4 = [5,3,4,6,1]</a:t>
+            </a:r>
+            <a:br/>
+            <a:r>
+              <a:t> `````` </a:t>
+            </a:r>
+            <a:br/>
+            <a:r>
+              <a:t> ```</a:t>
+            </a:r>
+            <a:br/>
+          </a:p>
+        </p:txBody>
+      </p:sp>
+    </p:spTree>
+  </p:cSld>
+  <p:clrMapOvr>
+    <a:masterClrMapping/>
+  </p:clrMapOvr>
+</p:sld>
+</file>
+
+<file path=ppt/slides/slide298.xml><?xml version="1.0" encoding="utf-8"?>
+<p:sld xmlns:a="http://schemas.openxmlformats.org/drawingml/2006/main" xmlns:p="http://schemas.openxmlformats.org/presentationml/2006/main" xmlns:r="http://schemas.openxmlformats.org/officeDocument/2006/relationships">
+  <p:cSld>
+    <p:spTree>
+      <p:nvGrpSpPr>
+        <p:cNvPr id="1" name=""/>
+        <p:cNvGrpSpPr/>
+        <p:nvPr/>
+      </p:nvGrpSpPr>
+      <p:grpSpPr/>
+      <p:sp>
+        <p:nvSpPr>
+          <p:cNvPr id="2" name="TextBox 1"/>
+          <p:cNvSpPr txBox="1"/>
+          <p:nvPr/>
+        </p:nvSpPr>
+        <p:spPr>
+          <a:xfrm>
+            <a:off x="914400" y="914400"/>
+            <a:ext cx="914400" cy="914400"/>
+          </a:xfrm>
+          <a:prstGeom prst="rect">
+            <a:avLst/>
+          </a:prstGeom>
+          <a:noFill/>
+        </p:spPr>
+        <p:txBody>
+          <a:bodyPr wrap="none">
+            <a:spAutoFit/>
+          </a:bodyPr>
+          <a:lstStyle/>
+          <a:p>
+            <a:r>
+              <a:t>Info:</a:t>
+            </a:r>
+          </a:p>
+          <a:p>
+            <a:pPr>
+              <a:defRPr sz="1200"/>
+            </a:pPr>
+            <a:r>
+              <a:t>## Dictionaries</a:t>
+            </a:r>
+            <a:br/>
+          </a:p>
+        </p:txBody>
+      </p:sp>
+    </p:spTree>
+  </p:cSld>
+  <p:clrMapOvr>
+    <a:masterClrMapping/>
+  </p:clrMapOvr>
+</p:sld>
+</file>
+
+<file path=ppt/slides/slide299.xml><?xml version="1.0" encoding="utf-8"?>
+<p:sld xmlns:a="http://schemas.openxmlformats.org/drawingml/2006/main" xmlns:p="http://schemas.openxmlformats.org/presentationml/2006/main" xmlns:r="http://schemas.openxmlformats.org/officeDocument/2006/relationships">
+  <p:cSld>
+    <p:spTree>
+      <p:nvGrpSpPr>
+        <p:cNvPr id="1" name=""/>
+        <p:cNvGrpSpPr/>
+        <p:nvPr/>
+      </p:nvGrpSpPr>
+      <p:grpSpPr/>
+      <p:sp>
+        <p:nvSpPr>
+          <p:cNvPr id="2" name="TextBox 1"/>
+          <p:cNvSpPr txBox="1"/>
+          <p:nvPr/>
+        </p:nvSpPr>
+        <p:spPr>
+          <a:xfrm>
+            <a:off x="914400" y="914400"/>
+            <a:ext cx="914400" cy="914400"/>
+          </a:xfrm>
+          <a:prstGeom prst="rect">
+            <a:avLst/>
+          </a:prstGeom>
+          <a:noFill/>
+        </p:spPr>
+        <p:txBody>
+          <a:bodyPr wrap="none">
+            <a:spAutoFit/>
+          </a:bodyPr>
+          <a:lstStyle/>
+          <a:p>
+            <a:r>
+              <a:t>Info:</a:t>
+            </a:r>
+          </a:p>
+          <a:p>
+            <a:pPr>
+              <a:defRPr sz="1200"/>
+            </a:pPr>
+            <a:r>
+              <a:t>Gebruik keys (sleutels) en indexering om de 'hello' uit de volgende dictionaries/woordenboeken te halen:</a:t>
+            </a:r>
+            <a:br/>
+          </a:p>
+        </p:txBody>
+      </p:sp>
+    </p:spTree>
+  </p:cSld>
+  <p:clrMapOvr>
+    <a:masterClrMapping/>
+  </p:clrMapOvr>
+</p:sld>
+</file>
+
 <file path=ppt/slides/slide3.xml><?xml version="1.0" encoding="utf-8"?>
 <p:sld xmlns:a="http://schemas.openxmlformats.org/drawingml/2006/main" xmlns:p="http://schemas.openxmlformats.org/presentationml/2006/main" xmlns:r="http://schemas.openxmlformats.org/officeDocument/2006/relationships">
   <p:cSld>
@@ -12531,6 +17795,592 @@
             </a:r>
           </a:p>
           <a:p/>
+        </p:txBody>
+      </p:sp>
+    </p:spTree>
+  </p:cSld>
+  <p:clrMapOvr>
+    <a:masterClrMapping/>
+  </p:clrMapOvr>
+</p:sld>
+</file>
+
+<file path=ppt/slides/slide300.xml><?xml version="1.0" encoding="utf-8"?>
+<p:sld xmlns:a="http://schemas.openxmlformats.org/drawingml/2006/main" xmlns:p="http://schemas.openxmlformats.org/presentationml/2006/main" xmlns:r="http://schemas.openxmlformats.org/officeDocument/2006/relationships">
+  <p:cSld>
+    <p:spTree>
+      <p:nvGrpSpPr>
+        <p:cNvPr id="1" name=""/>
+        <p:cNvGrpSpPr/>
+        <p:nvPr/>
+      </p:nvGrpSpPr>
+      <p:grpSpPr/>
+      <p:sp>
+        <p:nvSpPr>
+          <p:cNvPr id="2" name="TextBox 1"/>
+          <p:cNvSpPr txBox="1"/>
+          <p:nvPr/>
+        </p:nvSpPr>
+        <p:spPr>
+          <a:xfrm>
+            <a:off x="914400" y="914400"/>
+            <a:ext cx="914400" cy="914400"/>
+          </a:xfrm>
+          <a:prstGeom prst="rect">
+            <a:avLst/>
+          </a:prstGeom>
+          <a:noFill/>
+        </p:spPr>
+        <p:txBody>
+          <a:bodyPr wrap="none">
+            <a:spAutoFit/>
+          </a:bodyPr>
+          <a:lstStyle/>
+          <a:p>
+            <a:r>
+              <a:t>Python Code: </a:t>
+            </a:r>
+          </a:p>
+          <a:p>
+            <a:pPr>
+              <a:defRPr sz="1200"/>
+            </a:pPr>
+            <a:r>
+              <a:t>``` d = {'simple_key':'hello'}</a:t>
+            </a:r>
+            <a:br/>
+            <a:r>
+              <a:t> `````` # Grijp 'hello'</a:t>
+            </a:r>
+            <a:br/>
+            <a:r>
+              <a:t> ```</a:t>
+            </a:r>
+            <a:br/>
+          </a:p>
+        </p:txBody>
+      </p:sp>
+    </p:spTree>
+  </p:cSld>
+  <p:clrMapOvr>
+    <a:masterClrMapping/>
+  </p:clrMapOvr>
+</p:sld>
+</file>
+
+<file path=ppt/slides/slide301.xml><?xml version="1.0" encoding="utf-8"?>
+<p:sld xmlns:a="http://schemas.openxmlformats.org/drawingml/2006/main" xmlns:p="http://schemas.openxmlformats.org/presentationml/2006/main" xmlns:r="http://schemas.openxmlformats.org/officeDocument/2006/relationships">
+  <p:cSld>
+    <p:spTree>
+      <p:nvGrpSpPr>
+        <p:cNvPr id="1" name=""/>
+        <p:cNvGrpSpPr/>
+        <p:nvPr/>
+      </p:nvGrpSpPr>
+      <p:grpSpPr/>
+      <p:sp>
+        <p:nvSpPr>
+          <p:cNvPr id="2" name="TextBox 1"/>
+          <p:cNvSpPr txBox="1"/>
+          <p:nvPr/>
+        </p:nvSpPr>
+        <p:spPr>
+          <a:xfrm>
+            <a:off x="914400" y="914400"/>
+            <a:ext cx="914400" cy="914400"/>
+          </a:xfrm>
+          <a:prstGeom prst="rect">
+            <a:avLst/>
+          </a:prstGeom>
+          <a:noFill/>
+        </p:spPr>
+        <p:txBody>
+          <a:bodyPr wrap="none">
+            <a:spAutoFit/>
+          </a:bodyPr>
+          <a:lstStyle/>
+          <a:p>
+            <a:r>
+              <a:t>Python Code: </a:t>
+            </a:r>
+          </a:p>
+          <a:p>
+            <a:pPr>
+              <a:defRPr sz="1200"/>
+            </a:pPr>
+            <a:r>
+              <a:t>``` d = {'k1':{'k2':'hello'}}</a:t>
+            </a:r>
+            <a:br/>
+            <a:r>
+              <a:t> `````` # Grijp 'hello'</a:t>
+            </a:r>
+            <a:br/>
+            <a:r>
+              <a:t> ```</a:t>
+            </a:r>
+            <a:br/>
+          </a:p>
+        </p:txBody>
+      </p:sp>
+    </p:spTree>
+  </p:cSld>
+  <p:clrMapOvr>
+    <a:masterClrMapping/>
+  </p:clrMapOvr>
+</p:sld>
+</file>
+
+<file path=ppt/slides/slide302.xml><?xml version="1.0" encoding="utf-8"?>
+<p:sld xmlns:a="http://schemas.openxmlformats.org/drawingml/2006/main" xmlns:p="http://schemas.openxmlformats.org/presentationml/2006/main" xmlns:r="http://schemas.openxmlformats.org/officeDocument/2006/relationships">
+  <p:cSld>
+    <p:spTree>
+      <p:nvGrpSpPr>
+        <p:cNvPr id="1" name=""/>
+        <p:cNvGrpSpPr/>
+        <p:nvPr/>
+      </p:nvGrpSpPr>
+      <p:grpSpPr/>
+      <p:sp>
+        <p:nvSpPr>
+          <p:cNvPr id="2" name="TextBox 1"/>
+          <p:cNvSpPr txBox="1"/>
+          <p:nvPr/>
+        </p:nvSpPr>
+        <p:spPr>
+          <a:xfrm>
+            <a:off x="914400" y="914400"/>
+            <a:ext cx="914400" cy="914400"/>
+          </a:xfrm>
+          <a:prstGeom prst="rect">
+            <a:avLst/>
+          </a:prstGeom>
+          <a:noFill/>
+        </p:spPr>
+        <p:txBody>
+          <a:bodyPr wrap="none">
+            <a:spAutoFit/>
+          </a:bodyPr>
+          <a:lstStyle/>
+          <a:p>
+            <a:r>
+              <a:t>Python Code: </a:t>
+            </a:r>
+          </a:p>
+          <a:p>
+            <a:pPr>
+              <a:defRPr sz="1200"/>
+            </a:pPr>
+            <a:r>
+              <a:t>``` # Laten we een beetje tricker worden</a:t>
+            </a:r>
+            <a:br/>
+            <a:r>
+              <a:t> `````` d = {'k1':[{'nest_key':['this is deep',['hello']]}]}</a:t>
+            </a:r>
+            <a:br/>
+            <a:r>
+              <a:t> `````` </a:t>
+            </a:r>
+            <a:br/>
+            <a:r>
+              <a:t> `````` # Grijp hello</a:t>
+            </a:r>
+            <a:br/>
+            <a:r>
+              <a:t> ```</a:t>
+            </a:r>
+            <a:br/>
+          </a:p>
+        </p:txBody>
+      </p:sp>
+    </p:spTree>
+  </p:cSld>
+  <p:clrMapOvr>
+    <a:masterClrMapping/>
+  </p:clrMapOvr>
+</p:sld>
+</file>
+
+<file path=ppt/slides/slide303.xml><?xml version="1.0" encoding="utf-8"?>
+<p:sld xmlns:a="http://schemas.openxmlformats.org/drawingml/2006/main" xmlns:p="http://schemas.openxmlformats.org/presentationml/2006/main" xmlns:r="http://schemas.openxmlformats.org/officeDocument/2006/relationships">
+  <p:cSld>
+    <p:spTree>
+      <p:nvGrpSpPr>
+        <p:cNvPr id="1" name=""/>
+        <p:cNvGrpSpPr/>
+        <p:nvPr/>
+      </p:nvGrpSpPr>
+      <p:grpSpPr/>
+      <p:sp>
+        <p:nvSpPr>
+          <p:cNvPr id="2" name="TextBox 1"/>
+          <p:cNvSpPr txBox="1"/>
+          <p:nvPr/>
+        </p:nvSpPr>
+        <p:spPr>
+          <a:xfrm>
+            <a:off x="914400" y="914400"/>
+            <a:ext cx="914400" cy="914400"/>
+          </a:xfrm>
+          <a:prstGeom prst="rect">
+            <a:avLst/>
+          </a:prstGeom>
+          <a:noFill/>
+        </p:spPr>
+        <p:txBody>
+          <a:bodyPr wrap="none">
+            <a:spAutoFit/>
+          </a:bodyPr>
+          <a:lstStyle/>
+          <a:p>
+            <a:r>
+              <a:t>Python Code: </a:t>
+            </a:r>
+          </a:p>
+          <a:p>
+            <a:pPr>
+              <a:defRPr sz="1200"/>
+            </a:pPr>
+            <a:r>
+              <a:t>``` # Dit zal moeilijk en vervelend zijn!</a:t>
+            </a:r>
+            <a:br/>
+            <a:r>
+              <a:t> `````` d = {'k1':[1,2,{'k2':['this is tricky',{'tough':[1,2,['hello']]}]}]} ```</a:t>
+            </a:r>
+            <a:br/>
+          </a:p>
+        </p:txBody>
+      </p:sp>
+    </p:spTree>
+  </p:cSld>
+  <p:clrMapOvr>
+    <a:masterClrMapping/>
+  </p:clrMapOvr>
+</p:sld>
+</file>
+
+<file path=ppt/slides/slide304.xml><?xml version="1.0" encoding="utf-8"?>
+<p:sld xmlns:a="http://schemas.openxmlformats.org/drawingml/2006/main" xmlns:p="http://schemas.openxmlformats.org/presentationml/2006/main" xmlns:r="http://schemas.openxmlformats.org/officeDocument/2006/relationships">
+  <p:cSld>
+    <p:spTree>
+      <p:nvGrpSpPr>
+        <p:cNvPr id="1" name=""/>
+        <p:cNvGrpSpPr/>
+        <p:nvPr/>
+      </p:nvGrpSpPr>
+      <p:grpSpPr/>
+      <p:sp>
+        <p:nvSpPr>
+          <p:cNvPr id="2" name="TextBox 1"/>
+          <p:cNvSpPr txBox="1"/>
+          <p:nvPr/>
+        </p:nvSpPr>
+        <p:spPr>
+          <a:xfrm>
+            <a:off x="914400" y="914400"/>
+            <a:ext cx="914400" cy="914400"/>
+          </a:xfrm>
+          <a:prstGeom prst="rect">
+            <a:avLst/>
+          </a:prstGeom>
+          <a:noFill/>
+        </p:spPr>
+        <p:txBody>
+          <a:bodyPr wrap="none">
+            <a:spAutoFit/>
+          </a:bodyPr>
+          <a:lstStyle/>
+          <a:p>
+            <a:r>
+              <a:t>Info:</a:t>
+            </a:r>
+          </a:p>
+          <a:p>
+            <a:pPr>
+              <a:defRPr sz="1200"/>
+            </a:pPr>
+            <a:r>
+              <a:t>Kan je een dictionary sorteren? Waarom wel of niet?&lt;br&gt;&lt;br&gt;</a:t>
+            </a:r>
+            <a:br/>
+          </a:p>
+        </p:txBody>
+      </p:sp>
+    </p:spTree>
+  </p:cSld>
+  <p:clrMapOvr>
+    <a:masterClrMapping/>
+  </p:clrMapOvr>
+</p:sld>
+</file>
+
+<file path=ppt/slides/slide305.xml><?xml version="1.0" encoding="utf-8"?>
+<p:sld xmlns:a="http://schemas.openxmlformats.org/drawingml/2006/main" xmlns:p="http://schemas.openxmlformats.org/presentationml/2006/main" xmlns:r="http://schemas.openxmlformats.org/officeDocument/2006/relationships">
+  <p:cSld>
+    <p:spTree>
+      <p:nvGrpSpPr>
+        <p:cNvPr id="1" name=""/>
+        <p:cNvGrpSpPr/>
+        <p:nvPr/>
+      </p:nvGrpSpPr>
+      <p:grpSpPr/>
+      <p:sp>
+        <p:nvSpPr>
+          <p:cNvPr id="2" name="TextBox 1"/>
+          <p:cNvSpPr txBox="1"/>
+          <p:nvPr/>
+        </p:nvSpPr>
+        <p:spPr>
+          <a:xfrm>
+            <a:off x="914400" y="914400"/>
+            <a:ext cx="914400" cy="914400"/>
+          </a:xfrm>
+          <a:prstGeom prst="rect">
+            <a:avLst/>
+          </a:prstGeom>
+          <a:noFill/>
+        </p:spPr>
+        <p:txBody>
+          <a:bodyPr wrap="none">
+            <a:spAutoFit/>
+          </a:bodyPr>
+          <a:lstStyle/>
+          <a:p>
+            <a:r>
+              <a:t>Info:</a:t>
+            </a:r>
+          </a:p>
+          <a:p>
+            <a:pPr>
+              <a:defRPr sz="1200"/>
+            </a:pPr>
+            <a:r>
+              <a:t>## Tuples</a:t>
+            </a:r>
+            <a:br/>
+          </a:p>
+        </p:txBody>
+      </p:sp>
+    </p:spTree>
+  </p:cSld>
+  <p:clrMapOvr>
+    <a:masterClrMapping/>
+  </p:clrMapOvr>
+</p:sld>
+</file>
+
+<file path=ppt/slides/slide306.xml><?xml version="1.0" encoding="utf-8"?>
+<p:sld xmlns:a="http://schemas.openxmlformats.org/drawingml/2006/main" xmlns:p="http://schemas.openxmlformats.org/presentationml/2006/main" xmlns:r="http://schemas.openxmlformats.org/officeDocument/2006/relationships">
+  <p:cSld>
+    <p:spTree>
+      <p:nvGrpSpPr>
+        <p:cNvPr id="1" name=""/>
+        <p:cNvGrpSpPr/>
+        <p:nvPr/>
+      </p:nvGrpSpPr>
+      <p:grpSpPr/>
+      <p:sp>
+        <p:nvSpPr>
+          <p:cNvPr id="2" name="TextBox 1"/>
+          <p:cNvSpPr txBox="1"/>
+          <p:nvPr/>
+        </p:nvSpPr>
+        <p:spPr>
+          <a:xfrm>
+            <a:off x="914400" y="914400"/>
+            <a:ext cx="914400" cy="914400"/>
+          </a:xfrm>
+          <a:prstGeom prst="rect">
+            <a:avLst/>
+          </a:prstGeom>
+          <a:noFill/>
+        </p:spPr>
+        <p:txBody>
+          <a:bodyPr wrap="none">
+            <a:spAutoFit/>
+          </a:bodyPr>
+          <a:lstStyle/>
+          <a:p>
+            <a:r>
+              <a:t>Info:</a:t>
+            </a:r>
+          </a:p>
+          <a:p>
+            <a:pPr>
+              <a:defRPr sz="1200"/>
+            </a:pPr>
+            <a:r>
+              <a:t>Wat is het belangrijkste verschil tussen tuples en lijsten?&lt;br&gt;&lt;br&gt;</a:t>
+            </a:r>
+            <a:br/>
+          </a:p>
+        </p:txBody>
+      </p:sp>
+    </p:spTree>
+  </p:cSld>
+  <p:clrMapOvr>
+    <a:masterClrMapping/>
+  </p:clrMapOvr>
+</p:sld>
+</file>
+
+<file path=ppt/slides/slide307.xml><?xml version="1.0" encoding="utf-8"?>
+<p:sld xmlns:a="http://schemas.openxmlformats.org/drawingml/2006/main" xmlns:p="http://schemas.openxmlformats.org/presentationml/2006/main" xmlns:r="http://schemas.openxmlformats.org/officeDocument/2006/relationships">
+  <p:cSld>
+    <p:spTree>
+      <p:nvGrpSpPr>
+        <p:cNvPr id="1" name=""/>
+        <p:cNvGrpSpPr/>
+        <p:nvPr/>
+      </p:nvGrpSpPr>
+      <p:grpSpPr/>
+      <p:sp>
+        <p:nvSpPr>
+          <p:cNvPr id="2" name="TextBox 1"/>
+          <p:cNvSpPr txBox="1"/>
+          <p:nvPr/>
+        </p:nvSpPr>
+        <p:spPr>
+          <a:xfrm>
+            <a:off x="914400" y="914400"/>
+            <a:ext cx="914400" cy="914400"/>
+          </a:xfrm>
+          <a:prstGeom prst="rect">
+            <a:avLst/>
+          </a:prstGeom>
+          <a:noFill/>
+        </p:spPr>
+        <p:txBody>
+          <a:bodyPr wrap="none">
+            <a:spAutoFit/>
+          </a:bodyPr>
+          <a:lstStyle/>
+          <a:p>
+            <a:r>
+              <a:t>Info:</a:t>
+            </a:r>
+          </a:p>
+          <a:p>
+            <a:pPr>
+              <a:defRPr sz="1200"/>
+            </a:pPr>
+            <a:r>
+              <a:t>Hoe maak je een tuple aan?&lt;br&gt;&lt;br&gt;</a:t>
+            </a:r>
+            <a:br/>
+          </a:p>
+        </p:txBody>
+      </p:sp>
+    </p:spTree>
+  </p:cSld>
+  <p:clrMapOvr>
+    <a:masterClrMapping/>
+  </p:clrMapOvr>
+</p:sld>
+</file>
+
+<file path=ppt/slides/slide308.xml><?xml version="1.0" encoding="utf-8"?>
+<p:sld xmlns:a="http://schemas.openxmlformats.org/drawingml/2006/main" xmlns:p="http://schemas.openxmlformats.org/presentationml/2006/main" xmlns:r="http://schemas.openxmlformats.org/officeDocument/2006/relationships">
+  <p:cSld>
+    <p:spTree>
+      <p:nvGrpSpPr>
+        <p:cNvPr id="1" name=""/>
+        <p:cNvGrpSpPr/>
+        <p:nvPr/>
+      </p:nvGrpSpPr>
+      <p:grpSpPr/>
+      <p:sp>
+        <p:nvSpPr>
+          <p:cNvPr id="2" name="TextBox 1"/>
+          <p:cNvSpPr txBox="1"/>
+          <p:nvPr/>
+        </p:nvSpPr>
+        <p:spPr>
+          <a:xfrm>
+            <a:off x="914400" y="914400"/>
+            <a:ext cx="914400" cy="914400"/>
+          </a:xfrm>
+          <a:prstGeom prst="rect">
+            <a:avLst/>
+          </a:prstGeom>
+          <a:noFill/>
+        </p:spPr>
+        <p:txBody>
+          <a:bodyPr wrap="none">
+            <a:spAutoFit/>
+          </a:bodyPr>
+          <a:lstStyle/>
+          <a:p>
+            <a:r>
+              <a:t>Info:</a:t>
+            </a:r>
+          </a:p>
+          <a:p>
+            <a:pPr>
+              <a:defRPr sz="1200"/>
+            </a:pPr>
+            <a:r>
+              <a:t>## Sets </a:t>
+            </a:r>
+            <a:br/>
+          </a:p>
+        </p:txBody>
+      </p:sp>
+    </p:spTree>
+  </p:cSld>
+  <p:clrMapOvr>
+    <a:masterClrMapping/>
+  </p:clrMapOvr>
+</p:sld>
+</file>
+
+<file path=ppt/slides/slide309.xml><?xml version="1.0" encoding="utf-8"?>
+<p:sld xmlns:a="http://schemas.openxmlformats.org/drawingml/2006/main" xmlns:p="http://schemas.openxmlformats.org/presentationml/2006/main" xmlns:r="http://schemas.openxmlformats.org/officeDocument/2006/relationships">
+  <p:cSld>
+    <p:spTree>
+      <p:nvGrpSpPr>
+        <p:cNvPr id="1" name=""/>
+        <p:cNvGrpSpPr/>
+        <p:nvPr/>
+      </p:nvGrpSpPr>
+      <p:grpSpPr/>
+      <p:sp>
+        <p:nvSpPr>
+          <p:cNvPr id="2" name="TextBox 1"/>
+          <p:cNvSpPr txBox="1"/>
+          <p:nvPr/>
+        </p:nvSpPr>
+        <p:spPr>
+          <a:xfrm>
+            <a:off x="914400" y="914400"/>
+            <a:ext cx="914400" cy="914400"/>
+          </a:xfrm>
+          <a:prstGeom prst="rect">
+            <a:avLst/>
+          </a:prstGeom>
+          <a:noFill/>
+        </p:spPr>
+        <p:txBody>
+          <a:bodyPr wrap="none">
+            <a:spAutoFit/>
+          </a:bodyPr>
+          <a:lstStyle/>
+          <a:p>
+            <a:r>
+              <a:t>Info:</a:t>
+            </a:r>
+          </a:p>
+          <a:p>
+            <a:pPr>
+              <a:defRPr sz="1200"/>
+            </a:pPr>
+            <a:r>
+              <a:t>Wat is er uniek aan een set?&lt;br&gt;&lt;br&gt;</a:t>
+            </a:r>
+            <a:br/>
+          </a:p>
         </p:txBody>
       </p:sp>
     </p:spTree>
@@ -12608,6 +18458,729 @@
 </p:sld>
 </file>
 
+<file path=ppt/slides/slide310.xml><?xml version="1.0" encoding="utf-8"?>
+<p:sld xmlns:a="http://schemas.openxmlformats.org/drawingml/2006/main" xmlns:p="http://schemas.openxmlformats.org/presentationml/2006/main" xmlns:r="http://schemas.openxmlformats.org/officeDocument/2006/relationships">
+  <p:cSld>
+    <p:spTree>
+      <p:nvGrpSpPr>
+        <p:cNvPr id="1" name=""/>
+        <p:cNvGrpSpPr/>
+        <p:nvPr/>
+      </p:nvGrpSpPr>
+      <p:grpSpPr/>
+      <p:sp>
+        <p:nvSpPr>
+          <p:cNvPr id="2" name="TextBox 1"/>
+          <p:cNvSpPr txBox="1"/>
+          <p:nvPr/>
+        </p:nvSpPr>
+        <p:spPr>
+          <a:xfrm>
+            <a:off x="914400" y="914400"/>
+            <a:ext cx="914400" cy="914400"/>
+          </a:xfrm>
+          <a:prstGeom prst="rect">
+            <a:avLst/>
+          </a:prstGeom>
+          <a:noFill/>
+        </p:spPr>
+        <p:txBody>
+          <a:bodyPr wrap="none">
+            <a:spAutoFit/>
+          </a:bodyPr>
+          <a:lstStyle/>
+          <a:p>
+            <a:r>
+              <a:t>Info:</a:t>
+            </a:r>
+          </a:p>
+          <a:p>
+            <a:pPr>
+              <a:defRPr sz="1200"/>
+            </a:pPr>
+            <a:r>
+              <a:t>Gebruik een set om de unieke waarden van de onderstaande lijst te vinden:</a:t>
+            </a:r>
+            <a:br/>
+          </a:p>
+        </p:txBody>
+      </p:sp>
+    </p:spTree>
+  </p:cSld>
+  <p:clrMapOvr>
+    <a:masterClrMapping/>
+  </p:clrMapOvr>
+</p:sld>
+</file>
+
+<file path=ppt/slides/slide311.xml><?xml version="1.0" encoding="utf-8"?>
+<p:sld xmlns:a="http://schemas.openxmlformats.org/drawingml/2006/main" xmlns:p="http://schemas.openxmlformats.org/presentationml/2006/main" xmlns:r="http://schemas.openxmlformats.org/officeDocument/2006/relationships">
+  <p:cSld>
+    <p:spTree>
+      <p:nvGrpSpPr>
+        <p:cNvPr id="1" name=""/>
+        <p:cNvGrpSpPr/>
+        <p:nvPr/>
+      </p:nvGrpSpPr>
+      <p:grpSpPr/>
+      <p:sp>
+        <p:nvSpPr>
+          <p:cNvPr id="2" name="TextBox 1"/>
+          <p:cNvSpPr txBox="1"/>
+          <p:nvPr/>
+        </p:nvSpPr>
+        <p:spPr>
+          <a:xfrm>
+            <a:off x="914400" y="914400"/>
+            <a:ext cx="914400" cy="914400"/>
+          </a:xfrm>
+          <a:prstGeom prst="rect">
+            <a:avLst/>
+          </a:prstGeom>
+          <a:noFill/>
+        </p:spPr>
+        <p:txBody>
+          <a:bodyPr wrap="none">
+            <a:spAutoFit/>
+          </a:bodyPr>
+          <a:lstStyle/>
+          <a:p>
+            <a:r>
+              <a:t>Python Code: </a:t>
+            </a:r>
+          </a:p>
+          <a:p>
+            <a:pPr>
+              <a:defRPr sz="1200"/>
+            </a:pPr>
+            <a:r>
+              <a:t>``` list5 = [1,2,2,33,4,4,11,22,3,3,2]</a:t>
+            </a:r>
+            <a:br/>
+            <a:r>
+              <a:t> `````` </a:t>
+            </a:r>
+            <a:br/>
+            <a:r>
+              <a:t> `````` </a:t>
+            </a:r>
+            <a:br/>
+            <a:r>
+              <a:t> ```</a:t>
+            </a:r>
+            <a:br/>
+          </a:p>
+        </p:txBody>
+      </p:sp>
+    </p:spTree>
+  </p:cSld>
+  <p:clrMapOvr>
+    <a:masterClrMapping/>
+  </p:clrMapOvr>
+</p:sld>
+</file>
+
+<file path=ppt/slides/slide312.xml><?xml version="1.0" encoding="utf-8"?>
+<p:sld xmlns:a="http://schemas.openxmlformats.org/drawingml/2006/main" xmlns:p="http://schemas.openxmlformats.org/presentationml/2006/main" xmlns:r="http://schemas.openxmlformats.org/officeDocument/2006/relationships">
+  <p:cSld>
+    <p:spTree>
+      <p:nvGrpSpPr>
+        <p:cNvPr id="1" name=""/>
+        <p:cNvGrpSpPr/>
+        <p:nvPr/>
+      </p:nvGrpSpPr>
+      <p:grpSpPr/>
+      <p:sp>
+        <p:nvSpPr>
+          <p:cNvPr id="2" name="TextBox 1"/>
+          <p:cNvSpPr txBox="1"/>
+          <p:nvPr/>
+        </p:nvSpPr>
+        <p:spPr>
+          <a:xfrm>
+            <a:off x="914400" y="914400"/>
+            <a:ext cx="914400" cy="914400"/>
+          </a:xfrm>
+          <a:prstGeom prst="rect">
+            <a:avLst/>
+          </a:prstGeom>
+          <a:noFill/>
+        </p:spPr>
+        <p:txBody>
+          <a:bodyPr wrap="none">
+            <a:spAutoFit/>
+          </a:bodyPr>
+          <a:lstStyle/>
+          <a:p>
+            <a:r>
+              <a:t>Info:</a:t>
+            </a:r>
+          </a:p>
+          <a:p>
+            <a:pPr>
+              <a:defRPr sz="1200"/>
+            </a:pPr>
+            <a:r>
+              <a:t>## Booleans</a:t>
+            </a:r>
+            <a:br/>
+          </a:p>
+        </p:txBody>
+      </p:sp>
+    </p:spTree>
+  </p:cSld>
+  <p:clrMapOvr>
+    <a:masterClrMapping/>
+  </p:clrMapOvr>
+</p:sld>
+</file>
+
+<file path=ppt/slides/slide313.xml><?xml version="1.0" encoding="utf-8"?>
+<p:sld xmlns:a="http://schemas.openxmlformats.org/drawingml/2006/main" xmlns:p="http://schemas.openxmlformats.org/presentationml/2006/main" xmlns:r="http://schemas.openxmlformats.org/officeDocument/2006/relationships">
+  <p:cSld>
+    <p:spTree>
+      <p:nvGrpSpPr>
+        <p:cNvPr id="1" name=""/>
+        <p:cNvGrpSpPr/>
+        <p:nvPr/>
+      </p:nvGrpSpPr>
+      <p:grpSpPr/>
+      <p:sp>
+        <p:nvSpPr>
+          <p:cNvPr id="2" name="TextBox 1"/>
+          <p:cNvSpPr txBox="1"/>
+          <p:nvPr/>
+        </p:nvSpPr>
+        <p:spPr>
+          <a:xfrm>
+            <a:off x="914400" y="914400"/>
+            <a:ext cx="914400" cy="914400"/>
+          </a:xfrm>
+          <a:prstGeom prst="rect">
+            <a:avLst/>
+          </a:prstGeom>
+          <a:noFill/>
+        </p:spPr>
+        <p:txBody>
+          <a:bodyPr wrap="none">
+            <a:spAutoFit/>
+          </a:bodyPr>
+          <a:lstStyle/>
+          <a:p>
+            <a:r>
+              <a:t>Info:</a:t>
+            </a:r>
+          </a:p>
+          <a:p>
+            <a:pPr>
+              <a:defRPr sz="1200"/>
+            </a:pPr>
+            <a:r>
+              <a:t>Voor de volgende quizvragen krijgen we een voorbeeld van vergelijkingsoperatoren. In de onderstaande tabel zijn a=3 en b=4.</a:t>
+            </a:r>
+            <a:br/>
+            <a:br/>
+            <a:r>
+              <a:t>&lt;table class="table table-bordered"&gt;</a:t>
+            </a:r>
+            <a:br/>
+            <a:r>
+              <a:t>&lt;tr&gt;</a:t>
+            </a:r>
+            <a:br/>
+            <a:r>
+              <a:t>&lt;th style="width:10%"&gt;Operator&lt;/th&gt;&lt;th style="width:45%"&gt;Beschrijving&lt;/th&gt;&lt;th&gt;Voorbeeld&lt;/th&gt;</a:t>
+            </a:r>
+            <a:br/>
+            <a:r>
+              <a:t>&lt;/tr&gt;</a:t>
+            </a:r>
+            <a:br/>
+            <a:r>
+              <a:t>&lt;tr&gt;</a:t>
+            </a:r>
+            <a:br/>
+            <a:r>
+              <a:t>&lt;td&gt;==&lt;/td&gt;</a:t>
+            </a:r>
+            <a:br/>
+            <a:r>
+              <a:t>&lt;td&gt;Als de waarden van twee operanden gelijk zijn, wordt de voorwaarde True.&lt;/td&gt;</a:t>
+            </a:r>
+            <a:br/>
+            <a:r>
+              <a:t>&lt;td&gt; (a == b) is not true.&lt;/td&gt;</a:t>
+            </a:r>
+            <a:br/>
+            <a:r>
+              <a:t>&lt;/tr&gt;</a:t>
+            </a:r>
+            <a:br/>
+            <a:r>
+              <a:t>&lt;tr&gt;</a:t>
+            </a:r>
+            <a:br/>
+            <a:r>
+              <a:t>&lt;td&gt;!=&lt;/td&gt;</a:t>
+            </a:r>
+            <a:br/>
+            <a:r>
+              <a:t>&lt;td&gt;Als de waarden van twee operanden niet gelijk zijn, wordt de voorwaarde 'True'.&lt;/td&gt;</a:t>
+            </a:r>
+            <a:br/>
+            <a:r>
+              <a:t>&lt;td&gt; (a != b) is true.&lt;/td&gt;</a:t>
+            </a:r>
+            <a:br/>
+            <a:r>
+              <a:t>&lt;/tr&gt;</a:t>
+            </a:r>
+            <a:br/>
+            <a:r>
+              <a:t>&lt;tr&gt;</a:t>
+            </a:r>
+            <a:br/>
+            <a:r>
+              <a:t>&lt;td&gt;&amp;gt;&lt;/td&gt;</a:t>
+            </a:r>
+            <a:br/>
+            <a:r>
+              <a:t>&lt;td&gt;Als de waarde van de linker operand groter is dan de waarde van de rechter operand, wordt de voorwaarde 'True'.&lt;/td&gt;</a:t>
+            </a:r>
+            <a:br/>
+            <a:r>
+              <a:t>&lt;td&gt; (a &amp;gt; b) is not true.&lt;/td&gt;</a:t>
+            </a:r>
+            <a:br/>
+            <a:r>
+              <a:t>&lt;/tr&gt;</a:t>
+            </a:r>
+            <a:br/>
+            <a:r>
+              <a:t>&lt;tr&gt;</a:t>
+            </a:r>
+            <a:br/>
+            <a:r>
+              <a:t>&lt;td&gt;&amp;lt;&lt;/td&gt;</a:t>
+            </a:r>
+            <a:br/>
+            <a:r>
+              <a:t>&lt;td&gt;Als de waarde van de linker operand kleiner is dan de waarde van de rechter operand, wordt de voorwaarde 'True'.&lt;/td&gt;</a:t>
+            </a:r>
+            <a:br/>
+            <a:r>
+              <a:t>&lt;td&gt; (a &amp;lt; b) is true.&lt;/td&gt;</a:t>
+            </a:r>
+            <a:br/>
+            <a:r>
+              <a:t>&lt;/tr&gt;</a:t>
+            </a:r>
+            <a:br/>
+            <a:r>
+              <a:t>&lt;tr&gt;</a:t>
+            </a:r>
+            <a:br/>
+            <a:r>
+              <a:t>&lt;td&gt;&amp;gt;=&lt;/td&gt;</a:t>
+            </a:r>
+            <a:br/>
+            <a:r>
+              <a:t>&lt;td&gt;Als de waarde van de linker operand groter is dan of gelijk is aan de waarde van de rechter operand, wordt de voorwaarde 'True'.&lt;/td&gt;</a:t>
+            </a:r>
+            <a:br/>
+            <a:r>
+              <a:t>&lt;td&gt; (a &amp;gt;= b) is not true. &lt;/td&gt;</a:t>
+            </a:r>
+            <a:br/>
+            <a:r>
+              <a:t>&lt;/tr&gt;</a:t>
+            </a:r>
+            <a:br/>
+            <a:r>
+              <a:t>&lt;tr&gt;</a:t>
+            </a:r>
+            <a:br/>
+            <a:r>
+              <a:t>&lt;td&gt;&amp;lt;=&lt;/td&gt;</a:t>
+            </a:r>
+            <a:br/>
+            <a:r>
+              <a:t>&lt;td&gt;Als de waarde van de linker operand kleiner is dan of gelijk is aan de waarde van de rechter operand, wordt de voorwaarde 'True'.&lt;/td&gt;</a:t>
+            </a:r>
+            <a:br/>
+            <a:r>
+              <a:t>&lt;td&gt; (a &amp;lt;= b) is true. &lt;/td&gt;</a:t>
+            </a:r>
+            <a:br/>
+            <a:r>
+              <a:t>&lt;/tr&gt;</a:t>
+            </a:r>
+            <a:br/>
+            <a:r>
+              <a:t>&lt;/table&gt;</a:t>
+            </a:r>
+            <a:br/>
+          </a:p>
+        </p:txBody>
+      </p:sp>
+    </p:spTree>
+  </p:cSld>
+  <p:clrMapOvr>
+    <a:masterClrMapping/>
+  </p:clrMapOvr>
+</p:sld>
+</file>
+
+<file path=ppt/slides/slide314.xml><?xml version="1.0" encoding="utf-8"?>
+<p:sld xmlns:a="http://schemas.openxmlformats.org/drawingml/2006/main" xmlns:p="http://schemas.openxmlformats.org/presentationml/2006/main" xmlns:r="http://schemas.openxmlformats.org/officeDocument/2006/relationships">
+  <p:cSld>
+    <p:spTree>
+      <p:nvGrpSpPr>
+        <p:cNvPr id="1" name=""/>
+        <p:cNvGrpSpPr/>
+        <p:nvPr/>
+      </p:nvGrpSpPr>
+      <p:grpSpPr/>
+      <p:sp>
+        <p:nvSpPr>
+          <p:cNvPr id="2" name="TextBox 1"/>
+          <p:cNvSpPr txBox="1"/>
+          <p:nvPr/>
+        </p:nvSpPr>
+        <p:spPr>
+          <a:xfrm>
+            <a:off x="914400" y="914400"/>
+            <a:ext cx="914400" cy="914400"/>
+          </a:xfrm>
+          <a:prstGeom prst="rect">
+            <a:avLst/>
+          </a:prstGeom>
+          <a:noFill/>
+        </p:spPr>
+        <p:txBody>
+          <a:bodyPr wrap="none">
+            <a:spAutoFit/>
+          </a:bodyPr>
+          <a:lstStyle/>
+          <a:p>
+            <a:r>
+              <a:t>Info:</a:t>
+            </a:r>
+          </a:p>
+          <a:p>
+            <a:pPr>
+              <a:defRPr sz="1200"/>
+            </a:pPr>
+            <a:r>
+              <a:t>Wat zal de resulterende Boolean zijn van de volgende stukjes code (antwoord eerst en controleer door het in te typen!)</a:t>
+            </a:r>
+            <a:br/>
+          </a:p>
+        </p:txBody>
+      </p:sp>
+    </p:spTree>
+  </p:cSld>
+  <p:clrMapOvr>
+    <a:masterClrMapping/>
+  </p:clrMapOvr>
+</p:sld>
+</file>
+
+<file path=ppt/slides/slide315.xml><?xml version="1.0" encoding="utf-8"?>
+<p:sld xmlns:a="http://schemas.openxmlformats.org/drawingml/2006/main" xmlns:p="http://schemas.openxmlformats.org/presentationml/2006/main" xmlns:r="http://schemas.openxmlformats.org/officeDocument/2006/relationships">
+  <p:cSld>
+    <p:spTree>
+      <p:nvGrpSpPr>
+        <p:cNvPr id="1" name=""/>
+        <p:cNvGrpSpPr/>
+        <p:nvPr/>
+      </p:nvGrpSpPr>
+      <p:grpSpPr/>
+      <p:sp>
+        <p:nvSpPr>
+          <p:cNvPr id="2" name="TextBox 1"/>
+          <p:cNvSpPr txBox="1"/>
+          <p:nvPr/>
+        </p:nvSpPr>
+        <p:spPr>
+          <a:xfrm>
+            <a:off x="914400" y="914400"/>
+            <a:ext cx="914400" cy="914400"/>
+          </a:xfrm>
+          <a:prstGeom prst="rect">
+            <a:avLst/>
+          </a:prstGeom>
+          <a:noFill/>
+        </p:spPr>
+        <p:txBody>
+          <a:bodyPr wrap="none">
+            <a:spAutoFit/>
+          </a:bodyPr>
+          <a:lstStyle/>
+          <a:p>
+            <a:r>
+              <a:t>Python Code: </a:t>
+            </a:r>
+          </a:p>
+          <a:p>
+            <a:pPr>
+              <a:defRPr sz="1200"/>
+            </a:pPr>
+            <a:r>
+              <a:t>``` # Beantwoord voordat u de cel uitvoert</a:t>
+            </a:r>
+            <a:br/>
+            <a:r>
+              <a:t> `````` 2 &gt; 3 ```</a:t>
+            </a:r>
+            <a:br/>
+          </a:p>
+        </p:txBody>
+      </p:sp>
+    </p:spTree>
+  </p:cSld>
+  <p:clrMapOvr>
+    <a:masterClrMapping/>
+  </p:clrMapOvr>
+</p:sld>
+</file>
+
+<file path=ppt/slides/slide316.xml><?xml version="1.0" encoding="utf-8"?>
+<p:sld xmlns:a="http://schemas.openxmlformats.org/drawingml/2006/main" xmlns:p="http://schemas.openxmlformats.org/presentationml/2006/main" xmlns:r="http://schemas.openxmlformats.org/officeDocument/2006/relationships">
+  <p:cSld>
+    <p:spTree>
+      <p:nvGrpSpPr>
+        <p:cNvPr id="1" name=""/>
+        <p:cNvGrpSpPr/>
+        <p:nvPr/>
+      </p:nvGrpSpPr>
+      <p:grpSpPr/>
+      <p:sp>
+        <p:nvSpPr>
+          <p:cNvPr id="2" name="TextBox 1"/>
+          <p:cNvSpPr txBox="1"/>
+          <p:nvPr/>
+        </p:nvSpPr>
+        <p:spPr>
+          <a:xfrm>
+            <a:off x="914400" y="914400"/>
+            <a:ext cx="914400" cy="914400"/>
+          </a:xfrm>
+          <a:prstGeom prst="rect">
+            <a:avLst/>
+          </a:prstGeom>
+          <a:noFill/>
+        </p:spPr>
+        <p:txBody>
+          <a:bodyPr wrap="none">
+            <a:spAutoFit/>
+          </a:bodyPr>
+          <a:lstStyle/>
+          <a:p>
+            <a:r>
+              <a:t>Python Code: </a:t>
+            </a:r>
+          </a:p>
+          <a:p>
+            <a:pPr>
+              <a:defRPr sz="1200"/>
+            </a:pPr>
+            <a:r>
+              <a:t>``` # Beantwoord voordat u de cel uitvoert</a:t>
+            </a:r>
+            <a:br/>
+            <a:r>
+              <a:t> `````` 3 &lt;= 2 ```</a:t>
+            </a:r>
+            <a:br/>
+          </a:p>
+        </p:txBody>
+      </p:sp>
+    </p:spTree>
+  </p:cSld>
+  <p:clrMapOvr>
+    <a:masterClrMapping/>
+  </p:clrMapOvr>
+</p:sld>
+</file>
+
+<file path=ppt/slides/slide317.xml><?xml version="1.0" encoding="utf-8"?>
+<p:sld xmlns:a="http://schemas.openxmlformats.org/drawingml/2006/main" xmlns:p="http://schemas.openxmlformats.org/presentationml/2006/main" xmlns:r="http://schemas.openxmlformats.org/officeDocument/2006/relationships">
+  <p:cSld>
+    <p:spTree>
+      <p:nvGrpSpPr>
+        <p:cNvPr id="1" name=""/>
+        <p:cNvGrpSpPr/>
+        <p:nvPr/>
+      </p:nvGrpSpPr>
+      <p:grpSpPr/>
+      <p:sp>
+        <p:nvSpPr>
+          <p:cNvPr id="2" name="TextBox 1"/>
+          <p:cNvSpPr txBox="1"/>
+          <p:nvPr/>
+        </p:nvSpPr>
+        <p:spPr>
+          <a:xfrm>
+            <a:off x="914400" y="914400"/>
+            <a:ext cx="914400" cy="914400"/>
+          </a:xfrm>
+          <a:prstGeom prst="rect">
+            <a:avLst/>
+          </a:prstGeom>
+          <a:noFill/>
+        </p:spPr>
+        <p:txBody>
+          <a:bodyPr wrap="none">
+            <a:spAutoFit/>
+          </a:bodyPr>
+          <a:lstStyle/>
+          <a:p>
+            <a:r>
+              <a:t>Python Code: </a:t>
+            </a:r>
+          </a:p>
+          <a:p>
+            <a:pPr>
+              <a:defRPr sz="1200"/>
+            </a:pPr>
+            <a:r>
+              <a:t>``` # Beantwoord voordat u de cel uitvoert</a:t>
+            </a:r>
+            <a:br/>
+            <a:r>
+              <a:t> `````` 3 == 2.0 ```</a:t>
+            </a:r>
+            <a:br/>
+          </a:p>
+        </p:txBody>
+      </p:sp>
+    </p:spTree>
+  </p:cSld>
+  <p:clrMapOvr>
+    <a:masterClrMapping/>
+  </p:clrMapOvr>
+</p:sld>
+</file>
+
+<file path=ppt/slides/slide318.xml><?xml version="1.0" encoding="utf-8"?>
+<p:sld xmlns:a="http://schemas.openxmlformats.org/drawingml/2006/main" xmlns:p="http://schemas.openxmlformats.org/presentationml/2006/main" xmlns:r="http://schemas.openxmlformats.org/officeDocument/2006/relationships">
+  <p:cSld>
+    <p:spTree>
+      <p:nvGrpSpPr>
+        <p:cNvPr id="1" name=""/>
+        <p:cNvGrpSpPr/>
+        <p:nvPr/>
+      </p:nvGrpSpPr>
+      <p:grpSpPr/>
+      <p:sp>
+        <p:nvSpPr>
+          <p:cNvPr id="2" name="TextBox 1"/>
+          <p:cNvSpPr txBox="1"/>
+          <p:nvPr/>
+        </p:nvSpPr>
+        <p:spPr>
+          <a:xfrm>
+            <a:off x="914400" y="914400"/>
+            <a:ext cx="914400" cy="914400"/>
+          </a:xfrm>
+          <a:prstGeom prst="rect">
+            <a:avLst/>
+          </a:prstGeom>
+          <a:noFill/>
+        </p:spPr>
+        <p:txBody>
+          <a:bodyPr wrap="none">
+            <a:spAutoFit/>
+          </a:bodyPr>
+          <a:lstStyle/>
+          <a:p>
+            <a:r>
+              <a:t>Python Code: </a:t>
+            </a:r>
+          </a:p>
+          <a:p>
+            <a:pPr>
+              <a:defRPr sz="1200"/>
+            </a:pPr>
+            <a:r>
+              <a:t>``` # Beantwoord voordat u de cel uitvoert</a:t>
+            </a:r>
+            <a:br/>
+            <a:r>
+              <a:t> `````` 3.0 == 3 ```</a:t>
+            </a:r>
+            <a:br/>
+          </a:p>
+        </p:txBody>
+      </p:sp>
+    </p:spTree>
+  </p:cSld>
+  <p:clrMapOvr>
+    <a:masterClrMapping/>
+  </p:clrMapOvr>
+</p:sld>
+</file>
+
+<file path=ppt/slides/slide319.xml><?xml version="1.0" encoding="utf-8"?>
+<p:sld xmlns:a="http://schemas.openxmlformats.org/drawingml/2006/main" xmlns:p="http://schemas.openxmlformats.org/presentationml/2006/main" xmlns:r="http://schemas.openxmlformats.org/officeDocument/2006/relationships">
+  <p:cSld>
+    <p:spTree>
+      <p:nvGrpSpPr>
+        <p:cNvPr id="1" name=""/>
+        <p:cNvGrpSpPr/>
+        <p:nvPr/>
+      </p:nvGrpSpPr>
+      <p:grpSpPr/>
+      <p:sp>
+        <p:nvSpPr>
+          <p:cNvPr id="2" name="TextBox 1"/>
+          <p:cNvSpPr txBox="1"/>
+          <p:nvPr/>
+        </p:nvSpPr>
+        <p:spPr>
+          <a:xfrm>
+            <a:off x="914400" y="914400"/>
+            <a:ext cx="914400" cy="914400"/>
+          </a:xfrm>
+          <a:prstGeom prst="rect">
+            <a:avLst/>
+          </a:prstGeom>
+          <a:noFill/>
+        </p:spPr>
+        <p:txBody>
+          <a:bodyPr wrap="none">
+            <a:spAutoFit/>
+          </a:bodyPr>
+          <a:lstStyle/>
+          <a:p>
+            <a:r>
+              <a:t>Python Code: </a:t>
+            </a:r>
+          </a:p>
+          <a:p>
+            <a:pPr>
+              <a:defRPr sz="1200"/>
+            </a:pPr>
+            <a:r>
+              <a:t>``` # Beantwoord voordat u de cel uitvoert</a:t>
+            </a:r>
+            <a:br/>
+            <a:r>
+              <a:t> `````` 4**0.5 != 2 ```</a:t>
+            </a:r>
+            <a:br/>
+          </a:p>
+        </p:txBody>
+      </p:sp>
+    </p:spTree>
+  </p:cSld>
+  <p:clrMapOvr>
+    <a:masterClrMapping/>
+  </p:clrMapOvr>
+</p:sld>
+</file>
+
 <file path=ppt/slides/slide32.xml><?xml version="1.0" encoding="utf-8"?>
 <p:sld xmlns:a="http://schemas.openxmlformats.org/drawingml/2006/main" xmlns:p="http://schemas.openxmlformats.org/presentationml/2006/main" xmlns:r="http://schemas.openxmlformats.org/officeDocument/2006/relationships">
   <p:cSld>
@@ -12665,6 +19238,191 @@
           </a:p>
           <a:p/>
           <a:p/>
+        </p:txBody>
+      </p:sp>
+    </p:spTree>
+  </p:cSld>
+  <p:clrMapOvr>
+    <a:masterClrMapping/>
+  </p:clrMapOvr>
+</p:sld>
+</file>
+
+<file path=ppt/slides/slide320.xml><?xml version="1.0" encoding="utf-8"?>
+<p:sld xmlns:a="http://schemas.openxmlformats.org/drawingml/2006/main" xmlns:p="http://schemas.openxmlformats.org/presentationml/2006/main" xmlns:r="http://schemas.openxmlformats.org/officeDocument/2006/relationships">
+  <p:cSld>
+    <p:spTree>
+      <p:nvGrpSpPr>
+        <p:cNvPr id="1" name=""/>
+        <p:cNvGrpSpPr/>
+        <p:nvPr/>
+      </p:nvGrpSpPr>
+      <p:grpSpPr/>
+      <p:sp>
+        <p:nvSpPr>
+          <p:cNvPr id="2" name="TextBox 1"/>
+          <p:cNvSpPr txBox="1"/>
+          <p:nvPr/>
+        </p:nvSpPr>
+        <p:spPr>
+          <a:xfrm>
+            <a:off x="914400" y="914400"/>
+            <a:ext cx="914400" cy="914400"/>
+          </a:xfrm>
+          <a:prstGeom prst="rect">
+            <a:avLst/>
+          </a:prstGeom>
+          <a:noFill/>
+        </p:spPr>
+        <p:txBody>
+          <a:bodyPr wrap="none">
+            <a:spAutoFit/>
+          </a:bodyPr>
+          <a:lstStyle/>
+          <a:p>
+            <a:r>
+              <a:t>Info:</a:t>
+            </a:r>
+          </a:p>
+          <a:p>
+            <a:pPr>
+              <a:defRPr sz="1200"/>
+            </a:pPr>
+            <a:r>
+              <a:t>Laatste vraag: Wat is de booleaanse uitvoer van het onderstaande cel-blok?</a:t>
+            </a:r>
+            <a:br/>
+          </a:p>
+        </p:txBody>
+      </p:sp>
+    </p:spTree>
+  </p:cSld>
+  <p:clrMapOvr>
+    <a:masterClrMapping/>
+  </p:clrMapOvr>
+</p:sld>
+</file>
+
+<file path=ppt/slides/slide321.xml><?xml version="1.0" encoding="utf-8"?>
+<p:sld xmlns:a="http://schemas.openxmlformats.org/drawingml/2006/main" xmlns:p="http://schemas.openxmlformats.org/presentationml/2006/main" xmlns:r="http://schemas.openxmlformats.org/officeDocument/2006/relationships">
+  <p:cSld>
+    <p:spTree>
+      <p:nvGrpSpPr>
+        <p:cNvPr id="1" name=""/>
+        <p:cNvGrpSpPr/>
+        <p:nvPr/>
+      </p:nvGrpSpPr>
+      <p:grpSpPr/>
+      <p:sp>
+        <p:nvSpPr>
+          <p:cNvPr id="2" name="TextBox 1"/>
+          <p:cNvSpPr txBox="1"/>
+          <p:nvPr/>
+        </p:nvSpPr>
+        <p:spPr>
+          <a:xfrm>
+            <a:off x="914400" y="914400"/>
+            <a:ext cx="914400" cy="914400"/>
+          </a:xfrm>
+          <a:prstGeom prst="rect">
+            <a:avLst/>
+          </a:prstGeom>
+          <a:noFill/>
+        </p:spPr>
+        <p:txBody>
+          <a:bodyPr wrap="none">
+            <a:spAutoFit/>
+          </a:bodyPr>
+          <a:lstStyle/>
+          <a:p>
+            <a:r>
+              <a:t>Python Code: </a:t>
+            </a:r>
+          </a:p>
+          <a:p>
+            <a:pPr>
+              <a:defRPr sz="1200"/>
+            </a:pPr>
+            <a:r>
+              <a:t>``` # twee geneste lijsten</a:t>
+            </a:r>
+            <a:br/>
+            <a:r>
+              <a:t> `````` l_one = [1,2,[3,4]]</a:t>
+            </a:r>
+            <a:br/>
+            <a:r>
+              <a:t> `````` l_two = [1,2,{'k1':4}]</a:t>
+            </a:r>
+            <a:br/>
+            <a:r>
+              <a:t> `````` </a:t>
+            </a:r>
+            <a:br/>
+            <a:r>
+              <a:t> `````` # True of False?</a:t>
+            </a:r>
+            <a:br/>
+            <a:r>
+              <a:t> `````` l_one[2][0] &gt;= l_two[2]['k1'] ```</a:t>
+            </a:r>
+            <a:br/>
+          </a:p>
+        </p:txBody>
+      </p:sp>
+    </p:spTree>
+  </p:cSld>
+  <p:clrMapOvr>
+    <a:masterClrMapping/>
+  </p:clrMapOvr>
+</p:sld>
+</file>
+
+<file path=ppt/slides/slide322.xml><?xml version="1.0" encoding="utf-8"?>
+<p:sld xmlns:a="http://schemas.openxmlformats.org/drawingml/2006/main" xmlns:p="http://schemas.openxmlformats.org/presentationml/2006/main" xmlns:r="http://schemas.openxmlformats.org/officeDocument/2006/relationships">
+  <p:cSld>
+    <p:spTree>
+      <p:nvGrpSpPr>
+        <p:cNvPr id="1" name=""/>
+        <p:cNvGrpSpPr/>
+        <p:nvPr/>
+      </p:nvGrpSpPr>
+      <p:grpSpPr/>
+      <p:sp>
+        <p:nvSpPr>
+          <p:cNvPr id="2" name="TextBox 1"/>
+          <p:cNvSpPr txBox="1"/>
+          <p:nvPr/>
+        </p:nvSpPr>
+        <p:spPr>
+          <a:xfrm>
+            <a:off x="914400" y="914400"/>
+            <a:ext cx="914400" cy="914400"/>
+          </a:xfrm>
+          <a:prstGeom prst="rect">
+            <a:avLst/>
+          </a:prstGeom>
+          <a:noFill/>
+        </p:spPr>
+        <p:txBody>
+          <a:bodyPr wrap="none">
+            <a:spAutoFit/>
+          </a:bodyPr>
+          <a:lstStyle/>
+          <a:p>
+            <a:r>
+              <a:t>Info:</a:t>
+            </a:r>
+          </a:p>
+          <a:p>
+            <a:pPr>
+              <a:defRPr sz="1200"/>
+            </a:pPr>
+            <a:r>
+              <a:t>## Goed gedaan bij je eerste opdracht!</a:t>
+            </a:r>
+            <a:br/>
+          </a:p>
         </p:txBody>
       </p:sp>
     </p:spTree>

--- a/Notebooks/Nederlands/02 - Objecten datastructuren en operatoren/13 - Opdrachten.pptx
+++ b/Notebooks/Nederlands/02 - Objecten datastructuren en operatoren/13 - Opdrachten.pptx
@@ -17,7 +17,7 @@
     <p:sldId id="265" r:id="rId11"/>
     <p:sldId id="266" r:id="rId12"/>
   </p:sldIdLst>
-  <p:sldSz cx="9144000" cy="5143500" type="screen16x9"/>
+  <p:sldSz cx="9144000" cy="6858000" type="screen4x3"/>
   <p:notesSz cx="6858000" cy="9144000"/>
   <p:defaultTextStyle>
     <a:defPPr>
@@ -117,12 +117,12 @@
   <p:extLst>
     <p:ext uri="{EFAFB233-063F-42B5-8137-9DF3F51BA10A}">
       <p15:sldGuideLst xmlns:p15="http://schemas.microsoft.com/office/powerpoint/2012/main">
-        <p15:guide id="1" orient="horz" pos="1620" userDrawn="1">
+        <p15:guide id="1" orient="horz" pos="2160">
           <p15:clr>
             <a:srgbClr val="A4A3A4"/>
           </p15:clr>
         </p15:guide>
-        <p15:guide id="2" pos="2880" userDrawn="1">
+        <p15:guide id="2" pos="2880">
           <p15:clr>
             <a:srgbClr val="A4A3A4"/>
           </p15:clr>
@@ -162,8 +162,8 @@
         </p:nvSpPr>
         <p:spPr>
           <a:xfrm>
-            <a:off x="685800" y="1597819"/>
-            <a:ext cx="7772400" cy="1102519"/>
+            <a:off x="685800" y="2130425"/>
+            <a:ext cx="7772400" cy="1470025"/>
           </a:xfrm>
         </p:spPr>
         <p:txBody>
@@ -171,9 +171,10 @@
           <a:lstStyle/>
           <a:p>
             <a:r>
-              <a:rPr lang="en-US"/>
+              <a:rPr lang="en-US" smtClean="0"/>
               <a:t>Click to edit Master title style</a:t>
             </a:r>
+            <a:endParaRPr lang="en-US"/>
           </a:p>
         </p:txBody>
       </p:sp>
@@ -189,8 +190,8 @@
         </p:nvSpPr>
         <p:spPr>
           <a:xfrm>
-            <a:off x="1371600" y="2914650"/>
-            <a:ext cx="6400800" cy="1314450"/>
+            <a:off x="1371600" y="3886200"/>
+            <a:ext cx="6400800" cy="1752600"/>
           </a:xfrm>
         </p:spPr>
         <p:txBody>
@@ -206,7 +207,7 @@
                 </a:solidFill>
               </a:defRPr>
             </a:lvl1pPr>
-            <a:lvl2pPr marL="342900" indent="0" algn="ctr">
+            <a:lvl2pPr marL="457200" indent="0" algn="ctr">
               <a:buNone/>
               <a:defRPr>
                 <a:solidFill>
@@ -216,7 +217,7 @@
                 </a:solidFill>
               </a:defRPr>
             </a:lvl2pPr>
-            <a:lvl3pPr marL="685800" indent="0" algn="ctr">
+            <a:lvl3pPr marL="914400" indent="0" algn="ctr">
               <a:buNone/>
               <a:defRPr>
                 <a:solidFill>
@@ -226,7 +227,7 @@
                 </a:solidFill>
               </a:defRPr>
             </a:lvl3pPr>
-            <a:lvl4pPr marL="1028700" indent="0" algn="ctr">
+            <a:lvl4pPr marL="1371600" indent="0" algn="ctr">
               <a:buNone/>
               <a:defRPr>
                 <a:solidFill>
@@ -236,7 +237,7 @@
                 </a:solidFill>
               </a:defRPr>
             </a:lvl4pPr>
-            <a:lvl5pPr marL="1371600" indent="0" algn="ctr">
+            <a:lvl5pPr marL="1828800" indent="0" algn="ctr">
               <a:buNone/>
               <a:defRPr>
                 <a:solidFill>
@@ -246,7 +247,7 @@
                 </a:solidFill>
               </a:defRPr>
             </a:lvl5pPr>
-            <a:lvl6pPr marL="1714500" indent="0" algn="ctr">
+            <a:lvl6pPr marL="2286000" indent="0" algn="ctr">
               <a:buNone/>
               <a:defRPr>
                 <a:solidFill>
@@ -256,7 +257,7 @@
                 </a:solidFill>
               </a:defRPr>
             </a:lvl6pPr>
-            <a:lvl7pPr marL="2057400" indent="0" algn="ctr">
+            <a:lvl7pPr marL="2743200" indent="0" algn="ctr">
               <a:buNone/>
               <a:defRPr>
                 <a:solidFill>
@@ -266,7 +267,7 @@
                 </a:solidFill>
               </a:defRPr>
             </a:lvl7pPr>
-            <a:lvl8pPr marL="2400300" indent="0" algn="ctr">
+            <a:lvl8pPr marL="3200400" indent="0" algn="ctr">
               <a:buNone/>
               <a:defRPr>
                 <a:solidFill>
@@ -276,7 +277,7 @@
                 </a:solidFill>
               </a:defRPr>
             </a:lvl8pPr>
-            <a:lvl9pPr marL="2743200" indent="0" algn="ctr">
+            <a:lvl9pPr marL="3657600" indent="0" algn="ctr">
               <a:buNone/>
               <a:defRPr>
                 <a:solidFill>
@@ -289,9 +290,10 @@
           </a:lstStyle>
           <a:p>
             <a:r>
-              <a:rPr lang="en-US"/>
+              <a:rPr lang="en-US" smtClean="0"/>
               <a:t>Click to edit Master subtitle style</a:t>
             </a:r>
+            <a:endParaRPr lang="en-US"/>
           </a:p>
         </p:txBody>
       </p:sp>
@@ -312,7 +314,7 @@
           <a:p>
             <a:fld id="{241EB5C9-1307-BA42-ABA2-0BC069CD8E7F}" type="datetimeFigureOut">
               <a:rPr lang="en-US" smtClean="0"/>
-              <a:t>1/2/22</a:t>
+              <a:t>4/5/2019</a:t>
             </a:fld>
             <a:endParaRPr lang="en-US"/>
           </a:p>
@@ -406,9 +408,10 @@
           <a:lstStyle/>
           <a:p>
             <a:r>
-              <a:rPr lang="en-US"/>
+              <a:rPr lang="en-US" smtClean="0"/>
               <a:t>Click to edit Master title style</a:t>
             </a:r>
+            <a:endParaRPr lang="en-US"/>
           </a:p>
         </p:txBody>
       </p:sp>
@@ -429,37 +432,38 @@
           <a:p>
             <a:pPr lvl="0"/>
             <a:r>
-              <a:rPr lang="en-US"/>
+              <a:rPr lang="en-US" smtClean="0"/>
               <a:t>Click to edit Master text styles</a:t>
             </a:r>
           </a:p>
           <a:p>
             <a:pPr lvl="1"/>
             <a:r>
-              <a:rPr lang="en-US"/>
+              <a:rPr lang="en-US" smtClean="0"/>
               <a:t>Second level</a:t>
             </a:r>
           </a:p>
           <a:p>
             <a:pPr lvl="2"/>
             <a:r>
-              <a:rPr lang="en-US"/>
+              <a:rPr lang="en-US" smtClean="0"/>
               <a:t>Third level</a:t>
             </a:r>
           </a:p>
           <a:p>
             <a:pPr lvl="3"/>
             <a:r>
-              <a:rPr lang="en-US"/>
+              <a:rPr lang="en-US" smtClean="0"/>
               <a:t>Fourth level</a:t>
             </a:r>
           </a:p>
           <a:p>
             <a:pPr lvl="4"/>
             <a:r>
-              <a:rPr lang="en-US"/>
+              <a:rPr lang="en-US" smtClean="0"/>
               <a:t>Fifth level</a:t>
             </a:r>
+            <a:endParaRPr lang="en-US"/>
           </a:p>
         </p:txBody>
       </p:sp>
@@ -480,7 +484,7 @@
           <a:p>
             <a:fld id="{241EB5C9-1307-BA42-ABA2-0BC069CD8E7F}" type="datetimeFigureOut">
               <a:rPr lang="en-US" smtClean="0"/>
-              <a:t>1/2/22</a:t>
+              <a:t>4/5/2019</a:t>
             </a:fld>
             <a:endParaRPr lang="en-US"/>
           </a:p>
@@ -570,8 +574,8 @@
         </p:nvSpPr>
         <p:spPr>
           <a:xfrm>
-            <a:off x="6629400" y="205979"/>
-            <a:ext cx="2057400" cy="4388644"/>
+            <a:off x="6629400" y="274638"/>
+            <a:ext cx="2057400" cy="5851525"/>
           </a:xfrm>
         </p:spPr>
         <p:txBody>
@@ -579,9 +583,10 @@
           <a:lstStyle/>
           <a:p>
             <a:r>
-              <a:rPr lang="en-US"/>
+              <a:rPr lang="en-US" smtClean="0"/>
               <a:t>Click to edit Master title style</a:t>
             </a:r>
+            <a:endParaRPr lang="en-US"/>
           </a:p>
         </p:txBody>
       </p:sp>
@@ -597,8 +602,8 @@
         </p:nvSpPr>
         <p:spPr>
           <a:xfrm>
-            <a:off x="457200" y="205979"/>
-            <a:ext cx="6019800" cy="4388644"/>
+            <a:off x="457200" y="274638"/>
+            <a:ext cx="6019800" cy="5851525"/>
           </a:xfrm>
         </p:spPr>
         <p:txBody>
@@ -607,37 +612,38 @@
           <a:p>
             <a:pPr lvl="0"/>
             <a:r>
-              <a:rPr lang="en-US"/>
+              <a:rPr lang="en-US" smtClean="0"/>
               <a:t>Click to edit Master text styles</a:t>
             </a:r>
           </a:p>
           <a:p>
             <a:pPr lvl="1"/>
             <a:r>
-              <a:rPr lang="en-US"/>
+              <a:rPr lang="en-US" smtClean="0"/>
               <a:t>Second level</a:t>
             </a:r>
           </a:p>
           <a:p>
             <a:pPr lvl="2"/>
             <a:r>
-              <a:rPr lang="en-US"/>
+              <a:rPr lang="en-US" smtClean="0"/>
               <a:t>Third level</a:t>
             </a:r>
           </a:p>
           <a:p>
             <a:pPr lvl="3"/>
             <a:r>
-              <a:rPr lang="en-US"/>
+              <a:rPr lang="en-US" smtClean="0"/>
               <a:t>Fourth level</a:t>
             </a:r>
           </a:p>
           <a:p>
             <a:pPr lvl="4"/>
             <a:r>
-              <a:rPr lang="en-US"/>
+              <a:rPr lang="en-US" smtClean="0"/>
               <a:t>Fifth level</a:t>
             </a:r>
+            <a:endParaRPr lang="en-US"/>
           </a:p>
         </p:txBody>
       </p:sp>
@@ -658,7 +664,7 @@
           <a:p>
             <a:fld id="{241EB5C9-1307-BA42-ABA2-0BC069CD8E7F}" type="datetimeFigureOut">
               <a:rPr lang="en-US" smtClean="0"/>
-              <a:t>1/2/22</a:t>
+              <a:t>4/5/2019</a:t>
             </a:fld>
             <a:endParaRPr lang="en-US"/>
           </a:p>
@@ -752,9 +758,10 @@
           <a:lstStyle/>
           <a:p>
             <a:r>
-              <a:rPr lang="en-US"/>
+              <a:rPr lang="en-US" smtClean="0"/>
               <a:t>Click to edit Master title style</a:t>
             </a:r>
+            <a:endParaRPr lang="en-US"/>
           </a:p>
         </p:txBody>
       </p:sp>
@@ -775,37 +782,38 @@
           <a:p>
             <a:pPr lvl="0"/>
             <a:r>
-              <a:rPr lang="en-US"/>
+              <a:rPr lang="en-US" smtClean="0"/>
               <a:t>Click to edit Master text styles</a:t>
             </a:r>
           </a:p>
           <a:p>
             <a:pPr lvl="1"/>
             <a:r>
-              <a:rPr lang="en-US"/>
+              <a:rPr lang="en-US" smtClean="0"/>
               <a:t>Second level</a:t>
             </a:r>
           </a:p>
           <a:p>
             <a:pPr lvl="2"/>
             <a:r>
-              <a:rPr lang="en-US"/>
+              <a:rPr lang="en-US" smtClean="0"/>
               <a:t>Third level</a:t>
             </a:r>
           </a:p>
           <a:p>
             <a:pPr lvl="3"/>
             <a:r>
-              <a:rPr lang="en-US"/>
+              <a:rPr lang="en-US" smtClean="0"/>
               <a:t>Fourth level</a:t>
             </a:r>
           </a:p>
           <a:p>
             <a:pPr lvl="4"/>
             <a:r>
-              <a:rPr lang="en-US"/>
+              <a:rPr lang="en-US" smtClean="0"/>
               <a:t>Fifth level</a:t>
             </a:r>
+            <a:endParaRPr lang="en-US"/>
           </a:p>
         </p:txBody>
       </p:sp>
@@ -826,7 +834,7 @@
           <a:p>
             <a:fld id="{241EB5C9-1307-BA42-ABA2-0BC069CD8E7F}" type="datetimeFigureOut">
               <a:rPr lang="en-US" smtClean="0"/>
-              <a:t>1/2/22</a:t>
+              <a:t>4/5/2019</a:t>
             </a:fld>
             <a:endParaRPr lang="en-US"/>
           </a:p>
@@ -916,22 +924,23 @@
         </p:nvSpPr>
         <p:spPr>
           <a:xfrm>
-            <a:off x="722313" y="3305176"/>
-            <a:ext cx="7772400" cy="1021556"/>
+            <a:off x="722313" y="4406900"/>
+            <a:ext cx="7772400" cy="1362075"/>
           </a:xfrm>
         </p:spPr>
         <p:txBody>
           <a:bodyPr anchor="t"/>
           <a:lstStyle>
             <a:lvl1pPr algn="l">
-              <a:defRPr sz="3000" b="1" cap="all"/>
+              <a:defRPr sz="4000" b="1" cap="all"/>
             </a:lvl1pPr>
           </a:lstStyle>
           <a:p>
             <a:r>
-              <a:rPr lang="en-US"/>
+              <a:rPr lang="en-US" smtClean="0"/>
               <a:t>Click to edit Master title style</a:t>
             </a:r>
+            <a:endParaRPr lang="en-US"/>
           </a:p>
         </p:txBody>
       </p:sp>
@@ -947,8 +956,8 @@
         </p:nvSpPr>
         <p:spPr>
           <a:xfrm>
-            <a:off x="722313" y="2180035"/>
-            <a:ext cx="7772400" cy="1125140"/>
+            <a:off x="722313" y="2906713"/>
+            <a:ext cx="7772400" cy="1500187"/>
           </a:xfrm>
         </p:spPr>
         <p:txBody>
@@ -956,7 +965,7 @@
           <a:lstStyle>
             <a:lvl1pPr marL="0" indent="0">
               <a:buNone/>
-              <a:defRPr sz="1500">
+              <a:defRPr sz="2000">
                 <a:solidFill>
                   <a:schemeClr val="tx1">
                     <a:tint val="75000"/>
@@ -964,9 +973,9 @@
                 </a:solidFill>
               </a:defRPr>
             </a:lvl1pPr>
-            <a:lvl2pPr marL="342900" indent="0">
-              <a:buNone/>
-              <a:defRPr sz="1350">
+            <a:lvl2pPr marL="457200" indent="0">
+              <a:buNone/>
+              <a:defRPr sz="1800">
                 <a:solidFill>
                   <a:schemeClr val="tx1">
                     <a:tint val="75000"/>
@@ -974,9 +983,9 @@
                 </a:solidFill>
               </a:defRPr>
             </a:lvl2pPr>
-            <a:lvl3pPr marL="685800" indent="0">
-              <a:buNone/>
-              <a:defRPr sz="1200">
+            <a:lvl3pPr marL="914400" indent="0">
+              <a:buNone/>
+              <a:defRPr sz="1600">
                 <a:solidFill>
                   <a:schemeClr val="tx1">
                     <a:tint val="75000"/>
@@ -984,9 +993,9 @@
                 </a:solidFill>
               </a:defRPr>
             </a:lvl3pPr>
-            <a:lvl4pPr marL="1028700" indent="0">
-              <a:buNone/>
-              <a:defRPr sz="1050">
+            <a:lvl4pPr marL="1371600" indent="0">
+              <a:buNone/>
+              <a:defRPr sz="1400">
                 <a:solidFill>
                   <a:schemeClr val="tx1">
                     <a:tint val="75000"/>
@@ -994,9 +1003,9 @@
                 </a:solidFill>
               </a:defRPr>
             </a:lvl4pPr>
-            <a:lvl5pPr marL="1371600" indent="0">
-              <a:buNone/>
-              <a:defRPr sz="1050">
+            <a:lvl5pPr marL="1828800" indent="0">
+              <a:buNone/>
+              <a:defRPr sz="1400">
                 <a:solidFill>
                   <a:schemeClr val="tx1">
                     <a:tint val="75000"/>
@@ -1004,9 +1013,9 @@
                 </a:solidFill>
               </a:defRPr>
             </a:lvl5pPr>
-            <a:lvl6pPr marL="1714500" indent="0">
-              <a:buNone/>
-              <a:defRPr sz="1050">
+            <a:lvl6pPr marL="2286000" indent="0">
+              <a:buNone/>
+              <a:defRPr sz="1400">
                 <a:solidFill>
                   <a:schemeClr val="tx1">
                     <a:tint val="75000"/>
@@ -1014,9 +1023,9 @@
                 </a:solidFill>
               </a:defRPr>
             </a:lvl6pPr>
-            <a:lvl7pPr marL="2057400" indent="0">
-              <a:buNone/>
-              <a:defRPr sz="1050">
+            <a:lvl7pPr marL="2743200" indent="0">
+              <a:buNone/>
+              <a:defRPr sz="1400">
                 <a:solidFill>
                   <a:schemeClr val="tx1">
                     <a:tint val="75000"/>
@@ -1024,9 +1033,9 @@
                 </a:solidFill>
               </a:defRPr>
             </a:lvl7pPr>
-            <a:lvl8pPr marL="2400300" indent="0">
-              <a:buNone/>
-              <a:defRPr sz="1050">
+            <a:lvl8pPr marL="3200400" indent="0">
+              <a:buNone/>
+              <a:defRPr sz="1400">
                 <a:solidFill>
                   <a:schemeClr val="tx1">
                     <a:tint val="75000"/>
@@ -1034,9 +1043,9 @@
                 </a:solidFill>
               </a:defRPr>
             </a:lvl8pPr>
-            <a:lvl9pPr marL="2743200" indent="0">
-              <a:buNone/>
-              <a:defRPr sz="1050">
+            <a:lvl9pPr marL="3657600" indent="0">
+              <a:buNone/>
+              <a:defRPr sz="1400">
                 <a:solidFill>
                   <a:schemeClr val="tx1">
                     <a:tint val="75000"/>
@@ -1048,7 +1057,7 @@
           <a:p>
             <a:pPr lvl="0"/>
             <a:r>
-              <a:rPr lang="en-US"/>
+              <a:rPr lang="en-US" smtClean="0"/>
               <a:t>Click to edit Master text styles</a:t>
             </a:r>
           </a:p>
@@ -1071,7 +1080,7 @@
           <a:p>
             <a:fld id="{241EB5C9-1307-BA42-ABA2-0BC069CD8E7F}" type="datetimeFigureOut">
               <a:rPr lang="en-US" smtClean="0"/>
-              <a:t>1/2/22</a:t>
+              <a:t>4/5/2019</a:t>
             </a:fld>
             <a:endParaRPr lang="en-US"/>
           </a:p>
@@ -1165,9 +1174,10 @@
           <a:lstStyle/>
           <a:p>
             <a:r>
-              <a:rPr lang="en-US"/>
+              <a:rPr lang="en-US" smtClean="0"/>
               <a:t>Click to edit Master title style</a:t>
             </a:r>
+            <a:endParaRPr lang="en-US"/>
           </a:p>
         </p:txBody>
       </p:sp>
@@ -1183,75 +1193,76 @@
         </p:nvSpPr>
         <p:spPr>
           <a:xfrm>
-            <a:off x="457200" y="1200151"/>
-            <a:ext cx="4038600" cy="3394472"/>
+            <a:off x="457200" y="1600200"/>
+            <a:ext cx="4038600" cy="4525963"/>
           </a:xfrm>
         </p:spPr>
         <p:txBody>
           <a:bodyPr/>
           <a:lstStyle>
             <a:lvl1pPr>
-              <a:defRPr sz="2100"/>
+              <a:defRPr sz="2800"/>
             </a:lvl1pPr>
             <a:lvl2pPr>
-              <a:defRPr sz="1800"/>
+              <a:defRPr sz="2400"/>
             </a:lvl2pPr>
             <a:lvl3pPr>
-              <a:defRPr sz="1500"/>
+              <a:defRPr sz="2000"/>
             </a:lvl3pPr>
             <a:lvl4pPr>
-              <a:defRPr sz="1350"/>
+              <a:defRPr sz="1800"/>
             </a:lvl4pPr>
             <a:lvl5pPr>
-              <a:defRPr sz="1350"/>
+              <a:defRPr sz="1800"/>
             </a:lvl5pPr>
             <a:lvl6pPr>
-              <a:defRPr sz="1350"/>
+              <a:defRPr sz="1800"/>
             </a:lvl6pPr>
             <a:lvl7pPr>
-              <a:defRPr sz="1350"/>
+              <a:defRPr sz="1800"/>
             </a:lvl7pPr>
             <a:lvl8pPr>
-              <a:defRPr sz="1350"/>
+              <a:defRPr sz="1800"/>
             </a:lvl8pPr>
             <a:lvl9pPr>
-              <a:defRPr sz="1350"/>
+              <a:defRPr sz="1800"/>
             </a:lvl9pPr>
           </a:lstStyle>
           <a:p>
             <a:pPr lvl="0"/>
             <a:r>
-              <a:rPr lang="en-US"/>
+              <a:rPr lang="en-US" smtClean="0"/>
               <a:t>Click to edit Master text styles</a:t>
             </a:r>
           </a:p>
           <a:p>
             <a:pPr lvl="1"/>
             <a:r>
-              <a:rPr lang="en-US"/>
+              <a:rPr lang="en-US" smtClean="0"/>
               <a:t>Second level</a:t>
             </a:r>
           </a:p>
           <a:p>
             <a:pPr lvl="2"/>
             <a:r>
-              <a:rPr lang="en-US"/>
+              <a:rPr lang="en-US" smtClean="0"/>
               <a:t>Third level</a:t>
             </a:r>
           </a:p>
           <a:p>
             <a:pPr lvl="3"/>
             <a:r>
-              <a:rPr lang="en-US"/>
+              <a:rPr lang="en-US" smtClean="0"/>
               <a:t>Fourth level</a:t>
             </a:r>
           </a:p>
           <a:p>
             <a:pPr lvl="4"/>
             <a:r>
-              <a:rPr lang="en-US"/>
+              <a:rPr lang="en-US" smtClean="0"/>
               <a:t>Fifth level</a:t>
             </a:r>
+            <a:endParaRPr lang="en-US"/>
           </a:p>
         </p:txBody>
       </p:sp>
@@ -1267,75 +1278,76 @@
         </p:nvSpPr>
         <p:spPr>
           <a:xfrm>
-            <a:off x="4648200" y="1200151"/>
-            <a:ext cx="4038600" cy="3394472"/>
+            <a:off x="4648200" y="1600200"/>
+            <a:ext cx="4038600" cy="4525963"/>
           </a:xfrm>
         </p:spPr>
         <p:txBody>
           <a:bodyPr/>
           <a:lstStyle>
             <a:lvl1pPr>
-              <a:defRPr sz="2100"/>
+              <a:defRPr sz="2800"/>
             </a:lvl1pPr>
             <a:lvl2pPr>
-              <a:defRPr sz="1800"/>
+              <a:defRPr sz="2400"/>
             </a:lvl2pPr>
             <a:lvl3pPr>
-              <a:defRPr sz="1500"/>
+              <a:defRPr sz="2000"/>
             </a:lvl3pPr>
             <a:lvl4pPr>
-              <a:defRPr sz="1350"/>
+              <a:defRPr sz="1800"/>
             </a:lvl4pPr>
             <a:lvl5pPr>
-              <a:defRPr sz="1350"/>
+              <a:defRPr sz="1800"/>
             </a:lvl5pPr>
             <a:lvl6pPr>
-              <a:defRPr sz="1350"/>
+              <a:defRPr sz="1800"/>
             </a:lvl6pPr>
             <a:lvl7pPr>
-              <a:defRPr sz="1350"/>
+              <a:defRPr sz="1800"/>
             </a:lvl7pPr>
             <a:lvl8pPr>
-              <a:defRPr sz="1350"/>
+              <a:defRPr sz="1800"/>
             </a:lvl8pPr>
             <a:lvl9pPr>
-              <a:defRPr sz="1350"/>
+              <a:defRPr sz="1800"/>
             </a:lvl9pPr>
           </a:lstStyle>
           <a:p>
             <a:pPr lvl="0"/>
             <a:r>
-              <a:rPr lang="en-US"/>
+              <a:rPr lang="en-US" smtClean="0"/>
               <a:t>Click to edit Master text styles</a:t>
             </a:r>
           </a:p>
           <a:p>
             <a:pPr lvl="1"/>
             <a:r>
-              <a:rPr lang="en-US"/>
+              <a:rPr lang="en-US" smtClean="0"/>
               <a:t>Second level</a:t>
             </a:r>
           </a:p>
           <a:p>
             <a:pPr lvl="2"/>
             <a:r>
-              <a:rPr lang="en-US"/>
+              <a:rPr lang="en-US" smtClean="0"/>
               <a:t>Third level</a:t>
             </a:r>
           </a:p>
           <a:p>
             <a:pPr lvl="3"/>
             <a:r>
-              <a:rPr lang="en-US"/>
+              <a:rPr lang="en-US" smtClean="0"/>
               <a:t>Fourth level</a:t>
             </a:r>
           </a:p>
           <a:p>
             <a:pPr lvl="4"/>
             <a:r>
-              <a:rPr lang="en-US"/>
+              <a:rPr lang="en-US" smtClean="0"/>
               <a:t>Fifth level</a:t>
             </a:r>
+            <a:endParaRPr lang="en-US"/>
           </a:p>
         </p:txBody>
       </p:sp>
@@ -1356,7 +1368,7 @@
           <a:p>
             <a:fld id="{241EB5C9-1307-BA42-ABA2-0BC069CD8E7F}" type="datetimeFigureOut">
               <a:rPr lang="en-US" smtClean="0"/>
-              <a:t>1/2/22</a:t>
+              <a:t>4/5/2019</a:t>
             </a:fld>
             <a:endParaRPr lang="en-US"/>
           </a:p>
@@ -1454,9 +1466,10 @@
           </a:lstStyle>
           <a:p>
             <a:r>
-              <a:rPr lang="en-US"/>
+              <a:rPr lang="en-US" smtClean="0"/>
               <a:t>Click to edit Master title style</a:t>
             </a:r>
+            <a:endParaRPr lang="en-US"/>
           </a:p>
         </p:txBody>
       </p:sp>
@@ -1472,8 +1485,8 @@
         </p:nvSpPr>
         <p:spPr>
           <a:xfrm>
-            <a:off x="457200" y="1151335"/>
-            <a:ext cx="4040188" cy="479822"/>
+            <a:off x="457200" y="1535113"/>
+            <a:ext cx="4040188" cy="639762"/>
           </a:xfrm>
         </p:spPr>
         <p:txBody>
@@ -1481,45 +1494,45 @@
           <a:lstStyle>
             <a:lvl1pPr marL="0" indent="0">
               <a:buNone/>
+              <a:defRPr sz="2400" b="1"/>
+            </a:lvl1pPr>
+            <a:lvl2pPr marL="457200" indent="0">
+              <a:buNone/>
+              <a:defRPr sz="2000" b="1"/>
+            </a:lvl2pPr>
+            <a:lvl3pPr marL="914400" indent="0">
+              <a:buNone/>
               <a:defRPr sz="1800" b="1"/>
-            </a:lvl1pPr>
-            <a:lvl2pPr marL="342900" indent="0">
-              <a:buNone/>
-              <a:defRPr sz="1500" b="1"/>
-            </a:lvl2pPr>
-            <a:lvl3pPr marL="685800" indent="0">
-              <a:buNone/>
-              <a:defRPr sz="1350" b="1"/>
             </a:lvl3pPr>
-            <a:lvl4pPr marL="1028700" indent="0">
-              <a:buNone/>
-              <a:defRPr sz="1200" b="1"/>
+            <a:lvl4pPr marL="1371600" indent="0">
+              <a:buNone/>
+              <a:defRPr sz="1600" b="1"/>
             </a:lvl4pPr>
-            <a:lvl5pPr marL="1371600" indent="0">
-              <a:buNone/>
-              <a:defRPr sz="1200" b="1"/>
+            <a:lvl5pPr marL="1828800" indent="0">
+              <a:buNone/>
+              <a:defRPr sz="1600" b="1"/>
             </a:lvl5pPr>
-            <a:lvl6pPr marL="1714500" indent="0">
-              <a:buNone/>
-              <a:defRPr sz="1200" b="1"/>
+            <a:lvl6pPr marL="2286000" indent="0">
+              <a:buNone/>
+              <a:defRPr sz="1600" b="1"/>
             </a:lvl6pPr>
-            <a:lvl7pPr marL="2057400" indent="0">
-              <a:buNone/>
-              <a:defRPr sz="1200" b="1"/>
+            <a:lvl7pPr marL="2743200" indent="0">
+              <a:buNone/>
+              <a:defRPr sz="1600" b="1"/>
             </a:lvl7pPr>
-            <a:lvl8pPr marL="2400300" indent="0">
-              <a:buNone/>
-              <a:defRPr sz="1200" b="1"/>
+            <a:lvl8pPr marL="3200400" indent="0">
+              <a:buNone/>
+              <a:defRPr sz="1600" b="1"/>
             </a:lvl8pPr>
-            <a:lvl9pPr marL="2743200" indent="0">
-              <a:buNone/>
-              <a:defRPr sz="1200" b="1"/>
+            <a:lvl9pPr marL="3657600" indent="0">
+              <a:buNone/>
+              <a:defRPr sz="1600" b="1"/>
             </a:lvl9pPr>
           </a:lstStyle>
           <a:p>
             <a:pPr lvl="0"/>
             <a:r>
-              <a:rPr lang="en-US"/>
+              <a:rPr lang="en-US" smtClean="0"/>
               <a:t>Click to edit Master text styles</a:t>
             </a:r>
           </a:p>
@@ -1537,75 +1550,76 @@
         </p:nvSpPr>
         <p:spPr>
           <a:xfrm>
-            <a:off x="457200" y="1631156"/>
-            <a:ext cx="4040188" cy="2963466"/>
+            <a:off x="457200" y="2174875"/>
+            <a:ext cx="4040188" cy="3951288"/>
           </a:xfrm>
         </p:spPr>
         <p:txBody>
           <a:bodyPr/>
           <a:lstStyle>
             <a:lvl1pPr>
-              <a:defRPr sz="1800"/>
+              <a:defRPr sz="2400"/>
             </a:lvl1pPr>
             <a:lvl2pPr>
-              <a:defRPr sz="1500"/>
+              <a:defRPr sz="2000"/>
             </a:lvl2pPr>
             <a:lvl3pPr>
-              <a:defRPr sz="1350"/>
+              <a:defRPr sz="1800"/>
             </a:lvl3pPr>
             <a:lvl4pPr>
-              <a:defRPr sz="1200"/>
+              <a:defRPr sz="1600"/>
             </a:lvl4pPr>
             <a:lvl5pPr>
-              <a:defRPr sz="1200"/>
+              <a:defRPr sz="1600"/>
             </a:lvl5pPr>
             <a:lvl6pPr>
-              <a:defRPr sz="1200"/>
+              <a:defRPr sz="1600"/>
             </a:lvl6pPr>
             <a:lvl7pPr>
-              <a:defRPr sz="1200"/>
+              <a:defRPr sz="1600"/>
             </a:lvl7pPr>
             <a:lvl8pPr>
-              <a:defRPr sz="1200"/>
+              <a:defRPr sz="1600"/>
             </a:lvl8pPr>
             <a:lvl9pPr>
-              <a:defRPr sz="1200"/>
+              <a:defRPr sz="1600"/>
             </a:lvl9pPr>
           </a:lstStyle>
           <a:p>
             <a:pPr lvl="0"/>
             <a:r>
-              <a:rPr lang="en-US"/>
+              <a:rPr lang="en-US" smtClean="0"/>
               <a:t>Click to edit Master text styles</a:t>
             </a:r>
           </a:p>
           <a:p>
             <a:pPr lvl="1"/>
             <a:r>
-              <a:rPr lang="en-US"/>
+              <a:rPr lang="en-US" smtClean="0"/>
               <a:t>Second level</a:t>
             </a:r>
           </a:p>
           <a:p>
             <a:pPr lvl="2"/>
             <a:r>
-              <a:rPr lang="en-US"/>
+              <a:rPr lang="en-US" smtClean="0"/>
               <a:t>Third level</a:t>
             </a:r>
           </a:p>
           <a:p>
             <a:pPr lvl="3"/>
             <a:r>
-              <a:rPr lang="en-US"/>
+              <a:rPr lang="en-US" smtClean="0"/>
               <a:t>Fourth level</a:t>
             </a:r>
           </a:p>
           <a:p>
             <a:pPr lvl="4"/>
             <a:r>
-              <a:rPr lang="en-US"/>
+              <a:rPr lang="en-US" smtClean="0"/>
               <a:t>Fifth level</a:t>
             </a:r>
+            <a:endParaRPr lang="en-US"/>
           </a:p>
         </p:txBody>
       </p:sp>
@@ -1621,8 +1635,8 @@
         </p:nvSpPr>
         <p:spPr>
           <a:xfrm>
-            <a:off x="4645026" y="1151335"/>
-            <a:ext cx="4041775" cy="479822"/>
+            <a:off x="4645025" y="1535113"/>
+            <a:ext cx="4041775" cy="639762"/>
           </a:xfrm>
         </p:spPr>
         <p:txBody>
@@ -1630,45 +1644,45 @@
           <a:lstStyle>
             <a:lvl1pPr marL="0" indent="0">
               <a:buNone/>
+              <a:defRPr sz="2400" b="1"/>
+            </a:lvl1pPr>
+            <a:lvl2pPr marL="457200" indent="0">
+              <a:buNone/>
+              <a:defRPr sz="2000" b="1"/>
+            </a:lvl2pPr>
+            <a:lvl3pPr marL="914400" indent="0">
+              <a:buNone/>
               <a:defRPr sz="1800" b="1"/>
-            </a:lvl1pPr>
-            <a:lvl2pPr marL="342900" indent="0">
-              <a:buNone/>
-              <a:defRPr sz="1500" b="1"/>
-            </a:lvl2pPr>
-            <a:lvl3pPr marL="685800" indent="0">
-              <a:buNone/>
-              <a:defRPr sz="1350" b="1"/>
             </a:lvl3pPr>
-            <a:lvl4pPr marL="1028700" indent="0">
-              <a:buNone/>
-              <a:defRPr sz="1200" b="1"/>
+            <a:lvl4pPr marL="1371600" indent="0">
+              <a:buNone/>
+              <a:defRPr sz="1600" b="1"/>
             </a:lvl4pPr>
-            <a:lvl5pPr marL="1371600" indent="0">
-              <a:buNone/>
-              <a:defRPr sz="1200" b="1"/>
+            <a:lvl5pPr marL="1828800" indent="0">
+              <a:buNone/>
+              <a:defRPr sz="1600" b="1"/>
             </a:lvl5pPr>
-            <a:lvl6pPr marL="1714500" indent="0">
-              <a:buNone/>
-              <a:defRPr sz="1200" b="1"/>
+            <a:lvl6pPr marL="2286000" indent="0">
+              <a:buNone/>
+              <a:defRPr sz="1600" b="1"/>
             </a:lvl6pPr>
-            <a:lvl7pPr marL="2057400" indent="0">
-              <a:buNone/>
-              <a:defRPr sz="1200" b="1"/>
+            <a:lvl7pPr marL="2743200" indent="0">
+              <a:buNone/>
+              <a:defRPr sz="1600" b="1"/>
             </a:lvl7pPr>
-            <a:lvl8pPr marL="2400300" indent="0">
-              <a:buNone/>
-              <a:defRPr sz="1200" b="1"/>
+            <a:lvl8pPr marL="3200400" indent="0">
+              <a:buNone/>
+              <a:defRPr sz="1600" b="1"/>
             </a:lvl8pPr>
-            <a:lvl9pPr marL="2743200" indent="0">
-              <a:buNone/>
-              <a:defRPr sz="1200" b="1"/>
+            <a:lvl9pPr marL="3657600" indent="0">
+              <a:buNone/>
+              <a:defRPr sz="1600" b="1"/>
             </a:lvl9pPr>
           </a:lstStyle>
           <a:p>
             <a:pPr lvl="0"/>
             <a:r>
-              <a:rPr lang="en-US"/>
+              <a:rPr lang="en-US" smtClean="0"/>
               <a:t>Click to edit Master text styles</a:t>
             </a:r>
           </a:p>
@@ -1686,75 +1700,76 @@
         </p:nvSpPr>
         <p:spPr>
           <a:xfrm>
-            <a:off x="4645026" y="1631156"/>
-            <a:ext cx="4041775" cy="2963466"/>
+            <a:off x="4645025" y="2174875"/>
+            <a:ext cx="4041775" cy="3951288"/>
           </a:xfrm>
         </p:spPr>
         <p:txBody>
           <a:bodyPr/>
           <a:lstStyle>
             <a:lvl1pPr>
-              <a:defRPr sz="1800"/>
+              <a:defRPr sz="2400"/>
             </a:lvl1pPr>
             <a:lvl2pPr>
-              <a:defRPr sz="1500"/>
+              <a:defRPr sz="2000"/>
             </a:lvl2pPr>
             <a:lvl3pPr>
-              <a:defRPr sz="1350"/>
+              <a:defRPr sz="1800"/>
             </a:lvl3pPr>
             <a:lvl4pPr>
-              <a:defRPr sz="1200"/>
+              <a:defRPr sz="1600"/>
             </a:lvl4pPr>
             <a:lvl5pPr>
-              <a:defRPr sz="1200"/>
+              <a:defRPr sz="1600"/>
             </a:lvl5pPr>
             <a:lvl6pPr>
-              <a:defRPr sz="1200"/>
+              <a:defRPr sz="1600"/>
             </a:lvl6pPr>
             <a:lvl7pPr>
-              <a:defRPr sz="1200"/>
+              <a:defRPr sz="1600"/>
             </a:lvl7pPr>
             <a:lvl8pPr>
-              <a:defRPr sz="1200"/>
+              <a:defRPr sz="1600"/>
             </a:lvl8pPr>
             <a:lvl9pPr>
-              <a:defRPr sz="1200"/>
+              <a:defRPr sz="1600"/>
             </a:lvl9pPr>
           </a:lstStyle>
           <a:p>
             <a:pPr lvl="0"/>
             <a:r>
-              <a:rPr lang="en-US"/>
+              <a:rPr lang="en-US" smtClean="0"/>
               <a:t>Click to edit Master text styles</a:t>
             </a:r>
           </a:p>
           <a:p>
             <a:pPr lvl="1"/>
             <a:r>
-              <a:rPr lang="en-US"/>
+              <a:rPr lang="en-US" smtClean="0"/>
               <a:t>Second level</a:t>
             </a:r>
           </a:p>
           <a:p>
             <a:pPr lvl="2"/>
             <a:r>
-              <a:rPr lang="en-US"/>
+              <a:rPr lang="en-US" smtClean="0"/>
               <a:t>Third level</a:t>
             </a:r>
           </a:p>
           <a:p>
             <a:pPr lvl="3"/>
             <a:r>
-              <a:rPr lang="en-US"/>
+              <a:rPr lang="en-US" smtClean="0"/>
               <a:t>Fourth level</a:t>
             </a:r>
           </a:p>
           <a:p>
             <a:pPr lvl="4"/>
             <a:r>
-              <a:rPr lang="en-US"/>
+              <a:rPr lang="en-US" smtClean="0"/>
               <a:t>Fifth level</a:t>
             </a:r>
+            <a:endParaRPr lang="en-US"/>
           </a:p>
         </p:txBody>
       </p:sp>
@@ -1775,7 +1790,7 @@
           <a:p>
             <a:fld id="{241EB5C9-1307-BA42-ABA2-0BC069CD8E7F}" type="datetimeFigureOut">
               <a:rPr lang="en-US" smtClean="0"/>
-              <a:t>1/2/22</a:t>
+              <a:t>4/5/2019</a:t>
             </a:fld>
             <a:endParaRPr lang="en-US"/>
           </a:p>
@@ -1869,9 +1884,10 @@
           <a:lstStyle/>
           <a:p>
             <a:r>
-              <a:rPr lang="en-US"/>
+              <a:rPr lang="en-US" smtClean="0"/>
               <a:t>Click to edit Master title style</a:t>
             </a:r>
+            <a:endParaRPr lang="en-US"/>
           </a:p>
         </p:txBody>
       </p:sp>
@@ -1892,7 +1908,7 @@
           <a:p>
             <a:fld id="{241EB5C9-1307-BA42-ABA2-0BC069CD8E7F}" type="datetimeFigureOut">
               <a:rPr lang="en-US" smtClean="0"/>
-              <a:t>1/2/22</a:t>
+              <a:t>4/5/2019</a:t>
             </a:fld>
             <a:endParaRPr lang="en-US"/>
           </a:p>
@@ -1987,7 +2003,7 @@
           <a:p>
             <a:fld id="{241EB5C9-1307-BA42-ABA2-0BC069CD8E7F}" type="datetimeFigureOut">
               <a:rPr lang="en-US" smtClean="0"/>
-              <a:t>1/2/22</a:t>
+              <a:t>4/5/2019</a:t>
             </a:fld>
             <a:endParaRPr lang="en-US"/>
           </a:p>
@@ -2077,22 +2093,23 @@
         </p:nvSpPr>
         <p:spPr>
           <a:xfrm>
-            <a:off x="457201" y="204787"/>
-            <a:ext cx="3008313" cy="871538"/>
+            <a:off x="457200" y="273050"/>
+            <a:ext cx="3008313" cy="1162050"/>
           </a:xfrm>
         </p:spPr>
         <p:txBody>
           <a:bodyPr anchor="b"/>
           <a:lstStyle>
             <a:lvl1pPr algn="l">
-              <a:defRPr sz="1500" b="1"/>
+              <a:defRPr sz="2000" b="1"/>
             </a:lvl1pPr>
           </a:lstStyle>
           <a:p>
             <a:r>
-              <a:rPr lang="en-US"/>
+              <a:rPr lang="en-US" smtClean="0"/>
               <a:t>Click to edit Master title style</a:t>
             </a:r>
+            <a:endParaRPr lang="en-US"/>
           </a:p>
         </p:txBody>
       </p:sp>
@@ -2108,75 +2125,76 @@
         </p:nvSpPr>
         <p:spPr>
           <a:xfrm>
-            <a:off x="3575050" y="204788"/>
-            <a:ext cx="5111750" cy="4389835"/>
+            <a:off x="3575050" y="273050"/>
+            <a:ext cx="5111750" cy="5853113"/>
           </a:xfrm>
         </p:spPr>
         <p:txBody>
           <a:bodyPr/>
           <a:lstStyle>
             <a:lvl1pPr>
-              <a:defRPr sz="2400"/>
+              <a:defRPr sz="3200"/>
             </a:lvl1pPr>
             <a:lvl2pPr>
-              <a:defRPr sz="2100"/>
+              <a:defRPr sz="2800"/>
             </a:lvl2pPr>
             <a:lvl3pPr>
-              <a:defRPr sz="1800"/>
+              <a:defRPr sz="2400"/>
             </a:lvl3pPr>
             <a:lvl4pPr>
-              <a:defRPr sz="1500"/>
+              <a:defRPr sz="2000"/>
             </a:lvl4pPr>
             <a:lvl5pPr>
-              <a:defRPr sz="1500"/>
+              <a:defRPr sz="2000"/>
             </a:lvl5pPr>
             <a:lvl6pPr>
-              <a:defRPr sz="1500"/>
+              <a:defRPr sz="2000"/>
             </a:lvl6pPr>
             <a:lvl7pPr>
-              <a:defRPr sz="1500"/>
+              <a:defRPr sz="2000"/>
             </a:lvl7pPr>
             <a:lvl8pPr>
-              <a:defRPr sz="1500"/>
+              <a:defRPr sz="2000"/>
             </a:lvl8pPr>
             <a:lvl9pPr>
-              <a:defRPr sz="1500"/>
+              <a:defRPr sz="2000"/>
             </a:lvl9pPr>
           </a:lstStyle>
           <a:p>
             <a:pPr lvl="0"/>
             <a:r>
-              <a:rPr lang="en-US"/>
+              <a:rPr lang="en-US" smtClean="0"/>
               <a:t>Click to edit Master text styles</a:t>
             </a:r>
           </a:p>
           <a:p>
             <a:pPr lvl="1"/>
             <a:r>
-              <a:rPr lang="en-US"/>
+              <a:rPr lang="en-US" smtClean="0"/>
               <a:t>Second level</a:t>
             </a:r>
           </a:p>
           <a:p>
             <a:pPr lvl="2"/>
             <a:r>
-              <a:rPr lang="en-US"/>
+              <a:rPr lang="en-US" smtClean="0"/>
               <a:t>Third level</a:t>
             </a:r>
           </a:p>
           <a:p>
             <a:pPr lvl="3"/>
             <a:r>
-              <a:rPr lang="en-US"/>
+              <a:rPr lang="en-US" smtClean="0"/>
               <a:t>Fourth level</a:t>
             </a:r>
           </a:p>
           <a:p>
             <a:pPr lvl="4"/>
             <a:r>
-              <a:rPr lang="en-US"/>
+              <a:rPr lang="en-US" smtClean="0"/>
               <a:t>Fifth level</a:t>
             </a:r>
+            <a:endParaRPr lang="en-US"/>
           </a:p>
         </p:txBody>
       </p:sp>
@@ -2192,8 +2210,8 @@
         </p:nvSpPr>
         <p:spPr>
           <a:xfrm>
-            <a:off x="457201" y="1076326"/>
-            <a:ext cx="3008313" cy="3518297"/>
+            <a:off x="457200" y="1435100"/>
+            <a:ext cx="3008313" cy="4691063"/>
           </a:xfrm>
         </p:spPr>
         <p:txBody>
@@ -2201,45 +2219,45 @@
           <a:lstStyle>
             <a:lvl1pPr marL="0" indent="0">
               <a:buNone/>
-              <a:defRPr sz="1050"/>
+              <a:defRPr sz="1400"/>
             </a:lvl1pPr>
-            <a:lvl2pPr marL="342900" indent="0">
+            <a:lvl2pPr marL="457200" indent="0">
+              <a:buNone/>
+              <a:defRPr sz="1200"/>
+            </a:lvl2pPr>
+            <a:lvl3pPr marL="914400" indent="0">
+              <a:buNone/>
+              <a:defRPr sz="1000"/>
+            </a:lvl3pPr>
+            <a:lvl4pPr marL="1371600" indent="0">
               <a:buNone/>
               <a:defRPr sz="900"/>
-            </a:lvl2pPr>
-            <a:lvl3pPr marL="685800" indent="0">
-              <a:buNone/>
-              <a:defRPr sz="750"/>
-            </a:lvl3pPr>
-            <a:lvl4pPr marL="1028700" indent="0">
-              <a:buNone/>
-              <a:defRPr sz="675"/>
             </a:lvl4pPr>
-            <a:lvl5pPr marL="1371600" indent="0">
-              <a:buNone/>
-              <a:defRPr sz="675"/>
+            <a:lvl5pPr marL="1828800" indent="0">
+              <a:buNone/>
+              <a:defRPr sz="900"/>
             </a:lvl5pPr>
-            <a:lvl6pPr marL="1714500" indent="0">
-              <a:buNone/>
-              <a:defRPr sz="675"/>
+            <a:lvl6pPr marL="2286000" indent="0">
+              <a:buNone/>
+              <a:defRPr sz="900"/>
             </a:lvl6pPr>
-            <a:lvl7pPr marL="2057400" indent="0">
-              <a:buNone/>
-              <a:defRPr sz="675"/>
+            <a:lvl7pPr marL="2743200" indent="0">
+              <a:buNone/>
+              <a:defRPr sz="900"/>
             </a:lvl7pPr>
-            <a:lvl8pPr marL="2400300" indent="0">
-              <a:buNone/>
-              <a:defRPr sz="675"/>
+            <a:lvl8pPr marL="3200400" indent="0">
+              <a:buNone/>
+              <a:defRPr sz="900"/>
             </a:lvl8pPr>
-            <a:lvl9pPr marL="2743200" indent="0">
-              <a:buNone/>
-              <a:defRPr sz="675"/>
+            <a:lvl9pPr marL="3657600" indent="0">
+              <a:buNone/>
+              <a:defRPr sz="900"/>
             </a:lvl9pPr>
           </a:lstStyle>
           <a:p>
             <a:pPr lvl="0"/>
             <a:r>
-              <a:rPr lang="en-US"/>
+              <a:rPr lang="en-US" smtClean="0"/>
               <a:t>Click to edit Master text styles</a:t>
             </a:r>
           </a:p>
@@ -2262,7 +2280,7 @@
           <a:p>
             <a:fld id="{241EB5C9-1307-BA42-ABA2-0BC069CD8E7F}" type="datetimeFigureOut">
               <a:rPr lang="en-US" smtClean="0"/>
-              <a:t>1/2/22</a:t>
+              <a:t>4/5/2019</a:t>
             </a:fld>
             <a:endParaRPr lang="en-US"/>
           </a:p>
@@ -2352,22 +2370,23 @@
         </p:nvSpPr>
         <p:spPr>
           <a:xfrm>
-            <a:off x="1792288" y="3600450"/>
-            <a:ext cx="5486400" cy="425054"/>
+            <a:off x="1792288" y="4800600"/>
+            <a:ext cx="5486400" cy="566738"/>
           </a:xfrm>
         </p:spPr>
         <p:txBody>
           <a:bodyPr anchor="b"/>
           <a:lstStyle>
             <a:lvl1pPr algn="l">
-              <a:defRPr sz="1500" b="1"/>
+              <a:defRPr sz="2000" b="1"/>
             </a:lvl1pPr>
           </a:lstStyle>
           <a:p>
             <a:r>
-              <a:rPr lang="en-US"/>
+              <a:rPr lang="en-US" smtClean="0"/>
               <a:t>Click to edit Master title style</a:t>
             </a:r>
+            <a:endParaRPr lang="en-US"/>
           </a:p>
         </p:txBody>
       </p:sp>
@@ -2383,8 +2402,8 @@
         </p:nvSpPr>
         <p:spPr>
           <a:xfrm>
-            <a:off x="1792288" y="459581"/>
-            <a:ext cx="5486400" cy="3086100"/>
+            <a:off x="1792288" y="612775"/>
+            <a:ext cx="5486400" cy="4114800"/>
           </a:xfrm>
         </p:spPr>
         <p:txBody>
@@ -2392,39 +2411,39 @@
           <a:lstStyle>
             <a:lvl1pPr marL="0" indent="0">
               <a:buNone/>
+              <a:defRPr sz="3200"/>
+            </a:lvl1pPr>
+            <a:lvl2pPr marL="457200" indent="0">
+              <a:buNone/>
+              <a:defRPr sz="2800"/>
+            </a:lvl2pPr>
+            <a:lvl3pPr marL="914400" indent="0">
+              <a:buNone/>
               <a:defRPr sz="2400"/>
-            </a:lvl1pPr>
-            <a:lvl2pPr marL="342900" indent="0">
-              <a:buNone/>
-              <a:defRPr sz="2100"/>
-            </a:lvl2pPr>
-            <a:lvl3pPr marL="685800" indent="0">
-              <a:buNone/>
-              <a:defRPr sz="1800"/>
             </a:lvl3pPr>
-            <a:lvl4pPr marL="1028700" indent="0">
-              <a:buNone/>
-              <a:defRPr sz="1500"/>
+            <a:lvl4pPr marL="1371600" indent="0">
+              <a:buNone/>
+              <a:defRPr sz="2000"/>
             </a:lvl4pPr>
-            <a:lvl5pPr marL="1371600" indent="0">
-              <a:buNone/>
-              <a:defRPr sz="1500"/>
+            <a:lvl5pPr marL="1828800" indent="0">
+              <a:buNone/>
+              <a:defRPr sz="2000"/>
             </a:lvl5pPr>
-            <a:lvl6pPr marL="1714500" indent="0">
-              <a:buNone/>
-              <a:defRPr sz="1500"/>
+            <a:lvl6pPr marL="2286000" indent="0">
+              <a:buNone/>
+              <a:defRPr sz="2000"/>
             </a:lvl6pPr>
-            <a:lvl7pPr marL="2057400" indent="0">
-              <a:buNone/>
-              <a:defRPr sz="1500"/>
+            <a:lvl7pPr marL="2743200" indent="0">
+              <a:buNone/>
+              <a:defRPr sz="2000"/>
             </a:lvl7pPr>
-            <a:lvl8pPr marL="2400300" indent="0">
-              <a:buNone/>
-              <a:defRPr sz="1500"/>
+            <a:lvl8pPr marL="3200400" indent="0">
+              <a:buNone/>
+              <a:defRPr sz="2000"/>
             </a:lvl8pPr>
-            <a:lvl9pPr marL="2743200" indent="0">
-              <a:buNone/>
-              <a:defRPr sz="1500"/>
+            <a:lvl9pPr marL="3657600" indent="0">
+              <a:buNone/>
+              <a:defRPr sz="2000"/>
             </a:lvl9pPr>
           </a:lstStyle>
           <a:p>
@@ -2444,8 +2463,8 @@
         </p:nvSpPr>
         <p:spPr>
           <a:xfrm>
-            <a:off x="1792288" y="4025503"/>
-            <a:ext cx="5486400" cy="603647"/>
+            <a:off x="1792288" y="5367338"/>
+            <a:ext cx="5486400" cy="804862"/>
           </a:xfrm>
         </p:spPr>
         <p:txBody>
@@ -2453,45 +2472,45 @@
           <a:lstStyle>
             <a:lvl1pPr marL="0" indent="0">
               <a:buNone/>
-              <a:defRPr sz="1050"/>
+              <a:defRPr sz="1400"/>
             </a:lvl1pPr>
-            <a:lvl2pPr marL="342900" indent="0">
+            <a:lvl2pPr marL="457200" indent="0">
+              <a:buNone/>
+              <a:defRPr sz="1200"/>
+            </a:lvl2pPr>
+            <a:lvl3pPr marL="914400" indent="0">
+              <a:buNone/>
+              <a:defRPr sz="1000"/>
+            </a:lvl3pPr>
+            <a:lvl4pPr marL="1371600" indent="0">
               <a:buNone/>
               <a:defRPr sz="900"/>
-            </a:lvl2pPr>
-            <a:lvl3pPr marL="685800" indent="0">
-              <a:buNone/>
-              <a:defRPr sz="750"/>
-            </a:lvl3pPr>
-            <a:lvl4pPr marL="1028700" indent="0">
-              <a:buNone/>
-              <a:defRPr sz="675"/>
             </a:lvl4pPr>
-            <a:lvl5pPr marL="1371600" indent="0">
-              <a:buNone/>
-              <a:defRPr sz="675"/>
+            <a:lvl5pPr marL="1828800" indent="0">
+              <a:buNone/>
+              <a:defRPr sz="900"/>
             </a:lvl5pPr>
-            <a:lvl6pPr marL="1714500" indent="0">
-              <a:buNone/>
-              <a:defRPr sz="675"/>
+            <a:lvl6pPr marL="2286000" indent="0">
+              <a:buNone/>
+              <a:defRPr sz="900"/>
             </a:lvl6pPr>
-            <a:lvl7pPr marL="2057400" indent="0">
-              <a:buNone/>
-              <a:defRPr sz="675"/>
+            <a:lvl7pPr marL="2743200" indent="0">
+              <a:buNone/>
+              <a:defRPr sz="900"/>
             </a:lvl7pPr>
-            <a:lvl8pPr marL="2400300" indent="0">
-              <a:buNone/>
-              <a:defRPr sz="675"/>
+            <a:lvl8pPr marL="3200400" indent="0">
+              <a:buNone/>
+              <a:defRPr sz="900"/>
             </a:lvl8pPr>
-            <a:lvl9pPr marL="2743200" indent="0">
-              <a:buNone/>
-              <a:defRPr sz="675"/>
+            <a:lvl9pPr marL="3657600" indent="0">
+              <a:buNone/>
+              <a:defRPr sz="900"/>
             </a:lvl9pPr>
           </a:lstStyle>
           <a:p>
             <a:pPr lvl="0"/>
             <a:r>
-              <a:rPr lang="en-US"/>
+              <a:rPr lang="en-US" smtClean="0"/>
               <a:t>Click to edit Master text styles</a:t>
             </a:r>
           </a:p>
@@ -2514,7 +2533,7 @@
           <a:p>
             <a:fld id="{241EB5C9-1307-BA42-ABA2-0BC069CD8E7F}" type="datetimeFigureOut">
               <a:rPr lang="en-US" smtClean="0"/>
-              <a:t>1/2/22</a:t>
+              <a:t>4/5/2019</a:t>
             </a:fld>
             <a:endParaRPr lang="en-US"/>
           </a:p>
@@ -2576,7 +2595,7 @@
 </file>
 
 <file path=ppt/slideMasters/slideMaster1.xml><?xml version="1.0" encoding="utf-8"?>
-<p:sldMaster xmlns:a="http://schemas.openxmlformats.org/drawingml/2006/main" xmlns:p="http://schemas.openxmlformats.org/presentationml/2006/main" xmlns:r="http://schemas.openxmlformats.org/officeDocument/2006/relationships">
+<p:sldMaster xmlns:a="http://schemas.openxmlformats.org/drawingml/2006/main" xmlns:r="http://schemas.openxmlformats.org/officeDocument/2006/relationships" xmlns:p="http://schemas.openxmlformats.org/presentationml/2006/main">
   <p:cSld>
     <p:bg>
       <p:bgRef idx="1001">
@@ -2609,23 +2628,24 @@
         </p:nvSpPr>
         <p:spPr>
           <a:xfrm>
-            <a:off x="457200" y="205979"/>
-            <a:ext cx="8229600" cy="857250"/>
+            <a:off x="457200" y="274638"/>
+            <a:ext cx="8229600" cy="1143000"/>
           </a:xfrm>
           <a:prstGeom prst="rect">
             <a:avLst/>
           </a:prstGeom>
         </p:spPr>
         <p:txBody>
-          <a:bodyPr anchor="ctr" bIns="45720" lIns="91440" rIns="91440" rtlCol="0" tIns="45720" vert="horz">
+          <a:bodyPr vert="horz" lIns="91440" tIns="45720" rIns="91440" bIns="45720" rtlCol="0" anchor="ctr">
             <a:normAutofit/>
           </a:bodyPr>
           <a:lstStyle/>
           <a:p>
             <a:r>
-              <a:rPr lang="en-US"/>
+              <a:rPr lang="en-US" smtClean="0"/>
               <a:t>Click to edit Master title style</a:t>
             </a:r>
+            <a:endParaRPr lang="en-US"/>
           </a:p>
         </p:txBody>
       </p:sp>
@@ -2636,57 +2656,58 @@
             <a:spLocks noGrp="1"/>
           </p:cNvSpPr>
           <p:nvPr>
-            <p:ph idx="1" type="body"/>
+            <p:ph type="body" idx="1"/>
           </p:nvPr>
         </p:nvSpPr>
         <p:spPr>
           <a:xfrm>
-            <a:off x="457200" y="1200151"/>
-            <a:ext cx="8229600" cy="3394472"/>
+            <a:off x="457200" y="1600200"/>
+            <a:ext cx="8229600" cy="4525963"/>
           </a:xfrm>
           <a:prstGeom prst="rect">
             <a:avLst/>
           </a:prstGeom>
         </p:spPr>
         <p:txBody>
-          <a:bodyPr bIns="45720" lIns="91440" rIns="91440" rtlCol="0" tIns="45720" vert="horz">
+          <a:bodyPr vert="horz" lIns="91440" tIns="45720" rIns="91440" bIns="45720" rtlCol="0">
             <a:normAutofit/>
           </a:bodyPr>
           <a:lstStyle/>
           <a:p>
             <a:pPr lvl="0"/>
             <a:r>
-              <a:rPr lang="en-US"/>
+              <a:rPr lang="en-US" smtClean="0"/>
               <a:t>Click to edit Master text styles</a:t>
             </a:r>
           </a:p>
           <a:p>
             <a:pPr lvl="1"/>
             <a:r>
-              <a:rPr lang="en-US"/>
+              <a:rPr lang="en-US" smtClean="0"/>
               <a:t>Second level</a:t>
             </a:r>
           </a:p>
           <a:p>
             <a:pPr lvl="2"/>
             <a:r>
-              <a:rPr lang="en-US"/>
+              <a:rPr lang="en-US" smtClean="0"/>
               <a:t>Third level</a:t>
             </a:r>
           </a:p>
           <a:p>
             <a:pPr lvl="3"/>
             <a:r>
-              <a:rPr lang="en-US"/>
+              <a:rPr lang="en-US" smtClean="0"/>
               <a:t>Fourth level</a:t>
             </a:r>
           </a:p>
           <a:p>
             <a:pPr lvl="4"/>
             <a:r>
-              <a:rPr lang="en-US"/>
+              <a:rPr lang="en-US" smtClean="0"/>
               <a:t>Fifth level</a:t>
             </a:r>
+            <a:endParaRPr lang="en-US"/>
           </a:p>
         </p:txBody>
       </p:sp>
@@ -2697,23 +2718,23 @@
             <a:spLocks noGrp="1"/>
           </p:cNvSpPr>
           <p:nvPr>
-            <p:ph idx="2" sz="half" type="dt"/>
+            <p:ph type="dt" sz="half" idx="2"/>
           </p:nvPr>
         </p:nvSpPr>
         <p:spPr>
           <a:xfrm>
-            <a:off x="457200" y="4767263"/>
-            <a:ext cx="2133600" cy="273844"/>
+            <a:off x="457200" y="6356350"/>
+            <a:ext cx="2133600" cy="365125"/>
           </a:xfrm>
           <a:prstGeom prst="rect">
             <a:avLst/>
           </a:prstGeom>
         </p:spPr>
         <p:txBody>
-          <a:bodyPr anchor="ctr" bIns="45720" lIns="91440" rIns="91440" rtlCol="0" tIns="45720" vert="horz"/>
+          <a:bodyPr vert="horz" lIns="91440" tIns="45720" rIns="91440" bIns="45720" rtlCol="0" anchor="ctr"/>
           <a:lstStyle>
             <a:lvl1pPr algn="l">
-              <a:defRPr sz="900">
+              <a:defRPr sz="1200">
                 <a:solidFill>
                   <a:schemeClr val="tx1">
                     <a:tint val="75000"/>
@@ -2725,7 +2746,7 @@
           <a:p>
             <a:fld id="{241EB5C9-1307-BA42-ABA2-0BC069CD8E7F}" type="datetimeFigureOut">
               <a:rPr lang="en-US" smtClean="0"/>
-              <a:t>1/2/22</a:t>
+              <a:t>4/5/2019</a:t>
             </a:fld>
             <a:endParaRPr lang="en-US"/>
           </a:p>
@@ -2738,23 +2759,23 @@
             <a:spLocks noGrp="1"/>
           </p:cNvSpPr>
           <p:nvPr>
-            <p:ph idx="3" sz="quarter" type="ftr"/>
+            <p:ph type="ftr" sz="quarter" idx="3"/>
           </p:nvPr>
         </p:nvSpPr>
         <p:spPr>
           <a:xfrm>
-            <a:off x="3124200" y="4767263"/>
-            <a:ext cx="2895600" cy="273844"/>
+            <a:off x="3124200" y="6356350"/>
+            <a:ext cx="2895600" cy="365125"/>
           </a:xfrm>
           <a:prstGeom prst="rect">
             <a:avLst/>
           </a:prstGeom>
         </p:spPr>
         <p:txBody>
-          <a:bodyPr anchor="ctr" bIns="45720" lIns="91440" rIns="91440" rtlCol="0" tIns="45720" vert="horz"/>
+          <a:bodyPr vert="horz" lIns="91440" tIns="45720" rIns="91440" bIns="45720" rtlCol="0" anchor="ctr"/>
           <a:lstStyle>
             <a:lvl1pPr algn="ctr">
-              <a:defRPr sz="900">
+              <a:defRPr sz="1200">
                 <a:solidFill>
                   <a:schemeClr val="tx1">
                     <a:tint val="75000"/>
@@ -2775,23 +2796,23 @@
             <a:spLocks noGrp="1"/>
           </p:cNvSpPr>
           <p:nvPr>
-            <p:ph idx="4" sz="quarter" type="sldNum"/>
+            <p:ph type="sldNum" sz="quarter" idx="4"/>
           </p:nvPr>
         </p:nvSpPr>
         <p:spPr>
           <a:xfrm>
-            <a:off x="6553200" y="4767263"/>
-            <a:ext cx="2133600" cy="273844"/>
+            <a:off x="6553200" y="6356350"/>
+            <a:ext cx="2133600" cy="365125"/>
           </a:xfrm>
           <a:prstGeom prst="rect">
             <a:avLst/>
           </a:prstGeom>
         </p:spPr>
         <p:txBody>
-          <a:bodyPr anchor="ctr" bIns="45720" lIns="91440" rIns="91440" rtlCol="0" tIns="45720" vert="horz"/>
+          <a:bodyPr vert="horz" lIns="91440" tIns="45720" rIns="91440" bIns="45720" rtlCol="0" anchor="ctr"/>
           <a:lstStyle>
             <a:lvl1pPr algn="r">
-              <a:defRPr sz="900">
+              <a:defRPr sz="1200">
                 <a:solidFill>
                   <a:schemeClr val="tx1">
                     <a:tint val="75000"/>
@@ -2816,7 +2837,7 @@
       </p:ext>
     </p:extLst>
   </p:cSld>
-  <p:clrMap accent1="accent1" accent2="accent2" accent3="accent3" accent4="accent4" accent5="accent5" accent6="accent6" bg1="lt1" bg2="lt2" folHlink="folHlink" hlink="hlink" tx1="dk1" tx2="dk2"/>
+  <p:clrMap bg1="lt1" tx1="dk1" bg2="lt2" tx2="dk2" accent1="accent1" accent2="accent2" accent3="accent3" accent4="accent4" accent5="accent5" accent6="accent6" hlink="hlink" folHlink="folHlink"/>
   <p:sldLayoutIdLst>
     <p:sldLayoutId id="2147483649" r:id="rId1"/>
     <p:sldLayoutId id="2147483650" r:id="rId2"/>
@@ -2832,12 +2853,12 @@
   </p:sldLayoutIdLst>
   <p:txStyles>
     <p:titleStyle>
-      <a:lvl1pPr algn="ctr" defTabSz="342900" eaLnBrk="1" hangingPunct="1" latinLnBrk="0" rtl="0">
+      <a:lvl1pPr algn="ctr" defTabSz="457200" rtl="0" eaLnBrk="1" latinLnBrk="0" hangingPunct="1">
         <a:spcBef>
           <a:spcPct val="0"/>
         </a:spcBef>
         <a:buNone/>
-        <a:defRPr kern="1200" sz="3300">
+        <a:defRPr sz="4400" kern="1200">
           <a:solidFill>
             <a:schemeClr val="tx1"/>
           </a:solidFill>
@@ -2848,13 +2869,13 @@
       </a:lvl1pPr>
     </p:titleStyle>
     <p:bodyStyle>
-      <a:lvl1pPr algn="l" defTabSz="342900" eaLnBrk="1" hangingPunct="1" indent="-342900" latinLnBrk="0" marL="342900" rtl="0">
+      <a:lvl1pPr marL="342900" indent="-342900" algn="l" defTabSz="457200" rtl="0" eaLnBrk="1" latinLnBrk="0" hangingPunct="1">
         <a:spcBef>
           <a:spcPct val="20000"/>
         </a:spcBef>
         <a:buFont typeface="Arial"/>
         <a:buChar char="•"/>
-        <a:defRPr kern="1200" sz="2400">
+        <a:defRPr sz="3200" kern="1200">
           <a:solidFill>
             <a:schemeClr val="tx1"/>
           </a:solidFill>
@@ -2863,13 +2884,13 @@
           <a:cs typeface="+mn-cs"/>
         </a:defRPr>
       </a:lvl1pPr>
-      <a:lvl2pPr algn="l" defTabSz="342900" eaLnBrk="1" hangingPunct="1" indent="-342900" latinLnBrk="0" marL="685800" rtl="0">
+      <a:lvl2pPr marL="742950" indent="-285750" algn="l" defTabSz="457200" rtl="0" eaLnBrk="1" latinLnBrk="0" hangingPunct="1">
         <a:spcBef>
           <a:spcPct val="20000"/>
         </a:spcBef>
         <a:buFont typeface="Arial"/>
         <a:buChar char="–"/>
-        <a:defRPr kern="1200" sz="2100">
+        <a:defRPr sz="2800" kern="1200">
           <a:solidFill>
             <a:schemeClr val="tx1"/>
           </a:solidFill>
@@ -2878,13 +2899,13 @@
           <a:cs typeface="+mn-cs"/>
         </a:defRPr>
       </a:lvl2pPr>
-      <a:lvl3pPr algn="l" defTabSz="342900" eaLnBrk="1" hangingPunct="1" indent="-342900" latinLnBrk="0" marL="1028700" rtl="0">
+      <a:lvl3pPr marL="1143000" indent="-228600" algn="l" defTabSz="457200" rtl="0" eaLnBrk="1" latinLnBrk="0" hangingPunct="1">
         <a:spcBef>
           <a:spcPct val="20000"/>
         </a:spcBef>
         <a:buFont typeface="Arial"/>
         <a:buChar char="•"/>
-        <a:defRPr kern="1200" sz="1800">
+        <a:defRPr sz="2400" kern="1200">
           <a:solidFill>
             <a:schemeClr val="tx1"/>
           </a:solidFill>
@@ -2893,13 +2914,13 @@
           <a:cs typeface="+mn-cs"/>
         </a:defRPr>
       </a:lvl3pPr>
-      <a:lvl4pPr algn="l" defTabSz="342900" eaLnBrk="1" hangingPunct="1" indent="-342900" latinLnBrk="0" marL="1371600" rtl="0">
+      <a:lvl4pPr marL="1600200" indent="-228600" algn="l" defTabSz="457200" rtl="0" eaLnBrk="1" latinLnBrk="0" hangingPunct="1">
         <a:spcBef>
           <a:spcPct val="20000"/>
         </a:spcBef>
         <a:buFont typeface="Arial"/>
         <a:buChar char="–"/>
-        <a:defRPr kern="1200" sz="1500">
+        <a:defRPr sz="2000" kern="1200">
           <a:solidFill>
             <a:schemeClr val="tx1"/>
           </a:solidFill>
@@ -2908,13 +2929,13 @@
           <a:cs typeface="+mn-cs"/>
         </a:defRPr>
       </a:lvl4pPr>
-      <a:lvl5pPr algn="l" defTabSz="342900" eaLnBrk="1" hangingPunct="1" indent="-342900" latinLnBrk="0" marL="1714500" rtl="0">
+      <a:lvl5pPr marL="2057400" indent="-228600" algn="l" defTabSz="457200" rtl="0" eaLnBrk="1" latinLnBrk="0" hangingPunct="1">
         <a:spcBef>
           <a:spcPct val="20000"/>
         </a:spcBef>
         <a:buFont typeface="Arial"/>
         <a:buChar char="»"/>
-        <a:defRPr kern="1200" sz="1500">
+        <a:defRPr sz="2000" kern="1200">
           <a:solidFill>
             <a:schemeClr val="tx1"/>
           </a:solidFill>
@@ -2923,13 +2944,13 @@
           <a:cs typeface="+mn-cs"/>
         </a:defRPr>
       </a:lvl5pPr>
-      <a:lvl6pPr algn="l" defTabSz="342900" eaLnBrk="1" hangingPunct="1" indent="-342900" latinLnBrk="0" marL="2057400" rtl="0">
+      <a:lvl6pPr marL="2514600" indent="-228600" algn="l" defTabSz="457200" rtl="0" eaLnBrk="1" latinLnBrk="0" hangingPunct="1">
         <a:spcBef>
           <a:spcPct val="20000"/>
         </a:spcBef>
         <a:buFont typeface="Arial"/>
         <a:buChar char="•"/>
-        <a:defRPr kern="1200" sz="1500">
+        <a:defRPr sz="2000" kern="1200">
           <a:solidFill>
             <a:schemeClr val="tx1"/>
           </a:solidFill>
@@ -2938,13 +2959,13 @@
           <a:cs typeface="+mn-cs"/>
         </a:defRPr>
       </a:lvl6pPr>
-      <a:lvl7pPr algn="l" defTabSz="342900" eaLnBrk="1" hangingPunct="1" indent="-342900" latinLnBrk="0" marL="2400300" rtl="0">
+      <a:lvl7pPr marL="2971800" indent="-228600" algn="l" defTabSz="457200" rtl="0" eaLnBrk="1" latinLnBrk="0" hangingPunct="1">
         <a:spcBef>
           <a:spcPct val="20000"/>
         </a:spcBef>
         <a:buFont typeface="Arial"/>
         <a:buChar char="•"/>
-        <a:defRPr kern="1200" sz="1500">
+        <a:defRPr sz="2000" kern="1200">
           <a:solidFill>
             <a:schemeClr val="tx1"/>
           </a:solidFill>
@@ -2953,13 +2974,13 @@
           <a:cs typeface="+mn-cs"/>
         </a:defRPr>
       </a:lvl7pPr>
-      <a:lvl8pPr algn="l" defTabSz="342900" eaLnBrk="1" hangingPunct="1" indent="-342900" latinLnBrk="0" marL="2743200" rtl="0">
+      <a:lvl8pPr marL="3429000" indent="-228600" algn="l" defTabSz="457200" rtl="0" eaLnBrk="1" latinLnBrk="0" hangingPunct="1">
         <a:spcBef>
           <a:spcPct val="20000"/>
         </a:spcBef>
         <a:buFont typeface="Arial"/>
         <a:buChar char="•"/>
-        <a:defRPr kern="1200" sz="1500">
+        <a:defRPr sz="2000" kern="1200">
           <a:solidFill>
             <a:schemeClr val="tx1"/>
           </a:solidFill>
@@ -2968,13 +2989,13 @@
           <a:cs typeface="+mn-cs"/>
         </a:defRPr>
       </a:lvl8pPr>
-      <a:lvl9pPr algn="l" defTabSz="342900" eaLnBrk="1" hangingPunct="1" indent="-342900" latinLnBrk="0" marL="3086100" rtl="0">
+      <a:lvl9pPr marL="3886200" indent="-228600" algn="l" defTabSz="457200" rtl="0" eaLnBrk="1" latinLnBrk="0" hangingPunct="1">
         <a:spcBef>
           <a:spcPct val="20000"/>
         </a:spcBef>
         <a:buFont typeface="Arial"/>
         <a:buChar char="•"/>
-        <a:defRPr kern="1200" sz="1500">
+        <a:defRPr sz="2000" kern="1200">
           <a:solidFill>
             <a:schemeClr val="tx1"/>
           </a:solidFill>
@@ -2988,8 +3009,8 @@
       <a:defPPr>
         <a:defRPr lang="en-US"/>
       </a:defPPr>
-      <a:lvl1pPr algn="l" defTabSz="342900" eaLnBrk="1" hangingPunct="1" latinLnBrk="0" marL="0" rtl="0">
-        <a:defRPr kern="1200" sz="1350">
+      <a:lvl1pPr marL="0" algn="l" defTabSz="457200" rtl="0" eaLnBrk="1" latinLnBrk="0" hangingPunct="1">
+        <a:defRPr sz="1800" kern="1200">
           <a:solidFill>
             <a:schemeClr val="tx1"/>
           </a:solidFill>
@@ -2998,8 +3019,8 @@
           <a:cs typeface="+mn-cs"/>
         </a:defRPr>
       </a:lvl1pPr>
-      <a:lvl2pPr algn="l" defTabSz="342900" eaLnBrk="1" hangingPunct="1" latinLnBrk="0" marL="342900" rtl="0">
-        <a:defRPr kern="1200" sz="1350">
+      <a:lvl2pPr marL="457200" algn="l" defTabSz="457200" rtl="0" eaLnBrk="1" latinLnBrk="0" hangingPunct="1">
+        <a:defRPr sz="1800" kern="1200">
           <a:solidFill>
             <a:schemeClr val="tx1"/>
           </a:solidFill>
@@ -3008,8 +3029,8 @@
           <a:cs typeface="+mn-cs"/>
         </a:defRPr>
       </a:lvl2pPr>
-      <a:lvl3pPr algn="l" defTabSz="342900" eaLnBrk="1" hangingPunct="1" latinLnBrk="0" marL="685800" rtl="0">
-        <a:defRPr kern="1200" sz="1350">
+      <a:lvl3pPr marL="914400" algn="l" defTabSz="457200" rtl="0" eaLnBrk="1" latinLnBrk="0" hangingPunct="1">
+        <a:defRPr sz="1800" kern="1200">
           <a:solidFill>
             <a:schemeClr val="tx1"/>
           </a:solidFill>
@@ -3018,8 +3039,8 @@
           <a:cs typeface="+mn-cs"/>
         </a:defRPr>
       </a:lvl3pPr>
-      <a:lvl4pPr algn="l" defTabSz="342900" eaLnBrk="1" hangingPunct="1" latinLnBrk="0" marL="1028700" rtl="0">
-        <a:defRPr kern="1200" sz="1350">
+      <a:lvl4pPr marL="1371600" algn="l" defTabSz="457200" rtl="0" eaLnBrk="1" latinLnBrk="0" hangingPunct="1">
+        <a:defRPr sz="1800" kern="1200">
           <a:solidFill>
             <a:schemeClr val="tx1"/>
           </a:solidFill>
@@ -3028,8 +3049,8 @@
           <a:cs typeface="+mn-cs"/>
         </a:defRPr>
       </a:lvl4pPr>
-      <a:lvl5pPr algn="l" defTabSz="342900" eaLnBrk="1" hangingPunct="1" latinLnBrk="0" marL="1371600" rtl="0">
-        <a:defRPr kern="1200" sz="1350">
+      <a:lvl5pPr marL="1828800" algn="l" defTabSz="457200" rtl="0" eaLnBrk="1" latinLnBrk="0" hangingPunct="1">
+        <a:defRPr sz="1800" kern="1200">
           <a:solidFill>
             <a:schemeClr val="tx1"/>
           </a:solidFill>
@@ -3038,8 +3059,8 @@
           <a:cs typeface="+mn-cs"/>
         </a:defRPr>
       </a:lvl5pPr>
-      <a:lvl6pPr algn="l" defTabSz="342900" eaLnBrk="1" hangingPunct="1" latinLnBrk="0" marL="1714500" rtl="0">
-        <a:defRPr kern="1200" sz="1350">
+      <a:lvl6pPr marL="2286000" algn="l" defTabSz="457200" rtl="0" eaLnBrk="1" latinLnBrk="0" hangingPunct="1">
+        <a:defRPr sz="1800" kern="1200">
           <a:solidFill>
             <a:schemeClr val="tx1"/>
           </a:solidFill>
@@ -3048,8 +3069,8 @@
           <a:cs typeface="+mn-cs"/>
         </a:defRPr>
       </a:lvl6pPr>
-      <a:lvl7pPr algn="l" defTabSz="342900" eaLnBrk="1" hangingPunct="1" latinLnBrk="0" marL="2057400" rtl="0">
-        <a:defRPr kern="1200" sz="1350">
+      <a:lvl7pPr marL="2743200" algn="l" defTabSz="457200" rtl="0" eaLnBrk="1" latinLnBrk="0" hangingPunct="1">
+        <a:defRPr sz="1800" kern="1200">
           <a:solidFill>
             <a:schemeClr val="tx1"/>
           </a:solidFill>
@@ -3058,8 +3079,8 @@
           <a:cs typeface="+mn-cs"/>
         </a:defRPr>
       </a:lvl7pPr>
-      <a:lvl8pPr algn="l" defTabSz="342900" eaLnBrk="1" hangingPunct="1" latinLnBrk="0" marL="2400300" rtl="0">
-        <a:defRPr kern="1200" sz="1350">
+      <a:lvl8pPr marL="3200400" algn="l" defTabSz="457200" rtl="0" eaLnBrk="1" latinLnBrk="0" hangingPunct="1">
+        <a:defRPr sz="1800" kern="1200">
           <a:solidFill>
             <a:schemeClr val="tx1"/>
           </a:solidFill>
@@ -3068,8 +3089,8 @@
           <a:cs typeface="+mn-cs"/>
         </a:defRPr>
       </a:lvl8pPr>
-      <a:lvl9pPr algn="l" defTabSz="342900" eaLnBrk="1" hangingPunct="1" latinLnBrk="0" marL="2743200" rtl="0">
-        <a:defRPr kern="1200" sz="1350">
+      <a:lvl9pPr marL="3657600" algn="l" defTabSz="457200" rtl="0" eaLnBrk="1" latinLnBrk="0" hangingPunct="1">
+        <a:defRPr sz="1800" kern="1200">
           <a:solidFill>
             <a:schemeClr val="tx1"/>
           </a:solidFill>
@@ -3115,12 +3136,12 @@
           <a:bodyPr/>
           <a:lstStyle/>
           <a:p>
-            <a:pPr lvl="0" indent="0" marL="0">
-              <a:buNone/>
-            </a:pPr>
-            <a:r>
-              <a:rPr/>
-              <a:t>  Python les-materialen</a:t>
+            <a:pPr lvl="0" marL="0" indent="0">
+              <a:buNone/>
+            </a:pPr>
+            <a:r>
+              <a:rPr/>
+              <a:t>  Python les-materialen  Yilmaz Mustafa, Instructeur Java/Python</a:t>
             </a:r>
           </a:p>
         </p:txBody>
@@ -3162,7 +3183,7 @@
           <a:bodyPr/>
           <a:lstStyle/>
           <a:p>
-            <a:pPr lvl="0" indent="0" marL="0">
+            <a:pPr lvl="0" marL="0" indent="0">
               <a:buNone/>
             </a:pPr>
             <a:r>
@@ -3187,7 +3208,7 @@
           <a:bodyPr/>
           <a:lstStyle/>
           <a:p>
-            <a:pPr lvl="0" indent="0" marL="0">
+            <a:pPr lvl="0" marL="0" indent="0">
               <a:buNone/>
             </a:pPr>
             <a:r>
@@ -3196,7 +3217,7 @@
             </a:r>
           </a:p>
           <a:p>
-            <a:pPr lvl="0" indent="0" marL="0">
+            <a:pPr lvl="0" marL="0" indent="0">
               <a:buNone/>
             </a:pPr>
             <a:r>
@@ -3205,7 +3226,7 @@
             </a:r>
           </a:p>
           <a:p>
-            <a:pPr lvl="0" indent="0" marL="0">
+            <a:pPr lvl="0" marL="0" indent="0">
               <a:buNone/>
             </a:pPr>
             <a:r>
@@ -3214,7 +3235,7 @@
             </a:r>
           </a:p>
           <a:p>
-            <a:pPr lvl="0" indent="0" marL="0">
+            <a:pPr lvl="0" marL="0" indent="0">
               <a:buNone/>
             </a:pPr>
             <a:r>
@@ -3223,7 +3244,7 @@
             </a:r>
           </a:p>
           <a:p>
-            <a:pPr lvl="0" indent="0" marL="0">
+            <a:pPr lvl="0" marL="0" indent="0">
               <a:buNone/>
             </a:pPr>
             <a:r>
@@ -3232,7 +3253,7 @@
             </a:r>
           </a:p>
           <a:p>
-            <a:pPr lvl="0" indent="0" marL="0">
+            <a:pPr lvl="0" marL="0" indent="0">
               <a:buNone/>
             </a:pPr>
             <a:r>
@@ -3241,7 +3262,7 @@
             </a:r>
           </a:p>
           <a:p>
-            <a:pPr lvl="0" indent="0" marL="0">
+            <a:pPr lvl="0" marL="0" indent="0">
               <a:buNone/>
             </a:pPr>
             <a:r>
@@ -3250,7 +3271,7 @@
             </a:r>
           </a:p>
           <a:p>
-            <a:pPr lvl="0" indent="0" marL="0">
+            <a:pPr lvl="0" marL="0" indent="0">
               <a:buNone/>
             </a:pPr>
             <a:r>
@@ -3259,7 +3280,7 @@
             </a:r>
           </a:p>
           <a:p>
-            <a:pPr lvl="0" indent="0" marL="0">
+            <a:pPr lvl="0" marL="0" indent="0">
               <a:buNone/>
             </a:pPr>
             <a:r>
@@ -3268,7 +3289,7 @@
             </a:r>
           </a:p>
           <a:p>
-            <a:pPr lvl="0" indent="0" marL="0">
+            <a:pPr lvl="0" marL="0" indent="0">
               <a:buNone/>
             </a:pPr>
             <a:r>
@@ -3277,7 +3298,7 @@
             </a:r>
           </a:p>
           <a:p>
-            <a:pPr lvl="0" indent="0" marL="0">
+            <a:pPr lvl="0" marL="0" indent="0">
               <a:buNone/>
             </a:pPr>
             <a:r>
@@ -3286,7 +3307,7 @@
             </a:r>
           </a:p>
           <a:p>
-            <a:pPr lvl="0" indent="0" marL="0">
+            <a:pPr lvl="0" marL="0" indent="0">
               <a:buNone/>
             </a:pPr>
             <a:r>
@@ -3295,7 +3316,7 @@
             </a:r>
           </a:p>
           <a:p>
-            <a:pPr lvl="0" indent="0" marL="0">
+            <a:pPr lvl="0" marL="0" indent="0">
               <a:buNone/>
             </a:pPr>
             <a:r>
@@ -3304,7 +3325,7 @@
             </a:r>
           </a:p>
           <a:p>
-            <a:pPr lvl="0" indent="0" marL="0">
+            <a:pPr lvl="0" marL="0" indent="0">
               <a:buNone/>
             </a:pPr>
             <a:r>
@@ -3313,7 +3334,7 @@
             </a:r>
           </a:p>
           <a:p>
-            <a:pPr lvl="0" indent="0" marL="0">
+            <a:pPr lvl="0" marL="0" indent="0">
               <a:buNone/>
             </a:pPr>
             <a:r>
@@ -3322,7 +3343,7 @@
             </a:r>
           </a:p>
           <a:p>
-            <a:pPr lvl="0" indent="0" marL="0">
+            <a:pPr lvl="0" marL="0" indent="0">
               <a:buNone/>
             </a:pPr>
             <a:r>
@@ -3331,7 +3352,7 @@
             </a:r>
           </a:p>
           <a:p>
-            <a:pPr lvl="0" indent="0" marL="0">
+            <a:pPr lvl="0" marL="0" indent="0">
               <a:buNone/>
             </a:pPr>
             <a:r>
@@ -3340,7 +3361,7 @@
             </a:r>
           </a:p>
           <a:p>
-            <a:pPr lvl="0" indent="0" marL="0">
+            <a:pPr lvl="0" marL="0" indent="0">
               <a:buNone/>
             </a:pPr>
             <a:r>
@@ -3349,7 +3370,7 @@
             </a:r>
           </a:p>
           <a:p>
-            <a:pPr lvl="0" indent="0" marL="0">
+            <a:pPr lvl="0" marL="0" indent="0">
               <a:buNone/>
             </a:pPr>
             <a:r>
@@ -3358,7 +3379,7 @@
             </a:r>
           </a:p>
           <a:p>
-            <a:pPr lvl="0" indent="0" marL="0">
+            <a:pPr lvl="0" marL="0" indent="0">
               <a:buNone/>
             </a:pPr>
             <a:r>
@@ -3367,7 +3388,7 @@
             </a:r>
           </a:p>
           <a:p>
-            <a:pPr lvl="0" indent="0" marL="0">
+            <a:pPr lvl="0" marL="0" indent="0">
               <a:buNone/>
             </a:pPr>
             <a:r>
@@ -3376,7 +3397,7 @@
             </a:r>
           </a:p>
           <a:p>
-            <a:pPr lvl="0" indent="0" marL="0">
+            <a:pPr lvl="0" marL="0" indent="0">
               <a:buNone/>
             </a:pPr>
             <a:r>
@@ -3385,7 +3406,7 @@
             </a:r>
           </a:p>
           <a:p>
-            <a:pPr lvl="0" indent="0" marL="0">
+            <a:pPr lvl="0" marL="0" indent="0">
               <a:buNone/>
             </a:pPr>
             <a:r>
@@ -3682,7 +3703,7 @@
             </a:r>
           </a:p>
           <a:p>
-            <a:pPr lvl="0" indent="0" marL="0">
+            <a:pPr lvl="0" marL="0" indent="0">
               <a:buNone/>
             </a:pPr>
             <a:r>
@@ -4000,12 +4021,52 @@
           <a:bodyPr/>
           <a:lstStyle/>
           <a:p>
-            <a:pPr lvl="0" indent="0" marL="0">
-              <a:buNone/>
-            </a:pPr>
-            <a:r>
-              <a:rPr/>
-              <a:t>Goed gedaan bij je eerste opdracht!</a:t>
+            <a:pPr lvl="0" marL="0" indent="0">
+              <a:buNone/>
+            </a:pPr>
+            <a:r>
+              <a:rPr/>
+              <a:t>Goed</a:t>
+            </a:r>
+            <a:r>
+              <a:rPr/>
+              <a:t> </a:t>
+            </a:r>
+            <a:r>
+              <a:rPr/>
+              <a:t>gedaan</a:t>
+            </a:r>
+            <a:r>
+              <a:rPr/>
+              <a:t> </a:t>
+            </a:r>
+            <a:r>
+              <a:rPr/>
+              <a:t>bij</a:t>
+            </a:r>
+            <a:r>
+              <a:rPr/>
+              <a:t> </a:t>
+            </a:r>
+            <a:r>
+              <a:rPr/>
+              <a:t>je</a:t>
+            </a:r>
+            <a:r>
+              <a:rPr/>
+              <a:t> </a:t>
+            </a:r>
+            <a:r>
+              <a:rPr/>
+              <a:t>eerste</a:t>
+            </a:r>
+            <a:r>
+              <a:rPr/>
+              <a:t> </a:t>
+            </a:r>
+            <a:r>
+              <a:rPr/>
+              <a:t>opdracht!</a:t>
             </a:r>
           </a:p>
         </p:txBody>
@@ -4044,20 +4105,36 @@
         </p:nvSpPr>
         <p:spPr>
           <a:xfrm>
-            <a:off x="722313" y="3305176"/>
-            <a:ext cx="7772400" cy="1021556"/>
+            <a:off x="722313" y="4406900"/>
+            <a:ext cx="7772400" cy="1362075"/>
           </a:xfrm>
         </p:spPr>
         <p:txBody>
           <a:bodyPr/>
           <a:lstStyle/>
           <a:p>
-            <a:pPr lvl="0" indent="0" marL="0">
-              <a:buNone/>
-            </a:pPr>
-            <a:r>
-              <a:rPr/>
-              <a:t>Opdrachten Hoofdstuk 00</a:t>
+            <a:pPr lvl="0" marL="0" indent="0">
+              <a:buNone/>
+            </a:pPr>
+            <a:r>
+              <a:rPr/>
+              <a:t>Opdrachten</a:t>
+            </a:r>
+            <a:r>
+              <a:rPr/>
+              <a:t> </a:t>
+            </a:r>
+            <a:r>
+              <a:rPr/>
+              <a:t>Hoofdstuk</a:t>
+            </a:r>
+            <a:r>
+              <a:rPr/>
+              <a:t> </a:t>
+            </a:r>
+            <a:r>
+              <a:rPr/>
+              <a:t>00</a:t>
             </a:r>
           </a:p>
         </p:txBody>
@@ -4099,12 +4176,36 @@
           <a:bodyPr/>
           <a:lstStyle/>
           <a:p>
-            <a:pPr lvl="0" indent="0" marL="0">
-              <a:buNone/>
-            </a:pPr>
-            <a:r>
-              <a:rPr/>
-              <a:t>Test je eigen kennis.</a:t>
+            <a:pPr lvl="0" marL="0" indent="0">
+              <a:buNone/>
+            </a:pPr>
+            <a:r>
+              <a:rPr/>
+              <a:t>Test</a:t>
+            </a:r>
+            <a:r>
+              <a:rPr/>
+              <a:t> </a:t>
+            </a:r>
+            <a:r>
+              <a:rPr/>
+              <a:t>je</a:t>
+            </a:r>
+            <a:r>
+              <a:rPr/>
+              <a:t> </a:t>
+            </a:r>
+            <a:r>
+              <a:rPr/>
+              <a:t>eigen</a:t>
+            </a:r>
+            <a:r>
+              <a:rPr/>
+              <a:t> </a:t>
+            </a:r>
+            <a:r>
+              <a:rPr/>
+              <a:t>kennis.</a:t>
             </a:r>
           </a:p>
         </p:txBody>
@@ -4124,7 +4225,7 @@
           <a:bodyPr/>
           <a:lstStyle/>
           <a:p>
-            <a:pPr lvl="0" indent="0" marL="0">
+            <a:pPr lvl="0" marL="0" indent="0">
               <a:buNone/>
             </a:pPr>
             <a:r>
@@ -4133,7 +4234,7 @@
             </a:r>
           </a:p>
           <a:p>
-            <a:pPr lvl="0" indent="0" marL="0">
+            <a:pPr lvl="0" marL="0" indent="0">
               <a:buNone/>
             </a:pPr>
             <a:r>
@@ -4142,7 +4243,7 @@
             </a:r>
           </a:p>
           <a:p>
-            <a:pPr lvl="0" indent="0" marL="0">
+            <a:pPr lvl="0" marL="0" indent="0">
               <a:buNone/>
             </a:pPr>
             <a:r>
@@ -4151,7 +4252,7 @@
             </a:r>
           </a:p>
           <a:p>
-            <a:pPr lvl="0" indent="0" marL="0">
+            <a:pPr lvl="0" marL="0" indent="0">
               <a:buNone/>
             </a:pPr>
             <a:r>
@@ -4160,7 +4261,7 @@
             </a:r>
           </a:p>
           <a:p>
-            <a:pPr lvl="0" indent="0" marL="0">
+            <a:pPr lvl="0" marL="0" indent="0">
               <a:buNone/>
             </a:pPr>
             <a:r>
@@ -4169,7 +4270,7 @@
             </a:r>
           </a:p>
           <a:p>
-            <a:pPr lvl="0" indent="0" marL="0">
+            <a:pPr lvl="0" marL="0" indent="0">
               <a:buNone/>
             </a:pPr>
             <a:r>
@@ -4178,7 +4279,7 @@
             </a:r>
           </a:p>
           <a:p>
-            <a:pPr lvl="0" indent="0" marL="0">
+            <a:pPr lvl="0" marL="0" indent="0">
               <a:buNone/>
             </a:pPr>
             <a:r>
@@ -4187,7 +4288,7 @@
             </a:r>
           </a:p>
           <a:p>
-            <a:pPr lvl="0" indent="0" marL="0">
+            <a:pPr lvl="0" marL="0" indent="0">
               <a:buNone/>
             </a:pPr>
             <a:r>
@@ -4234,7 +4335,7 @@
           <a:bodyPr/>
           <a:lstStyle/>
           <a:p>
-            <a:pPr lvl="0" indent="0" marL="0">
+            <a:pPr lvl="0" marL="0" indent="0">
               <a:buNone/>
             </a:pPr>
             <a:r>
@@ -4259,7 +4360,7 @@
           <a:bodyPr/>
           <a:lstStyle/>
           <a:p>
-            <a:pPr lvl="0" indent="0" marL="0">
+            <a:pPr lvl="0" marL="0" indent="0">
               <a:buNone/>
             </a:pPr>
             <a:r>
@@ -4271,18 +4372,9 @@
             <a:pPr lvl="0" indent="0">
               <a:buNone/>
             </a:pPr>
-            <a:r>
-              <a:rPr i="1">
-                <a:solidFill>
-                  <a:srgbClr val="60A0B0"/>
-                </a:solidFill>
-                <a:latin typeface="Courier"/>
-              </a:rPr>
-              <a:t># voeg je code hier toe ..</a:t>
-            </a:r>
-          </a:p>
-          <a:p>
-            <a:pPr lvl="0" indent="0" marL="0">
+          </a:p>
+          <a:p>
+            <a:pPr lvl="0" marL="0" indent="0">
               <a:buNone/>
             </a:pPr>
             <a:r>
@@ -4309,7 +4401,7 @@
             </a:pPr>
           </a:p>
           <a:p>
-            <a:pPr lvl="0" indent="0" marL="0">
+            <a:pPr lvl="0" marL="0" indent="0">
               <a:buNone/>
             </a:pPr>
             <a:r>
@@ -4326,7 +4418,7 @@
             </a:r>
           </a:p>
           <a:p>
-            <a:pPr lvl="0" indent="0" marL="0">
+            <a:pPr lvl="0" marL="0" indent="0">
               <a:buNone/>
             </a:pPr>
             <a:r>
@@ -4401,7 +4493,7 @@
           <a:bodyPr/>
           <a:lstStyle/>
           <a:p>
-            <a:pPr lvl="0" indent="0" marL="0">
+            <a:pPr lvl="0" marL="0" indent="0">
               <a:buNone/>
             </a:pPr>
             <a:r>
@@ -4426,7 +4518,7 @@
           <a:bodyPr/>
           <a:lstStyle/>
           <a:p>
-            <a:pPr lvl="0" indent="0" marL="0">
+            <a:pPr lvl="0" marL="0" indent="0">
               <a:buNone/>
             </a:pPr>
             <a:r>
@@ -4481,7 +4573,7 @@
             <a:br/>
           </a:p>
           <a:p>
-            <a:pPr lvl="0" indent="0" marL="0">
+            <a:pPr lvl="0" marL="0" indent="0">
               <a:buNone/>
             </a:pPr>
             <a:r>
@@ -4530,7 +4622,7 @@
             <a:br/>
           </a:p>
           <a:p>
-            <a:pPr lvl="0" indent="0" marL="0">
+            <a:pPr lvl="0" marL="0" indent="0">
               <a:buNone/>
             </a:pPr>
             <a:r>
@@ -4643,7 +4735,7 @@
           <a:bodyPr/>
           <a:lstStyle/>
           <a:p>
-            <a:pPr lvl="0" indent="0" marL="0">
+            <a:pPr lvl="0" marL="0" indent="0">
               <a:buNone/>
             </a:pPr>
             <a:r>
@@ -4668,7 +4760,7 @@
           <a:bodyPr/>
           <a:lstStyle/>
           <a:p>
-            <a:pPr lvl="0" indent="0" marL="0">
+            <a:pPr lvl="0" marL="0" indent="0">
               <a:buNone/>
             </a:pPr>
             <a:r>
@@ -4705,7 +4797,7 @@
             </a:r>
           </a:p>
           <a:p>
-            <a:pPr lvl="0" indent="0" marL="0">
+            <a:pPr lvl="0" marL="0" indent="0">
               <a:buNone/>
             </a:pPr>
             <a:r>
@@ -4816,7 +4908,7 @@
             <a:br/>
           </a:p>
           <a:p>
-            <a:pPr lvl="0" indent="0" marL="0">
+            <a:pPr lvl="0" marL="0" indent="0">
               <a:buNone/>
             </a:pPr>
             <a:r>
@@ -4965,7 +5057,7 @@
           <a:bodyPr/>
           <a:lstStyle/>
           <a:p>
-            <a:pPr lvl="0" indent="0" marL="0">
+            <a:pPr lvl="0" marL="0" indent="0">
               <a:buNone/>
             </a:pPr>
             <a:r>
@@ -4990,7 +5082,7 @@
           <a:bodyPr/>
           <a:lstStyle/>
           <a:p>
-            <a:pPr lvl="0" indent="0" marL="0">
+            <a:pPr lvl="0" marL="0" indent="0">
               <a:buNone/>
             </a:pPr>
             <a:r>
@@ -5424,7 +5516,7 @@
             </a:r>
           </a:p>
           <a:p>
-            <a:pPr lvl="0" indent="0" marL="0">
+            <a:pPr lvl="0" marL="0" indent="0">
               <a:buNone/>
             </a:pPr>
             <a:r>
@@ -5471,7 +5563,7 @@
           <a:bodyPr/>
           <a:lstStyle/>
           <a:p>
-            <a:pPr lvl="0" indent="0" marL="0">
+            <a:pPr lvl="0" marL="0" indent="0">
               <a:buNone/>
             </a:pPr>
             <a:r>
@@ -5496,7 +5588,7 @@
           <a:bodyPr/>
           <a:lstStyle/>
           <a:p>
-            <a:pPr lvl="0" indent="0" marL="0">
+            <a:pPr lvl="0" marL="0" indent="0">
               <a:buNone/>
             </a:pPr>
             <a:r>
@@ -5505,7 +5597,7 @@
             </a:r>
           </a:p>
           <a:p>
-            <a:pPr lvl="0" indent="0" marL="0">
+            <a:pPr lvl="0" marL="0" indent="0">
               <a:buNone/>
             </a:pPr>
             <a:r>
@@ -5552,7 +5644,7 @@
           <a:bodyPr/>
           <a:lstStyle/>
           <a:p>
-            <a:pPr lvl="0" indent="0" marL="0">
+            <a:pPr lvl="0" marL="0" indent="0">
               <a:buNone/>
             </a:pPr>
             <a:r>
@@ -5577,7 +5669,7 @@
           <a:bodyPr/>
           <a:lstStyle/>
           <a:p>
-            <a:pPr lvl="0" indent="0" marL="0">
+            <a:pPr lvl="0" marL="0" indent="0">
               <a:buNone/>
             </a:pPr>
             <a:r>
@@ -5586,7 +5678,7 @@
             </a:r>
           </a:p>
           <a:p>
-            <a:pPr lvl="0" indent="0" marL="0">
+            <a:pPr lvl="0" marL="0" indent="0">
               <a:buNone/>
             </a:pPr>
             <a:r>
@@ -6112,265 +6204,4 @@
   </a:objectDefaults>
   <a:extraClrSchemeLst/>
 </a:theme>
-</file>
-
-<file path=ppt/theme/theme2.xml><?xml version="1.0" encoding="utf-8"?>
-<a:theme xmlns:a="http://schemas.openxmlformats.org/drawingml/2006/main" name="Office Theme">
-  <a:themeElements>
-    <a:clrScheme name="Office">
-      <a:dk1>
-        <a:sysClr val="windowText" lastClr="000000"/>
-      </a:dk1>
-      <a:lt1>
-        <a:sysClr val="window" lastClr="FFFFFF"/>
-      </a:lt1>
-      <a:dk2>
-        <a:srgbClr val="44546A"/>
-      </a:dk2>
-      <a:lt2>
-        <a:srgbClr val="E7E6E6"/>
-      </a:lt2>
-      <a:accent1>
-        <a:srgbClr val="5B9BD5"/>
-      </a:accent1>
-      <a:accent2>
-        <a:srgbClr val="ED7D31"/>
-      </a:accent2>
-      <a:accent3>
-        <a:srgbClr val="A5A5A5"/>
-      </a:accent3>
-      <a:accent4>
-        <a:srgbClr val="FFC000"/>
-      </a:accent4>
-      <a:accent5>
-        <a:srgbClr val="4472C4"/>
-      </a:accent5>
-      <a:accent6>
-        <a:srgbClr val="70AD47"/>
-      </a:accent6>
-      <a:hlink>
-        <a:srgbClr val="0563C1"/>
-      </a:hlink>
-      <a:folHlink>
-        <a:srgbClr val="954F72"/>
-      </a:folHlink>
-    </a:clrScheme>
-    <a:fontScheme name="Office">
-      <a:majorFont>
-        <a:latin typeface="Calibri Light" panose="020F0302020204030204"/>
-        <a:ea typeface=""/>
-        <a:cs typeface=""/>
-        <a:font script="Jpan" typeface="ＭＳ Ｐゴシック"/>
-        <a:font script="Hang" typeface="맑은 고딕"/>
-        <a:font script="Hans" typeface="宋体"/>
-        <a:font script="Hant" typeface="新細明體"/>
-        <a:font script="Arab" typeface="Times New Roman"/>
-        <a:font script="Hebr" typeface="Times New Roman"/>
-        <a:font script="Thai" typeface="Angsana New"/>
-        <a:font script="Ethi" typeface="Nyala"/>
-        <a:font script="Beng" typeface="Vrinda"/>
-        <a:font script="Gujr" typeface="Shruti"/>
-        <a:font script="Khmr" typeface="MoolBoran"/>
-        <a:font script="Knda" typeface="Tunga"/>
-        <a:font script="Guru" typeface="Raavi"/>
-        <a:font script="Cans" typeface="Euphemia"/>
-        <a:font script="Cher" typeface="Plantagenet Cherokee"/>
-        <a:font script="Yiii" typeface="Microsoft Yi Baiti"/>
-        <a:font script="Tibt" typeface="Microsoft Himalaya"/>
-        <a:font script="Thaa" typeface="MV Boli"/>
-        <a:font script="Deva" typeface="Mangal"/>
-        <a:font script="Telu" typeface="Gautami"/>
-        <a:font script="Taml" typeface="Latha"/>
-        <a:font script="Syrc" typeface="Estrangelo Edessa"/>
-        <a:font script="Orya" typeface="Kalinga"/>
-        <a:font script="Mlym" typeface="Kartika"/>
-        <a:font script="Laoo" typeface="DokChampa"/>
-        <a:font script="Sinh" typeface="Iskoola Pota"/>
-        <a:font script="Mong" typeface="Mongolian Baiti"/>
-        <a:font script="Viet" typeface="Times New Roman"/>
-        <a:font script="Uigh" typeface="Microsoft Uighur"/>
-        <a:font script="Geor" typeface="Sylfaen"/>
-      </a:majorFont>
-      <a:minorFont>
-        <a:latin typeface="Calibri" panose="020F0502020204030204"/>
-        <a:ea typeface=""/>
-        <a:cs typeface=""/>
-        <a:font script="Jpan" typeface="ＭＳ Ｐゴシック"/>
-        <a:font script="Hang" typeface="맑은 고딕"/>
-        <a:font script="Hans" typeface="宋体"/>
-        <a:font script="Hant" typeface="新細明體"/>
-        <a:font script="Arab" typeface="Arial"/>
-        <a:font script="Hebr" typeface="Arial"/>
-        <a:font script="Thai" typeface="Cordia New"/>
-        <a:font script="Ethi" typeface="Nyala"/>
-        <a:font script="Beng" typeface="Vrinda"/>
-        <a:font script="Gujr" typeface="Shruti"/>
-        <a:font script="Khmr" typeface="DaunPenh"/>
-        <a:font script="Knda" typeface="Tunga"/>
-        <a:font script="Guru" typeface="Raavi"/>
-        <a:font script="Cans" typeface="Euphemia"/>
-        <a:font script="Cher" typeface="Plantagenet Cherokee"/>
-        <a:font script="Yiii" typeface="Microsoft Yi Baiti"/>
-        <a:font script="Tibt" typeface="Microsoft Himalaya"/>
-        <a:font script="Thaa" typeface="MV Boli"/>
-        <a:font script="Deva" typeface="Mangal"/>
-        <a:font script="Telu" typeface="Gautami"/>
-        <a:font script="Taml" typeface="Latha"/>
-        <a:font script="Syrc" typeface="Estrangelo Edessa"/>
-        <a:font script="Orya" typeface="Kalinga"/>
-        <a:font script="Mlym" typeface="Kartika"/>
-        <a:font script="Laoo" typeface="DokChampa"/>
-        <a:font script="Sinh" typeface="Iskoola Pota"/>
-        <a:font script="Mong" typeface="Mongolian Baiti"/>
-        <a:font script="Viet" typeface="Arial"/>
-        <a:font script="Uigh" typeface="Microsoft Uighur"/>
-        <a:font script="Geor" typeface="Sylfaen"/>
-      </a:minorFont>
-    </a:fontScheme>
-    <a:fmtScheme name="Office">
-      <a:fillStyleLst>
-        <a:solidFill>
-          <a:schemeClr val="phClr"/>
-        </a:solidFill>
-        <a:gradFill rotWithShape="1">
-          <a:gsLst>
-            <a:gs pos="0">
-              <a:schemeClr val="phClr">
-                <a:lumMod val="110000"/>
-                <a:satMod val="105000"/>
-                <a:tint val="67000"/>
-              </a:schemeClr>
-            </a:gs>
-            <a:gs pos="50000">
-              <a:schemeClr val="phClr">
-                <a:lumMod val="105000"/>
-                <a:satMod val="103000"/>
-                <a:tint val="73000"/>
-              </a:schemeClr>
-            </a:gs>
-            <a:gs pos="100000">
-              <a:schemeClr val="phClr">
-                <a:lumMod val="105000"/>
-                <a:satMod val="109000"/>
-                <a:tint val="81000"/>
-              </a:schemeClr>
-            </a:gs>
-          </a:gsLst>
-          <a:lin ang="5400000" scaled="0"/>
-        </a:gradFill>
-        <a:gradFill rotWithShape="1">
-          <a:gsLst>
-            <a:gs pos="0">
-              <a:schemeClr val="phClr">
-                <a:satMod val="103000"/>
-                <a:lumMod val="102000"/>
-                <a:tint val="94000"/>
-              </a:schemeClr>
-            </a:gs>
-            <a:gs pos="50000">
-              <a:schemeClr val="phClr">
-                <a:satMod val="110000"/>
-                <a:lumMod val="100000"/>
-                <a:shade val="100000"/>
-              </a:schemeClr>
-            </a:gs>
-            <a:gs pos="100000">
-              <a:schemeClr val="phClr">
-                <a:lumMod val="99000"/>
-                <a:satMod val="120000"/>
-                <a:shade val="78000"/>
-              </a:schemeClr>
-            </a:gs>
-          </a:gsLst>
-          <a:lin ang="5400000" scaled="0"/>
-        </a:gradFill>
-      </a:fillStyleLst>
-      <a:lnStyleLst>
-        <a:ln w="6350" cap="flat" cmpd="sng" algn="ctr">
-          <a:solidFill>
-            <a:schemeClr val="phClr"/>
-          </a:solidFill>
-          <a:prstDash val="solid"/>
-          <a:miter lim="800000"/>
-        </a:ln>
-        <a:ln w="12700" cap="flat" cmpd="sng" algn="ctr">
-          <a:solidFill>
-            <a:schemeClr val="phClr"/>
-          </a:solidFill>
-          <a:prstDash val="solid"/>
-          <a:miter lim="800000"/>
-        </a:ln>
-        <a:ln w="19050" cap="flat" cmpd="sng" algn="ctr">
-          <a:solidFill>
-            <a:schemeClr val="phClr"/>
-          </a:solidFill>
-          <a:prstDash val="solid"/>
-          <a:miter lim="800000"/>
-        </a:ln>
-      </a:lnStyleLst>
-      <a:effectStyleLst>
-        <a:effectStyle>
-          <a:effectLst/>
-        </a:effectStyle>
-        <a:effectStyle>
-          <a:effectLst/>
-        </a:effectStyle>
-        <a:effectStyle>
-          <a:effectLst>
-            <a:outerShdw blurRad="57150" dist="19050" dir="5400000" algn="ctr" rotWithShape="0">
-              <a:srgbClr val="000000">
-                <a:alpha val="63000"/>
-              </a:srgbClr>
-            </a:outerShdw>
-          </a:effectLst>
-        </a:effectStyle>
-      </a:effectStyleLst>
-      <a:bgFillStyleLst>
-        <a:solidFill>
-          <a:schemeClr val="phClr"/>
-        </a:solidFill>
-        <a:solidFill>
-          <a:schemeClr val="phClr">
-            <a:tint val="95000"/>
-            <a:satMod val="170000"/>
-          </a:schemeClr>
-        </a:solidFill>
-        <a:gradFill rotWithShape="1">
-          <a:gsLst>
-            <a:gs pos="0">
-              <a:schemeClr val="phClr">
-                <a:tint val="93000"/>
-                <a:satMod val="150000"/>
-                <a:shade val="98000"/>
-                <a:lumMod val="102000"/>
-              </a:schemeClr>
-            </a:gs>
-            <a:gs pos="50000">
-              <a:schemeClr val="phClr">
-                <a:tint val="98000"/>
-                <a:satMod val="130000"/>
-                <a:shade val="90000"/>
-                <a:lumMod val="103000"/>
-              </a:schemeClr>
-            </a:gs>
-            <a:gs pos="100000">
-              <a:schemeClr val="phClr">
-                <a:shade val="63000"/>
-                <a:satMod val="120000"/>
-              </a:schemeClr>
-            </a:gs>
-          </a:gsLst>
-          <a:lin ang="5400000" scaled="0"/>
-        </a:gradFill>
-      </a:bgFillStyleLst>
-    </a:fmtScheme>
-  </a:themeElements>
-  <a:objectDefaults/>
-  <a:extraClrSchemeLst/>
-  <a:extLst>
-    <a:ext uri="{05A4C25C-085E-4340-85A3-A5531E510DB2}">
-      <thm15:themeFamily xmlns:thm15="http://schemas.microsoft.com/office/thememl/2012/main" name="Office Theme" id="{62F939B6-93AF-4DB8-9C6B-D6C7DFDC589F}" vid="{4A3C46E8-61CC-4603-A589-7422A47A8E4A}"/>
-    </a:ext>
-  </a:extLst>
-</a:theme>
 </file>